--- a/DraftSlides/Lecture4.pptx
+++ b/DraftSlides/Lecture4.pptx
@@ -224,13 +224,37 @@
 <file path=ppt/revisionInfo.xml><?xml version="1.0" encoding="utf-8"?>
 <p1510:revInfo xmlns:a="http://schemas.openxmlformats.org/drawingml/2006/main" xmlns:r="http://schemas.openxmlformats.org/officeDocument/2006/relationships" xmlns:p1510="http://schemas.microsoft.com/office/powerpoint/2015/10/main">
   <p1510:revLst>
-    <p1510:client id="{E2BF0542-8AC8-C546-A69D-6176F8674AAF}" v="223" dt="2022-01-25T14:23:31.722"/>
+    <p1510:client id="{7AAB9037-D3E7-4E95-95C6-0CA90313E5B6}" v="1" dt="2023-01-12T18:45:17.516"/>
   </p1510:revLst>
 </p1510:revInfo>
 </file>
 
 <file path=ppt/changesInfos/changesInfo1.xml><?xml version="1.0" encoding="utf-8"?>
 <pc:chgInfo xmlns:a="http://schemas.openxmlformats.org/drawingml/2006/main" xmlns:r="http://schemas.openxmlformats.org/officeDocument/2006/relationships" xmlns:ac="http://schemas.microsoft.com/office/drawing/2013/main/command" xmlns:pc="http://schemas.microsoft.com/office/powerpoint/2013/main/command">
+  <pc:docChgLst>
+    <pc:chgData name="Khattab, Sherif" userId="c83b1e15-36f3-4f46-aceb-05aac24c545e" providerId="ADAL" clId="{00771379-563B-405F-813C-A6D6F2B0CDAD}"/>
+    <pc:docChg chg="modSld">
+      <pc:chgData name="Khattab, Sherif" userId="c83b1e15-36f3-4f46-aceb-05aac24c545e" providerId="ADAL" clId="{00771379-563B-405F-813C-A6D6F2B0CDAD}" dt="2020-09-08T04:21:57.867" v="3" actId="20577"/>
+      <pc:docMkLst>
+        <pc:docMk/>
+      </pc:docMkLst>
+      <pc:sldChg chg="modSp mod">
+        <pc:chgData name="Khattab, Sherif" userId="c83b1e15-36f3-4f46-aceb-05aac24c545e" providerId="ADAL" clId="{00771379-563B-405F-813C-A6D6F2B0CDAD}" dt="2020-09-08T04:21:57.867" v="3" actId="20577"/>
+        <pc:sldMkLst>
+          <pc:docMk/>
+          <pc:sldMk cId="1330366002" sldId="454"/>
+        </pc:sldMkLst>
+        <pc:spChg chg="mod">
+          <ac:chgData name="Khattab, Sherif" userId="c83b1e15-36f3-4f46-aceb-05aac24c545e" providerId="ADAL" clId="{00771379-563B-405F-813C-A6D6F2B0CDAD}" dt="2020-09-08T04:21:57.867" v="3" actId="20577"/>
+          <ac:spMkLst>
+            <pc:docMk/>
+            <pc:sldMk cId="1330366002" sldId="454"/>
+            <ac:spMk id="3" creationId="{00000000-0000-0000-0000-000000000000}"/>
+          </ac:spMkLst>
+        </pc:spChg>
+      </pc:sldChg>
+    </pc:docChg>
+  </pc:docChgLst>
   <pc:docChgLst>
     <pc:chgData name="Khattab, Sherif" userId="c83b1e15-36f3-4f46-aceb-05aac24c545e" providerId="ADAL" clId="{E6EB0EA7-2544-4CF1-A7D6-AFF5E9AECA5D}"/>
     <pc:docChg chg="addSld delSld modSld modMainMaster">
@@ -1456,1654 +1480,549 @@
     </pc:docChg>
   </pc:docChgLst>
   <pc:docChgLst>
-    <pc:chgData name="Khattab, Sherif" userId="c83b1e15-36f3-4f46-aceb-05aac24c545e" providerId="ADAL" clId="{BA7E1913-A6F0-C848-94D5-CEC45678B150}"/>
-    <pc:docChg chg="addSld modSld">
-      <pc:chgData name="Khattab, Sherif" userId="c83b1e15-36f3-4f46-aceb-05aac24c545e" providerId="ADAL" clId="{BA7E1913-A6F0-C848-94D5-CEC45678B150}" dt="2021-01-20T03:36:45.256" v="0"/>
+    <pc:chgData name="Khattab, Sherif" userId="c83b1e15-36f3-4f46-aceb-05aac24c545e" providerId="ADAL" clId="{D3B568BB-B39E-460C-8C5D-693AE1E68CC4}"/>
+    <pc:docChg chg="undo custSel addSld delSld modSld sldOrd">
+      <pc:chgData name="Khattab, Sherif" userId="c83b1e15-36f3-4f46-aceb-05aac24c545e" providerId="ADAL" clId="{D3B568BB-B39E-460C-8C5D-693AE1E68CC4}" dt="2021-09-16T16:05:14.012" v="201" actId="2696"/>
       <pc:docMkLst>
         <pc:docMk/>
       </pc:docMkLst>
       <pc:sldChg chg="add">
-        <pc:chgData name="Khattab, Sherif" userId="c83b1e15-36f3-4f46-aceb-05aac24c545e" providerId="ADAL" clId="{BA7E1913-A6F0-C848-94D5-CEC45678B150}" dt="2021-01-20T03:36:45.256" v="0"/>
-        <pc:sldMkLst>
-          <pc:docMk/>
-          <pc:sldMk cId="2329144619" sldId="445"/>
+        <pc:chgData name="Khattab, Sherif" userId="c83b1e15-36f3-4f46-aceb-05aac24c545e" providerId="ADAL" clId="{D3B568BB-B39E-460C-8C5D-693AE1E68CC4}" dt="2021-09-13T21:49:00.407" v="1"/>
+        <pc:sldMkLst>
+          <pc:docMk/>
+          <pc:sldMk cId="306268545" sldId="282"/>
+        </pc:sldMkLst>
+      </pc:sldChg>
+      <pc:sldChg chg="add del">
+        <pc:chgData name="Khattab, Sherif" userId="c83b1e15-36f3-4f46-aceb-05aac24c545e" providerId="ADAL" clId="{D3B568BB-B39E-460C-8C5D-693AE1E68CC4}" dt="2021-09-16T16:05:14.012" v="201" actId="2696"/>
+        <pc:sldMkLst>
+          <pc:docMk/>
+          <pc:sldMk cId="2710637777" sldId="322"/>
+        </pc:sldMkLst>
+      </pc:sldChg>
+      <pc:sldChg chg="add del">
+        <pc:chgData name="Khattab, Sherif" userId="c83b1e15-36f3-4f46-aceb-05aac24c545e" providerId="ADAL" clId="{D3B568BB-B39E-460C-8C5D-693AE1E68CC4}" dt="2021-09-16T16:05:14.012" v="201" actId="2696"/>
+        <pc:sldMkLst>
+          <pc:docMk/>
+          <pc:sldMk cId="3292918179" sldId="324"/>
+        </pc:sldMkLst>
+      </pc:sldChg>
+      <pc:sldChg chg="add del">
+        <pc:chgData name="Khattab, Sherif" userId="c83b1e15-36f3-4f46-aceb-05aac24c545e" providerId="ADAL" clId="{D3B568BB-B39E-460C-8C5D-693AE1E68CC4}" dt="2021-09-16T16:05:14.012" v="201" actId="2696"/>
+        <pc:sldMkLst>
+          <pc:docMk/>
+          <pc:sldMk cId="434376579" sldId="363"/>
+        </pc:sldMkLst>
+      </pc:sldChg>
+      <pc:sldChg chg="add del">
+        <pc:chgData name="Khattab, Sherif" userId="c83b1e15-36f3-4f46-aceb-05aac24c545e" providerId="ADAL" clId="{D3B568BB-B39E-460C-8C5D-693AE1E68CC4}" dt="2021-09-16T16:05:14.012" v="201" actId="2696"/>
+        <pc:sldMkLst>
+          <pc:docMk/>
+          <pc:sldMk cId="815621424" sldId="364"/>
+        </pc:sldMkLst>
+      </pc:sldChg>
+      <pc:sldChg chg="add del">
+        <pc:chgData name="Khattab, Sherif" userId="c83b1e15-36f3-4f46-aceb-05aac24c545e" providerId="ADAL" clId="{D3B568BB-B39E-460C-8C5D-693AE1E68CC4}" dt="2021-09-16T16:05:14.012" v="201" actId="2696"/>
+        <pc:sldMkLst>
+          <pc:docMk/>
+          <pc:sldMk cId="2251973667" sldId="367"/>
+        </pc:sldMkLst>
+      </pc:sldChg>
+      <pc:sldChg chg="add del">
+        <pc:chgData name="Khattab, Sherif" userId="c83b1e15-36f3-4f46-aceb-05aac24c545e" providerId="ADAL" clId="{D3B568BB-B39E-460C-8C5D-693AE1E68CC4}" dt="2021-09-16T16:05:14.012" v="201" actId="2696"/>
+        <pc:sldMkLst>
+          <pc:docMk/>
+          <pc:sldMk cId="3138501136" sldId="368"/>
+        </pc:sldMkLst>
+      </pc:sldChg>
+      <pc:sldChg chg="del">
+        <pc:chgData name="Khattab, Sherif" userId="c83b1e15-36f3-4f46-aceb-05aac24c545e" providerId="ADAL" clId="{D3B568BB-B39E-460C-8C5D-693AE1E68CC4}" dt="2021-09-16T16:05:14.012" v="201" actId="2696"/>
+        <pc:sldMkLst>
+          <pc:docMk/>
+          <pc:sldMk cId="3210992163" sldId="369"/>
+        </pc:sldMkLst>
+      </pc:sldChg>
+      <pc:sldChg chg="del">
+        <pc:chgData name="Khattab, Sherif" userId="c83b1e15-36f3-4f46-aceb-05aac24c545e" providerId="ADAL" clId="{D3B568BB-B39E-460C-8C5D-693AE1E68CC4}" dt="2021-09-16T16:05:14.012" v="201" actId="2696"/>
+        <pc:sldMkLst>
+          <pc:docMk/>
+          <pc:sldMk cId="4013065491" sldId="370"/>
+        </pc:sldMkLst>
+      </pc:sldChg>
+      <pc:sldChg chg="del">
+        <pc:chgData name="Khattab, Sherif" userId="c83b1e15-36f3-4f46-aceb-05aac24c545e" providerId="ADAL" clId="{D3B568BB-B39E-460C-8C5D-693AE1E68CC4}" dt="2021-09-16T16:05:14.012" v="201" actId="2696"/>
+        <pc:sldMkLst>
+          <pc:docMk/>
+          <pc:sldMk cId="2592968416" sldId="371"/>
+        </pc:sldMkLst>
+      </pc:sldChg>
+      <pc:sldChg chg="del">
+        <pc:chgData name="Khattab, Sherif" userId="c83b1e15-36f3-4f46-aceb-05aac24c545e" providerId="ADAL" clId="{D3B568BB-B39E-460C-8C5D-693AE1E68CC4}" dt="2021-09-16T16:05:14.012" v="201" actId="2696"/>
+        <pc:sldMkLst>
+          <pc:docMk/>
+          <pc:sldMk cId="3848335379" sldId="372"/>
+        </pc:sldMkLst>
+      </pc:sldChg>
+      <pc:sldChg chg="del">
+        <pc:chgData name="Khattab, Sherif" userId="c83b1e15-36f3-4f46-aceb-05aac24c545e" providerId="ADAL" clId="{D3B568BB-B39E-460C-8C5D-693AE1E68CC4}" dt="2021-09-16T16:05:14.012" v="201" actId="2696"/>
+        <pc:sldMkLst>
+          <pc:docMk/>
+          <pc:sldMk cId="3161117264" sldId="373"/>
+        </pc:sldMkLst>
+      </pc:sldChg>
+      <pc:sldChg chg="del">
+        <pc:chgData name="Khattab, Sherif" userId="c83b1e15-36f3-4f46-aceb-05aac24c545e" providerId="ADAL" clId="{D3B568BB-B39E-460C-8C5D-693AE1E68CC4}" dt="2021-09-16T16:05:14.012" v="201" actId="2696"/>
+        <pc:sldMkLst>
+          <pc:docMk/>
+          <pc:sldMk cId="583513582" sldId="377"/>
+        </pc:sldMkLst>
+      </pc:sldChg>
+      <pc:sldChg chg="modSp add">
+        <pc:chgData name="Khattab, Sherif" userId="c83b1e15-36f3-4f46-aceb-05aac24c545e" providerId="ADAL" clId="{D3B568BB-B39E-460C-8C5D-693AE1E68CC4}" dt="2021-09-14T16:14:08.033" v="13" actId="20577"/>
+        <pc:sldMkLst>
+          <pc:docMk/>
+          <pc:sldMk cId="702367729" sldId="496"/>
+        </pc:sldMkLst>
+        <pc:spChg chg="mod">
+          <ac:chgData name="Khattab, Sherif" userId="c83b1e15-36f3-4f46-aceb-05aac24c545e" providerId="ADAL" clId="{D3B568BB-B39E-460C-8C5D-693AE1E68CC4}" dt="2021-09-14T16:14:08.033" v="13" actId="20577"/>
+          <ac:spMkLst>
+            <pc:docMk/>
+            <pc:sldMk cId="702367729" sldId="496"/>
+            <ac:spMk id="3" creationId="{2466C52D-9A48-4683-BE7F-268D8DB7FAAD}"/>
+          </ac:spMkLst>
+        </pc:spChg>
+      </pc:sldChg>
+      <pc:sldChg chg="del">
+        <pc:chgData name="Khattab, Sherif" userId="c83b1e15-36f3-4f46-aceb-05aac24c545e" providerId="ADAL" clId="{D3B568BB-B39E-460C-8C5D-693AE1E68CC4}" dt="2021-09-16T16:05:14.012" v="201" actId="2696"/>
+        <pc:sldMkLst>
+          <pc:docMk/>
+          <pc:sldMk cId="2782489002" sldId="497"/>
+        </pc:sldMkLst>
+      </pc:sldChg>
+      <pc:sldChg chg="modSp del mod">
+        <pc:chgData name="Khattab, Sherif" userId="c83b1e15-36f3-4f46-aceb-05aac24c545e" providerId="ADAL" clId="{D3B568BB-B39E-460C-8C5D-693AE1E68CC4}" dt="2021-09-14T16:13:53.392" v="8" actId="47"/>
+        <pc:sldMkLst>
+          <pc:docMk/>
+          <pc:sldMk cId="4070542404" sldId="498"/>
+        </pc:sldMkLst>
+        <pc:spChg chg="mod">
+          <ac:chgData name="Khattab, Sherif" userId="c83b1e15-36f3-4f46-aceb-05aac24c545e" providerId="ADAL" clId="{D3B568BB-B39E-460C-8C5D-693AE1E68CC4}" dt="2021-09-14T16:13:24.855" v="6" actId="20577"/>
+          <ac:spMkLst>
+            <pc:docMk/>
+            <pc:sldMk cId="4070542404" sldId="498"/>
+            <ac:spMk id="3" creationId="{2466C52D-9A48-4683-BE7F-268D8DB7FAAD}"/>
+          </ac:spMkLst>
+        </pc:spChg>
+      </pc:sldChg>
+      <pc:sldChg chg="modSp add mod modAnim">
+        <pc:chgData name="Khattab, Sherif" userId="c83b1e15-36f3-4f46-aceb-05aac24c545e" providerId="ADAL" clId="{D3B568BB-B39E-460C-8C5D-693AE1E68CC4}" dt="2021-09-14T16:29:38.444" v="200"/>
+        <pc:sldMkLst>
+          <pc:docMk/>
+          <pc:sldMk cId="3238743984" sldId="499"/>
+        </pc:sldMkLst>
+        <pc:spChg chg="mod">
+          <ac:chgData name="Khattab, Sherif" userId="c83b1e15-36f3-4f46-aceb-05aac24c545e" providerId="ADAL" clId="{D3B568BB-B39E-460C-8C5D-693AE1E68CC4}" dt="2021-09-14T16:29:11.743" v="193" actId="20577"/>
+          <ac:spMkLst>
+            <pc:docMk/>
+            <pc:sldMk cId="3238743984" sldId="499"/>
+            <ac:spMk id="3" creationId="{E1064C43-9078-4C76-A016-C8AE45AE9774}"/>
+          </ac:spMkLst>
+        </pc:spChg>
+      </pc:sldChg>
+      <pc:sldChg chg="del">
+        <pc:chgData name="Khattab, Sherif" userId="c83b1e15-36f3-4f46-aceb-05aac24c545e" providerId="ADAL" clId="{D3B568BB-B39E-460C-8C5D-693AE1E68CC4}" dt="2021-09-14T16:19:18.749" v="100" actId="2696"/>
+        <pc:sldMkLst>
+          <pc:docMk/>
+          <pc:sldMk cId="1076502047" sldId="500"/>
         </pc:sldMkLst>
       </pc:sldChg>
       <pc:sldChg chg="add">
-        <pc:chgData name="Khattab, Sherif" userId="c83b1e15-36f3-4f46-aceb-05aac24c545e" providerId="ADAL" clId="{BA7E1913-A6F0-C848-94D5-CEC45678B150}" dt="2021-01-20T03:36:45.256" v="0"/>
-        <pc:sldMkLst>
-          <pc:docMk/>
-          <pc:sldMk cId="1783368962" sldId="448"/>
+        <pc:chgData name="Khattab, Sherif" userId="c83b1e15-36f3-4f46-aceb-05aac24c545e" providerId="ADAL" clId="{D3B568BB-B39E-460C-8C5D-693AE1E68CC4}" dt="2021-09-13T21:49:00.407" v="1"/>
+        <pc:sldMkLst>
+          <pc:docMk/>
+          <pc:sldMk cId="4120720973" sldId="503"/>
+        </pc:sldMkLst>
+      </pc:sldChg>
+      <pc:sldChg chg="modSp mod">
+        <pc:chgData name="Khattab, Sherif" userId="c83b1e15-36f3-4f46-aceb-05aac24c545e" providerId="ADAL" clId="{D3B568BB-B39E-460C-8C5D-693AE1E68CC4}" dt="2021-09-14T16:15:14.693" v="82" actId="20577"/>
+        <pc:sldMkLst>
+          <pc:docMk/>
+          <pc:sldMk cId="747882086" sldId="504"/>
+        </pc:sldMkLst>
+        <pc:spChg chg="mod">
+          <ac:chgData name="Khattab, Sherif" userId="c83b1e15-36f3-4f46-aceb-05aac24c545e" providerId="ADAL" clId="{D3B568BB-B39E-460C-8C5D-693AE1E68CC4}" dt="2021-09-14T16:15:14.693" v="82" actId="20577"/>
+          <ac:spMkLst>
+            <pc:docMk/>
+            <pc:sldMk cId="747882086" sldId="504"/>
+            <ac:spMk id="3" creationId="{93532249-5E17-2A4B-B649-961DDDF1F5F6}"/>
+          </ac:spMkLst>
+        </pc:spChg>
+      </pc:sldChg>
+      <pc:sldChg chg="del">
+        <pc:chgData name="Khattab, Sherif" userId="c83b1e15-36f3-4f46-aceb-05aac24c545e" providerId="ADAL" clId="{D3B568BB-B39E-460C-8C5D-693AE1E68CC4}" dt="2021-09-14T16:17:14.707" v="91" actId="47"/>
+        <pc:sldMkLst>
+          <pc:docMk/>
+          <pc:sldMk cId="3635299179" sldId="505"/>
+        </pc:sldMkLst>
+      </pc:sldChg>
+      <pc:sldChg chg="del">
+        <pc:chgData name="Khattab, Sherif" userId="c83b1e15-36f3-4f46-aceb-05aac24c545e" providerId="ADAL" clId="{D3B568BB-B39E-460C-8C5D-693AE1E68CC4}" dt="2021-09-16T16:05:14.012" v="201" actId="2696"/>
+        <pc:sldMkLst>
+          <pc:docMk/>
+          <pc:sldMk cId="3696636401" sldId="506"/>
+        </pc:sldMkLst>
+      </pc:sldChg>
+      <pc:sldChg chg="del">
+        <pc:chgData name="Khattab, Sherif" userId="c83b1e15-36f3-4f46-aceb-05aac24c545e" providerId="ADAL" clId="{D3B568BB-B39E-460C-8C5D-693AE1E68CC4}" dt="2021-09-16T16:05:14.012" v="201" actId="2696"/>
+        <pc:sldMkLst>
+          <pc:docMk/>
+          <pc:sldMk cId="3742099282" sldId="507"/>
         </pc:sldMkLst>
       </pc:sldChg>
       <pc:sldChg chg="add">
-        <pc:chgData name="Khattab, Sherif" userId="c83b1e15-36f3-4f46-aceb-05aac24c545e" providerId="ADAL" clId="{BA7E1913-A6F0-C848-94D5-CEC45678B150}" dt="2021-01-20T03:36:45.256" v="0"/>
-        <pc:sldMkLst>
-          <pc:docMk/>
-          <pc:sldMk cId="2276002102" sldId="451"/>
-        </pc:sldMkLst>
-      </pc:sldChg>
-      <pc:sldChg chg="modSp">
-        <pc:chgData name="Khattab, Sherif" userId="c83b1e15-36f3-4f46-aceb-05aac24c545e" providerId="ADAL" clId="{BA7E1913-A6F0-C848-94D5-CEC45678B150}" dt="2021-01-20T03:36:45.256" v="0"/>
-        <pc:sldMkLst>
-          <pc:docMk/>
-          <pc:sldMk cId="1025764700" sldId="471"/>
-        </pc:sldMkLst>
-        <pc:spChg chg="mod">
-          <ac:chgData name="Khattab, Sherif" userId="c83b1e15-36f3-4f46-aceb-05aac24c545e" providerId="ADAL" clId="{BA7E1913-A6F0-C848-94D5-CEC45678B150}" dt="2021-01-20T03:36:45.256" v="0"/>
-          <ac:spMkLst>
-            <pc:docMk/>
-            <pc:sldMk cId="1025764700" sldId="471"/>
-            <ac:spMk id="2" creationId="{002C4211-0128-449E-9D1F-69BC748F2810}"/>
-          </ac:spMkLst>
-        </pc:spChg>
-        <pc:spChg chg="mod">
-          <ac:chgData name="Khattab, Sherif" userId="c83b1e15-36f3-4f46-aceb-05aac24c545e" providerId="ADAL" clId="{BA7E1913-A6F0-C848-94D5-CEC45678B150}" dt="2021-01-20T03:36:45.256" v="0"/>
-          <ac:spMkLst>
-            <pc:docMk/>
-            <pc:sldMk cId="1025764700" sldId="471"/>
-            <ac:spMk id="4" creationId="{2E01187D-8C39-467D-8FD2-B6E79B15F5CB}"/>
-          </ac:spMkLst>
-        </pc:spChg>
-        <pc:spChg chg="mod">
-          <ac:chgData name="Khattab, Sherif" userId="c83b1e15-36f3-4f46-aceb-05aac24c545e" providerId="ADAL" clId="{BA7E1913-A6F0-C848-94D5-CEC45678B150}" dt="2021-01-20T03:36:45.256" v="0"/>
-          <ac:spMkLst>
-            <pc:docMk/>
-            <pc:sldMk cId="1025764700" sldId="471"/>
-            <ac:spMk id="5121" creationId="{7512BAA4-EBB3-4158-9546-24CBE50F6439}"/>
-          </ac:spMkLst>
-        </pc:spChg>
-        <pc:spChg chg="mod">
-          <ac:chgData name="Khattab, Sherif" userId="c83b1e15-36f3-4f46-aceb-05aac24c545e" providerId="ADAL" clId="{BA7E1913-A6F0-C848-94D5-CEC45678B150}" dt="2021-01-20T03:36:45.256" v="0"/>
-          <ac:spMkLst>
-            <pc:docMk/>
-            <pc:sldMk cId="1025764700" sldId="471"/>
-            <ac:spMk id="5122" creationId="{23997D45-6B1B-416E-BB06-0DAFD6B2DE75}"/>
-          </ac:spMkLst>
-        </pc:spChg>
-        <pc:grpChg chg="mod">
-          <ac:chgData name="Khattab, Sherif" userId="c83b1e15-36f3-4f46-aceb-05aac24c545e" providerId="ADAL" clId="{BA7E1913-A6F0-C848-94D5-CEC45678B150}" dt="2021-01-20T03:36:45.256" v="0"/>
-          <ac:grpSpMkLst>
-            <pc:docMk/>
-            <pc:sldMk cId="1025764700" sldId="471"/>
-            <ac:grpSpMk id="1" creationId="{00000000-0000-0000-0000-000000000000}"/>
-          </ac:grpSpMkLst>
-        </pc:grpChg>
-        <pc:graphicFrameChg chg="mod">
-          <ac:chgData name="Khattab, Sherif" userId="c83b1e15-36f3-4f46-aceb-05aac24c545e" providerId="ADAL" clId="{BA7E1913-A6F0-C848-94D5-CEC45678B150}" dt="2021-01-20T03:36:45.256" v="0"/>
-          <ac:graphicFrameMkLst>
-            <pc:docMk/>
-            <pc:sldMk cId="1025764700" sldId="471"/>
-            <ac:graphicFrameMk id="5123" creationId="{21D7AF36-DB7D-4E96-B4D0-2E733D24C464}"/>
-          </ac:graphicFrameMkLst>
-        </pc:graphicFrameChg>
-      </pc:sldChg>
-      <pc:sldChg chg="modSp">
-        <pc:chgData name="Khattab, Sherif" userId="c83b1e15-36f3-4f46-aceb-05aac24c545e" providerId="ADAL" clId="{BA7E1913-A6F0-C848-94D5-CEC45678B150}" dt="2021-01-20T03:36:45.256" v="0"/>
-        <pc:sldMkLst>
-          <pc:docMk/>
-          <pc:sldMk cId="3109107092" sldId="472"/>
-        </pc:sldMkLst>
-        <pc:spChg chg="mod">
-          <ac:chgData name="Khattab, Sherif" userId="c83b1e15-36f3-4f46-aceb-05aac24c545e" providerId="ADAL" clId="{BA7E1913-A6F0-C848-94D5-CEC45678B150}" dt="2021-01-20T03:36:45.256" v="0"/>
-          <ac:spMkLst>
-            <pc:docMk/>
-            <pc:sldMk cId="3109107092" sldId="472"/>
-            <ac:spMk id="3" creationId="{30AEF3C6-7EA7-449A-9293-E3ED9F2886F9}"/>
-          </ac:spMkLst>
-        </pc:spChg>
-        <pc:spChg chg="mod">
-          <ac:chgData name="Khattab, Sherif" userId="c83b1e15-36f3-4f46-aceb-05aac24c545e" providerId="ADAL" clId="{BA7E1913-A6F0-C848-94D5-CEC45678B150}" dt="2021-01-20T03:36:45.256" v="0"/>
-          <ac:spMkLst>
-            <pc:docMk/>
-            <pc:sldMk cId="3109107092" sldId="472"/>
-            <ac:spMk id="5" creationId="{86D334BE-F1A0-401C-A7A6-E8399DADA66A}"/>
-          </ac:spMkLst>
-        </pc:spChg>
-        <pc:spChg chg="mod">
-          <ac:chgData name="Khattab, Sherif" userId="c83b1e15-36f3-4f46-aceb-05aac24c545e" providerId="ADAL" clId="{BA7E1913-A6F0-C848-94D5-CEC45678B150}" dt="2021-01-20T03:36:45.256" v="0"/>
-          <ac:spMkLst>
-            <pc:docMk/>
-            <pc:sldMk cId="3109107092" sldId="472"/>
-            <ac:spMk id="7" creationId="{E5F29704-03AA-B747-A2ED-5B8027B1EDEB}"/>
-          </ac:spMkLst>
-        </pc:spChg>
-        <pc:spChg chg="mod">
-          <ac:chgData name="Khattab, Sherif" userId="c83b1e15-36f3-4f46-aceb-05aac24c545e" providerId="ADAL" clId="{BA7E1913-A6F0-C848-94D5-CEC45678B150}" dt="2021-01-20T03:36:45.256" v="0"/>
-          <ac:spMkLst>
-            <pc:docMk/>
-            <pc:sldMk cId="3109107092" sldId="472"/>
-            <ac:spMk id="6146" creationId="{5AEA12F1-A345-4E80-B81B-BB7F54B720F7}"/>
-          </ac:spMkLst>
-        </pc:spChg>
-        <pc:grpChg chg="mod">
-          <ac:chgData name="Khattab, Sherif" userId="c83b1e15-36f3-4f46-aceb-05aac24c545e" providerId="ADAL" clId="{BA7E1913-A6F0-C848-94D5-CEC45678B150}" dt="2021-01-20T03:36:45.256" v="0"/>
-          <ac:grpSpMkLst>
-            <pc:docMk/>
-            <pc:sldMk cId="3109107092" sldId="472"/>
-            <ac:grpSpMk id="1" creationId="{00000000-0000-0000-0000-000000000000}"/>
-          </ac:grpSpMkLst>
-        </pc:grpChg>
-        <pc:graphicFrameChg chg="mod">
-          <ac:chgData name="Khattab, Sherif" userId="c83b1e15-36f3-4f46-aceb-05aac24c545e" providerId="ADAL" clId="{BA7E1913-A6F0-C848-94D5-CEC45678B150}" dt="2021-01-20T03:36:45.256" v="0"/>
-          <ac:graphicFrameMkLst>
-            <pc:docMk/>
-            <pc:sldMk cId="3109107092" sldId="472"/>
-            <ac:graphicFrameMk id="6145" creationId="{1F7F153F-0046-48A7-AF42-071F4C813482}"/>
-          </ac:graphicFrameMkLst>
-        </pc:graphicFrameChg>
-      </pc:sldChg>
-      <pc:sldChg chg="modSp">
-        <pc:chgData name="Khattab, Sherif" userId="c83b1e15-36f3-4f46-aceb-05aac24c545e" providerId="ADAL" clId="{BA7E1913-A6F0-C848-94D5-CEC45678B150}" dt="2021-01-20T03:36:45.256" v="0"/>
-        <pc:sldMkLst>
-          <pc:docMk/>
-          <pc:sldMk cId="4038969182" sldId="477"/>
-        </pc:sldMkLst>
-        <pc:spChg chg="mod">
-          <ac:chgData name="Khattab, Sherif" userId="c83b1e15-36f3-4f46-aceb-05aac24c545e" providerId="ADAL" clId="{BA7E1913-A6F0-C848-94D5-CEC45678B150}" dt="2021-01-20T03:36:45.256" v="0"/>
-          <ac:spMkLst>
-            <pc:docMk/>
-            <pc:sldMk cId="4038969182" sldId="477"/>
-            <ac:spMk id="2" creationId="{FC2F5822-FB95-4FA7-8814-7A9973030216}"/>
-          </ac:spMkLst>
-        </pc:spChg>
-        <pc:spChg chg="mod">
-          <ac:chgData name="Khattab, Sherif" userId="c83b1e15-36f3-4f46-aceb-05aac24c545e" providerId="ADAL" clId="{BA7E1913-A6F0-C848-94D5-CEC45678B150}" dt="2021-01-20T03:36:45.256" v="0"/>
-          <ac:spMkLst>
-            <pc:docMk/>
-            <pc:sldMk cId="4038969182" sldId="477"/>
-            <ac:spMk id="4" creationId="{AC512AFF-6A18-4D49-A4E6-2CC1827AA033}"/>
-          </ac:spMkLst>
-        </pc:spChg>
-        <pc:spChg chg="mod">
-          <ac:chgData name="Khattab, Sherif" userId="c83b1e15-36f3-4f46-aceb-05aac24c545e" providerId="ADAL" clId="{BA7E1913-A6F0-C848-94D5-CEC45678B150}" dt="2021-01-20T03:36:45.256" v="0"/>
-          <ac:spMkLst>
-            <pc:docMk/>
-            <pc:sldMk cId="4038969182" sldId="477"/>
-            <ac:spMk id="16385" creationId="{6A11D2B9-CA45-4A0D-B509-8257E2D9B94F}"/>
-          </ac:spMkLst>
-        </pc:spChg>
-        <pc:spChg chg="mod">
-          <ac:chgData name="Khattab, Sherif" userId="c83b1e15-36f3-4f46-aceb-05aac24c545e" providerId="ADAL" clId="{BA7E1913-A6F0-C848-94D5-CEC45678B150}" dt="2021-01-20T03:36:45.256" v="0"/>
-          <ac:spMkLst>
-            <pc:docMk/>
-            <pc:sldMk cId="4038969182" sldId="477"/>
-            <ac:spMk id="16386" creationId="{2EE14E1C-57AD-4AA5-8D97-EF494DA8A5A6}"/>
-          </ac:spMkLst>
-        </pc:spChg>
-        <pc:grpChg chg="mod">
-          <ac:chgData name="Khattab, Sherif" userId="c83b1e15-36f3-4f46-aceb-05aac24c545e" providerId="ADAL" clId="{BA7E1913-A6F0-C848-94D5-CEC45678B150}" dt="2021-01-20T03:36:45.256" v="0"/>
-          <ac:grpSpMkLst>
-            <pc:docMk/>
-            <pc:sldMk cId="4038969182" sldId="477"/>
-            <ac:grpSpMk id="1" creationId="{00000000-0000-0000-0000-000000000000}"/>
-          </ac:grpSpMkLst>
-        </pc:grpChg>
-        <pc:graphicFrameChg chg="mod">
-          <ac:chgData name="Khattab, Sherif" userId="c83b1e15-36f3-4f46-aceb-05aac24c545e" providerId="ADAL" clId="{BA7E1913-A6F0-C848-94D5-CEC45678B150}" dt="2021-01-20T03:36:45.256" v="0"/>
-          <ac:graphicFrameMkLst>
-            <pc:docMk/>
-            <pc:sldMk cId="4038969182" sldId="477"/>
-            <ac:graphicFrameMk id="16387" creationId="{AF2F8ED8-16A1-4F89-BDB6-8C2730B36B52}"/>
-          </ac:graphicFrameMkLst>
-        </pc:graphicFrameChg>
-      </pc:sldChg>
-      <pc:sldChg chg="modSp">
-        <pc:chgData name="Khattab, Sherif" userId="c83b1e15-36f3-4f46-aceb-05aac24c545e" providerId="ADAL" clId="{BA7E1913-A6F0-C848-94D5-CEC45678B150}" dt="2021-01-20T03:36:45.256" v="0"/>
-        <pc:sldMkLst>
-          <pc:docMk/>
-          <pc:sldMk cId="873856523" sldId="479"/>
-        </pc:sldMkLst>
-        <pc:spChg chg="mod">
-          <ac:chgData name="Khattab, Sherif" userId="c83b1e15-36f3-4f46-aceb-05aac24c545e" providerId="ADAL" clId="{BA7E1913-A6F0-C848-94D5-CEC45678B150}" dt="2021-01-20T03:36:45.256" v="0"/>
-          <ac:spMkLst>
-            <pc:docMk/>
-            <pc:sldMk cId="873856523" sldId="479"/>
-            <ac:spMk id="2" creationId="{0EA6D591-B53C-496E-AC8A-4A137C95CFED}"/>
-          </ac:spMkLst>
-        </pc:spChg>
-        <pc:spChg chg="mod">
-          <ac:chgData name="Khattab, Sherif" userId="c83b1e15-36f3-4f46-aceb-05aac24c545e" providerId="ADAL" clId="{BA7E1913-A6F0-C848-94D5-CEC45678B150}" dt="2021-01-20T03:36:45.256" v="0"/>
-          <ac:spMkLst>
-            <pc:docMk/>
-            <pc:sldMk cId="873856523" sldId="479"/>
-            <ac:spMk id="4" creationId="{ED98CD1B-CC0F-4183-9A7A-D761866A6186}"/>
-          </ac:spMkLst>
-        </pc:spChg>
-        <pc:spChg chg="mod">
-          <ac:chgData name="Khattab, Sherif" userId="c83b1e15-36f3-4f46-aceb-05aac24c545e" providerId="ADAL" clId="{BA7E1913-A6F0-C848-94D5-CEC45678B150}" dt="2021-01-20T03:36:45.256" v="0"/>
-          <ac:spMkLst>
-            <pc:docMk/>
-            <pc:sldMk cId="873856523" sldId="479"/>
-            <ac:spMk id="18433" creationId="{E3607FC9-A77A-4CEC-B201-FD6943B401ED}"/>
-          </ac:spMkLst>
-        </pc:spChg>
-        <pc:spChg chg="mod">
-          <ac:chgData name="Khattab, Sherif" userId="c83b1e15-36f3-4f46-aceb-05aac24c545e" providerId="ADAL" clId="{BA7E1913-A6F0-C848-94D5-CEC45678B150}" dt="2021-01-20T03:36:45.256" v="0"/>
-          <ac:spMkLst>
-            <pc:docMk/>
-            <pc:sldMk cId="873856523" sldId="479"/>
-            <ac:spMk id="18434" creationId="{A670C1CC-C98F-4983-9392-1D866C0F5D42}"/>
-          </ac:spMkLst>
-        </pc:spChg>
-        <pc:grpChg chg="mod">
-          <ac:chgData name="Khattab, Sherif" userId="c83b1e15-36f3-4f46-aceb-05aac24c545e" providerId="ADAL" clId="{BA7E1913-A6F0-C848-94D5-CEC45678B150}" dt="2021-01-20T03:36:45.256" v="0"/>
-          <ac:grpSpMkLst>
-            <pc:docMk/>
-            <pc:sldMk cId="873856523" sldId="479"/>
-            <ac:grpSpMk id="1" creationId="{00000000-0000-0000-0000-000000000000}"/>
-          </ac:grpSpMkLst>
-        </pc:grpChg>
-        <pc:graphicFrameChg chg="mod">
-          <ac:chgData name="Khattab, Sherif" userId="c83b1e15-36f3-4f46-aceb-05aac24c545e" providerId="ADAL" clId="{BA7E1913-A6F0-C848-94D5-CEC45678B150}" dt="2021-01-20T03:36:45.256" v="0"/>
-          <ac:graphicFrameMkLst>
-            <pc:docMk/>
-            <pc:sldMk cId="873856523" sldId="479"/>
-            <ac:graphicFrameMk id="18435" creationId="{E649380A-CE1F-4021-A060-3DE112829840}"/>
-          </ac:graphicFrameMkLst>
-        </pc:graphicFrameChg>
-      </pc:sldChg>
-      <pc:sldChg chg="modSp">
-        <pc:chgData name="Khattab, Sherif" userId="c83b1e15-36f3-4f46-aceb-05aac24c545e" providerId="ADAL" clId="{BA7E1913-A6F0-C848-94D5-CEC45678B150}" dt="2021-01-20T03:36:45.256" v="0"/>
-        <pc:sldMkLst>
-          <pc:docMk/>
-          <pc:sldMk cId="1560930406" sldId="482"/>
-        </pc:sldMkLst>
-        <pc:spChg chg="mod">
-          <ac:chgData name="Khattab, Sherif" userId="c83b1e15-36f3-4f46-aceb-05aac24c545e" providerId="ADAL" clId="{BA7E1913-A6F0-C848-94D5-CEC45678B150}" dt="2021-01-20T03:36:45.256" v="0"/>
-          <ac:spMkLst>
-            <pc:docMk/>
-            <pc:sldMk cId="1560930406" sldId="482"/>
-            <ac:spMk id="2" creationId="{DF0F4013-0B68-4D88-865A-4FC3176C8654}"/>
-          </ac:spMkLst>
-        </pc:spChg>
-        <pc:spChg chg="mod">
-          <ac:chgData name="Khattab, Sherif" userId="c83b1e15-36f3-4f46-aceb-05aac24c545e" providerId="ADAL" clId="{BA7E1913-A6F0-C848-94D5-CEC45678B150}" dt="2021-01-20T03:36:45.256" v="0"/>
-          <ac:spMkLst>
-            <pc:docMk/>
-            <pc:sldMk cId="1560930406" sldId="482"/>
-            <ac:spMk id="4" creationId="{EC2FC32F-B9CD-4D1A-AE2B-0825BE055635}"/>
-          </ac:spMkLst>
-        </pc:spChg>
-        <pc:spChg chg="mod">
-          <ac:chgData name="Khattab, Sherif" userId="c83b1e15-36f3-4f46-aceb-05aac24c545e" providerId="ADAL" clId="{BA7E1913-A6F0-C848-94D5-CEC45678B150}" dt="2021-01-20T03:36:45.256" v="0"/>
-          <ac:spMkLst>
-            <pc:docMk/>
-            <pc:sldMk cId="1560930406" sldId="482"/>
-            <ac:spMk id="23553" creationId="{E59624D1-FEEB-4340-9651-13DD586B53A9}"/>
-          </ac:spMkLst>
-        </pc:spChg>
-        <pc:spChg chg="mod">
-          <ac:chgData name="Khattab, Sherif" userId="c83b1e15-36f3-4f46-aceb-05aac24c545e" providerId="ADAL" clId="{BA7E1913-A6F0-C848-94D5-CEC45678B150}" dt="2021-01-20T03:36:45.256" v="0"/>
-          <ac:spMkLst>
-            <pc:docMk/>
-            <pc:sldMk cId="1560930406" sldId="482"/>
-            <ac:spMk id="23554" creationId="{352A19DE-2E99-4131-8018-428EB1D381D8}"/>
-          </ac:spMkLst>
-        </pc:spChg>
-        <pc:grpChg chg="mod">
-          <ac:chgData name="Khattab, Sherif" userId="c83b1e15-36f3-4f46-aceb-05aac24c545e" providerId="ADAL" clId="{BA7E1913-A6F0-C848-94D5-CEC45678B150}" dt="2021-01-20T03:36:45.256" v="0"/>
-          <ac:grpSpMkLst>
-            <pc:docMk/>
-            <pc:sldMk cId="1560930406" sldId="482"/>
-            <ac:grpSpMk id="1" creationId="{00000000-0000-0000-0000-000000000000}"/>
-          </ac:grpSpMkLst>
-        </pc:grpChg>
-        <pc:graphicFrameChg chg="mod">
-          <ac:chgData name="Khattab, Sherif" userId="c83b1e15-36f3-4f46-aceb-05aac24c545e" providerId="ADAL" clId="{BA7E1913-A6F0-C848-94D5-CEC45678B150}" dt="2021-01-20T03:36:45.256" v="0"/>
-          <ac:graphicFrameMkLst>
-            <pc:docMk/>
-            <pc:sldMk cId="1560930406" sldId="482"/>
-            <ac:graphicFrameMk id="23555" creationId="{72BCA54F-0328-4938-A740-EE2040664901}"/>
-          </ac:graphicFrameMkLst>
-        </pc:graphicFrameChg>
-      </pc:sldChg>
-      <pc:sldChg chg="modSp">
-        <pc:chgData name="Khattab, Sherif" userId="c83b1e15-36f3-4f46-aceb-05aac24c545e" providerId="ADAL" clId="{BA7E1913-A6F0-C848-94D5-CEC45678B150}" dt="2021-01-20T03:36:45.256" v="0"/>
-        <pc:sldMkLst>
-          <pc:docMk/>
-          <pc:sldMk cId="1948397067" sldId="484"/>
-        </pc:sldMkLst>
-        <pc:spChg chg="mod">
-          <ac:chgData name="Khattab, Sherif" userId="c83b1e15-36f3-4f46-aceb-05aac24c545e" providerId="ADAL" clId="{BA7E1913-A6F0-C848-94D5-CEC45678B150}" dt="2021-01-20T03:36:45.256" v="0"/>
-          <ac:spMkLst>
-            <pc:docMk/>
-            <pc:sldMk cId="1948397067" sldId="484"/>
-            <ac:spMk id="3" creationId="{8EEA02BE-54EF-4DED-8936-3DDE41ED48F3}"/>
-          </ac:spMkLst>
-        </pc:spChg>
-        <pc:spChg chg="mod">
-          <ac:chgData name="Khattab, Sherif" userId="c83b1e15-36f3-4f46-aceb-05aac24c545e" providerId="ADAL" clId="{BA7E1913-A6F0-C848-94D5-CEC45678B150}" dt="2021-01-20T03:36:45.256" v="0"/>
-          <ac:spMkLst>
-            <pc:docMk/>
-            <pc:sldMk cId="1948397067" sldId="484"/>
-            <ac:spMk id="5" creationId="{DE1FD728-0EB3-4F5A-B200-1BF20173728C}"/>
-          </ac:spMkLst>
-        </pc:spChg>
-        <pc:spChg chg="mod">
-          <ac:chgData name="Khattab, Sherif" userId="c83b1e15-36f3-4f46-aceb-05aac24c545e" providerId="ADAL" clId="{BA7E1913-A6F0-C848-94D5-CEC45678B150}" dt="2021-01-20T03:36:45.256" v="0"/>
-          <ac:spMkLst>
-            <pc:docMk/>
-            <pc:sldMk cId="1948397067" sldId="484"/>
-            <ac:spMk id="7" creationId="{8A225AA0-21AD-A843-A4E3-3C82E24A7D11}"/>
-          </ac:spMkLst>
-        </pc:spChg>
-        <pc:spChg chg="mod">
-          <ac:chgData name="Khattab, Sherif" userId="c83b1e15-36f3-4f46-aceb-05aac24c545e" providerId="ADAL" clId="{BA7E1913-A6F0-C848-94D5-CEC45678B150}" dt="2021-01-20T03:36:45.256" v="0"/>
-          <ac:spMkLst>
-            <pc:docMk/>
-            <pc:sldMk cId="1948397067" sldId="484"/>
-            <ac:spMk id="25601" creationId="{5E2E26B9-79A1-4156-BA81-69E66E0DF0CE}"/>
-          </ac:spMkLst>
-        </pc:spChg>
-        <pc:grpChg chg="mod">
-          <ac:chgData name="Khattab, Sherif" userId="c83b1e15-36f3-4f46-aceb-05aac24c545e" providerId="ADAL" clId="{BA7E1913-A6F0-C848-94D5-CEC45678B150}" dt="2021-01-20T03:36:45.256" v="0"/>
-          <ac:grpSpMkLst>
-            <pc:docMk/>
-            <pc:sldMk cId="1948397067" sldId="484"/>
-            <ac:grpSpMk id="1" creationId="{00000000-0000-0000-0000-000000000000}"/>
-          </ac:grpSpMkLst>
-        </pc:grpChg>
-        <pc:graphicFrameChg chg="mod">
-          <ac:chgData name="Khattab, Sherif" userId="c83b1e15-36f3-4f46-aceb-05aac24c545e" providerId="ADAL" clId="{BA7E1913-A6F0-C848-94D5-CEC45678B150}" dt="2021-01-20T03:36:45.256" v="0"/>
-          <ac:graphicFrameMkLst>
-            <pc:docMk/>
-            <pc:sldMk cId="1948397067" sldId="484"/>
-            <ac:graphicFrameMk id="25602" creationId="{D681AA8F-570B-452A-9EE8-6BAD95C0CB2A}"/>
-          </ac:graphicFrameMkLst>
-        </pc:graphicFrameChg>
-      </pc:sldChg>
-      <pc:sldChg chg="modSp">
-        <pc:chgData name="Khattab, Sherif" userId="c83b1e15-36f3-4f46-aceb-05aac24c545e" providerId="ADAL" clId="{BA7E1913-A6F0-C848-94D5-CEC45678B150}" dt="2021-01-20T03:36:45.256" v="0"/>
-        <pc:sldMkLst>
-          <pc:docMk/>
-          <pc:sldMk cId="1363323927" sldId="488"/>
-        </pc:sldMkLst>
-        <pc:spChg chg="mod">
-          <ac:chgData name="Khattab, Sherif" userId="c83b1e15-36f3-4f46-aceb-05aac24c545e" providerId="ADAL" clId="{BA7E1913-A6F0-C848-94D5-CEC45678B150}" dt="2021-01-20T03:36:45.256" v="0"/>
-          <ac:spMkLst>
-            <pc:docMk/>
-            <pc:sldMk cId="1363323927" sldId="488"/>
-            <ac:spMk id="2" creationId="{D1784F0E-0CE3-4DF2-BF5E-AC961DED9AD5}"/>
-          </ac:spMkLst>
-        </pc:spChg>
-        <pc:spChg chg="mod">
-          <ac:chgData name="Khattab, Sherif" userId="c83b1e15-36f3-4f46-aceb-05aac24c545e" providerId="ADAL" clId="{BA7E1913-A6F0-C848-94D5-CEC45678B150}" dt="2021-01-20T03:36:45.256" v="0"/>
-          <ac:spMkLst>
-            <pc:docMk/>
-            <pc:sldMk cId="1363323927" sldId="488"/>
-            <ac:spMk id="4" creationId="{EDE852BE-9DBB-4B9F-96D6-41502235E65B}"/>
-          </ac:spMkLst>
-        </pc:spChg>
-        <pc:spChg chg="mod">
-          <ac:chgData name="Khattab, Sherif" userId="c83b1e15-36f3-4f46-aceb-05aac24c545e" providerId="ADAL" clId="{BA7E1913-A6F0-C848-94D5-CEC45678B150}" dt="2021-01-20T03:36:45.256" v="0"/>
-          <ac:spMkLst>
-            <pc:docMk/>
-            <pc:sldMk cId="1363323927" sldId="488"/>
-            <ac:spMk id="29697" creationId="{28E17C06-9C26-4EA2-A8CB-9E266E08CFC9}"/>
-          </ac:spMkLst>
-        </pc:spChg>
-        <pc:spChg chg="mod">
-          <ac:chgData name="Khattab, Sherif" userId="c83b1e15-36f3-4f46-aceb-05aac24c545e" providerId="ADAL" clId="{BA7E1913-A6F0-C848-94D5-CEC45678B150}" dt="2021-01-20T03:36:45.256" v="0"/>
-          <ac:spMkLst>
-            <pc:docMk/>
-            <pc:sldMk cId="1363323927" sldId="488"/>
-            <ac:spMk id="29699" creationId="{9B87D08D-EF4A-454B-A132-2A933B33FADF}"/>
-          </ac:spMkLst>
-        </pc:spChg>
-        <pc:grpChg chg="mod">
-          <ac:chgData name="Khattab, Sherif" userId="c83b1e15-36f3-4f46-aceb-05aac24c545e" providerId="ADAL" clId="{BA7E1913-A6F0-C848-94D5-CEC45678B150}" dt="2021-01-20T03:36:45.256" v="0"/>
-          <ac:grpSpMkLst>
-            <pc:docMk/>
-            <pc:sldMk cId="1363323927" sldId="488"/>
-            <ac:grpSpMk id="1" creationId="{00000000-0000-0000-0000-000000000000}"/>
-          </ac:grpSpMkLst>
-        </pc:grpChg>
-        <pc:graphicFrameChg chg="mod">
-          <ac:chgData name="Khattab, Sherif" userId="c83b1e15-36f3-4f46-aceb-05aac24c545e" providerId="ADAL" clId="{BA7E1913-A6F0-C848-94D5-CEC45678B150}" dt="2021-01-20T03:36:45.256" v="0"/>
-          <ac:graphicFrameMkLst>
-            <pc:docMk/>
-            <pc:sldMk cId="1363323927" sldId="488"/>
-            <ac:graphicFrameMk id="29698" creationId="{5096B804-6DD5-4EA7-8B5D-E7C04AA4F65D}"/>
-          </ac:graphicFrameMkLst>
-        </pc:graphicFrameChg>
-      </pc:sldChg>
-      <pc:sldChg chg="modSp">
-        <pc:chgData name="Khattab, Sherif" userId="c83b1e15-36f3-4f46-aceb-05aac24c545e" providerId="ADAL" clId="{BA7E1913-A6F0-C848-94D5-CEC45678B150}" dt="2021-01-20T03:36:45.256" v="0"/>
-        <pc:sldMkLst>
-          <pc:docMk/>
-          <pc:sldMk cId="936409682" sldId="489"/>
-        </pc:sldMkLst>
-        <pc:spChg chg="mod">
-          <ac:chgData name="Khattab, Sherif" userId="c83b1e15-36f3-4f46-aceb-05aac24c545e" providerId="ADAL" clId="{BA7E1913-A6F0-C848-94D5-CEC45678B150}" dt="2021-01-20T03:36:45.256" v="0"/>
-          <ac:spMkLst>
-            <pc:docMk/>
-            <pc:sldMk cId="936409682" sldId="489"/>
-            <ac:spMk id="2" creationId="{150C62BB-E114-454B-85DB-53D764ED6038}"/>
-          </ac:spMkLst>
-        </pc:spChg>
-        <pc:spChg chg="mod">
-          <ac:chgData name="Khattab, Sherif" userId="c83b1e15-36f3-4f46-aceb-05aac24c545e" providerId="ADAL" clId="{BA7E1913-A6F0-C848-94D5-CEC45678B150}" dt="2021-01-20T03:36:45.256" v="0"/>
-          <ac:spMkLst>
-            <pc:docMk/>
-            <pc:sldMk cId="936409682" sldId="489"/>
-            <ac:spMk id="4" creationId="{8F548AA1-681E-4DA0-A9AF-6C8D550D5E08}"/>
-          </ac:spMkLst>
-        </pc:spChg>
-        <pc:spChg chg="mod">
-          <ac:chgData name="Khattab, Sherif" userId="c83b1e15-36f3-4f46-aceb-05aac24c545e" providerId="ADAL" clId="{BA7E1913-A6F0-C848-94D5-CEC45678B150}" dt="2021-01-20T03:36:45.256" v="0"/>
-          <ac:spMkLst>
-            <pc:docMk/>
-            <pc:sldMk cId="936409682" sldId="489"/>
-            <ac:spMk id="30721" creationId="{0A3F3B3A-9F5F-4801-AFED-E732F58A9EA2}"/>
-          </ac:spMkLst>
-        </pc:spChg>
-        <pc:spChg chg="mod">
-          <ac:chgData name="Khattab, Sherif" userId="c83b1e15-36f3-4f46-aceb-05aac24c545e" providerId="ADAL" clId="{BA7E1913-A6F0-C848-94D5-CEC45678B150}" dt="2021-01-20T03:36:45.256" v="0"/>
-          <ac:spMkLst>
-            <pc:docMk/>
-            <pc:sldMk cId="936409682" sldId="489"/>
-            <ac:spMk id="30722" creationId="{33C3E8B9-1772-47B4-9411-185F126423BA}"/>
-          </ac:spMkLst>
-        </pc:spChg>
-        <pc:grpChg chg="mod">
-          <ac:chgData name="Khattab, Sherif" userId="c83b1e15-36f3-4f46-aceb-05aac24c545e" providerId="ADAL" clId="{BA7E1913-A6F0-C848-94D5-CEC45678B150}" dt="2021-01-20T03:36:45.256" v="0"/>
-          <ac:grpSpMkLst>
-            <pc:docMk/>
-            <pc:sldMk cId="936409682" sldId="489"/>
-            <ac:grpSpMk id="1" creationId="{00000000-0000-0000-0000-000000000000}"/>
-          </ac:grpSpMkLst>
-        </pc:grpChg>
-        <pc:graphicFrameChg chg="mod">
-          <ac:chgData name="Khattab, Sherif" userId="c83b1e15-36f3-4f46-aceb-05aac24c545e" providerId="ADAL" clId="{BA7E1913-A6F0-C848-94D5-CEC45678B150}" dt="2021-01-20T03:36:45.256" v="0"/>
-          <ac:graphicFrameMkLst>
-            <pc:docMk/>
-            <pc:sldMk cId="936409682" sldId="489"/>
-            <ac:graphicFrameMk id="30723" creationId="{24ED8923-A61A-4244-A0FE-28542EDE5C2B}"/>
-          </ac:graphicFrameMkLst>
-        </pc:graphicFrameChg>
-      </pc:sldChg>
-      <pc:sldChg chg="modSp">
-        <pc:chgData name="Khattab, Sherif" userId="c83b1e15-36f3-4f46-aceb-05aac24c545e" providerId="ADAL" clId="{BA7E1913-A6F0-C848-94D5-CEC45678B150}" dt="2021-01-20T03:36:45.256" v="0"/>
-        <pc:sldMkLst>
-          <pc:docMk/>
-          <pc:sldMk cId="3447713174" sldId="494"/>
-        </pc:sldMkLst>
-        <pc:spChg chg="mod">
-          <ac:chgData name="Khattab, Sherif" userId="c83b1e15-36f3-4f46-aceb-05aac24c545e" providerId="ADAL" clId="{BA7E1913-A6F0-C848-94D5-CEC45678B150}" dt="2021-01-20T03:36:45.256" v="0"/>
-          <ac:spMkLst>
-            <pc:docMk/>
-            <pc:sldMk cId="3447713174" sldId="494"/>
-            <ac:spMk id="3" creationId="{68983252-D58B-4136-834E-912F539F00B6}"/>
-          </ac:spMkLst>
-        </pc:spChg>
-        <pc:spChg chg="mod">
-          <ac:chgData name="Khattab, Sherif" userId="c83b1e15-36f3-4f46-aceb-05aac24c545e" providerId="ADAL" clId="{BA7E1913-A6F0-C848-94D5-CEC45678B150}" dt="2021-01-20T03:36:45.256" v="0"/>
-          <ac:spMkLst>
-            <pc:docMk/>
-            <pc:sldMk cId="3447713174" sldId="494"/>
-            <ac:spMk id="5" creationId="{6E7E3CCF-4F96-45E6-B828-6AA5F067043A}"/>
-          </ac:spMkLst>
-        </pc:spChg>
-        <pc:spChg chg="mod">
-          <ac:chgData name="Khattab, Sherif" userId="c83b1e15-36f3-4f46-aceb-05aac24c545e" providerId="ADAL" clId="{BA7E1913-A6F0-C848-94D5-CEC45678B150}" dt="2021-01-20T03:36:45.256" v="0"/>
-          <ac:spMkLst>
-            <pc:docMk/>
-            <pc:sldMk cId="3447713174" sldId="494"/>
-            <ac:spMk id="7" creationId="{E82B22B3-1517-E346-9A8B-094A40D2FC5B}"/>
-          </ac:spMkLst>
-        </pc:spChg>
-        <pc:spChg chg="mod">
-          <ac:chgData name="Khattab, Sherif" userId="c83b1e15-36f3-4f46-aceb-05aac24c545e" providerId="ADAL" clId="{BA7E1913-A6F0-C848-94D5-CEC45678B150}" dt="2021-01-20T03:36:45.256" v="0"/>
-          <ac:spMkLst>
-            <pc:docMk/>
-            <pc:sldMk cId="3447713174" sldId="494"/>
-            <ac:spMk id="35841" creationId="{B48F48C8-3631-4F5F-8724-374B534CDB0D}"/>
-          </ac:spMkLst>
-        </pc:spChg>
-        <pc:grpChg chg="mod">
-          <ac:chgData name="Khattab, Sherif" userId="c83b1e15-36f3-4f46-aceb-05aac24c545e" providerId="ADAL" clId="{BA7E1913-A6F0-C848-94D5-CEC45678B150}" dt="2021-01-20T03:36:45.256" v="0"/>
-          <ac:grpSpMkLst>
-            <pc:docMk/>
-            <pc:sldMk cId="3447713174" sldId="494"/>
-            <ac:grpSpMk id="1" creationId="{00000000-0000-0000-0000-000000000000}"/>
-          </ac:grpSpMkLst>
-        </pc:grpChg>
-        <pc:graphicFrameChg chg="mod">
-          <ac:chgData name="Khattab, Sherif" userId="c83b1e15-36f3-4f46-aceb-05aac24c545e" providerId="ADAL" clId="{BA7E1913-A6F0-C848-94D5-CEC45678B150}" dt="2021-01-20T03:36:45.256" v="0"/>
-          <ac:graphicFrameMkLst>
-            <pc:docMk/>
-            <pc:sldMk cId="3447713174" sldId="494"/>
-            <ac:graphicFrameMk id="35842" creationId="{8D1701A4-A56B-439A-9B39-A560D76A3316}"/>
-          </ac:graphicFrameMkLst>
-        </pc:graphicFrameChg>
-      </pc:sldChg>
-      <pc:sldChg chg="modSp">
-        <pc:chgData name="Khattab, Sherif" userId="c83b1e15-36f3-4f46-aceb-05aac24c545e" providerId="ADAL" clId="{BA7E1913-A6F0-C848-94D5-CEC45678B150}" dt="2021-01-20T03:36:45.256" v="0"/>
-        <pc:sldMkLst>
-          <pc:docMk/>
-          <pc:sldMk cId="2129126942" sldId="495"/>
-        </pc:sldMkLst>
-        <pc:spChg chg="mod">
-          <ac:chgData name="Khattab, Sherif" userId="c83b1e15-36f3-4f46-aceb-05aac24c545e" providerId="ADAL" clId="{BA7E1913-A6F0-C848-94D5-CEC45678B150}" dt="2021-01-20T03:36:45.256" v="0"/>
-          <ac:spMkLst>
-            <pc:docMk/>
-            <pc:sldMk cId="2129126942" sldId="495"/>
-            <ac:spMk id="2" creationId="{B0EDE6F0-5E08-467B-A6AE-AA045809023A}"/>
-          </ac:spMkLst>
-        </pc:spChg>
-        <pc:spChg chg="mod">
-          <ac:chgData name="Khattab, Sherif" userId="c83b1e15-36f3-4f46-aceb-05aac24c545e" providerId="ADAL" clId="{BA7E1913-A6F0-C848-94D5-CEC45678B150}" dt="2021-01-20T03:36:45.256" v="0"/>
-          <ac:spMkLst>
-            <pc:docMk/>
-            <pc:sldMk cId="2129126942" sldId="495"/>
-            <ac:spMk id="4" creationId="{31048580-254B-4562-B07A-13FA9D7EEB7E}"/>
-          </ac:spMkLst>
-        </pc:spChg>
-        <pc:spChg chg="mod">
-          <ac:chgData name="Khattab, Sherif" userId="c83b1e15-36f3-4f46-aceb-05aac24c545e" providerId="ADAL" clId="{BA7E1913-A6F0-C848-94D5-CEC45678B150}" dt="2021-01-20T03:36:45.256" v="0"/>
-          <ac:spMkLst>
-            <pc:docMk/>
-            <pc:sldMk cId="2129126942" sldId="495"/>
-            <ac:spMk id="36865" creationId="{7EA33581-0FBA-4513-BC21-59EBD3254C34}"/>
-          </ac:spMkLst>
-        </pc:spChg>
-        <pc:spChg chg="mod">
-          <ac:chgData name="Khattab, Sherif" userId="c83b1e15-36f3-4f46-aceb-05aac24c545e" providerId="ADAL" clId="{BA7E1913-A6F0-C848-94D5-CEC45678B150}" dt="2021-01-20T03:36:45.256" v="0"/>
-          <ac:spMkLst>
-            <pc:docMk/>
-            <pc:sldMk cId="2129126942" sldId="495"/>
-            <ac:spMk id="36866" creationId="{D4B374AC-8E1B-4FB1-8CD1-E75C5A388926}"/>
-          </ac:spMkLst>
-        </pc:spChg>
-        <pc:grpChg chg="mod">
-          <ac:chgData name="Khattab, Sherif" userId="c83b1e15-36f3-4f46-aceb-05aac24c545e" providerId="ADAL" clId="{BA7E1913-A6F0-C848-94D5-CEC45678B150}" dt="2021-01-20T03:36:45.256" v="0"/>
-          <ac:grpSpMkLst>
-            <pc:docMk/>
-            <pc:sldMk cId="2129126942" sldId="495"/>
-            <ac:grpSpMk id="1" creationId="{00000000-0000-0000-0000-000000000000}"/>
-          </ac:grpSpMkLst>
-        </pc:grpChg>
-        <pc:graphicFrameChg chg="mod">
-          <ac:chgData name="Khattab, Sherif" userId="c83b1e15-36f3-4f46-aceb-05aac24c545e" providerId="ADAL" clId="{BA7E1913-A6F0-C848-94D5-CEC45678B150}" dt="2021-01-20T03:36:45.256" v="0"/>
-          <ac:graphicFrameMkLst>
-            <pc:docMk/>
-            <pc:sldMk cId="2129126942" sldId="495"/>
-            <ac:graphicFrameMk id="36867" creationId="{6EBD17C3-7239-4686-9A19-775BA4E9A6D5}"/>
-          </ac:graphicFrameMkLst>
-        </pc:graphicFrameChg>
+        <pc:chgData name="Khattab, Sherif" userId="c83b1e15-36f3-4f46-aceb-05aac24c545e" providerId="ADAL" clId="{D3B568BB-B39E-460C-8C5D-693AE1E68CC4}" dt="2021-09-13T21:49:00.407" v="1"/>
+        <pc:sldMkLst>
+          <pc:docMk/>
+          <pc:sldMk cId="2093362943" sldId="508"/>
+        </pc:sldMkLst>
+      </pc:sldChg>
+      <pc:sldChg chg="del">
+        <pc:chgData name="Khattab, Sherif" userId="c83b1e15-36f3-4f46-aceb-05aac24c545e" providerId="ADAL" clId="{D3B568BB-B39E-460C-8C5D-693AE1E68CC4}" dt="2021-09-16T16:05:14.012" v="201" actId="2696"/>
+        <pc:sldMkLst>
+          <pc:docMk/>
+          <pc:sldMk cId="2870353729" sldId="509"/>
+        </pc:sldMkLst>
+      </pc:sldChg>
+      <pc:sldChg chg="del">
+        <pc:chgData name="Khattab, Sherif" userId="c83b1e15-36f3-4f46-aceb-05aac24c545e" providerId="ADAL" clId="{D3B568BB-B39E-460C-8C5D-693AE1E68CC4}" dt="2021-09-16T16:05:14.012" v="201" actId="2696"/>
+        <pc:sldMkLst>
+          <pc:docMk/>
+          <pc:sldMk cId="3729759638" sldId="510"/>
+        </pc:sldMkLst>
+      </pc:sldChg>
+      <pc:sldChg chg="add del">
+        <pc:chgData name="Khattab, Sherif" userId="c83b1e15-36f3-4f46-aceb-05aac24c545e" providerId="ADAL" clId="{D3B568BB-B39E-460C-8C5D-693AE1E68CC4}" dt="2021-09-14T16:16:57.622" v="89" actId="2696"/>
+        <pc:sldMkLst>
+          <pc:docMk/>
+          <pc:sldMk cId="1029517643" sldId="511"/>
+        </pc:sldMkLst>
+      </pc:sldChg>
+      <pc:sldChg chg="add">
+        <pc:chgData name="Khattab, Sherif" userId="c83b1e15-36f3-4f46-aceb-05aac24c545e" providerId="ADAL" clId="{D3B568BB-B39E-460C-8C5D-693AE1E68CC4}" dt="2021-09-14T16:17:00.090" v="90"/>
+        <pc:sldMkLst>
+          <pc:docMk/>
+          <pc:sldMk cId="1525193433" sldId="511"/>
+        </pc:sldMkLst>
+      </pc:sldChg>
+      <pc:sldChg chg="del">
+        <pc:chgData name="Khattab, Sherif" userId="c83b1e15-36f3-4f46-aceb-05aac24c545e" providerId="ADAL" clId="{D3B568BB-B39E-460C-8C5D-693AE1E68CC4}" dt="2021-09-14T16:16:34.506" v="85" actId="2696"/>
+        <pc:sldMkLst>
+          <pc:docMk/>
+          <pc:sldMk cId="1591353735" sldId="511"/>
+        </pc:sldMkLst>
+      </pc:sldChg>
+      <pc:sldChg chg="del">
+        <pc:chgData name="Khattab, Sherif" userId="c83b1e15-36f3-4f46-aceb-05aac24c545e" providerId="ADAL" clId="{D3B568BB-B39E-460C-8C5D-693AE1E68CC4}" dt="2021-09-14T16:15:54.743" v="83" actId="2696"/>
+        <pc:sldMkLst>
+          <pc:docMk/>
+          <pc:sldMk cId="610542854" sldId="513"/>
+        </pc:sldMkLst>
+      </pc:sldChg>
+      <pc:sldChg chg="add del">
+        <pc:chgData name="Khattab, Sherif" userId="c83b1e15-36f3-4f46-aceb-05aac24c545e" providerId="ADAL" clId="{D3B568BB-B39E-460C-8C5D-693AE1E68CC4}" dt="2021-09-16T16:05:14.012" v="201" actId="2696"/>
+        <pc:sldMkLst>
+          <pc:docMk/>
+          <pc:sldMk cId="4123278128" sldId="513"/>
+        </pc:sldMkLst>
+      </pc:sldChg>
+      <pc:sldChg chg="add del">
+        <pc:chgData name="Khattab, Sherif" userId="c83b1e15-36f3-4f46-aceb-05aac24c545e" providerId="ADAL" clId="{D3B568BB-B39E-460C-8C5D-693AE1E68CC4}" dt="2021-09-16T16:05:14.012" v="201" actId="2696"/>
+        <pc:sldMkLst>
+          <pc:docMk/>
+          <pc:sldMk cId="3177405103" sldId="514"/>
+        </pc:sldMkLst>
+      </pc:sldChg>
+      <pc:sldChg chg="add del">
+        <pc:chgData name="Khattab, Sherif" userId="c83b1e15-36f3-4f46-aceb-05aac24c545e" providerId="ADAL" clId="{D3B568BB-B39E-460C-8C5D-693AE1E68CC4}" dt="2021-09-14T16:17:52.607" v="94" actId="2696"/>
+        <pc:sldMkLst>
+          <pc:docMk/>
+          <pc:sldMk cId="3862515218" sldId="514"/>
+        </pc:sldMkLst>
+      </pc:sldChg>
+      <pc:sldChg chg="del">
+        <pc:chgData name="Khattab, Sherif" userId="c83b1e15-36f3-4f46-aceb-05aac24c545e" providerId="ADAL" clId="{D3B568BB-B39E-460C-8C5D-693AE1E68CC4}" dt="2021-09-14T16:15:54.743" v="83" actId="2696"/>
+        <pc:sldMkLst>
+          <pc:docMk/>
+          <pc:sldMk cId="4263135937" sldId="514"/>
+        </pc:sldMkLst>
+      </pc:sldChg>
+      <pc:sldChg chg="del">
+        <pc:chgData name="Khattab, Sherif" userId="c83b1e15-36f3-4f46-aceb-05aac24c545e" providerId="ADAL" clId="{D3B568BB-B39E-460C-8C5D-693AE1E68CC4}" dt="2021-09-14T16:15:54.743" v="83" actId="2696"/>
+        <pc:sldMkLst>
+          <pc:docMk/>
+          <pc:sldMk cId="3258818256" sldId="515"/>
+        </pc:sldMkLst>
+      </pc:sldChg>
+      <pc:sldChg chg="add del ord">
+        <pc:chgData name="Khattab, Sherif" userId="c83b1e15-36f3-4f46-aceb-05aac24c545e" providerId="ADAL" clId="{D3B568BB-B39E-460C-8C5D-693AE1E68CC4}" dt="2021-09-16T16:05:14.012" v="201" actId="2696"/>
+        <pc:sldMkLst>
+          <pc:docMk/>
+          <pc:sldMk cId="3948097611" sldId="515"/>
+        </pc:sldMkLst>
+      </pc:sldChg>
+      <pc:sldChg chg="add del">
+        <pc:chgData name="Khattab, Sherif" userId="c83b1e15-36f3-4f46-aceb-05aac24c545e" providerId="ADAL" clId="{D3B568BB-B39E-460C-8C5D-693AE1E68CC4}" dt="2021-09-14T16:29:21.763" v="196" actId="47"/>
+        <pc:sldMkLst>
+          <pc:docMk/>
+          <pc:sldMk cId="2197336632" sldId="516"/>
+        </pc:sldMkLst>
+      </pc:sldChg>
+      <pc:sldChg chg="add">
+        <pc:chgData name="Khattab, Sherif" userId="c83b1e15-36f3-4f46-aceb-05aac24c545e" providerId="ADAL" clId="{D3B568BB-B39E-460C-8C5D-693AE1E68CC4}" dt="2021-09-13T21:49:00.407" v="1"/>
+        <pc:sldMkLst>
+          <pc:docMk/>
+          <pc:sldMk cId="1845419114" sldId="517"/>
+        </pc:sldMkLst>
+      </pc:sldChg>
+      <pc:sldChg chg="add">
+        <pc:chgData name="Khattab, Sherif" userId="c83b1e15-36f3-4f46-aceb-05aac24c545e" providerId="ADAL" clId="{D3B568BB-B39E-460C-8C5D-693AE1E68CC4}" dt="2021-09-13T21:49:00.407" v="1"/>
+        <pc:sldMkLst>
+          <pc:docMk/>
+          <pc:sldMk cId="2804781805" sldId="518"/>
+        </pc:sldMkLst>
+      </pc:sldChg>
+      <pc:sldChg chg="add del">
+        <pc:chgData name="Khattab, Sherif" userId="c83b1e15-36f3-4f46-aceb-05aac24c545e" providerId="ADAL" clId="{D3B568BB-B39E-460C-8C5D-693AE1E68CC4}" dt="2021-09-16T16:05:14.012" v="201" actId="2696"/>
+        <pc:sldMkLst>
+          <pc:docMk/>
+          <pc:sldMk cId="624014562" sldId="519"/>
+        </pc:sldMkLst>
+      </pc:sldChg>
+      <pc:sldChg chg="add del">
+        <pc:chgData name="Khattab, Sherif" userId="c83b1e15-36f3-4f46-aceb-05aac24c545e" providerId="ADAL" clId="{D3B568BB-B39E-460C-8C5D-693AE1E68CC4}" dt="2021-09-16T16:05:14.012" v="201" actId="2696"/>
+        <pc:sldMkLst>
+          <pc:docMk/>
+          <pc:sldMk cId="2276284397" sldId="520"/>
+        </pc:sldMkLst>
+      </pc:sldChg>
+      <pc:sldChg chg="add del">
+        <pc:chgData name="Khattab, Sherif" userId="c83b1e15-36f3-4f46-aceb-05aac24c545e" providerId="ADAL" clId="{D3B568BB-B39E-460C-8C5D-693AE1E68CC4}" dt="2021-09-16T16:05:14.012" v="201" actId="2696"/>
+        <pc:sldMkLst>
+          <pc:docMk/>
+          <pc:sldMk cId="715489830" sldId="521"/>
+        </pc:sldMkLst>
+      </pc:sldChg>
+      <pc:sldChg chg="add del">
+        <pc:chgData name="Khattab, Sherif" userId="c83b1e15-36f3-4f46-aceb-05aac24c545e" providerId="ADAL" clId="{D3B568BB-B39E-460C-8C5D-693AE1E68CC4}" dt="2021-09-16T16:05:14.012" v="201" actId="2696"/>
+        <pc:sldMkLst>
+          <pc:docMk/>
+          <pc:sldMk cId="2414223724" sldId="522"/>
+        </pc:sldMkLst>
+      </pc:sldChg>
+      <pc:sldChg chg="add">
+        <pc:chgData name="Khattab, Sherif" userId="c83b1e15-36f3-4f46-aceb-05aac24c545e" providerId="ADAL" clId="{D3B568BB-B39E-460C-8C5D-693AE1E68CC4}" dt="2021-09-14T16:13:51.204" v="7"/>
+        <pc:sldMkLst>
+          <pc:docMk/>
+          <pc:sldMk cId="300931632" sldId="523"/>
+        </pc:sldMkLst>
+      </pc:sldChg>
+      <pc:sldChg chg="new del">
+        <pc:chgData name="Khattab, Sherif" userId="c83b1e15-36f3-4f46-aceb-05aac24c545e" providerId="ADAL" clId="{D3B568BB-B39E-460C-8C5D-693AE1E68CC4}" dt="2021-09-14T16:18:00.527" v="96" actId="680"/>
+        <pc:sldMkLst>
+          <pc:docMk/>
+          <pc:sldMk cId="1499633926" sldId="524"/>
+        </pc:sldMkLst>
+      </pc:sldChg>
+      <pc:sldChg chg="modSp new mod ord modAnim">
+        <pc:chgData name="Khattab, Sherif" userId="c83b1e15-36f3-4f46-aceb-05aac24c545e" providerId="ADAL" clId="{D3B568BB-B39E-460C-8C5D-693AE1E68CC4}" dt="2021-09-14T16:29:32.579" v="198"/>
+        <pc:sldMkLst>
+          <pc:docMk/>
+          <pc:sldMk cId="2601559611" sldId="524"/>
+        </pc:sldMkLst>
+        <pc:spChg chg="mod">
+          <ac:chgData name="Khattab, Sherif" userId="c83b1e15-36f3-4f46-aceb-05aac24c545e" providerId="ADAL" clId="{D3B568BB-B39E-460C-8C5D-693AE1E68CC4}" dt="2021-09-14T16:20:40.641" v="116" actId="20577"/>
+          <ac:spMkLst>
+            <pc:docMk/>
+            <pc:sldMk cId="2601559611" sldId="524"/>
+            <ac:spMk id="2" creationId="{A446100A-BC4F-47A2-A29B-E77567459419}"/>
+          </ac:spMkLst>
+        </pc:spChg>
+        <pc:spChg chg="mod">
+          <ac:chgData name="Khattab, Sherif" userId="c83b1e15-36f3-4f46-aceb-05aac24c545e" providerId="ADAL" clId="{D3B568BB-B39E-460C-8C5D-693AE1E68CC4}" dt="2021-09-14T16:29:01.821" v="187" actId="6549"/>
+          <ac:spMkLst>
+            <pc:docMk/>
+            <pc:sldMk cId="2601559611" sldId="524"/>
+            <ac:spMk id="3" creationId="{9DEBC682-0C7C-456E-94E7-AE960EDA31D0}"/>
+          </ac:spMkLst>
+        </pc:spChg>
+      </pc:sldChg>
+      <pc:sldChg chg="new del">
+        <pc:chgData name="Khattab, Sherif" userId="c83b1e15-36f3-4f46-aceb-05aac24c545e" providerId="ADAL" clId="{D3B568BB-B39E-460C-8C5D-693AE1E68CC4}" dt="2021-09-14T16:16:47.017" v="87" actId="680"/>
+        <pc:sldMkLst>
+          <pc:docMk/>
+          <pc:sldMk cId="2798509688" sldId="524"/>
+        </pc:sldMkLst>
       </pc:sldChg>
     </pc:docChg>
   </pc:docChgLst>
   <pc:docChgLst>
-    <pc:chgData name="Khattab, Sherif" userId="c83b1e15-36f3-4f46-aceb-05aac24c545e" providerId="ADAL" clId="{20ECC735-6357-4521-A768-B7D7C3A147EB}"/>
-    <pc:docChg chg="undo redo custSel addSld delSld modSld sldOrd">
-      <pc:chgData name="Khattab, Sherif" userId="c83b1e15-36f3-4f46-aceb-05aac24c545e" providerId="ADAL" clId="{20ECC735-6357-4521-A768-B7D7C3A147EB}" dt="2021-02-03T02:35:36.158" v="2841" actId="1076"/>
+    <pc:chgData name="Khattab, Sherif" userId="c83b1e15-36f3-4f46-aceb-05aac24c545e" providerId="ADAL" clId="{E2BF0542-8AC8-C546-A69D-6176F8674AAF}"/>
+    <pc:docChg chg="custSel addSld delSld modSld sldOrd">
+      <pc:chgData name="Khattab, Sherif" userId="c83b1e15-36f3-4f46-aceb-05aac24c545e" providerId="ADAL" clId="{E2BF0542-8AC8-C546-A69D-6176F8674AAF}" dt="2022-01-25T14:23:31.722" v="504"/>
       <pc:docMkLst>
         <pc:docMk/>
       </pc:docMkLst>
+      <pc:sldChg chg="add del">
+        <pc:chgData name="Khattab, Sherif" userId="c83b1e15-36f3-4f46-aceb-05aac24c545e" providerId="ADAL" clId="{E2BF0542-8AC8-C546-A69D-6176F8674AAF}" dt="2022-01-20T15:49:53.050" v="11"/>
+        <pc:sldMkLst>
+          <pc:docMk/>
+          <pc:sldMk cId="306268545" sldId="282"/>
+        </pc:sldMkLst>
+      </pc:sldChg>
+      <pc:sldChg chg="add del">
+        <pc:chgData name="Khattab, Sherif" userId="c83b1e15-36f3-4f46-aceb-05aac24c545e" providerId="ADAL" clId="{E2BF0542-8AC8-C546-A69D-6176F8674AAF}" dt="2022-01-25T14:11:15.365" v="228" actId="2696"/>
+        <pc:sldMkLst>
+          <pc:docMk/>
+          <pc:sldMk cId="2685283246" sldId="322"/>
+        </pc:sldMkLst>
+      </pc:sldChg>
+      <pc:sldChg chg="modSp add mod">
+        <pc:chgData name="Khattab, Sherif" userId="c83b1e15-36f3-4f46-aceb-05aac24c545e" providerId="ADAL" clId="{E2BF0542-8AC8-C546-A69D-6176F8674AAF}" dt="2022-01-25T14:13:37.809" v="284" actId="20577"/>
+        <pc:sldMkLst>
+          <pc:docMk/>
+          <pc:sldMk cId="3793174663" sldId="322"/>
+        </pc:sldMkLst>
+        <pc:spChg chg="mod">
+          <ac:chgData name="Khattab, Sherif" userId="c83b1e15-36f3-4f46-aceb-05aac24c545e" providerId="ADAL" clId="{E2BF0542-8AC8-C546-A69D-6176F8674AAF}" dt="2022-01-25T14:13:37.809" v="284" actId="20577"/>
+          <ac:spMkLst>
+            <pc:docMk/>
+            <pc:sldMk cId="3793174663" sldId="322"/>
+            <ac:spMk id="90115" creationId="{691666FD-EDA0-044F-A826-5F64B00DC362}"/>
+          </ac:spMkLst>
+        </pc:spChg>
+      </pc:sldChg>
+      <pc:sldChg chg="add del">
+        <pc:chgData name="Khattab, Sherif" userId="c83b1e15-36f3-4f46-aceb-05aac24c545e" providerId="ADAL" clId="{E2BF0542-8AC8-C546-A69D-6176F8674AAF}" dt="2022-01-25T14:11:24.690" v="230"/>
+        <pc:sldMkLst>
+          <pc:docMk/>
+          <pc:sldMk cId="3932649277" sldId="322"/>
+        </pc:sldMkLst>
+      </pc:sldChg>
+      <pc:sldChg chg="add del">
+        <pc:chgData name="Khattab, Sherif" userId="c83b1e15-36f3-4f46-aceb-05aac24c545e" providerId="ADAL" clId="{E2BF0542-8AC8-C546-A69D-6176F8674AAF}" dt="2022-01-25T14:10:00.482" v="225" actId="2696"/>
+        <pc:sldMkLst>
+          <pc:docMk/>
+          <pc:sldMk cId="3210992163" sldId="369"/>
+        </pc:sldMkLst>
+      </pc:sldChg>
+      <pc:sldChg chg="add del ord">
+        <pc:chgData name="Khattab, Sherif" userId="c83b1e15-36f3-4f46-aceb-05aac24c545e" providerId="ADAL" clId="{E2BF0542-8AC8-C546-A69D-6176F8674AAF}" dt="2022-01-25T14:12:40.252" v="239" actId="20578"/>
+        <pc:sldMkLst>
+          <pc:docMk/>
+          <pc:sldMk cId="3848335379" sldId="372"/>
+        </pc:sldMkLst>
+      </pc:sldChg>
+      <pc:sldChg chg="add del">
+        <pc:chgData name="Khattab, Sherif" userId="c83b1e15-36f3-4f46-aceb-05aac24c545e" providerId="ADAL" clId="{E2BF0542-8AC8-C546-A69D-6176F8674AAF}" dt="2022-01-25T14:11:40.790" v="232" actId="2696"/>
+        <pc:sldMkLst>
+          <pc:docMk/>
+          <pc:sldMk cId="583513582" sldId="377"/>
+        </pc:sldMkLst>
+      </pc:sldChg>
+      <pc:sldChg chg="add modAnim">
+        <pc:chgData name="Khattab, Sherif" userId="c83b1e15-36f3-4f46-aceb-05aac24c545e" providerId="ADAL" clId="{E2BF0542-8AC8-C546-A69D-6176F8674AAF}" dt="2022-01-25T14:14:11.063" v="286"/>
+        <pc:sldMkLst>
+          <pc:docMk/>
+          <pc:sldMk cId="729370554" sldId="377"/>
+        </pc:sldMkLst>
+      </pc:sldChg>
+      <pc:sldChg chg="add del">
+        <pc:chgData name="Khattab, Sherif" userId="c83b1e15-36f3-4f46-aceb-05aac24c545e" providerId="ADAL" clId="{E2BF0542-8AC8-C546-A69D-6176F8674AAF}" dt="2022-01-25T14:11:50.347" v="234"/>
+        <pc:sldMkLst>
+          <pc:docMk/>
+          <pc:sldMk cId="3975598408" sldId="377"/>
+        </pc:sldMkLst>
+      </pc:sldChg>
+      <pc:sldChg chg="modSp mod">
+        <pc:chgData name="Khattab, Sherif" userId="c83b1e15-36f3-4f46-aceb-05aac24c545e" providerId="ADAL" clId="{E2BF0542-8AC8-C546-A69D-6176F8674AAF}" dt="2022-01-25T14:07:25.952" v="19" actId="20577"/>
+        <pc:sldMkLst>
+          <pc:docMk/>
+          <pc:sldMk cId="1330366002" sldId="454"/>
+        </pc:sldMkLst>
+        <pc:spChg chg="mod">
+          <ac:chgData name="Khattab, Sherif" userId="c83b1e15-36f3-4f46-aceb-05aac24c545e" providerId="ADAL" clId="{E2BF0542-8AC8-C546-A69D-6176F8674AAF}" dt="2022-01-25T14:07:25.952" v="19" actId="20577"/>
+          <ac:spMkLst>
+            <pc:docMk/>
+            <pc:sldMk cId="1330366002" sldId="454"/>
+            <ac:spMk id="3" creationId="{00000000-0000-0000-0000-000000000000}"/>
+          </ac:spMkLst>
+        </pc:spChg>
+      </pc:sldChg>
+      <pc:sldChg chg="modSp mod modAnim">
+        <pc:chgData name="Khattab, Sherif" userId="c83b1e15-36f3-4f46-aceb-05aac24c545e" providerId="ADAL" clId="{E2BF0542-8AC8-C546-A69D-6176F8674AAF}" dt="2022-01-25T14:08:53.573" v="137"/>
+        <pc:sldMkLst>
+          <pc:docMk/>
+          <pc:sldMk cId="702367729" sldId="496"/>
+        </pc:sldMkLst>
+        <pc:spChg chg="mod">
+          <ac:chgData name="Khattab, Sherif" userId="c83b1e15-36f3-4f46-aceb-05aac24c545e" providerId="ADAL" clId="{E2BF0542-8AC8-C546-A69D-6176F8674AAF}" dt="2022-01-25T14:08:34.877" v="132" actId="20577"/>
+          <ac:spMkLst>
+            <pc:docMk/>
+            <pc:sldMk cId="702367729" sldId="496"/>
+            <ac:spMk id="3" creationId="{2466C52D-9A48-4683-BE7F-268D8DB7FAAD}"/>
+          </ac:spMkLst>
+        </pc:spChg>
+      </pc:sldChg>
+      <pc:sldChg chg="add">
+        <pc:chgData name="Khattab, Sherif" userId="c83b1e15-36f3-4f46-aceb-05aac24c545e" providerId="ADAL" clId="{E2BF0542-8AC8-C546-A69D-6176F8674AAF}" dt="2022-01-25T14:11:50.413" v="235"/>
+        <pc:sldMkLst>
+          <pc:docMk/>
+          <pc:sldMk cId="740097054" sldId="497"/>
+        </pc:sldMkLst>
+      </pc:sldChg>
+      <pc:sldChg chg="add del">
+        <pc:chgData name="Khattab, Sherif" userId="c83b1e15-36f3-4f46-aceb-05aac24c545e" providerId="ADAL" clId="{E2BF0542-8AC8-C546-A69D-6176F8674AAF}" dt="2022-01-25T14:11:40.790" v="232" actId="2696"/>
+        <pc:sldMkLst>
+          <pc:docMk/>
+          <pc:sldMk cId="2782489002" sldId="497"/>
+        </pc:sldMkLst>
+      </pc:sldChg>
+      <pc:sldChg chg="add del">
+        <pc:chgData name="Khattab, Sherif" userId="c83b1e15-36f3-4f46-aceb-05aac24c545e" providerId="ADAL" clId="{E2BF0542-8AC8-C546-A69D-6176F8674AAF}" dt="2022-01-25T14:11:50.347" v="234"/>
+        <pc:sldMkLst>
+          <pc:docMk/>
+          <pc:sldMk cId="4243326550" sldId="497"/>
+        </pc:sldMkLst>
+      </pc:sldChg>
       <pc:sldChg chg="del">
-        <pc:chgData name="Khattab, Sherif" userId="c83b1e15-36f3-4f46-aceb-05aac24c545e" providerId="ADAL" clId="{20ECC735-6357-4521-A768-B7D7C3A147EB}" dt="2021-02-02T15:27:16.366" v="1122" actId="47"/>
-        <pc:sldMkLst>
-          <pc:docMk/>
-          <pc:sldMk cId="3681208715" sldId="257"/>
-        </pc:sldMkLst>
-      </pc:sldChg>
-      <pc:sldChg chg="del">
-        <pc:chgData name="Khattab, Sherif" userId="c83b1e15-36f3-4f46-aceb-05aac24c545e" providerId="ADAL" clId="{20ECC735-6357-4521-A768-B7D7C3A147EB}" dt="2021-02-02T15:27:16.420" v="1123" actId="47"/>
-        <pc:sldMkLst>
-          <pc:docMk/>
-          <pc:sldMk cId="1664517503" sldId="258"/>
-        </pc:sldMkLst>
-      </pc:sldChg>
-      <pc:sldChg chg="del">
-        <pc:chgData name="Khattab, Sherif" userId="c83b1e15-36f3-4f46-aceb-05aac24c545e" providerId="ADAL" clId="{20ECC735-6357-4521-A768-B7D7C3A147EB}" dt="2021-01-28T18:04:43.792" v="0" actId="47"/>
-        <pc:sldMkLst>
-          <pc:docMk/>
-          <pc:sldMk cId="1004035158" sldId="259"/>
-        </pc:sldMkLst>
-      </pc:sldChg>
-      <pc:sldChg chg="del">
-        <pc:chgData name="Khattab, Sherif" userId="c83b1e15-36f3-4f46-aceb-05aac24c545e" providerId="ADAL" clId="{20ECC735-6357-4521-A768-B7D7C3A147EB}" dt="2021-02-02T15:27:16.470" v="1125" actId="47"/>
-        <pc:sldMkLst>
-          <pc:docMk/>
-          <pc:sldMk cId="3230569327" sldId="260"/>
-        </pc:sldMkLst>
-      </pc:sldChg>
-      <pc:sldChg chg="del">
-        <pc:chgData name="Khattab, Sherif" userId="c83b1e15-36f3-4f46-aceb-05aac24c545e" providerId="ADAL" clId="{20ECC735-6357-4521-A768-B7D7C3A147EB}" dt="2021-01-28T18:04:43.792" v="0" actId="47"/>
-        <pc:sldMkLst>
-          <pc:docMk/>
-          <pc:sldMk cId="1444142485" sldId="261"/>
-        </pc:sldMkLst>
-      </pc:sldChg>
-      <pc:sldChg chg="del">
-        <pc:chgData name="Khattab, Sherif" userId="c83b1e15-36f3-4f46-aceb-05aac24c545e" providerId="ADAL" clId="{20ECC735-6357-4521-A768-B7D7C3A147EB}" dt="2021-01-28T18:04:43.792" v="0" actId="47"/>
-        <pc:sldMkLst>
-          <pc:docMk/>
-          <pc:sldMk cId="516417489" sldId="262"/>
-        </pc:sldMkLst>
-      </pc:sldChg>
-      <pc:sldChg chg="del">
-        <pc:chgData name="Khattab, Sherif" userId="c83b1e15-36f3-4f46-aceb-05aac24c545e" providerId="ADAL" clId="{20ECC735-6357-4521-A768-B7D7C3A147EB}" dt="2021-01-28T18:04:43.792" v="0" actId="47"/>
-        <pc:sldMkLst>
-          <pc:docMk/>
-          <pc:sldMk cId="561583903" sldId="263"/>
-        </pc:sldMkLst>
-      </pc:sldChg>
-      <pc:sldChg chg="del">
-        <pc:chgData name="Khattab, Sherif" userId="c83b1e15-36f3-4f46-aceb-05aac24c545e" providerId="ADAL" clId="{20ECC735-6357-4521-A768-B7D7C3A147EB}" dt="2021-01-28T18:04:43.792" v="0" actId="47"/>
-        <pc:sldMkLst>
-          <pc:docMk/>
-          <pc:sldMk cId="982315759" sldId="264"/>
-        </pc:sldMkLst>
-      </pc:sldChg>
-      <pc:sldChg chg="del">
-        <pc:chgData name="Khattab, Sherif" userId="c83b1e15-36f3-4f46-aceb-05aac24c545e" providerId="ADAL" clId="{20ECC735-6357-4521-A768-B7D7C3A147EB}" dt="2021-01-28T18:04:43.792" v="0" actId="47"/>
-        <pc:sldMkLst>
-          <pc:docMk/>
-          <pc:sldMk cId="423130617" sldId="265"/>
-        </pc:sldMkLst>
-      </pc:sldChg>
-      <pc:sldChg chg="del">
-        <pc:chgData name="Khattab, Sherif" userId="c83b1e15-36f3-4f46-aceb-05aac24c545e" providerId="ADAL" clId="{20ECC735-6357-4521-A768-B7D7C3A147EB}" dt="2021-02-02T15:27:17.828" v="1155" actId="47"/>
-        <pc:sldMkLst>
-          <pc:docMk/>
-          <pc:sldMk cId="386763112" sldId="266"/>
-        </pc:sldMkLst>
-      </pc:sldChg>
-      <pc:sldChg chg="del">
-        <pc:chgData name="Khattab, Sherif" userId="c83b1e15-36f3-4f46-aceb-05aac24c545e" providerId="ADAL" clId="{20ECC735-6357-4521-A768-B7D7C3A147EB}" dt="2021-01-28T18:04:43.792" v="0" actId="47"/>
-        <pc:sldMkLst>
-          <pc:docMk/>
-          <pc:sldMk cId="661211275" sldId="267"/>
-        </pc:sldMkLst>
-      </pc:sldChg>
-      <pc:sldChg chg="del">
-        <pc:chgData name="Khattab, Sherif" userId="c83b1e15-36f3-4f46-aceb-05aac24c545e" providerId="ADAL" clId="{20ECC735-6357-4521-A768-B7D7C3A147EB}" dt="2021-01-28T18:04:43.792" v="0" actId="47"/>
-        <pc:sldMkLst>
-          <pc:docMk/>
-          <pc:sldMk cId="1897509347" sldId="268"/>
-        </pc:sldMkLst>
-      </pc:sldChg>
-      <pc:sldChg chg="del">
-        <pc:chgData name="Khattab, Sherif" userId="c83b1e15-36f3-4f46-aceb-05aac24c545e" providerId="ADAL" clId="{20ECC735-6357-4521-A768-B7D7C3A147EB}" dt="2021-01-28T18:04:43.792" v="0" actId="47"/>
-        <pc:sldMkLst>
-          <pc:docMk/>
-          <pc:sldMk cId="1042310649" sldId="269"/>
-        </pc:sldMkLst>
-      </pc:sldChg>
-      <pc:sldChg chg="del">
-        <pc:chgData name="Khattab, Sherif" userId="c83b1e15-36f3-4f46-aceb-05aac24c545e" providerId="ADAL" clId="{20ECC735-6357-4521-A768-B7D7C3A147EB}" dt="2021-01-28T18:04:43.792" v="0" actId="47"/>
-        <pc:sldMkLst>
-          <pc:docMk/>
-          <pc:sldMk cId="703361262" sldId="270"/>
-        </pc:sldMkLst>
-      </pc:sldChg>
-      <pc:sldChg chg="del">
-        <pc:chgData name="Khattab, Sherif" userId="c83b1e15-36f3-4f46-aceb-05aac24c545e" providerId="ADAL" clId="{20ECC735-6357-4521-A768-B7D7C3A147EB}" dt="2021-01-28T18:04:43.792" v="0" actId="47"/>
-        <pc:sldMkLst>
-          <pc:docMk/>
-          <pc:sldMk cId="1436808390" sldId="271"/>
-        </pc:sldMkLst>
-      </pc:sldChg>
-      <pc:sldChg chg="del">
-        <pc:chgData name="Khattab, Sherif" userId="c83b1e15-36f3-4f46-aceb-05aac24c545e" providerId="ADAL" clId="{20ECC735-6357-4521-A768-B7D7C3A147EB}" dt="2021-01-28T18:04:43.792" v="0" actId="47"/>
-        <pc:sldMkLst>
-          <pc:docMk/>
-          <pc:sldMk cId="1301683851" sldId="272"/>
-        </pc:sldMkLst>
-      </pc:sldChg>
-      <pc:sldChg chg="del">
-        <pc:chgData name="Khattab, Sherif" userId="c83b1e15-36f3-4f46-aceb-05aac24c545e" providerId="ADAL" clId="{20ECC735-6357-4521-A768-B7D7C3A147EB}" dt="2021-02-02T15:27:17.061" v="1138" actId="47"/>
-        <pc:sldMkLst>
-          <pc:docMk/>
-          <pc:sldMk cId="1920820884" sldId="273"/>
-        </pc:sldMkLst>
-      </pc:sldChg>
-      <pc:sldChg chg="del">
-        <pc:chgData name="Khattab, Sherif" userId="c83b1e15-36f3-4f46-aceb-05aac24c545e" providerId="ADAL" clId="{20ECC735-6357-4521-A768-B7D7C3A147EB}" dt="2021-01-28T18:04:43.792" v="0" actId="47"/>
-        <pc:sldMkLst>
-          <pc:docMk/>
-          <pc:sldMk cId="55302999" sldId="274"/>
-        </pc:sldMkLst>
-      </pc:sldChg>
-      <pc:sldChg chg="del">
-        <pc:chgData name="Khattab, Sherif" userId="c83b1e15-36f3-4f46-aceb-05aac24c545e" providerId="ADAL" clId="{20ECC735-6357-4521-A768-B7D7C3A147EB}" dt="2021-01-28T18:04:43.792" v="0" actId="47"/>
-        <pc:sldMkLst>
-          <pc:docMk/>
-          <pc:sldMk cId="2064114192" sldId="276"/>
-        </pc:sldMkLst>
-      </pc:sldChg>
-      <pc:sldChg chg="del">
-        <pc:chgData name="Khattab, Sherif" userId="c83b1e15-36f3-4f46-aceb-05aac24c545e" providerId="ADAL" clId="{20ECC735-6357-4521-A768-B7D7C3A147EB}" dt="2021-02-02T15:27:17.228" v="1141" actId="47"/>
-        <pc:sldMkLst>
-          <pc:docMk/>
-          <pc:sldMk cId="2017417480" sldId="277"/>
-        </pc:sldMkLst>
-      </pc:sldChg>
-      <pc:sldChg chg="del">
-        <pc:chgData name="Khattab, Sherif" userId="c83b1e15-36f3-4f46-aceb-05aac24c545e" providerId="ADAL" clId="{20ECC735-6357-4521-A768-B7D7C3A147EB}" dt="2021-01-28T18:04:43.792" v="0" actId="47"/>
-        <pc:sldMkLst>
-          <pc:docMk/>
-          <pc:sldMk cId="1000435174" sldId="278"/>
-        </pc:sldMkLst>
-      </pc:sldChg>
-      <pc:sldChg chg="del">
-        <pc:chgData name="Khattab, Sherif" userId="c83b1e15-36f3-4f46-aceb-05aac24c545e" providerId="ADAL" clId="{20ECC735-6357-4521-A768-B7D7C3A147EB}" dt="2021-01-28T18:04:43.792" v="0" actId="47"/>
-        <pc:sldMkLst>
-          <pc:docMk/>
-          <pc:sldMk cId="2080017563" sldId="279"/>
-        </pc:sldMkLst>
-      </pc:sldChg>
-      <pc:sldChg chg="del">
-        <pc:chgData name="Khattab, Sherif" userId="c83b1e15-36f3-4f46-aceb-05aac24c545e" providerId="ADAL" clId="{20ECC735-6357-4521-A768-B7D7C3A147EB}" dt="2021-02-02T15:27:17.379" v="1145" actId="47"/>
-        <pc:sldMkLst>
-          <pc:docMk/>
-          <pc:sldMk cId="2773510753" sldId="280"/>
-        </pc:sldMkLst>
-      </pc:sldChg>
-      <pc:sldChg chg="del">
-        <pc:chgData name="Khattab, Sherif" userId="c83b1e15-36f3-4f46-aceb-05aac24c545e" providerId="ADAL" clId="{20ECC735-6357-4521-A768-B7D7C3A147EB}" dt="2021-01-28T18:04:43.792" v="0" actId="47"/>
-        <pc:sldMkLst>
-          <pc:docMk/>
-          <pc:sldMk cId="1445345591" sldId="281"/>
-        </pc:sldMkLst>
-      </pc:sldChg>
-      <pc:sldChg chg="del">
-        <pc:chgData name="Khattab, Sherif" userId="c83b1e15-36f3-4f46-aceb-05aac24c545e" providerId="ADAL" clId="{20ECC735-6357-4521-A768-B7D7C3A147EB}" dt="2021-01-28T18:04:43.792" v="0" actId="47"/>
-        <pc:sldMkLst>
-          <pc:docMk/>
-          <pc:sldMk cId="306268545" sldId="282"/>
-        </pc:sldMkLst>
-      </pc:sldChg>
-      <pc:sldChg chg="del">
-        <pc:chgData name="Khattab, Sherif" userId="c83b1e15-36f3-4f46-aceb-05aac24c545e" providerId="ADAL" clId="{20ECC735-6357-4521-A768-B7D7C3A147EB}" dt="2021-02-02T15:27:17.485" v="1148" actId="47"/>
-        <pc:sldMkLst>
-          <pc:docMk/>
-          <pc:sldMk cId="171235497" sldId="283"/>
-        </pc:sldMkLst>
-      </pc:sldChg>
-      <pc:sldChg chg="del">
-        <pc:chgData name="Khattab, Sherif" userId="c83b1e15-36f3-4f46-aceb-05aac24c545e" providerId="ADAL" clId="{20ECC735-6357-4521-A768-B7D7C3A147EB}" dt="2021-02-02T15:27:17.524" v="1149" actId="47"/>
-        <pc:sldMkLst>
-          <pc:docMk/>
-          <pc:sldMk cId="2099089282" sldId="284"/>
-        </pc:sldMkLst>
-      </pc:sldChg>
-      <pc:sldChg chg="del">
-        <pc:chgData name="Khattab, Sherif" userId="c83b1e15-36f3-4f46-aceb-05aac24c545e" providerId="ADAL" clId="{20ECC735-6357-4521-A768-B7D7C3A147EB}" dt="2021-02-02T15:27:17.552" v="1150" actId="47"/>
-        <pc:sldMkLst>
-          <pc:docMk/>
-          <pc:sldMk cId="1136622862" sldId="285"/>
-        </pc:sldMkLst>
-      </pc:sldChg>
-      <pc:sldChg chg="del">
-        <pc:chgData name="Khattab, Sherif" userId="c83b1e15-36f3-4f46-aceb-05aac24c545e" providerId="ADAL" clId="{20ECC735-6357-4521-A768-B7D7C3A147EB}" dt="2021-02-02T15:27:16.725" v="1131" actId="47"/>
-        <pc:sldMkLst>
-          <pc:docMk/>
-          <pc:sldMk cId="3949722242" sldId="286"/>
-        </pc:sldMkLst>
-      </pc:sldChg>
-      <pc:sldChg chg="del">
-        <pc:chgData name="Khattab, Sherif" userId="c83b1e15-36f3-4f46-aceb-05aac24c545e" providerId="ADAL" clId="{20ECC735-6357-4521-A768-B7D7C3A147EB}" dt="2021-02-02T15:27:16.834" v="1134" actId="47"/>
-        <pc:sldMkLst>
-          <pc:docMk/>
-          <pc:sldMk cId="1032220564" sldId="287"/>
-        </pc:sldMkLst>
-      </pc:sldChg>
-      <pc:sldChg chg="del">
-        <pc:chgData name="Khattab, Sherif" userId="c83b1e15-36f3-4f46-aceb-05aac24c545e" providerId="ADAL" clId="{20ECC735-6357-4521-A768-B7D7C3A147EB}" dt="2021-02-02T15:27:16.923" v="1135" actId="47"/>
-        <pc:sldMkLst>
-          <pc:docMk/>
-          <pc:sldMk cId="1268007695" sldId="288"/>
-        </pc:sldMkLst>
-      </pc:sldChg>
-      <pc:sldChg chg="del">
-        <pc:chgData name="Khattab, Sherif" userId="c83b1e15-36f3-4f46-aceb-05aac24c545e" providerId="ADAL" clId="{20ECC735-6357-4521-A768-B7D7C3A147EB}" dt="2021-02-02T15:27:16.965" v="1136" actId="47"/>
-        <pc:sldMkLst>
-          <pc:docMk/>
-          <pc:sldMk cId="463012687" sldId="289"/>
-        </pc:sldMkLst>
-      </pc:sldChg>
-      <pc:sldChg chg="del">
-        <pc:chgData name="Khattab, Sherif" userId="c83b1e15-36f3-4f46-aceb-05aac24c545e" providerId="ADAL" clId="{20ECC735-6357-4521-A768-B7D7C3A147EB}" dt="2021-02-02T15:27:17.271" v="1142" actId="47"/>
-        <pc:sldMkLst>
-          <pc:docMk/>
-          <pc:sldMk cId="442392580" sldId="290"/>
-        </pc:sldMkLst>
-      </pc:sldChg>
-      <pc:sldChg chg="del">
-        <pc:chgData name="Khattab, Sherif" userId="c83b1e15-36f3-4f46-aceb-05aac24c545e" providerId="ADAL" clId="{20ECC735-6357-4521-A768-B7D7C3A147EB}" dt="2021-01-28T18:04:43.792" v="0" actId="47"/>
-        <pc:sldMkLst>
-          <pc:docMk/>
-          <pc:sldMk cId="2710637777" sldId="322"/>
-        </pc:sldMkLst>
-      </pc:sldChg>
-      <pc:sldChg chg="del">
-        <pc:chgData name="Khattab, Sherif" userId="c83b1e15-36f3-4f46-aceb-05aac24c545e" providerId="ADAL" clId="{20ECC735-6357-4521-A768-B7D7C3A147EB}" dt="2021-01-28T18:04:43.792" v="0" actId="47"/>
-        <pc:sldMkLst>
-          <pc:docMk/>
-          <pc:sldMk cId="3292918179" sldId="324"/>
-        </pc:sldMkLst>
-      </pc:sldChg>
-      <pc:sldChg chg="addSp delSp modSp add del mod">
-        <pc:chgData name="Khattab, Sherif" userId="c83b1e15-36f3-4f46-aceb-05aac24c545e" providerId="ADAL" clId="{20ECC735-6357-4521-A768-B7D7C3A147EB}" dt="2021-02-02T18:53:24.417" v="2385" actId="47"/>
-        <pc:sldMkLst>
-          <pc:docMk/>
-          <pc:sldMk cId="355119911" sldId="338"/>
-        </pc:sldMkLst>
-        <pc:spChg chg="del mod">
-          <ac:chgData name="Khattab, Sherif" userId="c83b1e15-36f3-4f46-aceb-05aac24c545e" providerId="ADAL" clId="{20ECC735-6357-4521-A768-B7D7C3A147EB}" dt="2021-02-02T15:16:22.294" v="959" actId="478"/>
-          <ac:spMkLst>
-            <pc:docMk/>
-            <pc:sldMk cId="355119911" sldId="338"/>
-            <ac:spMk id="106498" creationId="{563702C7-BB92-8744-86F7-6AB1069051A1}"/>
-          </ac:spMkLst>
-        </pc:spChg>
-        <pc:spChg chg="mod">
-          <ac:chgData name="Khattab, Sherif" userId="c83b1e15-36f3-4f46-aceb-05aac24c545e" providerId="ADAL" clId="{20ECC735-6357-4521-A768-B7D7C3A147EB}" dt="2021-02-02T15:18:27.442" v="1069" actId="20577"/>
-          <ac:spMkLst>
-            <pc:docMk/>
-            <pc:sldMk cId="355119911" sldId="338"/>
-            <ac:spMk id="106500" creationId="{C1A6B44F-6A6E-624E-A1A8-C1E38440BAFC}"/>
-          </ac:spMkLst>
-        </pc:spChg>
-        <pc:picChg chg="add del mod">
-          <ac:chgData name="Khattab, Sherif" userId="c83b1e15-36f3-4f46-aceb-05aac24c545e" providerId="ADAL" clId="{20ECC735-6357-4521-A768-B7D7C3A147EB}" dt="2021-02-02T15:17:14.060" v="968" actId="478"/>
-          <ac:picMkLst>
-            <pc:docMk/>
-            <pc:sldMk cId="355119911" sldId="338"/>
-            <ac:picMk id="3" creationId="{29CB9F2A-EC0B-422B-BF7C-EAE97A368CCD}"/>
-          </ac:picMkLst>
-        </pc:picChg>
-        <pc:picChg chg="add mod">
-          <ac:chgData name="Khattab, Sherif" userId="c83b1e15-36f3-4f46-aceb-05aac24c545e" providerId="ADAL" clId="{20ECC735-6357-4521-A768-B7D7C3A147EB}" dt="2021-02-02T15:17:20.516" v="973" actId="1076"/>
-          <ac:picMkLst>
-            <pc:docMk/>
-            <pc:sldMk cId="355119911" sldId="338"/>
-            <ac:picMk id="7" creationId="{D7F1F289-1786-4494-912F-A8FD48635A50}"/>
-          </ac:picMkLst>
-        </pc:picChg>
-      </pc:sldChg>
-      <pc:sldChg chg="modSp add del mod">
-        <pc:chgData name="Khattab, Sherif" userId="c83b1e15-36f3-4f46-aceb-05aac24c545e" providerId="ADAL" clId="{20ECC735-6357-4521-A768-B7D7C3A147EB}" dt="2021-02-02T18:53:24.417" v="2385" actId="47"/>
-        <pc:sldMkLst>
-          <pc:docMk/>
-          <pc:sldMk cId="4223572414" sldId="339"/>
-        </pc:sldMkLst>
-        <pc:spChg chg="mod">
-          <ac:chgData name="Khattab, Sherif" userId="c83b1e15-36f3-4f46-aceb-05aac24c545e" providerId="ADAL" clId="{20ECC735-6357-4521-A768-B7D7C3A147EB}" dt="2021-02-02T15:36:00.414" v="1795" actId="27636"/>
-          <ac:spMkLst>
-            <pc:docMk/>
-            <pc:sldMk cId="4223572414" sldId="339"/>
-            <ac:spMk id="107523" creationId="{0F9697C6-2257-044C-8E34-AC62DE514C44}"/>
-          </ac:spMkLst>
-        </pc:spChg>
-      </pc:sldChg>
-      <pc:sldChg chg="modSp add del mod">
-        <pc:chgData name="Khattab, Sherif" userId="c83b1e15-36f3-4f46-aceb-05aac24c545e" providerId="ADAL" clId="{20ECC735-6357-4521-A768-B7D7C3A147EB}" dt="2021-02-02T18:53:24.417" v="2385" actId="47"/>
-        <pc:sldMkLst>
-          <pc:docMk/>
-          <pc:sldMk cId="470668490" sldId="340"/>
-        </pc:sldMkLst>
-        <pc:spChg chg="mod">
-          <ac:chgData name="Khattab, Sherif" userId="c83b1e15-36f3-4f46-aceb-05aac24c545e" providerId="ADAL" clId="{20ECC735-6357-4521-A768-B7D7C3A147EB}" dt="2021-02-02T15:36:07.255" v="1799" actId="20577"/>
-          <ac:spMkLst>
-            <pc:docMk/>
-            <pc:sldMk cId="470668490" sldId="340"/>
-            <ac:spMk id="108547" creationId="{CC82A9AD-5F15-AB49-8F90-FE2C306DA419}"/>
-          </ac:spMkLst>
-        </pc:spChg>
-      </pc:sldChg>
-      <pc:sldChg chg="add del ord">
-        <pc:chgData name="Khattab, Sherif" userId="c83b1e15-36f3-4f46-aceb-05aac24c545e" providerId="ADAL" clId="{20ECC735-6357-4521-A768-B7D7C3A147EB}" dt="2021-02-02T18:53:29.574" v="2387" actId="47"/>
-        <pc:sldMkLst>
-          <pc:docMk/>
-          <pc:sldMk cId="1205868326" sldId="341"/>
-        </pc:sldMkLst>
-      </pc:sldChg>
-      <pc:sldChg chg="del">
-        <pc:chgData name="Khattab, Sherif" userId="c83b1e15-36f3-4f46-aceb-05aac24c545e" providerId="ADAL" clId="{20ECC735-6357-4521-A768-B7D7C3A147EB}" dt="2021-02-02T15:27:08.601" v="1111" actId="47"/>
-        <pc:sldMkLst>
-          <pc:docMk/>
-          <pc:sldMk cId="1806563943" sldId="342"/>
-        </pc:sldMkLst>
-      </pc:sldChg>
-      <pc:sldChg chg="del">
-        <pc:chgData name="Khattab, Sherif" userId="c83b1e15-36f3-4f46-aceb-05aac24c545e" providerId="ADAL" clId="{20ECC735-6357-4521-A768-B7D7C3A147EB}" dt="2021-02-02T15:27:10.554" v="1112" actId="47"/>
-        <pc:sldMkLst>
-          <pc:docMk/>
-          <pc:sldMk cId="1167711490" sldId="343"/>
-        </pc:sldMkLst>
-      </pc:sldChg>
-      <pc:sldChg chg="del">
-        <pc:chgData name="Khattab, Sherif" userId="c83b1e15-36f3-4f46-aceb-05aac24c545e" providerId="ADAL" clId="{20ECC735-6357-4521-A768-B7D7C3A147EB}" dt="2021-02-02T15:27:15.497" v="1115" actId="47"/>
-        <pc:sldMkLst>
-          <pc:docMk/>
-          <pc:sldMk cId="1271999567" sldId="349"/>
-        </pc:sldMkLst>
-      </pc:sldChg>
-      <pc:sldChg chg="del">
-        <pc:chgData name="Khattab, Sherif" userId="c83b1e15-36f3-4f46-aceb-05aac24c545e" providerId="ADAL" clId="{20ECC735-6357-4521-A768-B7D7C3A147EB}" dt="2021-01-28T18:04:43.792" v="0" actId="47"/>
-        <pc:sldMkLst>
-          <pc:docMk/>
-          <pc:sldMk cId="434376579" sldId="363"/>
-        </pc:sldMkLst>
-      </pc:sldChg>
-      <pc:sldChg chg="del">
-        <pc:chgData name="Khattab, Sherif" userId="c83b1e15-36f3-4f46-aceb-05aac24c545e" providerId="ADAL" clId="{20ECC735-6357-4521-A768-B7D7C3A147EB}" dt="2021-01-28T18:04:43.792" v="0" actId="47"/>
-        <pc:sldMkLst>
-          <pc:docMk/>
-          <pc:sldMk cId="815621424" sldId="364"/>
-        </pc:sldMkLst>
-      </pc:sldChg>
-      <pc:sldChg chg="del">
-        <pc:chgData name="Khattab, Sherif" userId="c83b1e15-36f3-4f46-aceb-05aac24c545e" providerId="ADAL" clId="{20ECC735-6357-4521-A768-B7D7C3A147EB}" dt="2021-01-28T18:04:43.792" v="0" actId="47"/>
-        <pc:sldMkLst>
-          <pc:docMk/>
-          <pc:sldMk cId="1934104099" sldId="365"/>
-        </pc:sldMkLst>
-      </pc:sldChg>
-      <pc:sldChg chg="del">
-        <pc:chgData name="Khattab, Sherif" userId="c83b1e15-36f3-4f46-aceb-05aac24c545e" providerId="ADAL" clId="{20ECC735-6357-4521-A768-B7D7C3A147EB}" dt="2021-01-28T18:04:43.792" v="0" actId="47"/>
-        <pc:sldMkLst>
-          <pc:docMk/>
-          <pc:sldMk cId="2782429159" sldId="366"/>
-        </pc:sldMkLst>
-      </pc:sldChg>
-      <pc:sldChg chg="del">
-        <pc:chgData name="Khattab, Sherif" userId="c83b1e15-36f3-4f46-aceb-05aac24c545e" providerId="ADAL" clId="{20ECC735-6357-4521-A768-B7D7C3A147EB}" dt="2021-01-28T18:04:43.792" v="0" actId="47"/>
-        <pc:sldMkLst>
-          <pc:docMk/>
-          <pc:sldMk cId="2251973667" sldId="367"/>
-        </pc:sldMkLst>
-      </pc:sldChg>
-      <pc:sldChg chg="del">
-        <pc:chgData name="Khattab, Sherif" userId="c83b1e15-36f3-4f46-aceb-05aac24c545e" providerId="ADAL" clId="{20ECC735-6357-4521-A768-B7D7C3A147EB}" dt="2021-01-28T18:04:43.792" v="0" actId="47"/>
-        <pc:sldMkLst>
-          <pc:docMk/>
-          <pc:sldMk cId="3138501136" sldId="368"/>
-        </pc:sldMkLst>
-      </pc:sldChg>
-      <pc:sldChg chg="addSp delSp modSp mod">
-        <pc:chgData name="Khattab, Sherif" userId="c83b1e15-36f3-4f46-aceb-05aac24c545e" providerId="ADAL" clId="{20ECC735-6357-4521-A768-B7D7C3A147EB}" dt="2021-02-03T02:08:25.437" v="2809" actId="9405"/>
-        <pc:sldMkLst>
-          <pc:docMk/>
-          <pc:sldMk cId="3210992163" sldId="369"/>
-        </pc:sldMkLst>
-        <pc:spChg chg="mod">
-          <ac:chgData name="Khattab, Sherif" userId="c83b1e15-36f3-4f46-aceb-05aac24c545e" providerId="ADAL" clId="{20ECC735-6357-4521-A768-B7D7C3A147EB}" dt="2021-01-28T18:05:24.975" v="25" actId="20577"/>
-          <ac:spMkLst>
-            <pc:docMk/>
-            <pc:sldMk cId="3210992163" sldId="369"/>
-            <ac:spMk id="100354" creationId="{E957CE05-A4BD-144F-A0C4-0AAE7BD7009B}"/>
-          </ac:spMkLst>
-        </pc:spChg>
-        <pc:spChg chg="mod">
-          <ac:chgData name="Khattab, Sherif" userId="c83b1e15-36f3-4f46-aceb-05aac24c545e" providerId="ADAL" clId="{20ECC735-6357-4521-A768-B7D7C3A147EB}" dt="2021-02-03T02:07:45.834" v="2800" actId="14100"/>
-          <ac:spMkLst>
-            <pc:docMk/>
-            <pc:sldMk cId="3210992163" sldId="369"/>
-            <ac:spMk id="100355" creationId="{0C36604A-A763-A345-B88E-8E6F2BF0C1FE}"/>
-          </ac:spMkLst>
-        </pc:spChg>
-        <pc:picChg chg="add del mod">
-          <ac:chgData name="Khattab, Sherif" userId="c83b1e15-36f3-4f46-aceb-05aac24c545e" providerId="ADAL" clId="{20ECC735-6357-4521-A768-B7D7C3A147EB}" dt="2021-02-03T02:07:18.068" v="2796" actId="478"/>
-          <ac:picMkLst>
-            <pc:docMk/>
-            <pc:sldMk cId="3210992163" sldId="369"/>
-            <ac:picMk id="3" creationId="{42C7C9C9-1040-4558-8226-A38C0E5F5239}"/>
-          </ac:picMkLst>
-        </pc:picChg>
-        <pc:picChg chg="add mod">
-          <ac:chgData name="Khattab, Sherif" userId="c83b1e15-36f3-4f46-aceb-05aac24c545e" providerId="ADAL" clId="{20ECC735-6357-4521-A768-B7D7C3A147EB}" dt="2021-02-03T02:08:17.060" v="2807" actId="1076"/>
-          <ac:picMkLst>
-            <pc:docMk/>
-            <pc:sldMk cId="3210992163" sldId="369"/>
-            <ac:picMk id="7" creationId="{8289F39E-20D4-48DB-B0D7-920A9B1D2C84}"/>
-          </ac:picMkLst>
-        </pc:picChg>
-        <pc:inkChg chg="add mod">
-          <ac:chgData name="Khattab, Sherif" userId="c83b1e15-36f3-4f46-aceb-05aac24c545e" providerId="ADAL" clId="{20ECC735-6357-4521-A768-B7D7C3A147EB}" dt="2021-02-03T02:08:13.655" v="2806" actId="1076"/>
-          <ac:inkMkLst>
-            <pc:docMk/>
-            <pc:sldMk cId="3210992163" sldId="369"/>
-            <ac:inkMk id="8" creationId="{75B10704-325A-4EC9-89BD-F20244F1E355}"/>
-          </ac:inkMkLst>
-        </pc:inkChg>
-        <pc:inkChg chg="add">
-          <ac:chgData name="Khattab, Sherif" userId="c83b1e15-36f3-4f46-aceb-05aac24c545e" providerId="ADAL" clId="{20ECC735-6357-4521-A768-B7D7C3A147EB}" dt="2021-02-03T02:08:22.082" v="2808" actId="9405"/>
-          <ac:inkMkLst>
-            <pc:docMk/>
-            <pc:sldMk cId="3210992163" sldId="369"/>
-            <ac:inkMk id="9" creationId="{65902BB3-D968-4B54-8B69-A55E7B9FC9C7}"/>
-          </ac:inkMkLst>
-        </pc:inkChg>
-        <pc:inkChg chg="add">
-          <ac:chgData name="Khattab, Sherif" userId="c83b1e15-36f3-4f46-aceb-05aac24c545e" providerId="ADAL" clId="{20ECC735-6357-4521-A768-B7D7C3A147EB}" dt="2021-02-03T02:08:25.437" v="2809" actId="9405"/>
-          <ac:inkMkLst>
-            <pc:docMk/>
-            <pc:sldMk cId="3210992163" sldId="369"/>
-            <ac:inkMk id="10" creationId="{877346C0-8418-41AB-AD05-4613E1FE78DF}"/>
-          </ac:inkMkLst>
-        </pc:inkChg>
-      </pc:sldChg>
-      <pc:sldChg chg="modSp add del mod">
-        <pc:chgData name="Khattab, Sherif" userId="c83b1e15-36f3-4f46-aceb-05aac24c545e" providerId="ADAL" clId="{20ECC735-6357-4521-A768-B7D7C3A147EB}" dt="2021-02-02T15:30:00.899" v="1304" actId="113"/>
-        <pc:sldMkLst>
-          <pc:docMk/>
-          <pc:sldMk cId="4013065491" sldId="370"/>
-        </pc:sldMkLst>
-        <pc:spChg chg="mod">
-          <ac:chgData name="Khattab, Sherif" userId="c83b1e15-36f3-4f46-aceb-05aac24c545e" providerId="ADAL" clId="{20ECC735-6357-4521-A768-B7D7C3A147EB}" dt="2021-02-02T15:30:00.899" v="1304" actId="113"/>
-          <ac:spMkLst>
-            <pc:docMk/>
-            <pc:sldMk cId="4013065491" sldId="370"/>
-            <ac:spMk id="101379" creationId="{0BE74C56-0B43-2A44-A8C0-3EA8E3E44D8A}"/>
-          </ac:spMkLst>
-        </pc:spChg>
-        <pc:spChg chg="mod">
-          <ac:chgData name="Khattab, Sherif" userId="c83b1e15-36f3-4f46-aceb-05aac24c545e" providerId="ADAL" clId="{20ECC735-6357-4521-A768-B7D7C3A147EB}" dt="2021-02-02T15:28:52.803" v="1278" actId="20577"/>
-          <ac:spMkLst>
-            <pc:docMk/>
-            <pc:sldMk cId="4013065491" sldId="370"/>
-            <ac:spMk id="101380" creationId="{D24E1DF0-CC9A-1E44-B5BF-29147C8DFD32}"/>
-          </ac:spMkLst>
-        </pc:spChg>
-        <pc:spChg chg="mod">
-          <ac:chgData name="Khattab, Sherif" userId="c83b1e15-36f3-4f46-aceb-05aac24c545e" providerId="ADAL" clId="{20ECC735-6357-4521-A768-B7D7C3A147EB}" dt="2021-02-02T15:28:43.842" v="1275" actId="6549"/>
-          <ac:spMkLst>
-            <pc:docMk/>
-            <pc:sldMk cId="4013065491" sldId="370"/>
-            <ac:spMk id="101381" creationId="{B569C0DB-2D8E-CB4C-9A01-F234C35ECD4E}"/>
-          </ac:spMkLst>
-        </pc:spChg>
-      </pc:sldChg>
-      <pc:sldChg chg="addSp modSp add del mod modAnim">
-        <pc:chgData name="Khattab, Sherif" userId="c83b1e15-36f3-4f46-aceb-05aac24c545e" providerId="ADAL" clId="{20ECC735-6357-4521-A768-B7D7C3A147EB}" dt="2021-02-02T15:39:16.738" v="1920"/>
-        <pc:sldMkLst>
-          <pc:docMk/>
-          <pc:sldMk cId="2592968416" sldId="371"/>
-        </pc:sldMkLst>
-        <pc:spChg chg="add mod">
-          <ac:chgData name="Khattab, Sherif" userId="c83b1e15-36f3-4f46-aceb-05aac24c545e" providerId="ADAL" clId="{20ECC735-6357-4521-A768-B7D7C3A147EB}" dt="2021-02-02T15:39:13.004" v="1919" actId="1076"/>
-          <ac:spMkLst>
-            <pc:docMk/>
-            <pc:sldMk cId="2592968416" sldId="371"/>
-            <ac:spMk id="2" creationId="{2F63E310-9701-4C8E-8A83-D5E0B19A5EAA}"/>
-          </ac:spMkLst>
-        </pc:spChg>
-        <pc:spChg chg="mod">
-          <ac:chgData name="Khattab, Sherif" userId="c83b1e15-36f3-4f46-aceb-05aac24c545e" providerId="ADAL" clId="{20ECC735-6357-4521-A768-B7D7C3A147EB}" dt="2021-02-02T15:38:28.106" v="1872" actId="20577"/>
-          <ac:spMkLst>
-            <pc:docMk/>
-            <pc:sldMk cId="2592968416" sldId="371"/>
-            <ac:spMk id="102402" creationId="{E1CB258F-124C-064A-912D-68205C351F24}"/>
-          </ac:spMkLst>
-        </pc:spChg>
-        <pc:spChg chg="mod">
-          <ac:chgData name="Khattab, Sherif" userId="c83b1e15-36f3-4f46-aceb-05aac24c545e" providerId="ADAL" clId="{20ECC735-6357-4521-A768-B7D7C3A147EB}" dt="2021-02-02T15:38:44.866" v="1873" actId="1076"/>
-          <ac:spMkLst>
-            <pc:docMk/>
-            <pc:sldMk cId="2592968416" sldId="371"/>
-            <ac:spMk id="102403" creationId="{785D7A99-6D63-8249-82FA-5B237B098A1E}"/>
-          </ac:spMkLst>
-        </pc:spChg>
-        <pc:spChg chg="mod">
-          <ac:chgData name="Khattab, Sherif" userId="c83b1e15-36f3-4f46-aceb-05aac24c545e" providerId="ADAL" clId="{20ECC735-6357-4521-A768-B7D7C3A147EB}" dt="2021-02-02T15:38:11.355" v="1859" actId="20577"/>
-          <ac:spMkLst>
-            <pc:docMk/>
-            <pc:sldMk cId="2592968416" sldId="371"/>
-            <ac:spMk id="102405" creationId="{142E8EAC-B1DB-A042-BDAA-20329E91A50B}"/>
-          </ac:spMkLst>
-        </pc:spChg>
-      </pc:sldChg>
-      <pc:sldChg chg="modSp add del mod">
-        <pc:chgData name="Khattab, Sherif" userId="c83b1e15-36f3-4f46-aceb-05aac24c545e" providerId="ADAL" clId="{20ECC735-6357-4521-A768-B7D7C3A147EB}" dt="2021-02-02T15:30:29.595" v="1307" actId="20577"/>
-        <pc:sldMkLst>
-          <pc:docMk/>
-          <pc:sldMk cId="3848335379" sldId="372"/>
-        </pc:sldMkLst>
-        <pc:spChg chg="mod">
-          <ac:chgData name="Khattab, Sherif" userId="c83b1e15-36f3-4f46-aceb-05aac24c545e" providerId="ADAL" clId="{20ECC735-6357-4521-A768-B7D7C3A147EB}" dt="2021-02-02T15:30:29.595" v="1307" actId="20577"/>
-          <ac:spMkLst>
-            <pc:docMk/>
-            <pc:sldMk cId="3848335379" sldId="372"/>
-            <ac:spMk id="103428" creationId="{A91BC9E7-33A1-9347-899F-CCEFE80B5E85}"/>
-          </ac:spMkLst>
-        </pc:spChg>
+        <pc:chgData name="Khattab, Sherif" userId="c83b1e15-36f3-4f46-aceb-05aac24c545e" providerId="ADAL" clId="{E2BF0542-8AC8-C546-A69D-6176F8674AAF}" dt="2022-01-25T14:09:42.818" v="224" actId="2696"/>
+        <pc:sldMkLst>
+          <pc:docMk/>
+          <pc:sldMk cId="3238743984" sldId="499"/>
+        </pc:sldMkLst>
       </pc:sldChg>
       <pc:sldChg chg="add del">
-        <pc:chgData name="Khattab, Sherif" userId="c83b1e15-36f3-4f46-aceb-05aac24c545e" providerId="ADAL" clId="{20ECC735-6357-4521-A768-B7D7C3A147EB}" dt="2021-02-02T15:27:42.677" v="1218" actId="47"/>
-        <pc:sldMkLst>
-          <pc:docMk/>
-          <pc:sldMk cId="3161117264" sldId="373"/>
-        </pc:sldMkLst>
-      </pc:sldChg>
-      <pc:sldChg chg="modSp add del mod">
-        <pc:chgData name="Khattab, Sherif" userId="c83b1e15-36f3-4f46-aceb-05aac24c545e" providerId="ADAL" clId="{20ECC735-6357-4521-A768-B7D7C3A147EB}" dt="2021-02-02T18:53:24.417" v="2385" actId="47"/>
-        <pc:sldMkLst>
-          <pc:docMk/>
-          <pc:sldMk cId="1542066946" sldId="374"/>
-        </pc:sldMkLst>
-        <pc:spChg chg="mod">
-          <ac:chgData name="Khattab, Sherif" userId="c83b1e15-36f3-4f46-aceb-05aac24c545e" providerId="ADAL" clId="{20ECC735-6357-4521-A768-B7D7C3A147EB}" dt="2021-02-02T15:35:10.833" v="1760" actId="20577"/>
-          <ac:spMkLst>
-            <pc:docMk/>
-            <pc:sldMk cId="1542066946" sldId="374"/>
-            <ac:spMk id="105475" creationId="{B2EA02B2-FF2F-E840-9115-9F46B908CC54}"/>
-          </ac:spMkLst>
-        </pc:spChg>
+        <pc:chgData name="Khattab, Sherif" userId="c83b1e15-36f3-4f46-aceb-05aac24c545e" providerId="ADAL" clId="{E2BF0542-8AC8-C546-A69D-6176F8674AAF}" dt="2022-01-20T15:49:53.050" v="11"/>
+        <pc:sldMkLst>
+          <pc:docMk/>
+          <pc:sldMk cId="3419089429" sldId="501"/>
+        </pc:sldMkLst>
       </pc:sldChg>
       <pc:sldChg chg="add del">
-        <pc:chgData name="Khattab, Sherif" userId="c83b1e15-36f3-4f46-aceb-05aac24c545e" providerId="ADAL" clId="{20ECC735-6357-4521-A768-B7D7C3A147EB}" dt="2021-02-02T18:53:24.417" v="2385" actId="47"/>
-        <pc:sldMkLst>
-          <pc:docMk/>
-          <pc:sldMk cId="834112894" sldId="375"/>
-        </pc:sldMkLst>
-      </pc:sldChg>
-      <pc:sldChg chg="add del">
-        <pc:chgData name="Khattab, Sherif" userId="c83b1e15-36f3-4f46-aceb-05aac24c545e" providerId="ADAL" clId="{20ECC735-6357-4521-A768-B7D7C3A147EB}" dt="2021-02-02T18:53:24.417" v="2385" actId="47"/>
-        <pc:sldMkLst>
-          <pc:docMk/>
-          <pc:sldMk cId="1165577892" sldId="376"/>
-        </pc:sldMkLst>
-      </pc:sldChg>
-      <pc:sldChg chg="modSp add del mod">
-        <pc:chgData name="Khattab, Sherif" userId="c83b1e15-36f3-4f46-aceb-05aac24c545e" providerId="ADAL" clId="{20ECC735-6357-4521-A768-B7D7C3A147EB}" dt="2021-02-02T15:32:51.419" v="1494" actId="20577"/>
-        <pc:sldMkLst>
-          <pc:docMk/>
-          <pc:sldMk cId="583513582" sldId="377"/>
-        </pc:sldMkLst>
-        <pc:spChg chg="mod">
-          <ac:chgData name="Khattab, Sherif" userId="c83b1e15-36f3-4f46-aceb-05aac24c545e" providerId="ADAL" clId="{20ECC735-6357-4521-A768-B7D7C3A147EB}" dt="2021-02-02T15:32:51.419" v="1494" actId="20577"/>
-          <ac:spMkLst>
-            <pc:docMk/>
-            <pc:sldMk cId="583513582" sldId="377"/>
-            <ac:spMk id="114693" creationId="{2AAD9DE3-45D5-A249-B337-D99D281826B9}"/>
-          </ac:spMkLst>
-        </pc:spChg>
-      </pc:sldChg>
-      <pc:sldChg chg="del">
-        <pc:chgData name="Khattab, Sherif" userId="c83b1e15-36f3-4f46-aceb-05aac24c545e" providerId="ADAL" clId="{20ECC735-6357-4521-A768-B7D7C3A147EB}" dt="2021-02-02T15:27:14.830" v="1113" actId="47"/>
-        <pc:sldMkLst>
-          <pc:docMk/>
-          <pc:sldMk cId="3990797458" sldId="378"/>
-        </pc:sldMkLst>
-      </pc:sldChg>
-      <pc:sldChg chg="del">
-        <pc:chgData name="Khattab, Sherif" userId="c83b1e15-36f3-4f46-aceb-05aac24c545e" providerId="ADAL" clId="{20ECC735-6357-4521-A768-B7D7C3A147EB}" dt="2021-02-02T15:27:15.179" v="1114" actId="47"/>
-        <pc:sldMkLst>
-          <pc:docMk/>
-          <pc:sldMk cId="2736486443" sldId="379"/>
-        </pc:sldMkLst>
-      </pc:sldChg>
-      <pc:sldChg chg="del">
-        <pc:chgData name="Khattab, Sherif" userId="c83b1e15-36f3-4f46-aceb-05aac24c545e" providerId="ADAL" clId="{20ECC735-6357-4521-A768-B7D7C3A147EB}" dt="2021-02-02T15:27:15.745" v="1116" actId="47"/>
-        <pc:sldMkLst>
-          <pc:docMk/>
-          <pc:sldMk cId="541381985" sldId="380"/>
-        </pc:sldMkLst>
-      </pc:sldChg>
-      <pc:sldChg chg="del">
-        <pc:chgData name="Khattab, Sherif" userId="c83b1e15-36f3-4f46-aceb-05aac24c545e" providerId="ADAL" clId="{20ECC735-6357-4521-A768-B7D7C3A147EB}" dt="2021-02-02T15:27:16.230" v="1117" actId="47"/>
-        <pc:sldMkLst>
-          <pc:docMk/>
-          <pc:sldMk cId="2235897330" sldId="381"/>
-        </pc:sldMkLst>
-      </pc:sldChg>
-      <pc:sldChg chg="del">
-        <pc:chgData name="Khattab, Sherif" userId="c83b1e15-36f3-4f46-aceb-05aac24c545e" providerId="ADAL" clId="{20ECC735-6357-4521-A768-B7D7C3A147EB}" dt="2021-02-02T15:27:16.264" v="1118" actId="47"/>
-        <pc:sldMkLst>
-          <pc:docMk/>
-          <pc:sldMk cId="3360044446" sldId="382"/>
-        </pc:sldMkLst>
-      </pc:sldChg>
-      <pc:sldChg chg="del">
-        <pc:chgData name="Khattab, Sherif" userId="c83b1e15-36f3-4f46-aceb-05aac24c545e" providerId="ADAL" clId="{20ECC735-6357-4521-A768-B7D7C3A147EB}" dt="2021-02-02T15:27:16.284" v="1119" actId="47"/>
-        <pc:sldMkLst>
-          <pc:docMk/>
-          <pc:sldMk cId="1954384084" sldId="383"/>
-        </pc:sldMkLst>
-      </pc:sldChg>
-      <pc:sldChg chg="del">
-        <pc:chgData name="Khattab, Sherif" userId="c83b1e15-36f3-4f46-aceb-05aac24c545e" providerId="ADAL" clId="{20ECC735-6357-4521-A768-B7D7C3A147EB}" dt="2021-02-02T15:27:16.319" v="1120" actId="47"/>
-        <pc:sldMkLst>
-          <pc:docMk/>
-          <pc:sldMk cId="220759689" sldId="384"/>
-        </pc:sldMkLst>
-      </pc:sldChg>
-      <pc:sldChg chg="del">
-        <pc:chgData name="Khattab, Sherif" userId="c83b1e15-36f3-4f46-aceb-05aac24c545e" providerId="ADAL" clId="{20ECC735-6357-4521-A768-B7D7C3A147EB}" dt="2021-02-02T15:27:16.340" v="1121" actId="47"/>
-        <pc:sldMkLst>
-          <pc:docMk/>
-          <pc:sldMk cId="2809799376" sldId="385"/>
-        </pc:sldMkLst>
-      </pc:sldChg>
-      <pc:sldChg chg="del">
-        <pc:chgData name="Khattab, Sherif" userId="c83b1e15-36f3-4f46-aceb-05aac24c545e" providerId="ADAL" clId="{20ECC735-6357-4521-A768-B7D7C3A147EB}" dt="2021-01-28T18:04:43.792" v="0" actId="47"/>
-        <pc:sldMkLst>
-          <pc:docMk/>
-          <pc:sldMk cId="2329144619" sldId="445"/>
-        </pc:sldMkLst>
-      </pc:sldChg>
-      <pc:sldChg chg="del">
-        <pc:chgData name="Khattab, Sherif" userId="c83b1e15-36f3-4f46-aceb-05aac24c545e" providerId="ADAL" clId="{20ECC735-6357-4521-A768-B7D7C3A147EB}" dt="2021-01-28T18:04:43.792" v="0" actId="47"/>
-        <pc:sldMkLst>
-          <pc:docMk/>
-          <pc:sldMk cId="1783368962" sldId="448"/>
-        </pc:sldMkLst>
-      </pc:sldChg>
-      <pc:sldChg chg="del">
-        <pc:chgData name="Khattab, Sherif" userId="c83b1e15-36f3-4f46-aceb-05aac24c545e" providerId="ADAL" clId="{20ECC735-6357-4521-A768-B7D7C3A147EB}" dt="2021-01-28T18:04:43.792" v="0" actId="47"/>
-        <pc:sldMkLst>
-          <pc:docMk/>
-          <pc:sldMk cId="2276002102" sldId="451"/>
-        </pc:sldMkLst>
-      </pc:sldChg>
-      <pc:sldChg chg="del">
-        <pc:chgData name="Khattab, Sherif" userId="c83b1e15-36f3-4f46-aceb-05aac24c545e" providerId="ADAL" clId="{20ECC735-6357-4521-A768-B7D7C3A147EB}" dt="2021-02-02T15:27:16.446" v="1124" actId="47"/>
-        <pc:sldMkLst>
-          <pc:docMk/>
-          <pc:sldMk cId="2163467695" sldId="455"/>
-        </pc:sldMkLst>
-      </pc:sldChg>
-      <pc:sldChg chg="del">
-        <pc:chgData name="Khattab, Sherif" userId="c83b1e15-36f3-4f46-aceb-05aac24c545e" providerId="ADAL" clId="{20ECC735-6357-4521-A768-B7D7C3A147EB}" dt="2021-02-02T15:27:16.503" v="1126" actId="47"/>
-        <pc:sldMkLst>
-          <pc:docMk/>
-          <pc:sldMk cId="3400641916" sldId="456"/>
-        </pc:sldMkLst>
-      </pc:sldChg>
-      <pc:sldChg chg="del">
-        <pc:chgData name="Khattab, Sherif" userId="c83b1e15-36f3-4f46-aceb-05aac24c545e" providerId="ADAL" clId="{20ECC735-6357-4521-A768-B7D7C3A147EB}" dt="2021-02-02T15:27:16.549" v="1127" actId="47"/>
-        <pc:sldMkLst>
-          <pc:docMk/>
-          <pc:sldMk cId="2840639230" sldId="457"/>
-        </pc:sldMkLst>
-      </pc:sldChg>
-      <pc:sldChg chg="del">
-        <pc:chgData name="Khattab, Sherif" userId="c83b1e15-36f3-4f46-aceb-05aac24c545e" providerId="ADAL" clId="{20ECC735-6357-4521-A768-B7D7C3A147EB}" dt="2021-02-02T15:27:16.578" v="1128" actId="47"/>
-        <pc:sldMkLst>
-          <pc:docMk/>
-          <pc:sldMk cId="2116012598" sldId="458"/>
-        </pc:sldMkLst>
-      </pc:sldChg>
-      <pc:sldChg chg="del">
-        <pc:chgData name="Khattab, Sherif" userId="c83b1e15-36f3-4f46-aceb-05aac24c545e" providerId="ADAL" clId="{20ECC735-6357-4521-A768-B7D7C3A147EB}" dt="2021-02-02T15:27:16.659" v="1129" actId="47"/>
-        <pc:sldMkLst>
-          <pc:docMk/>
-          <pc:sldMk cId="1816629761" sldId="459"/>
-        </pc:sldMkLst>
-      </pc:sldChg>
-      <pc:sldChg chg="del">
-        <pc:chgData name="Khattab, Sherif" userId="c83b1e15-36f3-4f46-aceb-05aac24c545e" providerId="ADAL" clId="{20ECC735-6357-4521-A768-B7D7C3A147EB}" dt="2021-02-02T15:27:16.695" v="1130" actId="47"/>
-        <pc:sldMkLst>
-          <pc:docMk/>
-          <pc:sldMk cId="4107670357" sldId="460"/>
-        </pc:sldMkLst>
-      </pc:sldChg>
-      <pc:sldChg chg="del">
-        <pc:chgData name="Khattab, Sherif" userId="c83b1e15-36f3-4f46-aceb-05aac24c545e" providerId="ADAL" clId="{20ECC735-6357-4521-A768-B7D7C3A147EB}" dt="2021-02-02T15:27:16.774" v="1132" actId="47"/>
-        <pc:sldMkLst>
-          <pc:docMk/>
-          <pc:sldMk cId="3714784862" sldId="461"/>
-        </pc:sldMkLst>
-      </pc:sldChg>
-      <pc:sldChg chg="del">
-        <pc:chgData name="Khattab, Sherif" userId="c83b1e15-36f3-4f46-aceb-05aac24c545e" providerId="ADAL" clId="{20ECC735-6357-4521-A768-B7D7C3A147EB}" dt="2021-02-02T15:27:16.812" v="1133" actId="47"/>
-        <pc:sldMkLst>
-          <pc:docMk/>
-          <pc:sldMk cId="931898487" sldId="462"/>
-        </pc:sldMkLst>
-      </pc:sldChg>
-      <pc:sldChg chg="del">
-        <pc:chgData name="Khattab, Sherif" userId="c83b1e15-36f3-4f46-aceb-05aac24c545e" providerId="ADAL" clId="{20ECC735-6357-4521-A768-B7D7C3A147EB}" dt="2021-02-02T15:27:16.981" v="1137" actId="47"/>
-        <pc:sldMkLst>
-          <pc:docMk/>
-          <pc:sldMk cId="1471081860" sldId="463"/>
-        </pc:sldMkLst>
-      </pc:sldChg>
-      <pc:sldChg chg="del">
-        <pc:chgData name="Khattab, Sherif" userId="c83b1e15-36f3-4f46-aceb-05aac24c545e" providerId="ADAL" clId="{20ECC735-6357-4521-A768-B7D7C3A147EB}" dt="2021-02-02T15:27:17.169" v="1139" actId="47"/>
-        <pc:sldMkLst>
-          <pc:docMk/>
-          <pc:sldMk cId="574001865" sldId="464"/>
-        </pc:sldMkLst>
-      </pc:sldChg>
-      <pc:sldChg chg="del">
-        <pc:chgData name="Khattab, Sherif" userId="c83b1e15-36f3-4f46-aceb-05aac24c545e" providerId="ADAL" clId="{20ECC735-6357-4521-A768-B7D7C3A147EB}" dt="2021-02-02T15:27:17.202" v="1140" actId="47"/>
-        <pc:sldMkLst>
-          <pc:docMk/>
-          <pc:sldMk cId="2156977365" sldId="465"/>
-        </pc:sldMkLst>
-      </pc:sldChg>
-      <pc:sldChg chg="del">
-        <pc:chgData name="Khattab, Sherif" userId="c83b1e15-36f3-4f46-aceb-05aac24c545e" providerId="ADAL" clId="{20ECC735-6357-4521-A768-B7D7C3A147EB}" dt="2021-02-02T15:27:17.292" v="1143" actId="47"/>
-        <pc:sldMkLst>
-          <pc:docMk/>
-          <pc:sldMk cId="117329803" sldId="466"/>
-        </pc:sldMkLst>
-      </pc:sldChg>
-      <pc:sldChg chg="del">
-        <pc:chgData name="Khattab, Sherif" userId="c83b1e15-36f3-4f46-aceb-05aac24c545e" providerId="ADAL" clId="{20ECC735-6357-4521-A768-B7D7C3A147EB}" dt="2021-02-02T15:27:17.352" v="1144" actId="47"/>
-        <pc:sldMkLst>
-          <pc:docMk/>
-          <pc:sldMk cId="3643915362" sldId="467"/>
-        </pc:sldMkLst>
-      </pc:sldChg>
-      <pc:sldChg chg="del">
-        <pc:chgData name="Khattab, Sherif" userId="c83b1e15-36f3-4f46-aceb-05aac24c545e" providerId="ADAL" clId="{20ECC735-6357-4521-A768-B7D7C3A147EB}" dt="2021-02-02T15:27:17.403" v="1146" actId="47"/>
-        <pc:sldMkLst>
-          <pc:docMk/>
-          <pc:sldMk cId="1593910045" sldId="468"/>
-        </pc:sldMkLst>
-      </pc:sldChg>
-      <pc:sldChg chg="del">
-        <pc:chgData name="Khattab, Sherif" userId="c83b1e15-36f3-4f46-aceb-05aac24c545e" providerId="ADAL" clId="{20ECC735-6357-4521-A768-B7D7C3A147EB}" dt="2021-02-02T15:27:17.424" v="1147" actId="47"/>
-        <pc:sldMkLst>
-          <pc:docMk/>
-          <pc:sldMk cId="3392020218" sldId="469"/>
-        </pc:sldMkLst>
-      </pc:sldChg>
-      <pc:sldChg chg="del">
-        <pc:chgData name="Khattab, Sherif" userId="c83b1e15-36f3-4f46-aceb-05aac24c545e" providerId="ADAL" clId="{20ECC735-6357-4521-A768-B7D7C3A147EB}" dt="2021-02-02T15:27:17.586" v="1151" actId="47"/>
-        <pc:sldMkLst>
-          <pc:docMk/>
-          <pc:sldMk cId="3824051756" sldId="470"/>
-        </pc:sldMkLst>
-      </pc:sldChg>
-      <pc:sldChg chg="del">
-        <pc:chgData name="Khattab, Sherif" userId="c83b1e15-36f3-4f46-aceb-05aac24c545e" providerId="ADAL" clId="{20ECC735-6357-4521-A768-B7D7C3A147EB}" dt="2021-02-02T15:27:17.737" v="1152" actId="47"/>
-        <pc:sldMkLst>
-          <pc:docMk/>
-          <pc:sldMk cId="1025764700" sldId="471"/>
-        </pc:sldMkLst>
-      </pc:sldChg>
-      <pc:sldChg chg="del">
-        <pc:chgData name="Khattab, Sherif" userId="c83b1e15-36f3-4f46-aceb-05aac24c545e" providerId="ADAL" clId="{20ECC735-6357-4521-A768-B7D7C3A147EB}" dt="2021-02-02T15:27:17.784" v="1153" actId="47"/>
-        <pc:sldMkLst>
-          <pc:docMk/>
-          <pc:sldMk cId="3109107092" sldId="472"/>
-        </pc:sldMkLst>
-      </pc:sldChg>
-      <pc:sldChg chg="del">
-        <pc:chgData name="Khattab, Sherif" userId="c83b1e15-36f3-4f46-aceb-05aac24c545e" providerId="ADAL" clId="{20ECC735-6357-4521-A768-B7D7C3A147EB}" dt="2021-02-02T15:27:17.803" v="1154" actId="47"/>
-        <pc:sldMkLst>
-          <pc:docMk/>
-          <pc:sldMk cId="2185675405" sldId="473"/>
-        </pc:sldMkLst>
-      </pc:sldChg>
-      <pc:sldChg chg="del">
-        <pc:chgData name="Khattab, Sherif" userId="c83b1e15-36f3-4f46-aceb-05aac24c545e" providerId="ADAL" clId="{20ECC735-6357-4521-A768-B7D7C3A147EB}" dt="2021-02-02T15:27:17.854" v="1156" actId="47"/>
-        <pc:sldMkLst>
-          <pc:docMk/>
-          <pc:sldMk cId="1719184921" sldId="474"/>
-        </pc:sldMkLst>
-      </pc:sldChg>
-      <pc:sldChg chg="del">
-        <pc:chgData name="Khattab, Sherif" userId="c83b1e15-36f3-4f46-aceb-05aac24c545e" providerId="ADAL" clId="{20ECC735-6357-4521-A768-B7D7C3A147EB}" dt="2021-02-02T15:27:17.917" v="1157" actId="47"/>
-        <pc:sldMkLst>
-          <pc:docMk/>
-          <pc:sldMk cId="3632958702" sldId="475"/>
-        </pc:sldMkLst>
-      </pc:sldChg>
-      <pc:sldChg chg="del">
-        <pc:chgData name="Khattab, Sherif" userId="c83b1e15-36f3-4f46-aceb-05aac24c545e" providerId="ADAL" clId="{20ECC735-6357-4521-A768-B7D7C3A147EB}" dt="2021-02-02T15:27:17.954" v="1158" actId="47"/>
-        <pc:sldMkLst>
-          <pc:docMk/>
-          <pc:sldMk cId="2634117846" sldId="476"/>
-        </pc:sldMkLst>
-      </pc:sldChg>
-      <pc:sldChg chg="del">
-        <pc:chgData name="Khattab, Sherif" userId="c83b1e15-36f3-4f46-aceb-05aac24c545e" providerId="ADAL" clId="{20ECC735-6357-4521-A768-B7D7C3A147EB}" dt="2021-02-02T15:27:17.987" v="1159" actId="47"/>
-        <pc:sldMkLst>
-          <pc:docMk/>
-          <pc:sldMk cId="4038969182" sldId="477"/>
-        </pc:sldMkLst>
-      </pc:sldChg>
-      <pc:sldChg chg="del">
-        <pc:chgData name="Khattab, Sherif" userId="c83b1e15-36f3-4f46-aceb-05aac24c545e" providerId="ADAL" clId="{20ECC735-6357-4521-A768-B7D7C3A147EB}" dt="2021-02-02T15:27:18.011" v="1160" actId="47"/>
-        <pc:sldMkLst>
-          <pc:docMk/>
-          <pc:sldMk cId="326259628" sldId="478"/>
-        </pc:sldMkLst>
-      </pc:sldChg>
-      <pc:sldChg chg="del">
-        <pc:chgData name="Khattab, Sherif" userId="c83b1e15-36f3-4f46-aceb-05aac24c545e" providerId="ADAL" clId="{20ECC735-6357-4521-A768-B7D7C3A147EB}" dt="2021-02-02T15:27:18.039" v="1161" actId="47"/>
-        <pc:sldMkLst>
-          <pc:docMk/>
-          <pc:sldMk cId="873856523" sldId="479"/>
-        </pc:sldMkLst>
-      </pc:sldChg>
-      <pc:sldChg chg="del">
-        <pc:chgData name="Khattab, Sherif" userId="c83b1e15-36f3-4f46-aceb-05aac24c545e" providerId="ADAL" clId="{20ECC735-6357-4521-A768-B7D7C3A147EB}" dt="2021-02-02T15:27:18.063" v="1162" actId="47"/>
-        <pc:sldMkLst>
-          <pc:docMk/>
-          <pc:sldMk cId="3465344065" sldId="480"/>
-        </pc:sldMkLst>
-      </pc:sldChg>
-      <pc:sldChg chg="del">
-        <pc:chgData name="Khattab, Sherif" userId="c83b1e15-36f3-4f46-aceb-05aac24c545e" providerId="ADAL" clId="{20ECC735-6357-4521-A768-B7D7C3A147EB}" dt="2021-02-02T15:27:18.104" v="1163" actId="47"/>
-        <pc:sldMkLst>
-          <pc:docMk/>
-          <pc:sldMk cId="2002489455" sldId="481"/>
-        </pc:sldMkLst>
-      </pc:sldChg>
-      <pc:sldChg chg="del">
-        <pc:chgData name="Khattab, Sherif" userId="c83b1e15-36f3-4f46-aceb-05aac24c545e" providerId="ADAL" clId="{20ECC735-6357-4521-A768-B7D7C3A147EB}" dt="2021-02-02T15:27:18.131" v="1164" actId="47"/>
-        <pc:sldMkLst>
-          <pc:docMk/>
-          <pc:sldMk cId="1560930406" sldId="482"/>
-        </pc:sldMkLst>
-      </pc:sldChg>
-      <pc:sldChg chg="del">
-        <pc:chgData name="Khattab, Sherif" userId="c83b1e15-36f3-4f46-aceb-05aac24c545e" providerId="ADAL" clId="{20ECC735-6357-4521-A768-B7D7C3A147EB}" dt="2021-02-02T15:27:18.150" v="1165" actId="47"/>
-        <pc:sldMkLst>
-          <pc:docMk/>
-          <pc:sldMk cId="1387835057" sldId="483"/>
-        </pc:sldMkLst>
-      </pc:sldChg>
-      <pc:sldChg chg="del">
-        <pc:chgData name="Khattab, Sherif" userId="c83b1e15-36f3-4f46-aceb-05aac24c545e" providerId="ADAL" clId="{20ECC735-6357-4521-A768-B7D7C3A147EB}" dt="2021-02-02T15:27:18.210" v="1166" actId="47"/>
-        <pc:sldMkLst>
-          <pc:docMk/>
-          <pc:sldMk cId="1948397067" sldId="484"/>
-        </pc:sldMkLst>
-      </pc:sldChg>
-      <pc:sldChg chg="del">
-        <pc:chgData name="Khattab, Sherif" userId="c83b1e15-36f3-4f46-aceb-05aac24c545e" providerId="ADAL" clId="{20ECC735-6357-4521-A768-B7D7C3A147EB}" dt="2021-02-02T15:27:18.232" v="1167" actId="47"/>
-        <pc:sldMkLst>
-          <pc:docMk/>
-          <pc:sldMk cId="3473693154" sldId="485"/>
-        </pc:sldMkLst>
-      </pc:sldChg>
-      <pc:sldChg chg="del">
-        <pc:chgData name="Khattab, Sherif" userId="c83b1e15-36f3-4f46-aceb-05aac24c545e" providerId="ADAL" clId="{20ECC735-6357-4521-A768-B7D7C3A147EB}" dt="2021-02-02T15:27:18.252" v="1168" actId="47"/>
-        <pc:sldMkLst>
-          <pc:docMk/>
-          <pc:sldMk cId="2983945636" sldId="486"/>
-        </pc:sldMkLst>
-      </pc:sldChg>
-      <pc:sldChg chg="del">
-        <pc:chgData name="Khattab, Sherif" userId="c83b1e15-36f3-4f46-aceb-05aac24c545e" providerId="ADAL" clId="{20ECC735-6357-4521-A768-B7D7C3A147EB}" dt="2021-02-02T15:27:18.287" v="1169" actId="47"/>
-        <pc:sldMkLst>
-          <pc:docMk/>
-          <pc:sldMk cId="3673539870" sldId="487"/>
-        </pc:sldMkLst>
-      </pc:sldChg>
-      <pc:sldChg chg="del">
-        <pc:chgData name="Khattab, Sherif" userId="c83b1e15-36f3-4f46-aceb-05aac24c545e" providerId="ADAL" clId="{20ECC735-6357-4521-A768-B7D7C3A147EB}" dt="2021-02-02T15:27:18.330" v="1170" actId="47"/>
-        <pc:sldMkLst>
-          <pc:docMk/>
-          <pc:sldMk cId="1363323927" sldId="488"/>
-        </pc:sldMkLst>
-      </pc:sldChg>
-      <pc:sldChg chg="del">
-        <pc:chgData name="Khattab, Sherif" userId="c83b1e15-36f3-4f46-aceb-05aac24c545e" providerId="ADAL" clId="{20ECC735-6357-4521-A768-B7D7C3A147EB}" dt="2021-02-02T15:27:18.370" v="1171" actId="47"/>
-        <pc:sldMkLst>
-          <pc:docMk/>
-          <pc:sldMk cId="936409682" sldId="489"/>
-        </pc:sldMkLst>
-      </pc:sldChg>
-      <pc:sldChg chg="del">
-        <pc:chgData name="Khattab, Sherif" userId="c83b1e15-36f3-4f46-aceb-05aac24c545e" providerId="ADAL" clId="{20ECC735-6357-4521-A768-B7D7C3A147EB}" dt="2021-02-02T15:27:18.391" v="1172" actId="47"/>
-        <pc:sldMkLst>
-          <pc:docMk/>
-          <pc:sldMk cId="3252833104" sldId="490"/>
-        </pc:sldMkLst>
-      </pc:sldChg>
-      <pc:sldChg chg="del">
-        <pc:chgData name="Khattab, Sherif" userId="c83b1e15-36f3-4f46-aceb-05aac24c545e" providerId="ADAL" clId="{20ECC735-6357-4521-A768-B7D7C3A147EB}" dt="2021-02-02T15:27:18.411" v="1173" actId="47"/>
-        <pc:sldMkLst>
-          <pc:docMk/>
-          <pc:sldMk cId="3413759872" sldId="491"/>
-        </pc:sldMkLst>
-      </pc:sldChg>
-      <pc:sldChg chg="del">
-        <pc:chgData name="Khattab, Sherif" userId="c83b1e15-36f3-4f46-aceb-05aac24c545e" providerId="ADAL" clId="{20ECC735-6357-4521-A768-B7D7C3A147EB}" dt="2021-02-02T15:27:18.442" v="1174" actId="47"/>
-        <pc:sldMkLst>
-          <pc:docMk/>
-          <pc:sldMk cId="1930502979" sldId="492"/>
-        </pc:sldMkLst>
-      </pc:sldChg>
-      <pc:sldChg chg="del">
-        <pc:chgData name="Khattab, Sherif" userId="c83b1e15-36f3-4f46-aceb-05aac24c545e" providerId="ADAL" clId="{20ECC735-6357-4521-A768-B7D7C3A147EB}" dt="2021-02-02T15:27:18.517" v="1175" actId="47"/>
-        <pc:sldMkLst>
-          <pc:docMk/>
-          <pc:sldMk cId="220106575" sldId="493"/>
-        </pc:sldMkLst>
-      </pc:sldChg>
-      <pc:sldChg chg="del">
-        <pc:chgData name="Khattab, Sherif" userId="c83b1e15-36f3-4f46-aceb-05aac24c545e" providerId="ADAL" clId="{20ECC735-6357-4521-A768-B7D7C3A147EB}" dt="2021-02-02T15:27:18.562" v="1176" actId="47"/>
-        <pc:sldMkLst>
-          <pc:docMk/>
-          <pc:sldMk cId="3447713174" sldId="494"/>
-        </pc:sldMkLst>
-      </pc:sldChg>
-      <pc:sldChg chg="add del">
-        <pc:chgData name="Khattab, Sherif" userId="c83b1e15-36f3-4f46-aceb-05aac24c545e" providerId="ADAL" clId="{20ECC735-6357-4521-A768-B7D7C3A147EB}" dt="2021-02-02T15:27:55.687" v="1229" actId="47"/>
-        <pc:sldMkLst>
-          <pc:docMk/>
-          <pc:sldMk cId="2129126942" sldId="495"/>
-        </pc:sldMkLst>
-      </pc:sldChg>
-      <pc:sldChg chg="del">
-        <pc:chgData name="Khattab, Sherif" userId="c83b1e15-36f3-4f46-aceb-05aac24c545e" providerId="ADAL" clId="{20ECC735-6357-4521-A768-B7D7C3A147EB}" dt="2021-02-02T14:52:11.293" v="225" actId="47"/>
-        <pc:sldMkLst>
-          <pc:docMk/>
-          <pc:sldMk cId="702367729" sldId="496"/>
-        </pc:sldMkLst>
-      </pc:sldChg>
-      <pc:sldChg chg="addSp modSp new add del mod">
-        <pc:chgData name="Khattab, Sherif" userId="c83b1e15-36f3-4f46-aceb-05aac24c545e" providerId="ADAL" clId="{20ECC735-6357-4521-A768-B7D7C3A147EB}" dt="2021-02-03T02:09:13.352" v="2814" actId="1076"/>
-        <pc:sldMkLst>
-          <pc:docMk/>
-          <pc:sldMk cId="2782489002" sldId="497"/>
-        </pc:sldMkLst>
-        <pc:spChg chg="mod">
-          <ac:chgData name="Khattab, Sherif" userId="c83b1e15-36f3-4f46-aceb-05aac24c545e" providerId="ADAL" clId="{20ECC735-6357-4521-A768-B7D7C3A147EB}" dt="2021-02-02T15:33:36.137" v="1545" actId="404"/>
-          <ac:spMkLst>
-            <pc:docMk/>
-            <pc:sldMk cId="2782489002" sldId="497"/>
-            <ac:spMk id="2" creationId="{3BD3413F-6868-458B-BDB5-4C663C7953C2}"/>
-          </ac:spMkLst>
-        </pc:spChg>
-        <pc:spChg chg="mod">
-          <ac:chgData name="Khattab, Sherif" userId="c83b1e15-36f3-4f46-aceb-05aac24c545e" providerId="ADAL" clId="{20ECC735-6357-4521-A768-B7D7C3A147EB}" dt="2021-02-02T15:32:00.183" v="1450" actId="12"/>
-          <ac:spMkLst>
-            <pc:docMk/>
-            <pc:sldMk cId="2782489002" sldId="497"/>
-            <ac:spMk id="3" creationId="{80D7DCF8-D0B1-4FAC-AB7E-388730635948}"/>
-          </ac:spMkLst>
-        </pc:spChg>
-        <pc:picChg chg="add mod">
-          <ac:chgData name="Khattab, Sherif" userId="c83b1e15-36f3-4f46-aceb-05aac24c545e" providerId="ADAL" clId="{20ECC735-6357-4521-A768-B7D7C3A147EB}" dt="2021-02-03T02:09:13.352" v="2814" actId="1076"/>
-          <ac:picMkLst>
-            <pc:docMk/>
-            <pc:sldMk cId="2782489002" sldId="497"/>
-            <ac:picMk id="7" creationId="{4201D6AF-33D2-4017-8DBD-878E4F209F08}"/>
-          </ac:picMkLst>
-        </pc:picChg>
-      </pc:sldChg>
-      <pc:sldChg chg="modSp add mod">
-        <pc:chgData name="Khattab, Sherif" userId="c83b1e15-36f3-4f46-aceb-05aac24c545e" providerId="ADAL" clId="{20ECC735-6357-4521-A768-B7D7C3A147EB}" dt="2021-02-02T15:02:23.544" v="636" actId="27636"/>
-        <pc:sldMkLst>
-          <pc:docMk/>
-          <pc:sldMk cId="4070542404" sldId="498"/>
-        </pc:sldMkLst>
-        <pc:spChg chg="mod">
-          <ac:chgData name="Khattab, Sherif" userId="c83b1e15-36f3-4f46-aceb-05aac24c545e" providerId="ADAL" clId="{20ECC735-6357-4521-A768-B7D7C3A147EB}" dt="2021-02-02T15:02:23.544" v="636" actId="27636"/>
-          <ac:spMkLst>
-            <pc:docMk/>
-            <pc:sldMk cId="4070542404" sldId="498"/>
-            <ac:spMk id="3" creationId="{2466C52D-9A48-4683-BE7F-268D8DB7FAAD}"/>
-          </ac:spMkLst>
-        </pc:spChg>
-      </pc:sldChg>
-      <pc:sldChg chg="add del">
-        <pc:chgData name="Khattab, Sherif" userId="c83b1e15-36f3-4f46-aceb-05aac24c545e" providerId="ADAL" clId="{20ECC735-6357-4521-A768-B7D7C3A147EB}" dt="2021-02-02T14:56:30.315" v="286" actId="47"/>
-        <pc:sldMkLst>
-          <pc:docMk/>
-          <pc:sldMk cId="3138829773" sldId="499"/>
-        </pc:sldMkLst>
-      </pc:sldChg>
-      <pc:sldChg chg="addSp delSp modSp add mod">
-        <pc:chgData name="Khattab, Sherif" userId="c83b1e15-36f3-4f46-aceb-05aac24c545e" providerId="ADAL" clId="{20ECC735-6357-4521-A768-B7D7C3A147EB}" dt="2021-02-02T15:44:48.112" v="1961" actId="478"/>
-        <pc:sldMkLst>
-          <pc:docMk/>
-          <pc:sldMk cId="1076502047" sldId="500"/>
-        </pc:sldMkLst>
-        <pc:spChg chg="mod">
-          <ac:chgData name="Khattab, Sherif" userId="c83b1e15-36f3-4f46-aceb-05aac24c545e" providerId="ADAL" clId="{20ECC735-6357-4521-A768-B7D7C3A147EB}" dt="2021-02-02T15:10:50.854" v="865" actId="20577"/>
-          <ac:spMkLst>
-            <pc:docMk/>
-            <pc:sldMk cId="1076502047" sldId="500"/>
-            <ac:spMk id="3" creationId="{443F42C8-5750-0341-86AA-B64ED9D37EB6}"/>
-          </ac:spMkLst>
-        </pc:spChg>
-        <pc:spChg chg="add del">
-          <ac:chgData name="Khattab, Sherif" userId="c83b1e15-36f3-4f46-aceb-05aac24c545e" providerId="ADAL" clId="{20ECC735-6357-4521-A768-B7D7C3A147EB}" dt="2021-02-02T15:44:48.112" v="1961" actId="478"/>
-          <ac:spMkLst>
-            <pc:docMk/>
-            <pc:sldMk cId="1076502047" sldId="500"/>
-            <ac:spMk id="6" creationId="{51124316-81F2-4A1A-943A-C8032DE62152}"/>
-          </ac:spMkLst>
-        </pc:spChg>
-        <pc:spChg chg="add del mod">
-          <ac:chgData name="Khattab, Sherif" userId="c83b1e15-36f3-4f46-aceb-05aac24c545e" providerId="ADAL" clId="{20ECC735-6357-4521-A768-B7D7C3A147EB}" dt="2021-02-02T15:44:44.573" v="1960" actId="478"/>
-          <ac:spMkLst>
-            <pc:docMk/>
-            <pc:sldMk cId="1076502047" sldId="500"/>
-            <ac:spMk id="7" creationId="{3C0A4539-CC5E-4380-9DD1-9E3328ECFC01}"/>
-          </ac:spMkLst>
-        </pc:spChg>
-        <pc:spChg chg="add del mod">
-          <ac:chgData name="Khattab, Sherif" userId="c83b1e15-36f3-4f46-aceb-05aac24c545e" providerId="ADAL" clId="{20ECC735-6357-4521-A768-B7D7C3A147EB}" dt="2021-02-02T15:44:40.253" v="1958" actId="478"/>
-          <ac:spMkLst>
-            <pc:docMk/>
-            <pc:sldMk cId="1076502047" sldId="500"/>
-            <ac:spMk id="8" creationId="{E775B5C0-B08A-4A01-AD7E-128B9BB76B8C}"/>
-          </ac:spMkLst>
-        </pc:spChg>
-        <pc:spChg chg="add del mod">
-          <ac:chgData name="Khattab, Sherif" userId="c83b1e15-36f3-4f46-aceb-05aac24c545e" providerId="ADAL" clId="{20ECC735-6357-4521-A768-B7D7C3A147EB}" dt="2021-02-02T15:44:43.008" v="1959" actId="478"/>
-          <ac:spMkLst>
-            <pc:docMk/>
-            <pc:sldMk cId="1076502047" sldId="500"/>
-            <ac:spMk id="9" creationId="{AF9B2AEA-69C7-4F37-AF4F-73A745C598ED}"/>
-          </ac:spMkLst>
-        </pc:spChg>
-      </pc:sldChg>
-      <pc:sldChg chg="modSp add mod">
-        <pc:chgData name="Khattab, Sherif" userId="c83b1e15-36f3-4f46-aceb-05aac24c545e" providerId="ADAL" clId="{20ECC735-6357-4521-A768-B7D7C3A147EB}" dt="2021-02-02T15:11:33.813" v="950" actId="20577"/>
+        <pc:chgData name="Khattab, Sherif" userId="c83b1e15-36f3-4f46-aceb-05aac24c545e" providerId="ADAL" clId="{E2BF0542-8AC8-C546-A69D-6176F8674AAF}" dt="2022-01-20T15:49:53.050" v="11"/>
+        <pc:sldMkLst>
+          <pc:docMk/>
+          <pc:sldMk cId="4120720973" sldId="503"/>
+        </pc:sldMkLst>
+      </pc:sldChg>
+      <pc:sldChg chg="modSp mod">
+        <pc:chgData name="Khattab, Sherif" userId="c83b1e15-36f3-4f46-aceb-05aac24c545e" providerId="ADAL" clId="{E2BF0542-8AC8-C546-A69D-6176F8674AAF}" dt="2022-01-25T14:09:23.851" v="223" actId="20577"/>
         <pc:sldMkLst>
           <pc:docMk/>
           <pc:sldMk cId="747882086" sldId="504"/>
         </pc:sldMkLst>
         <pc:spChg chg="mod">
-          <ac:chgData name="Khattab, Sherif" userId="c83b1e15-36f3-4f46-aceb-05aac24c545e" providerId="ADAL" clId="{20ECC735-6357-4521-A768-B7D7C3A147EB}" dt="2021-02-02T14:56:38.967" v="311" actId="5793"/>
+          <ac:chgData name="Khattab, Sherif" userId="c83b1e15-36f3-4f46-aceb-05aac24c545e" providerId="ADAL" clId="{E2BF0542-8AC8-C546-A69D-6176F8674AAF}" dt="2022-01-25T14:09:00.964" v="146" actId="20577"/>
           <ac:spMkLst>
             <pc:docMk/>
             <pc:sldMk cId="747882086" sldId="504"/>
@@ -3111,7 +2030,7 @@
           </ac:spMkLst>
         </pc:spChg>
         <pc:spChg chg="mod">
-          <ac:chgData name="Khattab, Sherif" userId="c83b1e15-36f3-4f46-aceb-05aac24c545e" providerId="ADAL" clId="{20ECC735-6357-4521-A768-B7D7C3A147EB}" dt="2021-02-02T15:11:33.813" v="950" actId="20577"/>
+          <ac:chgData name="Khattab, Sherif" userId="c83b1e15-36f3-4f46-aceb-05aac24c545e" providerId="ADAL" clId="{E2BF0542-8AC8-C546-A69D-6176F8674AAF}" dt="2022-01-25T14:09:23.851" v="223" actId="20577"/>
           <ac:spMkLst>
             <pc:docMk/>
             <pc:sldMk cId="747882086" sldId="504"/>
@@ -3119,400 +2038,187 @@
           </ac:spMkLst>
         </pc:spChg>
       </pc:sldChg>
-      <pc:sldChg chg="modSp new mod">
-        <pc:chgData name="Khattab, Sherif" userId="c83b1e15-36f3-4f46-aceb-05aac24c545e" providerId="ADAL" clId="{20ECC735-6357-4521-A768-B7D7C3A147EB}" dt="2021-02-02T18:53:03.546" v="2384" actId="20577"/>
-        <pc:sldMkLst>
-          <pc:docMk/>
-          <pc:sldMk cId="3635299179" sldId="505"/>
-        </pc:sldMkLst>
-        <pc:spChg chg="mod">
-          <ac:chgData name="Khattab, Sherif" userId="c83b1e15-36f3-4f46-aceb-05aac24c545e" providerId="ADAL" clId="{20ECC735-6357-4521-A768-B7D7C3A147EB}" dt="2021-02-02T15:11:11.294" v="888" actId="5793"/>
-          <ac:spMkLst>
-            <pc:docMk/>
-            <pc:sldMk cId="3635299179" sldId="505"/>
-            <ac:spMk id="2" creationId="{4697D5D8-73B6-46FE-9121-07FEE70D566F}"/>
-          </ac:spMkLst>
-        </pc:spChg>
-        <pc:spChg chg="mod">
-          <ac:chgData name="Khattab, Sherif" userId="c83b1e15-36f3-4f46-aceb-05aac24c545e" providerId="ADAL" clId="{20ECC735-6357-4521-A768-B7D7C3A147EB}" dt="2021-02-02T18:53:03.546" v="2384" actId="20577"/>
-          <ac:spMkLst>
-            <pc:docMk/>
-            <pc:sldMk cId="3635299179" sldId="505"/>
-            <ac:spMk id="3" creationId="{9FDE3B14-90B9-4B5A-83C7-6E633E32EA28}"/>
-          </ac:spMkLst>
-        </pc:spChg>
-      </pc:sldChg>
-      <pc:sldChg chg="modSp new del mod">
-        <pc:chgData name="Khattab, Sherif" userId="c83b1e15-36f3-4f46-aceb-05aac24c545e" providerId="ADAL" clId="{20ECC735-6357-4521-A768-B7D7C3A147EB}" dt="2021-02-02T15:27:38.145" v="1216" actId="680"/>
-        <pc:sldMkLst>
-          <pc:docMk/>
-          <pc:sldMk cId="3671976920" sldId="506"/>
-        </pc:sldMkLst>
-        <pc:spChg chg="mod">
-          <ac:chgData name="Khattab, Sherif" userId="c83b1e15-36f3-4f46-aceb-05aac24c545e" providerId="ADAL" clId="{20ECC735-6357-4521-A768-B7D7C3A147EB}" dt="2021-02-02T15:27:37.541" v="1215" actId="20577"/>
-          <ac:spMkLst>
-            <pc:docMk/>
-            <pc:sldMk cId="3671976920" sldId="506"/>
-            <ac:spMk id="2" creationId="{F02836B6-C09B-408B-A17E-3E9D338A7825}"/>
-          </ac:spMkLst>
-        </pc:spChg>
-        <pc:spChg chg="mod">
-          <ac:chgData name="Khattab, Sherif" userId="c83b1e15-36f3-4f46-aceb-05aac24c545e" providerId="ADAL" clId="{20ECC735-6357-4521-A768-B7D7C3A147EB}" dt="2021-02-02T15:27:36.714" v="1214" actId="20577"/>
-          <ac:spMkLst>
-            <pc:docMk/>
-            <pc:sldMk cId="3671976920" sldId="506"/>
-            <ac:spMk id="3" creationId="{4B585D6E-814F-4843-BAD6-AC8F23FD0FB1}"/>
-          </ac:spMkLst>
-        </pc:spChg>
-      </pc:sldChg>
-      <pc:sldChg chg="addSp delSp modSp new mod">
-        <pc:chgData name="Khattab, Sherif" userId="c83b1e15-36f3-4f46-aceb-05aac24c545e" providerId="ADAL" clId="{20ECC735-6357-4521-A768-B7D7C3A147EB}" dt="2021-02-03T02:35:36.158" v="2841" actId="1076"/>
-        <pc:sldMkLst>
-          <pc:docMk/>
-          <pc:sldMk cId="3696636401" sldId="506"/>
-        </pc:sldMkLst>
-        <pc:spChg chg="mod">
-          <ac:chgData name="Khattab, Sherif" userId="c83b1e15-36f3-4f46-aceb-05aac24c545e" providerId="ADAL" clId="{20ECC735-6357-4521-A768-B7D7C3A147EB}" dt="2021-02-02T15:28:05.623" v="1245" actId="20577"/>
-          <ac:spMkLst>
-            <pc:docMk/>
-            <pc:sldMk cId="3696636401" sldId="506"/>
-            <ac:spMk id="2" creationId="{582BB28A-8674-42BF-A553-2C3612BC3B4B}"/>
-          </ac:spMkLst>
-        </pc:spChg>
-        <pc:spChg chg="mod">
-          <ac:chgData name="Khattab, Sherif" userId="c83b1e15-36f3-4f46-aceb-05aac24c545e" providerId="ADAL" clId="{20ECC735-6357-4521-A768-B7D7C3A147EB}" dt="2021-02-02T15:28:10.012" v="1258" actId="20577"/>
-          <ac:spMkLst>
-            <pc:docMk/>
-            <pc:sldMk cId="3696636401" sldId="506"/>
-            <ac:spMk id="3" creationId="{C62B6C5A-CC0C-40C3-BD2B-60F0CF3EE1C4}"/>
-          </ac:spMkLst>
-        </pc:spChg>
-        <pc:spChg chg="add del">
-          <ac:chgData name="Khattab, Sherif" userId="c83b1e15-36f3-4f46-aceb-05aac24c545e" providerId="ADAL" clId="{20ECC735-6357-4521-A768-B7D7C3A147EB}" dt="2021-02-03T02:33:37.015" v="2826" actId="478"/>
-          <ac:spMkLst>
-            <pc:docMk/>
-            <pc:sldMk cId="3696636401" sldId="506"/>
-            <ac:spMk id="9" creationId="{F2DEA1EA-B39C-4EC9-BAC4-744FF3889824}"/>
-          </ac:spMkLst>
-        </pc:spChg>
-        <pc:spChg chg="add del">
-          <ac:chgData name="Khattab, Sherif" userId="c83b1e15-36f3-4f46-aceb-05aac24c545e" providerId="ADAL" clId="{20ECC735-6357-4521-A768-B7D7C3A147EB}" dt="2021-02-03T02:34:27.449" v="2831" actId="478"/>
-          <ac:spMkLst>
-            <pc:docMk/>
-            <pc:sldMk cId="3696636401" sldId="506"/>
-            <ac:spMk id="13" creationId="{1DD9E2A4-571C-47A7-B7ED-9EA6F49D3004}"/>
-          </ac:spMkLst>
-        </pc:spChg>
-        <pc:picChg chg="add mod">
-          <ac:chgData name="Khattab, Sherif" userId="c83b1e15-36f3-4f46-aceb-05aac24c545e" providerId="ADAL" clId="{20ECC735-6357-4521-A768-B7D7C3A147EB}" dt="2021-02-03T02:33:02.612" v="2824" actId="14100"/>
-          <ac:picMkLst>
-            <pc:docMk/>
-            <pc:sldMk cId="3696636401" sldId="506"/>
-            <ac:picMk id="7" creationId="{02C3C82A-AB2F-48F5-861D-62F8E67479FF}"/>
-          </ac:picMkLst>
-        </pc:picChg>
-        <pc:picChg chg="add mod">
-          <ac:chgData name="Khattab, Sherif" userId="c83b1e15-36f3-4f46-aceb-05aac24c545e" providerId="ADAL" clId="{20ECC735-6357-4521-A768-B7D7C3A147EB}" dt="2021-02-03T02:33:50.432" v="2829" actId="1076"/>
-          <ac:picMkLst>
-            <pc:docMk/>
-            <pc:sldMk cId="3696636401" sldId="506"/>
-            <ac:picMk id="11" creationId="{1DF00FAA-6BB4-4738-867A-9C5C29D0C6D6}"/>
-          </ac:picMkLst>
-        </pc:picChg>
-        <pc:picChg chg="add mod">
-          <ac:chgData name="Khattab, Sherif" userId="c83b1e15-36f3-4f46-aceb-05aac24c545e" providerId="ADAL" clId="{20ECC735-6357-4521-A768-B7D7C3A147EB}" dt="2021-02-03T02:35:33.615" v="2840" actId="14100"/>
-          <ac:picMkLst>
-            <pc:docMk/>
-            <pc:sldMk cId="3696636401" sldId="506"/>
-            <ac:picMk id="15" creationId="{E8FB8316-F2C2-4528-9B6F-A4148DF293DD}"/>
-          </ac:picMkLst>
-        </pc:picChg>
-        <pc:picChg chg="add mod">
-          <ac:chgData name="Khattab, Sherif" userId="c83b1e15-36f3-4f46-aceb-05aac24c545e" providerId="ADAL" clId="{20ECC735-6357-4521-A768-B7D7C3A147EB}" dt="2021-02-03T02:35:36.158" v="2841" actId="1076"/>
-          <ac:picMkLst>
-            <pc:docMk/>
-            <pc:sldMk cId="3696636401" sldId="506"/>
-            <ac:picMk id="17" creationId="{1C8E4C0D-BAAA-4416-8168-D817EC297918}"/>
-          </ac:picMkLst>
-        </pc:picChg>
-      </pc:sldChg>
-      <pc:sldChg chg="addSp modSp new mod">
-        <pc:chgData name="Khattab, Sherif" userId="c83b1e15-36f3-4f46-aceb-05aac24c545e" providerId="ADAL" clId="{20ECC735-6357-4521-A768-B7D7C3A147EB}" dt="2021-02-03T02:09:54.772" v="2820" actId="1076"/>
-        <pc:sldMkLst>
-          <pc:docMk/>
-          <pc:sldMk cId="3742099282" sldId="507"/>
-        </pc:sldMkLst>
-        <pc:spChg chg="mod">
-          <ac:chgData name="Khattab, Sherif" userId="c83b1e15-36f3-4f46-aceb-05aac24c545e" providerId="ADAL" clId="{20ECC735-6357-4521-A768-B7D7C3A147EB}" dt="2021-02-02T15:34:06.833" v="1600" actId="404"/>
-          <ac:spMkLst>
-            <pc:docMk/>
-            <pc:sldMk cId="3742099282" sldId="507"/>
-            <ac:spMk id="2" creationId="{E3658AD3-AF70-4629-BEA7-54DD04929497}"/>
-          </ac:spMkLst>
-        </pc:spChg>
-        <pc:spChg chg="mod">
-          <ac:chgData name="Khattab, Sherif" userId="c83b1e15-36f3-4f46-aceb-05aac24c545e" providerId="ADAL" clId="{20ECC735-6357-4521-A768-B7D7C3A147EB}" dt="2021-02-02T15:34:55.391" v="1757" actId="20577"/>
-          <ac:spMkLst>
-            <pc:docMk/>
-            <pc:sldMk cId="3742099282" sldId="507"/>
-            <ac:spMk id="3" creationId="{E25963B9-99F2-488F-8009-23E0F6DFA4AD}"/>
-          </ac:spMkLst>
-        </pc:spChg>
-        <pc:inkChg chg="add mod">
-          <ac:chgData name="Khattab, Sherif" userId="c83b1e15-36f3-4f46-aceb-05aac24c545e" providerId="ADAL" clId="{20ECC735-6357-4521-A768-B7D7C3A147EB}" dt="2021-02-03T02:09:54.772" v="2820" actId="1076"/>
-          <ac:inkMkLst>
-            <pc:docMk/>
-            <pc:sldMk cId="3742099282" sldId="507"/>
-            <ac:inkMk id="6" creationId="{8BAEC6B6-A621-46C2-B816-DF61416211BD}"/>
-          </ac:inkMkLst>
-        </pc:inkChg>
-      </pc:sldChg>
-      <pc:sldChg chg="modSp new del mod">
-        <pc:chgData name="Khattab, Sherif" userId="c83b1e15-36f3-4f46-aceb-05aac24c545e" providerId="ADAL" clId="{20ECC735-6357-4521-A768-B7D7C3A147EB}" dt="2021-02-02T18:53:29.232" v="2386" actId="47"/>
-        <pc:sldMkLst>
-          <pc:docMk/>
-          <pc:sldMk cId="559907490" sldId="508"/>
-        </pc:sldMkLst>
-        <pc:spChg chg="mod">
-          <ac:chgData name="Khattab, Sherif" userId="c83b1e15-36f3-4f46-aceb-05aac24c545e" providerId="ADAL" clId="{20ECC735-6357-4521-A768-B7D7C3A147EB}" dt="2021-02-02T15:36:42.803" v="1836" actId="20577"/>
-          <ac:spMkLst>
-            <pc:docMk/>
-            <pc:sldMk cId="559907490" sldId="508"/>
-            <ac:spMk id="3" creationId="{7E8DCFCF-6C1F-410B-BE84-85C57D7B23D5}"/>
-          </ac:spMkLst>
-        </pc:spChg>
-      </pc:sldChg>
-      <pc:sldChg chg="addSp delSp modSp new mod">
-        <pc:chgData name="Khattab, Sherif" userId="c83b1e15-36f3-4f46-aceb-05aac24c545e" providerId="ADAL" clId="{20ECC735-6357-4521-A768-B7D7C3A147EB}" dt="2021-02-02T15:39:58.731" v="1956" actId="1076"/>
-        <pc:sldMkLst>
-          <pc:docMk/>
-          <pc:sldMk cId="2870353729" sldId="509"/>
-        </pc:sldMkLst>
-        <pc:spChg chg="mod">
-          <ac:chgData name="Khattab, Sherif" userId="c83b1e15-36f3-4f46-aceb-05aac24c545e" providerId="ADAL" clId="{20ECC735-6357-4521-A768-B7D7C3A147EB}" dt="2021-02-02T15:39:28.836" v="1944" actId="20577"/>
-          <ac:spMkLst>
-            <pc:docMk/>
-            <pc:sldMk cId="2870353729" sldId="509"/>
-            <ac:spMk id="2" creationId="{B9D27392-A30A-4196-883E-AF3E9CA31013}"/>
-          </ac:spMkLst>
-        </pc:spChg>
-        <pc:spChg chg="del">
-          <ac:chgData name="Khattab, Sherif" userId="c83b1e15-36f3-4f46-aceb-05aac24c545e" providerId="ADAL" clId="{20ECC735-6357-4521-A768-B7D7C3A147EB}" dt="2021-02-02T15:39:35.416" v="1947" actId="478"/>
-          <ac:spMkLst>
-            <pc:docMk/>
-            <pc:sldMk cId="2870353729" sldId="509"/>
-            <ac:spMk id="3" creationId="{BA1F009A-2C7C-4A8B-BEB6-5617FADE5C9F}"/>
-          </ac:spMkLst>
-        </pc:spChg>
-        <pc:spChg chg="add mod">
-          <ac:chgData name="Khattab, Sherif" userId="c83b1e15-36f3-4f46-aceb-05aac24c545e" providerId="ADAL" clId="{20ECC735-6357-4521-A768-B7D7C3A147EB}" dt="2021-02-02T15:39:58.731" v="1956" actId="1076"/>
-          <ac:spMkLst>
-            <pc:docMk/>
-            <pc:sldMk cId="2870353729" sldId="509"/>
-            <ac:spMk id="6" creationId="{02B11C17-C690-4BA2-AE97-257D25685BA2}"/>
-          </ac:spMkLst>
-        </pc:spChg>
-      </pc:sldChg>
-      <pc:sldChg chg="modSp new mod">
-        <pc:chgData name="Khattab, Sherif" userId="c83b1e15-36f3-4f46-aceb-05aac24c545e" providerId="ADAL" clId="{20ECC735-6357-4521-A768-B7D7C3A147EB}" dt="2021-02-02T15:46:43.377" v="2192" actId="20577"/>
-        <pc:sldMkLst>
-          <pc:docMk/>
-          <pc:sldMk cId="3729759638" sldId="510"/>
-        </pc:sldMkLst>
-        <pc:spChg chg="mod">
-          <ac:chgData name="Khattab, Sherif" userId="c83b1e15-36f3-4f46-aceb-05aac24c545e" providerId="ADAL" clId="{20ECC735-6357-4521-A768-B7D7C3A147EB}" dt="2021-02-02T15:45:45.828" v="2031" actId="404"/>
-          <ac:spMkLst>
-            <pc:docMk/>
-            <pc:sldMk cId="3729759638" sldId="510"/>
-            <ac:spMk id="2" creationId="{EA27DDFF-AD74-4309-8137-7E56C6D9ABF0}"/>
-          </ac:spMkLst>
-        </pc:spChg>
-        <pc:spChg chg="mod">
-          <ac:chgData name="Khattab, Sherif" userId="c83b1e15-36f3-4f46-aceb-05aac24c545e" providerId="ADAL" clId="{20ECC735-6357-4521-A768-B7D7C3A147EB}" dt="2021-02-02T15:46:43.377" v="2192" actId="20577"/>
-          <ac:spMkLst>
-            <pc:docMk/>
-            <pc:sldMk cId="3729759638" sldId="510"/>
-            <ac:spMk id="3" creationId="{4042C3C0-12DA-4341-8E4B-6B5C7F4BF0C6}"/>
-          </ac:spMkLst>
-        </pc:spChg>
-      </pc:sldChg>
-      <pc:sldChg chg="modSp new del mod ord">
-        <pc:chgData name="Khattab, Sherif" userId="c83b1e15-36f3-4f46-aceb-05aac24c545e" providerId="ADAL" clId="{20ECC735-6357-4521-A768-B7D7C3A147EB}" dt="2021-02-02T18:53:24.417" v="2385" actId="47"/>
-        <pc:sldMkLst>
-          <pc:docMk/>
-          <pc:sldMk cId="1569223641" sldId="511"/>
-        </pc:sldMkLst>
-        <pc:spChg chg="mod">
-          <ac:chgData name="Khattab, Sherif" userId="c83b1e15-36f3-4f46-aceb-05aac24c545e" providerId="ADAL" clId="{20ECC735-6357-4521-A768-B7D7C3A147EB}" dt="2021-02-02T15:47:49.377" v="2223" actId="20577"/>
-          <ac:spMkLst>
-            <pc:docMk/>
-            <pc:sldMk cId="1569223641" sldId="511"/>
-            <ac:spMk id="2" creationId="{321B2A36-644B-4455-AAF1-D5AC3A501D84}"/>
-          </ac:spMkLst>
-        </pc:spChg>
-        <pc:spChg chg="mod">
-          <ac:chgData name="Khattab, Sherif" userId="c83b1e15-36f3-4f46-aceb-05aac24c545e" providerId="ADAL" clId="{20ECC735-6357-4521-A768-B7D7C3A147EB}" dt="2021-02-02T15:49:03.230" v="2378" actId="20577"/>
-          <ac:spMkLst>
-            <pc:docMk/>
-            <pc:sldMk cId="1569223641" sldId="511"/>
-            <ac:spMk id="3" creationId="{922277BB-8C70-4DB7-8013-E006AFF8A44D}"/>
-          </ac:spMkLst>
-        </pc:spChg>
-      </pc:sldChg>
-      <pc:sldChg chg="modSp new mod">
-        <pc:chgData name="Khattab, Sherif" userId="c83b1e15-36f3-4f46-aceb-05aac24c545e" providerId="ADAL" clId="{20ECC735-6357-4521-A768-B7D7C3A147EB}" dt="2021-02-02T19:39:34.158" v="2677" actId="20577"/>
-        <pc:sldMkLst>
-          <pc:docMk/>
-          <pc:sldMk cId="1591353735" sldId="511"/>
-        </pc:sldMkLst>
-        <pc:spChg chg="mod">
-          <ac:chgData name="Khattab, Sherif" userId="c83b1e15-36f3-4f46-aceb-05aac24c545e" providerId="ADAL" clId="{20ECC735-6357-4521-A768-B7D7C3A147EB}" dt="2021-02-02T19:38:01.515" v="2426" actId="20577"/>
-          <ac:spMkLst>
-            <pc:docMk/>
-            <pc:sldMk cId="1591353735" sldId="511"/>
-            <ac:spMk id="2" creationId="{7D38A7C9-4D12-4AD6-9D0C-96896D1174D6}"/>
-          </ac:spMkLst>
-        </pc:spChg>
-        <pc:spChg chg="mod">
-          <ac:chgData name="Khattab, Sherif" userId="c83b1e15-36f3-4f46-aceb-05aac24c545e" providerId="ADAL" clId="{20ECC735-6357-4521-A768-B7D7C3A147EB}" dt="2021-02-02T19:39:34.158" v="2677" actId="20577"/>
-          <ac:spMkLst>
-            <pc:docMk/>
-            <pc:sldMk cId="1591353735" sldId="511"/>
-            <ac:spMk id="3" creationId="{41FE772B-EE09-4082-9520-F2B439890E12}"/>
-          </ac:spMkLst>
-        </pc:spChg>
-      </pc:sldChg>
-      <pc:sldChg chg="addSp delSp modSp new mod">
-        <pc:chgData name="Khattab, Sherif" userId="c83b1e15-36f3-4f46-aceb-05aac24c545e" providerId="ADAL" clId="{20ECC735-6357-4521-A768-B7D7C3A147EB}" dt="2021-02-03T02:03:58.816" v="2712" actId="478"/>
-        <pc:sldMkLst>
-          <pc:docMk/>
-          <pc:sldMk cId="2021183208" sldId="512"/>
-        </pc:sldMkLst>
-        <pc:spChg chg="mod">
-          <ac:chgData name="Khattab, Sherif" userId="c83b1e15-36f3-4f46-aceb-05aac24c545e" providerId="ADAL" clId="{20ECC735-6357-4521-A768-B7D7C3A147EB}" dt="2021-02-03T02:03:41.865" v="2708" actId="20577"/>
-          <ac:spMkLst>
-            <pc:docMk/>
-            <pc:sldMk cId="2021183208" sldId="512"/>
-            <ac:spMk id="2" creationId="{32DBCD6D-0035-48A2-AE34-43966A977589}"/>
-          </ac:spMkLst>
-        </pc:spChg>
-        <pc:spChg chg="del">
-          <ac:chgData name="Khattab, Sherif" userId="c83b1e15-36f3-4f46-aceb-05aac24c545e" providerId="ADAL" clId="{20ECC735-6357-4521-A768-B7D7C3A147EB}" dt="2021-02-03T02:03:58.816" v="2712" actId="478"/>
-          <ac:spMkLst>
-            <pc:docMk/>
-            <pc:sldMk cId="2021183208" sldId="512"/>
-            <ac:spMk id="3" creationId="{BDC693FA-F8E9-42F7-AA6C-144282A297FC}"/>
-          </ac:spMkLst>
-        </pc:spChg>
-        <pc:picChg chg="add mod">
-          <ac:chgData name="Khattab, Sherif" userId="c83b1e15-36f3-4f46-aceb-05aac24c545e" providerId="ADAL" clId="{20ECC735-6357-4521-A768-B7D7C3A147EB}" dt="2021-02-03T02:03:51.036" v="2711" actId="1076"/>
-          <ac:picMkLst>
-            <pc:docMk/>
-            <pc:sldMk cId="2021183208" sldId="512"/>
-            <ac:picMk id="7" creationId="{C19DB90B-C6A6-42C5-B88F-C71C9FC4E150}"/>
-          </ac:picMkLst>
-        </pc:picChg>
-      </pc:sldChg>
-      <pc:sldChg chg="addSp delSp modSp new mod">
-        <pc:chgData name="Khattab, Sherif" userId="c83b1e15-36f3-4f46-aceb-05aac24c545e" providerId="ADAL" clId="{20ECC735-6357-4521-A768-B7D7C3A147EB}" dt="2021-02-03T02:04:50.415" v="2740" actId="478"/>
-        <pc:sldMkLst>
-          <pc:docMk/>
-          <pc:sldMk cId="610542854" sldId="513"/>
-        </pc:sldMkLst>
-        <pc:spChg chg="mod">
-          <ac:chgData name="Khattab, Sherif" userId="c83b1e15-36f3-4f46-aceb-05aac24c545e" providerId="ADAL" clId="{20ECC735-6357-4521-A768-B7D7C3A147EB}" dt="2021-02-03T02:04:20.844" v="2732" actId="20577"/>
-          <ac:spMkLst>
-            <pc:docMk/>
-            <pc:sldMk cId="610542854" sldId="513"/>
-            <ac:spMk id="2" creationId="{918C6E05-8262-4512-A679-068F841EA2FF}"/>
-          </ac:spMkLst>
-        </pc:spChg>
-        <pc:spChg chg="del">
-          <ac:chgData name="Khattab, Sherif" userId="c83b1e15-36f3-4f46-aceb-05aac24c545e" providerId="ADAL" clId="{20ECC735-6357-4521-A768-B7D7C3A147EB}" dt="2021-02-03T02:04:50.415" v="2740" actId="478"/>
-          <ac:spMkLst>
-            <pc:docMk/>
-            <pc:sldMk cId="610542854" sldId="513"/>
-            <ac:spMk id="3" creationId="{15B3AA76-90F6-4CEA-A1CF-1A6D0BD679F5}"/>
-          </ac:spMkLst>
-        </pc:spChg>
-        <pc:inkChg chg="add mod">
-          <ac:chgData name="Khattab, Sherif" userId="c83b1e15-36f3-4f46-aceb-05aac24c545e" providerId="ADAL" clId="{20ECC735-6357-4521-A768-B7D7C3A147EB}" dt="2021-02-03T02:04:48.342" v="2739" actId="1076"/>
-          <ac:inkMkLst>
-            <pc:docMk/>
-            <pc:sldMk cId="610542854" sldId="513"/>
-            <ac:inkMk id="6" creationId="{3C87F779-8B4B-483E-A809-6825D9C5ECEE}"/>
-          </ac:inkMkLst>
-        </pc:inkChg>
-      </pc:sldChg>
-      <pc:sldChg chg="addSp delSp modSp new mod">
-        <pc:chgData name="Khattab, Sherif" userId="c83b1e15-36f3-4f46-aceb-05aac24c545e" providerId="ADAL" clId="{20ECC735-6357-4521-A768-B7D7C3A147EB}" dt="2021-02-03T02:05:37.766" v="2770" actId="478"/>
-        <pc:sldMkLst>
-          <pc:docMk/>
-          <pc:sldMk cId="4263135937" sldId="514"/>
-        </pc:sldMkLst>
-        <pc:spChg chg="mod">
-          <ac:chgData name="Khattab, Sherif" userId="c83b1e15-36f3-4f46-aceb-05aac24c545e" providerId="ADAL" clId="{20ECC735-6357-4521-A768-B7D7C3A147EB}" dt="2021-02-03T02:05:26.564" v="2766" actId="20577"/>
-          <ac:spMkLst>
-            <pc:docMk/>
-            <pc:sldMk cId="4263135937" sldId="514"/>
-            <ac:spMk id="2" creationId="{0DD4D5B7-74D2-4794-B22F-E7CCC2D5366F}"/>
-          </ac:spMkLst>
-        </pc:spChg>
-        <pc:spChg chg="del">
-          <ac:chgData name="Khattab, Sherif" userId="c83b1e15-36f3-4f46-aceb-05aac24c545e" providerId="ADAL" clId="{20ECC735-6357-4521-A768-B7D7C3A147EB}" dt="2021-02-03T02:05:37.766" v="2770" actId="478"/>
-          <ac:spMkLst>
-            <pc:docMk/>
-            <pc:sldMk cId="4263135937" sldId="514"/>
-            <ac:spMk id="3" creationId="{E610CB8E-21A6-448A-840B-D9F78432C461}"/>
-          </ac:spMkLst>
-        </pc:spChg>
-        <pc:picChg chg="add mod">
-          <ac:chgData name="Khattab, Sherif" userId="c83b1e15-36f3-4f46-aceb-05aac24c545e" providerId="ADAL" clId="{20ECC735-6357-4521-A768-B7D7C3A147EB}" dt="2021-02-03T02:05:35.471" v="2769" actId="1076"/>
-          <ac:picMkLst>
-            <pc:docMk/>
-            <pc:sldMk cId="4263135937" sldId="514"/>
-            <ac:picMk id="7" creationId="{5F5F7E71-8D48-4643-8EDE-08B6D3E65304}"/>
-          </ac:picMkLst>
-        </pc:picChg>
-      </pc:sldChg>
-      <pc:sldChg chg="addSp delSp modSp new mod">
-        <pc:chgData name="Khattab, Sherif" userId="c83b1e15-36f3-4f46-aceb-05aac24c545e" providerId="ADAL" clId="{20ECC735-6357-4521-A768-B7D7C3A147EB}" dt="2021-02-03T02:06:39.672" v="2790" actId="1076"/>
-        <pc:sldMkLst>
-          <pc:docMk/>
-          <pc:sldMk cId="3258818256" sldId="515"/>
-        </pc:sldMkLst>
-        <pc:spChg chg="mod">
-          <ac:chgData name="Khattab, Sherif" userId="c83b1e15-36f3-4f46-aceb-05aac24c545e" providerId="ADAL" clId="{20ECC735-6357-4521-A768-B7D7C3A147EB}" dt="2021-02-03T02:06:02.775" v="2781" actId="20577"/>
-          <ac:spMkLst>
-            <pc:docMk/>
-            <pc:sldMk cId="3258818256" sldId="515"/>
-            <ac:spMk id="2" creationId="{094ADF86-52C2-43B2-931E-DAF8D43B0522}"/>
-          </ac:spMkLst>
-        </pc:spChg>
-        <pc:spChg chg="del">
-          <ac:chgData name="Khattab, Sherif" userId="c83b1e15-36f3-4f46-aceb-05aac24c545e" providerId="ADAL" clId="{20ECC735-6357-4521-A768-B7D7C3A147EB}" dt="2021-02-03T02:06:37.517" v="2789" actId="478"/>
-          <ac:spMkLst>
-            <pc:docMk/>
-            <pc:sldMk cId="3258818256" sldId="515"/>
-            <ac:spMk id="3" creationId="{82FAF7F8-A6D7-43F1-A6E8-DD53FB5D3867}"/>
-          </ac:spMkLst>
-        </pc:spChg>
-        <pc:picChg chg="add del mod">
-          <ac:chgData name="Khattab, Sherif" userId="c83b1e15-36f3-4f46-aceb-05aac24c545e" providerId="ADAL" clId="{20ECC735-6357-4521-A768-B7D7C3A147EB}" dt="2021-02-03T02:06:15.520" v="2786" actId="478"/>
-          <ac:picMkLst>
-            <pc:docMk/>
-            <pc:sldMk cId="3258818256" sldId="515"/>
-            <ac:picMk id="7" creationId="{8C9AD129-60A2-4F01-BD39-2FF7D0765727}"/>
-          </ac:picMkLst>
-        </pc:picChg>
-        <pc:picChg chg="add mod">
-          <ac:chgData name="Khattab, Sherif" userId="c83b1e15-36f3-4f46-aceb-05aac24c545e" providerId="ADAL" clId="{20ECC735-6357-4521-A768-B7D7C3A147EB}" dt="2021-02-03T02:06:39.672" v="2790" actId="1076"/>
-          <ac:picMkLst>
-            <pc:docMk/>
-            <pc:sldMk cId="3258818256" sldId="515"/>
-            <ac:picMk id="9" creationId="{29649FB6-F52E-41CA-BEBF-6C7D090B81B2}"/>
-          </ac:picMkLst>
-        </pc:picChg>
+      <pc:sldChg chg="add del">
+        <pc:chgData name="Khattab, Sherif" userId="c83b1e15-36f3-4f46-aceb-05aac24c545e" providerId="ADAL" clId="{E2BF0542-8AC8-C546-A69D-6176F8674AAF}" dt="2022-01-20T15:49:53.050" v="11"/>
+        <pc:sldMkLst>
+          <pc:docMk/>
+          <pc:sldMk cId="2093362943" sldId="508"/>
+        </pc:sldMkLst>
+      </pc:sldChg>
+      <pc:sldChg chg="add del">
+        <pc:chgData name="Khattab, Sherif" userId="c83b1e15-36f3-4f46-aceb-05aac24c545e" providerId="ADAL" clId="{E2BF0542-8AC8-C546-A69D-6176F8674AAF}" dt="2022-01-25T14:11:15.365" v="228" actId="2696"/>
+        <pc:sldMkLst>
+          <pc:docMk/>
+          <pc:sldMk cId="2743959136" sldId="512"/>
+        </pc:sldMkLst>
+      </pc:sldChg>
+      <pc:sldChg chg="add ord">
+        <pc:chgData name="Khattab, Sherif" userId="c83b1e15-36f3-4f46-aceb-05aac24c545e" providerId="ADAL" clId="{E2BF0542-8AC8-C546-A69D-6176F8674AAF}" dt="2022-01-25T14:12:42.551" v="240" actId="20578"/>
+        <pc:sldMkLst>
+          <pc:docMk/>
+          <pc:sldMk cId="2801866406" sldId="512"/>
+        </pc:sldMkLst>
+      </pc:sldChg>
+      <pc:sldChg chg="add del">
+        <pc:chgData name="Khattab, Sherif" userId="c83b1e15-36f3-4f46-aceb-05aac24c545e" providerId="ADAL" clId="{E2BF0542-8AC8-C546-A69D-6176F8674AAF}" dt="2022-01-25T14:11:24.690" v="230"/>
+        <pc:sldMkLst>
+          <pc:docMk/>
+          <pc:sldMk cId="3873111975" sldId="512"/>
+        </pc:sldMkLst>
+      </pc:sldChg>
+      <pc:sldChg chg="add del">
+        <pc:chgData name="Khattab, Sherif" userId="c83b1e15-36f3-4f46-aceb-05aac24c545e" providerId="ADAL" clId="{E2BF0542-8AC8-C546-A69D-6176F8674AAF}" dt="2022-01-20T15:49:53.050" v="11"/>
+        <pc:sldMkLst>
+          <pc:docMk/>
+          <pc:sldMk cId="1845419114" sldId="517"/>
+        </pc:sldMkLst>
+      </pc:sldChg>
+      <pc:sldChg chg="add del modAnim">
+        <pc:chgData name="Khattab, Sherif" userId="c83b1e15-36f3-4f46-aceb-05aac24c545e" providerId="ADAL" clId="{E2BF0542-8AC8-C546-A69D-6176F8674AAF}" dt="2022-01-25T14:14:40.143" v="290"/>
+        <pc:sldMkLst>
+          <pc:docMk/>
+          <pc:sldMk cId="2804781805" sldId="518"/>
+        </pc:sldMkLst>
+      </pc:sldChg>
+      <pc:sldChg chg="add del modAnim">
+        <pc:chgData name="Khattab, Sherif" userId="c83b1e15-36f3-4f46-aceb-05aac24c545e" providerId="ADAL" clId="{E2BF0542-8AC8-C546-A69D-6176F8674AAF}" dt="2022-01-25T14:14:48.744" v="292"/>
+        <pc:sldMkLst>
+          <pc:docMk/>
+          <pc:sldMk cId="1525193433" sldId="519"/>
+        </pc:sldMkLst>
+      </pc:sldChg>
+      <pc:sldChg chg="del">
+        <pc:chgData name="Khattab, Sherif" userId="c83b1e15-36f3-4f46-aceb-05aac24c545e" providerId="ADAL" clId="{E2BF0542-8AC8-C546-A69D-6176F8674AAF}" dt="2022-01-25T14:08:56.945" v="138" actId="2696"/>
+        <pc:sldMkLst>
+          <pc:docMk/>
+          <pc:sldMk cId="300931632" sldId="523"/>
+        </pc:sldMkLst>
+      </pc:sldChg>
+      <pc:sldChg chg="modSp mod modAnim">
+        <pc:chgData name="Khattab, Sherif" userId="c83b1e15-36f3-4f46-aceb-05aac24c545e" providerId="ADAL" clId="{E2BF0542-8AC8-C546-A69D-6176F8674AAF}" dt="2022-01-25T14:23:31.722" v="504"/>
+        <pc:sldMkLst>
+          <pc:docMk/>
+          <pc:sldMk cId="2601559611" sldId="524"/>
+        </pc:sldMkLst>
+        <pc:spChg chg="mod">
+          <ac:chgData name="Khattab, Sherif" userId="c83b1e15-36f3-4f46-aceb-05aac24c545e" providerId="ADAL" clId="{E2BF0542-8AC8-C546-A69D-6176F8674AAF}" dt="2022-01-25T14:23:03.962" v="494" actId="27636"/>
+          <ac:spMkLst>
+            <pc:docMk/>
+            <pc:sldMk cId="2601559611" sldId="524"/>
+            <ac:spMk id="3" creationId="{9DEBC682-0C7C-456E-94E7-AE960EDA31D0}"/>
+          </ac:spMkLst>
+        </pc:spChg>
+      </pc:sldChg>
+      <pc:sldChg chg="add modAnim">
+        <pc:chgData name="Khattab, Sherif" userId="c83b1e15-36f3-4f46-aceb-05aac24c545e" providerId="ADAL" clId="{E2BF0542-8AC8-C546-A69D-6176F8674AAF}" dt="2022-01-25T14:14:19.496" v="288"/>
+        <pc:sldMkLst>
+          <pc:docMk/>
+          <pc:sldMk cId="834553574" sldId="536"/>
+        </pc:sldMkLst>
+      </pc:sldChg>
+      <pc:sldChg chg="add del">
+        <pc:chgData name="Khattab, Sherif" userId="c83b1e15-36f3-4f46-aceb-05aac24c545e" providerId="ADAL" clId="{E2BF0542-8AC8-C546-A69D-6176F8674AAF}" dt="2022-01-25T14:11:50.347" v="234"/>
+        <pc:sldMkLst>
+          <pc:docMk/>
+          <pc:sldMk cId="1605556259" sldId="536"/>
+        </pc:sldMkLst>
+      </pc:sldChg>
+      <pc:sldChg chg="add del">
+        <pc:chgData name="Khattab, Sherif" userId="c83b1e15-36f3-4f46-aceb-05aac24c545e" providerId="ADAL" clId="{E2BF0542-8AC8-C546-A69D-6176F8674AAF}" dt="2022-01-25T14:11:40.790" v="232" actId="2696"/>
+        <pc:sldMkLst>
+          <pc:docMk/>
+          <pc:sldMk cId="3742099282" sldId="536"/>
+        </pc:sldMkLst>
+      </pc:sldChg>
+      <pc:sldChg chg="add del">
+        <pc:chgData name="Khattab, Sherif" userId="c83b1e15-36f3-4f46-aceb-05aac24c545e" providerId="ADAL" clId="{E2BF0542-8AC8-C546-A69D-6176F8674AAF}" dt="2022-01-20T15:49:53.050" v="11"/>
+        <pc:sldMkLst>
+          <pc:docMk/>
+          <pc:sldMk cId="2710097941" sldId="549"/>
+        </pc:sldMkLst>
+      </pc:sldChg>
+      <pc:sldChg chg="add del">
+        <pc:chgData name="Khattab, Sherif" userId="c83b1e15-36f3-4f46-aceb-05aac24c545e" providerId="ADAL" clId="{E2BF0542-8AC8-C546-A69D-6176F8674AAF}" dt="2022-01-25T14:12:24.114" v="237"/>
+        <pc:sldMkLst>
+          <pc:docMk/>
+          <pc:sldMk cId="1464919975" sldId="550"/>
+        </pc:sldMkLst>
+      </pc:sldChg>
+      <pc:sldChg chg="add">
+        <pc:chgData name="Khattab, Sherif" userId="c83b1e15-36f3-4f46-aceb-05aac24c545e" providerId="ADAL" clId="{E2BF0542-8AC8-C546-A69D-6176F8674AAF}" dt="2022-01-25T14:12:24.175" v="238"/>
+        <pc:sldMkLst>
+          <pc:docMk/>
+          <pc:sldMk cId="2879040013" sldId="550"/>
+        </pc:sldMkLst>
+      </pc:sldChg>
+      <pc:sldChg chg="modSp add mod">
+        <pc:chgData name="Khattab, Sherif" userId="c83b1e15-36f3-4f46-aceb-05aac24c545e" providerId="ADAL" clId="{E2BF0542-8AC8-C546-A69D-6176F8674AAF}" dt="2022-01-25T14:13:30.083" v="283" actId="20577"/>
+        <pc:sldMkLst>
+          <pc:docMk/>
+          <pc:sldMk cId="3856647210" sldId="551"/>
+        </pc:sldMkLst>
+        <pc:spChg chg="mod">
+          <ac:chgData name="Khattab, Sherif" userId="c83b1e15-36f3-4f46-aceb-05aac24c545e" providerId="ADAL" clId="{E2BF0542-8AC8-C546-A69D-6176F8674AAF}" dt="2022-01-25T14:13:30.083" v="283" actId="20577"/>
+          <ac:spMkLst>
+            <pc:docMk/>
+            <pc:sldMk cId="3856647210" sldId="551"/>
+            <ac:spMk id="90114" creationId="{308C4648-C13A-A547-ABA8-14DA70E0773D}"/>
+          </ac:spMkLst>
+        </pc:spChg>
+        <pc:spChg chg="mod">
+          <ac:chgData name="Khattab, Sherif" userId="c83b1e15-36f3-4f46-aceb-05aac24c545e" providerId="ADAL" clId="{E2BF0542-8AC8-C546-A69D-6176F8674AAF}" dt="2022-01-25T14:13:20.974" v="261" actId="5793"/>
+          <ac:spMkLst>
+            <pc:docMk/>
+            <pc:sldMk cId="3856647210" sldId="551"/>
+            <ac:spMk id="90115" creationId="{691666FD-EDA0-044F-A826-5F64B00DC362}"/>
+          </ac:spMkLst>
+        </pc:spChg>
+      </pc:sldChg>
+      <pc:sldChg chg="modSp new mod modAnim">
+        <pc:chgData name="Khattab, Sherif" userId="c83b1e15-36f3-4f46-aceb-05aac24c545e" providerId="ADAL" clId="{E2BF0542-8AC8-C546-A69D-6176F8674AAF}" dt="2022-01-25T14:23:20.744" v="501"/>
+        <pc:sldMkLst>
+          <pc:docMk/>
+          <pc:sldMk cId="4255082963" sldId="552"/>
+        </pc:sldMkLst>
+        <pc:spChg chg="mod">
+          <ac:chgData name="Khattab, Sherif" userId="c83b1e15-36f3-4f46-aceb-05aac24c545e" providerId="ADAL" clId="{E2BF0542-8AC8-C546-A69D-6176F8674AAF}" dt="2022-01-25T14:22:52.066" v="492" actId="20577"/>
+          <ac:spMkLst>
+            <pc:docMk/>
+            <pc:sldMk cId="4255082963" sldId="552"/>
+            <ac:spMk id="2" creationId="{518DE74E-6C64-D24C-9396-4381160CAC33}"/>
+          </ac:spMkLst>
+        </pc:spChg>
+        <pc:spChg chg="mod">
+          <ac:chgData name="Khattab, Sherif" userId="c83b1e15-36f3-4f46-aceb-05aac24c545e" providerId="ADAL" clId="{E2BF0542-8AC8-C546-A69D-6176F8674AAF}" dt="2022-01-25T14:23:13.400" v="499" actId="6549"/>
+          <ac:spMkLst>
+            <pc:docMk/>
+            <pc:sldMk cId="4255082963" sldId="552"/>
+            <ac:spMk id="3" creationId="{D92E72B7-E017-BA43-ACBB-90B57EC4A1EE}"/>
+          </ac:spMkLst>
+        </pc:spChg>
+      </pc:sldChg>
+      <pc:sldChg chg="modSp new mod modAnim">
+        <pc:chgData name="Khattab, Sherif" userId="c83b1e15-36f3-4f46-aceb-05aac24c545e" providerId="ADAL" clId="{E2BF0542-8AC8-C546-A69D-6176F8674AAF}" dt="2022-01-25T14:22:44.378" v="471"/>
+        <pc:sldMkLst>
+          <pc:docMk/>
+          <pc:sldMk cId="3412417812" sldId="553"/>
+        </pc:sldMkLst>
+        <pc:spChg chg="mod">
+          <ac:chgData name="Khattab, Sherif" userId="c83b1e15-36f3-4f46-aceb-05aac24c545e" providerId="ADAL" clId="{E2BF0542-8AC8-C546-A69D-6176F8674AAF}" dt="2022-01-25T14:22:26.779" v="463" actId="20577"/>
+          <ac:spMkLst>
+            <pc:docMk/>
+            <pc:sldMk cId="3412417812" sldId="553"/>
+            <ac:spMk id="2" creationId="{707FC16F-115C-334C-A368-5CED5FF4DD88}"/>
+          </ac:spMkLst>
+        </pc:spChg>
+        <pc:spChg chg="mod">
+          <ac:chgData name="Khattab, Sherif" userId="c83b1e15-36f3-4f46-aceb-05aac24c545e" providerId="ADAL" clId="{E2BF0542-8AC8-C546-A69D-6176F8674AAF}" dt="2022-01-25T14:22:38.394" v="469" actId="20577"/>
+          <ac:spMkLst>
+            <pc:docMk/>
+            <pc:sldMk cId="3412417812" sldId="553"/>
+            <ac:spMk id="3" creationId="{C030CFE4-24B5-6749-8C90-C5B735AD3E11}"/>
+          </ac:spMkLst>
+        </pc:spChg>
       </pc:sldChg>
     </pc:docChg>
   </pc:docChgLst>
@@ -6568,24 +5274,643 @@
     </pc:docChg>
   </pc:docChgLst>
   <pc:docChgLst>
-    <pc:chgData name="Khattab, Sherif" userId="c83b1e15-36f3-4f46-aceb-05aac24c545e" providerId="ADAL" clId="{A212C896-78CA-A446-9E84-9A22A33D406C}"/>
-    <pc:docChg chg="modSld">
-      <pc:chgData name="Khattab, Sherif" userId="c83b1e15-36f3-4f46-aceb-05aac24c545e" providerId="ADAL" clId="{A212C896-78CA-A446-9E84-9A22A33D406C}" dt="2021-09-01T06:15:15.944" v="0"/>
+    <pc:chgData name="Khattab, Sherif" userId="c83b1e15-36f3-4f46-aceb-05aac24c545e" providerId="ADAL" clId="{BA7E1913-A6F0-C848-94D5-CEC45678B150}"/>
+    <pc:docChg chg="addSld modSld">
+      <pc:chgData name="Khattab, Sherif" userId="c83b1e15-36f3-4f46-aceb-05aac24c545e" providerId="ADAL" clId="{BA7E1913-A6F0-C848-94D5-CEC45678B150}" dt="2021-01-20T03:36:45.256" v="0"/>
       <pc:docMkLst>
         <pc:docMk/>
       </pc:docMkLst>
+      <pc:sldChg chg="add">
+        <pc:chgData name="Khattab, Sherif" userId="c83b1e15-36f3-4f46-aceb-05aac24c545e" providerId="ADAL" clId="{BA7E1913-A6F0-C848-94D5-CEC45678B150}" dt="2021-01-20T03:36:45.256" v="0"/>
+        <pc:sldMkLst>
+          <pc:docMk/>
+          <pc:sldMk cId="2329144619" sldId="445"/>
+        </pc:sldMkLst>
+      </pc:sldChg>
+      <pc:sldChg chg="add">
+        <pc:chgData name="Khattab, Sherif" userId="c83b1e15-36f3-4f46-aceb-05aac24c545e" providerId="ADAL" clId="{BA7E1913-A6F0-C848-94D5-CEC45678B150}" dt="2021-01-20T03:36:45.256" v="0"/>
+        <pc:sldMkLst>
+          <pc:docMk/>
+          <pc:sldMk cId="1783368962" sldId="448"/>
+        </pc:sldMkLst>
+      </pc:sldChg>
+      <pc:sldChg chg="add">
+        <pc:chgData name="Khattab, Sherif" userId="c83b1e15-36f3-4f46-aceb-05aac24c545e" providerId="ADAL" clId="{BA7E1913-A6F0-C848-94D5-CEC45678B150}" dt="2021-01-20T03:36:45.256" v="0"/>
+        <pc:sldMkLst>
+          <pc:docMk/>
+          <pc:sldMk cId="2276002102" sldId="451"/>
+        </pc:sldMkLst>
+      </pc:sldChg>
       <pc:sldChg chg="modSp">
-        <pc:chgData name="Khattab, Sherif" userId="c83b1e15-36f3-4f46-aceb-05aac24c545e" providerId="ADAL" clId="{A212C896-78CA-A446-9E84-9A22A33D406C}" dt="2021-09-01T06:15:15.944" v="0"/>
+        <pc:chgData name="Khattab, Sherif" userId="c83b1e15-36f3-4f46-aceb-05aac24c545e" providerId="ADAL" clId="{BA7E1913-A6F0-C848-94D5-CEC45678B150}" dt="2021-01-20T03:36:45.256" v="0"/>
+        <pc:sldMkLst>
+          <pc:docMk/>
+          <pc:sldMk cId="1025764700" sldId="471"/>
+        </pc:sldMkLst>
+        <pc:spChg chg="mod">
+          <ac:chgData name="Khattab, Sherif" userId="c83b1e15-36f3-4f46-aceb-05aac24c545e" providerId="ADAL" clId="{BA7E1913-A6F0-C848-94D5-CEC45678B150}" dt="2021-01-20T03:36:45.256" v="0"/>
+          <ac:spMkLst>
+            <pc:docMk/>
+            <pc:sldMk cId="1025764700" sldId="471"/>
+            <ac:spMk id="2" creationId="{002C4211-0128-449E-9D1F-69BC748F2810}"/>
+          </ac:spMkLst>
+        </pc:spChg>
+        <pc:spChg chg="mod">
+          <ac:chgData name="Khattab, Sherif" userId="c83b1e15-36f3-4f46-aceb-05aac24c545e" providerId="ADAL" clId="{BA7E1913-A6F0-C848-94D5-CEC45678B150}" dt="2021-01-20T03:36:45.256" v="0"/>
+          <ac:spMkLst>
+            <pc:docMk/>
+            <pc:sldMk cId="1025764700" sldId="471"/>
+            <ac:spMk id="4" creationId="{2E01187D-8C39-467D-8FD2-B6E79B15F5CB}"/>
+          </ac:spMkLst>
+        </pc:spChg>
+        <pc:spChg chg="mod">
+          <ac:chgData name="Khattab, Sherif" userId="c83b1e15-36f3-4f46-aceb-05aac24c545e" providerId="ADAL" clId="{BA7E1913-A6F0-C848-94D5-CEC45678B150}" dt="2021-01-20T03:36:45.256" v="0"/>
+          <ac:spMkLst>
+            <pc:docMk/>
+            <pc:sldMk cId="1025764700" sldId="471"/>
+            <ac:spMk id="5121" creationId="{7512BAA4-EBB3-4158-9546-24CBE50F6439}"/>
+          </ac:spMkLst>
+        </pc:spChg>
+        <pc:spChg chg="mod">
+          <ac:chgData name="Khattab, Sherif" userId="c83b1e15-36f3-4f46-aceb-05aac24c545e" providerId="ADAL" clId="{BA7E1913-A6F0-C848-94D5-CEC45678B150}" dt="2021-01-20T03:36:45.256" v="0"/>
+          <ac:spMkLst>
+            <pc:docMk/>
+            <pc:sldMk cId="1025764700" sldId="471"/>
+            <ac:spMk id="5122" creationId="{23997D45-6B1B-416E-BB06-0DAFD6B2DE75}"/>
+          </ac:spMkLst>
+        </pc:spChg>
+        <pc:grpChg chg="mod">
+          <ac:chgData name="Khattab, Sherif" userId="c83b1e15-36f3-4f46-aceb-05aac24c545e" providerId="ADAL" clId="{BA7E1913-A6F0-C848-94D5-CEC45678B150}" dt="2021-01-20T03:36:45.256" v="0"/>
+          <ac:grpSpMkLst>
+            <pc:docMk/>
+            <pc:sldMk cId="1025764700" sldId="471"/>
+            <ac:grpSpMk id="1" creationId="{00000000-0000-0000-0000-000000000000}"/>
+          </ac:grpSpMkLst>
+        </pc:grpChg>
+        <pc:graphicFrameChg chg="mod">
+          <ac:chgData name="Khattab, Sherif" userId="c83b1e15-36f3-4f46-aceb-05aac24c545e" providerId="ADAL" clId="{BA7E1913-A6F0-C848-94D5-CEC45678B150}" dt="2021-01-20T03:36:45.256" v="0"/>
+          <ac:graphicFrameMkLst>
+            <pc:docMk/>
+            <pc:sldMk cId="1025764700" sldId="471"/>
+            <ac:graphicFrameMk id="5123" creationId="{21D7AF36-DB7D-4E96-B4D0-2E733D24C464}"/>
+          </ac:graphicFrameMkLst>
+        </pc:graphicFrameChg>
+      </pc:sldChg>
+      <pc:sldChg chg="modSp">
+        <pc:chgData name="Khattab, Sherif" userId="c83b1e15-36f3-4f46-aceb-05aac24c545e" providerId="ADAL" clId="{BA7E1913-A6F0-C848-94D5-CEC45678B150}" dt="2021-01-20T03:36:45.256" v="0"/>
+        <pc:sldMkLst>
+          <pc:docMk/>
+          <pc:sldMk cId="3109107092" sldId="472"/>
+        </pc:sldMkLst>
+        <pc:spChg chg="mod">
+          <ac:chgData name="Khattab, Sherif" userId="c83b1e15-36f3-4f46-aceb-05aac24c545e" providerId="ADAL" clId="{BA7E1913-A6F0-C848-94D5-CEC45678B150}" dt="2021-01-20T03:36:45.256" v="0"/>
+          <ac:spMkLst>
+            <pc:docMk/>
+            <pc:sldMk cId="3109107092" sldId="472"/>
+            <ac:spMk id="3" creationId="{30AEF3C6-7EA7-449A-9293-E3ED9F2886F9}"/>
+          </ac:spMkLst>
+        </pc:spChg>
+        <pc:spChg chg="mod">
+          <ac:chgData name="Khattab, Sherif" userId="c83b1e15-36f3-4f46-aceb-05aac24c545e" providerId="ADAL" clId="{BA7E1913-A6F0-C848-94D5-CEC45678B150}" dt="2021-01-20T03:36:45.256" v="0"/>
+          <ac:spMkLst>
+            <pc:docMk/>
+            <pc:sldMk cId="3109107092" sldId="472"/>
+            <ac:spMk id="5" creationId="{86D334BE-F1A0-401C-A7A6-E8399DADA66A}"/>
+          </ac:spMkLst>
+        </pc:spChg>
+        <pc:spChg chg="mod">
+          <ac:chgData name="Khattab, Sherif" userId="c83b1e15-36f3-4f46-aceb-05aac24c545e" providerId="ADAL" clId="{BA7E1913-A6F0-C848-94D5-CEC45678B150}" dt="2021-01-20T03:36:45.256" v="0"/>
+          <ac:spMkLst>
+            <pc:docMk/>
+            <pc:sldMk cId="3109107092" sldId="472"/>
+            <ac:spMk id="7" creationId="{E5F29704-03AA-B747-A2ED-5B8027B1EDEB}"/>
+          </ac:spMkLst>
+        </pc:spChg>
+        <pc:spChg chg="mod">
+          <ac:chgData name="Khattab, Sherif" userId="c83b1e15-36f3-4f46-aceb-05aac24c545e" providerId="ADAL" clId="{BA7E1913-A6F0-C848-94D5-CEC45678B150}" dt="2021-01-20T03:36:45.256" v="0"/>
+          <ac:spMkLst>
+            <pc:docMk/>
+            <pc:sldMk cId="3109107092" sldId="472"/>
+            <ac:spMk id="6146" creationId="{5AEA12F1-A345-4E80-B81B-BB7F54B720F7}"/>
+          </ac:spMkLst>
+        </pc:spChg>
+        <pc:grpChg chg="mod">
+          <ac:chgData name="Khattab, Sherif" userId="c83b1e15-36f3-4f46-aceb-05aac24c545e" providerId="ADAL" clId="{BA7E1913-A6F0-C848-94D5-CEC45678B150}" dt="2021-01-20T03:36:45.256" v="0"/>
+          <ac:grpSpMkLst>
+            <pc:docMk/>
+            <pc:sldMk cId="3109107092" sldId="472"/>
+            <ac:grpSpMk id="1" creationId="{00000000-0000-0000-0000-000000000000}"/>
+          </ac:grpSpMkLst>
+        </pc:grpChg>
+        <pc:graphicFrameChg chg="mod">
+          <ac:chgData name="Khattab, Sherif" userId="c83b1e15-36f3-4f46-aceb-05aac24c545e" providerId="ADAL" clId="{BA7E1913-A6F0-C848-94D5-CEC45678B150}" dt="2021-01-20T03:36:45.256" v="0"/>
+          <ac:graphicFrameMkLst>
+            <pc:docMk/>
+            <pc:sldMk cId="3109107092" sldId="472"/>
+            <ac:graphicFrameMk id="6145" creationId="{1F7F153F-0046-48A7-AF42-071F4C813482}"/>
+          </ac:graphicFrameMkLst>
+        </pc:graphicFrameChg>
+      </pc:sldChg>
+      <pc:sldChg chg="modSp">
+        <pc:chgData name="Khattab, Sherif" userId="c83b1e15-36f3-4f46-aceb-05aac24c545e" providerId="ADAL" clId="{BA7E1913-A6F0-C848-94D5-CEC45678B150}" dt="2021-01-20T03:36:45.256" v="0"/>
+        <pc:sldMkLst>
+          <pc:docMk/>
+          <pc:sldMk cId="4038969182" sldId="477"/>
+        </pc:sldMkLst>
+        <pc:spChg chg="mod">
+          <ac:chgData name="Khattab, Sherif" userId="c83b1e15-36f3-4f46-aceb-05aac24c545e" providerId="ADAL" clId="{BA7E1913-A6F0-C848-94D5-CEC45678B150}" dt="2021-01-20T03:36:45.256" v="0"/>
+          <ac:spMkLst>
+            <pc:docMk/>
+            <pc:sldMk cId="4038969182" sldId="477"/>
+            <ac:spMk id="2" creationId="{FC2F5822-FB95-4FA7-8814-7A9973030216}"/>
+          </ac:spMkLst>
+        </pc:spChg>
+        <pc:spChg chg="mod">
+          <ac:chgData name="Khattab, Sherif" userId="c83b1e15-36f3-4f46-aceb-05aac24c545e" providerId="ADAL" clId="{BA7E1913-A6F0-C848-94D5-CEC45678B150}" dt="2021-01-20T03:36:45.256" v="0"/>
+          <ac:spMkLst>
+            <pc:docMk/>
+            <pc:sldMk cId="4038969182" sldId="477"/>
+            <ac:spMk id="4" creationId="{AC512AFF-6A18-4D49-A4E6-2CC1827AA033}"/>
+          </ac:spMkLst>
+        </pc:spChg>
+        <pc:spChg chg="mod">
+          <ac:chgData name="Khattab, Sherif" userId="c83b1e15-36f3-4f46-aceb-05aac24c545e" providerId="ADAL" clId="{BA7E1913-A6F0-C848-94D5-CEC45678B150}" dt="2021-01-20T03:36:45.256" v="0"/>
+          <ac:spMkLst>
+            <pc:docMk/>
+            <pc:sldMk cId="4038969182" sldId="477"/>
+            <ac:spMk id="16385" creationId="{6A11D2B9-CA45-4A0D-B509-8257E2D9B94F}"/>
+          </ac:spMkLst>
+        </pc:spChg>
+        <pc:spChg chg="mod">
+          <ac:chgData name="Khattab, Sherif" userId="c83b1e15-36f3-4f46-aceb-05aac24c545e" providerId="ADAL" clId="{BA7E1913-A6F0-C848-94D5-CEC45678B150}" dt="2021-01-20T03:36:45.256" v="0"/>
+          <ac:spMkLst>
+            <pc:docMk/>
+            <pc:sldMk cId="4038969182" sldId="477"/>
+            <ac:spMk id="16386" creationId="{2EE14E1C-57AD-4AA5-8D97-EF494DA8A5A6}"/>
+          </ac:spMkLst>
+        </pc:spChg>
+        <pc:grpChg chg="mod">
+          <ac:chgData name="Khattab, Sherif" userId="c83b1e15-36f3-4f46-aceb-05aac24c545e" providerId="ADAL" clId="{BA7E1913-A6F0-C848-94D5-CEC45678B150}" dt="2021-01-20T03:36:45.256" v="0"/>
+          <ac:grpSpMkLst>
+            <pc:docMk/>
+            <pc:sldMk cId="4038969182" sldId="477"/>
+            <ac:grpSpMk id="1" creationId="{00000000-0000-0000-0000-000000000000}"/>
+          </ac:grpSpMkLst>
+        </pc:grpChg>
+        <pc:graphicFrameChg chg="mod">
+          <ac:chgData name="Khattab, Sherif" userId="c83b1e15-36f3-4f46-aceb-05aac24c545e" providerId="ADAL" clId="{BA7E1913-A6F0-C848-94D5-CEC45678B150}" dt="2021-01-20T03:36:45.256" v="0"/>
+          <ac:graphicFrameMkLst>
+            <pc:docMk/>
+            <pc:sldMk cId="4038969182" sldId="477"/>
+            <ac:graphicFrameMk id="16387" creationId="{AF2F8ED8-16A1-4F89-BDB6-8C2730B36B52}"/>
+          </ac:graphicFrameMkLst>
+        </pc:graphicFrameChg>
+      </pc:sldChg>
+      <pc:sldChg chg="modSp">
+        <pc:chgData name="Khattab, Sherif" userId="c83b1e15-36f3-4f46-aceb-05aac24c545e" providerId="ADAL" clId="{BA7E1913-A6F0-C848-94D5-CEC45678B150}" dt="2021-01-20T03:36:45.256" v="0"/>
+        <pc:sldMkLst>
+          <pc:docMk/>
+          <pc:sldMk cId="873856523" sldId="479"/>
+        </pc:sldMkLst>
+        <pc:spChg chg="mod">
+          <ac:chgData name="Khattab, Sherif" userId="c83b1e15-36f3-4f46-aceb-05aac24c545e" providerId="ADAL" clId="{BA7E1913-A6F0-C848-94D5-CEC45678B150}" dt="2021-01-20T03:36:45.256" v="0"/>
+          <ac:spMkLst>
+            <pc:docMk/>
+            <pc:sldMk cId="873856523" sldId="479"/>
+            <ac:spMk id="2" creationId="{0EA6D591-B53C-496E-AC8A-4A137C95CFED}"/>
+          </ac:spMkLst>
+        </pc:spChg>
+        <pc:spChg chg="mod">
+          <ac:chgData name="Khattab, Sherif" userId="c83b1e15-36f3-4f46-aceb-05aac24c545e" providerId="ADAL" clId="{BA7E1913-A6F0-C848-94D5-CEC45678B150}" dt="2021-01-20T03:36:45.256" v="0"/>
+          <ac:spMkLst>
+            <pc:docMk/>
+            <pc:sldMk cId="873856523" sldId="479"/>
+            <ac:spMk id="4" creationId="{ED98CD1B-CC0F-4183-9A7A-D761866A6186}"/>
+          </ac:spMkLst>
+        </pc:spChg>
+        <pc:spChg chg="mod">
+          <ac:chgData name="Khattab, Sherif" userId="c83b1e15-36f3-4f46-aceb-05aac24c545e" providerId="ADAL" clId="{BA7E1913-A6F0-C848-94D5-CEC45678B150}" dt="2021-01-20T03:36:45.256" v="0"/>
+          <ac:spMkLst>
+            <pc:docMk/>
+            <pc:sldMk cId="873856523" sldId="479"/>
+            <ac:spMk id="18433" creationId="{E3607FC9-A77A-4CEC-B201-FD6943B401ED}"/>
+          </ac:spMkLst>
+        </pc:spChg>
+        <pc:spChg chg="mod">
+          <ac:chgData name="Khattab, Sherif" userId="c83b1e15-36f3-4f46-aceb-05aac24c545e" providerId="ADAL" clId="{BA7E1913-A6F0-C848-94D5-CEC45678B150}" dt="2021-01-20T03:36:45.256" v="0"/>
+          <ac:spMkLst>
+            <pc:docMk/>
+            <pc:sldMk cId="873856523" sldId="479"/>
+            <ac:spMk id="18434" creationId="{A670C1CC-C98F-4983-9392-1D866C0F5D42}"/>
+          </ac:spMkLst>
+        </pc:spChg>
+        <pc:grpChg chg="mod">
+          <ac:chgData name="Khattab, Sherif" userId="c83b1e15-36f3-4f46-aceb-05aac24c545e" providerId="ADAL" clId="{BA7E1913-A6F0-C848-94D5-CEC45678B150}" dt="2021-01-20T03:36:45.256" v="0"/>
+          <ac:grpSpMkLst>
+            <pc:docMk/>
+            <pc:sldMk cId="873856523" sldId="479"/>
+            <ac:grpSpMk id="1" creationId="{00000000-0000-0000-0000-000000000000}"/>
+          </ac:grpSpMkLst>
+        </pc:grpChg>
+        <pc:graphicFrameChg chg="mod">
+          <ac:chgData name="Khattab, Sherif" userId="c83b1e15-36f3-4f46-aceb-05aac24c545e" providerId="ADAL" clId="{BA7E1913-A6F0-C848-94D5-CEC45678B150}" dt="2021-01-20T03:36:45.256" v="0"/>
+          <ac:graphicFrameMkLst>
+            <pc:docMk/>
+            <pc:sldMk cId="873856523" sldId="479"/>
+            <ac:graphicFrameMk id="18435" creationId="{E649380A-CE1F-4021-A060-3DE112829840}"/>
+          </ac:graphicFrameMkLst>
+        </pc:graphicFrameChg>
+      </pc:sldChg>
+      <pc:sldChg chg="modSp">
+        <pc:chgData name="Khattab, Sherif" userId="c83b1e15-36f3-4f46-aceb-05aac24c545e" providerId="ADAL" clId="{BA7E1913-A6F0-C848-94D5-CEC45678B150}" dt="2021-01-20T03:36:45.256" v="0"/>
+        <pc:sldMkLst>
+          <pc:docMk/>
+          <pc:sldMk cId="1560930406" sldId="482"/>
+        </pc:sldMkLst>
+        <pc:spChg chg="mod">
+          <ac:chgData name="Khattab, Sherif" userId="c83b1e15-36f3-4f46-aceb-05aac24c545e" providerId="ADAL" clId="{BA7E1913-A6F0-C848-94D5-CEC45678B150}" dt="2021-01-20T03:36:45.256" v="0"/>
+          <ac:spMkLst>
+            <pc:docMk/>
+            <pc:sldMk cId="1560930406" sldId="482"/>
+            <ac:spMk id="2" creationId="{DF0F4013-0B68-4D88-865A-4FC3176C8654}"/>
+          </ac:spMkLst>
+        </pc:spChg>
+        <pc:spChg chg="mod">
+          <ac:chgData name="Khattab, Sherif" userId="c83b1e15-36f3-4f46-aceb-05aac24c545e" providerId="ADAL" clId="{BA7E1913-A6F0-C848-94D5-CEC45678B150}" dt="2021-01-20T03:36:45.256" v="0"/>
+          <ac:spMkLst>
+            <pc:docMk/>
+            <pc:sldMk cId="1560930406" sldId="482"/>
+            <ac:spMk id="4" creationId="{EC2FC32F-B9CD-4D1A-AE2B-0825BE055635}"/>
+          </ac:spMkLst>
+        </pc:spChg>
+        <pc:spChg chg="mod">
+          <ac:chgData name="Khattab, Sherif" userId="c83b1e15-36f3-4f46-aceb-05aac24c545e" providerId="ADAL" clId="{BA7E1913-A6F0-C848-94D5-CEC45678B150}" dt="2021-01-20T03:36:45.256" v="0"/>
+          <ac:spMkLst>
+            <pc:docMk/>
+            <pc:sldMk cId="1560930406" sldId="482"/>
+            <ac:spMk id="23553" creationId="{E59624D1-FEEB-4340-9651-13DD586B53A9}"/>
+          </ac:spMkLst>
+        </pc:spChg>
+        <pc:spChg chg="mod">
+          <ac:chgData name="Khattab, Sherif" userId="c83b1e15-36f3-4f46-aceb-05aac24c545e" providerId="ADAL" clId="{BA7E1913-A6F0-C848-94D5-CEC45678B150}" dt="2021-01-20T03:36:45.256" v="0"/>
+          <ac:spMkLst>
+            <pc:docMk/>
+            <pc:sldMk cId="1560930406" sldId="482"/>
+            <ac:spMk id="23554" creationId="{352A19DE-2E99-4131-8018-428EB1D381D8}"/>
+          </ac:spMkLst>
+        </pc:spChg>
+        <pc:grpChg chg="mod">
+          <ac:chgData name="Khattab, Sherif" userId="c83b1e15-36f3-4f46-aceb-05aac24c545e" providerId="ADAL" clId="{BA7E1913-A6F0-C848-94D5-CEC45678B150}" dt="2021-01-20T03:36:45.256" v="0"/>
+          <ac:grpSpMkLst>
+            <pc:docMk/>
+            <pc:sldMk cId="1560930406" sldId="482"/>
+            <ac:grpSpMk id="1" creationId="{00000000-0000-0000-0000-000000000000}"/>
+          </ac:grpSpMkLst>
+        </pc:grpChg>
+        <pc:graphicFrameChg chg="mod">
+          <ac:chgData name="Khattab, Sherif" userId="c83b1e15-36f3-4f46-aceb-05aac24c545e" providerId="ADAL" clId="{BA7E1913-A6F0-C848-94D5-CEC45678B150}" dt="2021-01-20T03:36:45.256" v="0"/>
+          <ac:graphicFrameMkLst>
+            <pc:docMk/>
+            <pc:sldMk cId="1560930406" sldId="482"/>
+            <ac:graphicFrameMk id="23555" creationId="{72BCA54F-0328-4938-A740-EE2040664901}"/>
+          </ac:graphicFrameMkLst>
+        </pc:graphicFrameChg>
+      </pc:sldChg>
+      <pc:sldChg chg="modSp">
+        <pc:chgData name="Khattab, Sherif" userId="c83b1e15-36f3-4f46-aceb-05aac24c545e" providerId="ADAL" clId="{BA7E1913-A6F0-C848-94D5-CEC45678B150}" dt="2021-01-20T03:36:45.256" v="0"/>
+        <pc:sldMkLst>
+          <pc:docMk/>
+          <pc:sldMk cId="1948397067" sldId="484"/>
+        </pc:sldMkLst>
+        <pc:spChg chg="mod">
+          <ac:chgData name="Khattab, Sherif" userId="c83b1e15-36f3-4f46-aceb-05aac24c545e" providerId="ADAL" clId="{BA7E1913-A6F0-C848-94D5-CEC45678B150}" dt="2021-01-20T03:36:45.256" v="0"/>
+          <ac:spMkLst>
+            <pc:docMk/>
+            <pc:sldMk cId="1948397067" sldId="484"/>
+            <ac:spMk id="3" creationId="{8EEA02BE-54EF-4DED-8936-3DDE41ED48F3}"/>
+          </ac:spMkLst>
+        </pc:spChg>
+        <pc:spChg chg="mod">
+          <ac:chgData name="Khattab, Sherif" userId="c83b1e15-36f3-4f46-aceb-05aac24c545e" providerId="ADAL" clId="{BA7E1913-A6F0-C848-94D5-CEC45678B150}" dt="2021-01-20T03:36:45.256" v="0"/>
+          <ac:spMkLst>
+            <pc:docMk/>
+            <pc:sldMk cId="1948397067" sldId="484"/>
+            <ac:spMk id="5" creationId="{DE1FD728-0EB3-4F5A-B200-1BF20173728C}"/>
+          </ac:spMkLst>
+        </pc:spChg>
+        <pc:spChg chg="mod">
+          <ac:chgData name="Khattab, Sherif" userId="c83b1e15-36f3-4f46-aceb-05aac24c545e" providerId="ADAL" clId="{BA7E1913-A6F0-C848-94D5-CEC45678B150}" dt="2021-01-20T03:36:45.256" v="0"/>
+          <ac:spMkLst>
+            <pc:docMk/>
+            <pc:sldMk cId="1948397067" sldId="484"/>
+            <ac:spMk id="7" creationId="{8A225AA0-21AD-A843-A4E3-3C82E24A7D11}"/>
+          </ac:spMkLst>
+        </pc:spChg>
+        <pc:spChg chg="mod">
+          <ac:chgData name="Khattab, Sherif" userId="c83b1e15-36f3-4f46-aceb-05aac24c545e" providerId="ADAL" clId="{BA7E1913-A6F0-C848-94D5-CEC45678B150}" dt="2021-01-20T03:36:45.256" v="0"/>
+          <ac:spMkLst>
+            <pc:docMk/>
+            <pc:sldMk cId="1948397067" sldId="484"/>
+            <ac:spMk id="25601" creationId="{5E2E26B9-79A1-4156-BA81-69E66E0DF0CE}"/>
+          </ac:spMkLst>
+        </pc:spChg>
+        <pc:grpChg chg="mod">
+          <ac:chgData name="Khattab, Sherif" userId="c83b1e15-36f3-4f46-aceb-05aac24c545e" providerId="ADAL" clId="{BA7E1913-A6F0-C848-94D5-CEC45678B150}" dt="2021-01-20T03:36:45.256" v="0"/>
+          <ac:grpSpMkLst>
+            <pc:docMk/>
+            <pc:sldMk cId="1948397067" sldId="484"/>
+            <ac:grpSpMk id="1" creationId="{00000000-0000-0000-0000-000000000000}"/>
+          </ac:grpSpMkLst>
+        </pc:grpChg>
+        <pc:graphicFrameChg chg="mod">
+          <ac:chgData name="Khattab, Sherif" userId="c83b1e15-36f3-4f46-aceb-05aac24c545e" providerId="ADAL" clId="{BA7E1913-A6F0-C848-94D5-CEC45678B150}" dt="2021-01-20T03:36:45.256" v="0"/>
+          <ac:graphicFrameMkLst>
+            <pc:docMk/>
+            <pc:sldMk cId="1948397067" sldId="484"/>
+            <ac:graphicFrameMk id="25602" creationId="{D681AA8F-570B-452A-9EE8-6BAD95C0CB2A}"/>
+          </ac:graphicFrameMkLst>
+        </pc:graphicFrameChg>
+      </pc:sldChg>
+      <pc:sldChg chg="modSp">
+        <pc:chgData name="Khattab, Sherif" userId="c83b1e15-36f3-4f46-aceb-05aac24c545e" providerId="ADAL" clId="{BA7E1913-A6F0-C848-94D5-CEC45678B150}" dt="2021-01-20T03:36:45.256" v="0"/>
+        <pc:sldMkLst>
+          <pc:docMk/>
+          <pc:sldMk cId="1363323927" sldId="488"/>
+        </pc:sldMkLst>
+        <pc:spChg chg="mod">
+          <ac:chgData name="Khattab, Sherif" userId="c83b1e15-36f3-4f46-aceb-05aac24c545e" providerId="ADAL" clId="{BA7E1913-A6F0-C848-94D5-CEC45678B150}" dt="2021-01-20T03:36:45.256" v="0"/>
+          <ac:spMkLst>
+            <pc:docMk/>
+            <pc:sldMk cId="1363323927" sldId="488"/>
+            <ac:spMk id="2" creationId="{D1784F0E-0CE3-4DF2-BF5E-AC961DED9AD5}"/>
+          </ac:spMkLst>
+        </pc:spChg>
+        <pc:spChg chg="mod">
+          <ac:chgData name="Khattab, Sherif" userId="c83b1e15-36f3-4f46-aceb-05aac24c545e" providerId="ADAL" clId="{BA7E1913-A6F0-C848-94D5-CEC45678B150}" dt="2021-01-20T03:36:45.256" v="0"/>
+          <ac:spMkLst>
+            <pc:docMk/>
+            <pc:sldMk cId="1363323927" sldId="488"/>
+            <ac:spMk id="4" creationId="{EDE852BE-9DBB-4B9F-96D6-41502235E65B}"/>
+          </ac:spMkLst>
+        </pc:spChg>
+        <pc:spChg chg="mod">
+          <ac:chgData name="Khattab, Sherif" userId="c83b1e15-36f3-4f46-aceb-05aac24c545e" providerId="ADAL" clId="{BA7E1913-A6F0-C848-94D5-CEC45678B150}" dt="2021-01-20T03:36:45.256" v="0"/>
+          <ac:spMkLst>
+            <pc:docMk/>
+            <pc:sldMk cId="1363323927" sldId="488"/>
+            <ac:spMk id="29697" creationId="{28E17C06-9C26-4EA2-A8CB-9E266E08CFC9}"/>
+          </ac:spMkLst>
+        </pc:spChg>
+        <pc:spChg chg="mod">
+          <ac:chgData name="Khattab, Sherif" userId="c83b1e15-36f3-4f46-aceb-05aac24c545e" providerId="ADAL" clId="{BA7E1913-A6F0-C848-94D5-CEC45678B150}" dt="2021-01-20T03:36:45.256" v="0"/>
+          <ac:spMkLst>
+            <pc:docMk/>
+            <pc:sldMk cId="1363323927" sldId="488"/>
+            <ac:spMk id="29699" creationId="{9B87D08D-EF4A-454B-A132-2A933B33FADF}"/>
+          </ac:spMkLst>
+        </pc:spChg>
+        <pc:grpChg chg="mod">
+          <ac:chgData name="Khattab, Sherif" userId="c83b1e15-36f3-4f46-aceb-05aac24c545e" providerId="ADAL" clId="{BA7E1913-A6F0-C848-94D5-CEC45678B150}" dt="2021-01-20T03:36:45.256" v="0"/>
+          <ac:grpSpMkLst>
+            <pc:docMk/>
+            <pc:sldMk cId="1363323927" sldId="488"/>
+            <ac:grpSpMk id="1" creationId="{00000000-0000-0000-0000-000000000000}"/>
+          </ac:grpSpMkLst>
+        </pc:grpChg>
+        <pc:graphicFrameChg chg="mod">
+          <ac:chgData name="Khattab, Sherif" userId="c83b1e15-36f3-4f46-aceb-05aac24c545e" providerId="ADAL" clId="{BA7E1913-A6F0-C848-94D5-CEC45678B150}" dt="2021-01-20T03:36:45.256" v="0"/>
+          <ac:graphicFrameMkLst>
+            <pc:docMk/>
+            <pc:sldMk cId="1363323927" sldId="488"/>
+            <ac:graphicFrameMk id="29698" creationId="{5096B804-6DD5-4EA7-8B5D-E7C04AA4F65D}"/>
+          </ac:graphicFrameMkLst>
+        </pc:graphicFrameChg>
+      </pc:sldChg>
+      <pc:sldChg chg="modSp">
+        <pc:chgData name="Khattab, Sherif" userId="c83b1e15-36f3-4f46-aceb-05aac24c545e" providerId="ADAL" clId="{BA7E1913-A6F0-C848-94D5-CEC45678B150}" dt="2021-01-20T03:36:45.256" v="0"/>
+        <pc:sldMkLst>
+          <pc:docMk/>
+          <pc:sldMk cId="936409682" sldId="489"/>
+        </pc:sldMkLst>
+        <pc:spChg chg="mod">
+          <ac:chgData name="Khattab, Sherif" userId="c83b1e15-36f3-4f46-aceb-05aac24c545e" providerId="ADAL" clId="{BA7E1913-A6F0-C848-94D5-CEC45678B150}" dt="2021-01-20T03:36:45.256" v="0"/>
+          <ac:spMkLst>
+            <pc:docMk/>
+            <pc:sldMk cId="936409682" sldId="489"/>
+            <ac:spMk id="2" creationId="{150C62BB-E114-454B-85DB-53D764ED6038}"/>
+          </ac:spMkLst>
+        </pc:spChg>
+        <pc:spChg chg="mod">
+          <ac:chgData name="Khattab, Sherif" userId="c83b1e15-36f3-4f46-aceb-05aac24c545e" providerId="ADAL" clId="{BA7E1913-A6F0-C848-94D5-CEC45678B150}" dt="2021-01-20T03:36:45.256" v="0"/>
+          <ac:spMkLst>
+            <pc:docMk/>
+            <pc:sldMk cId="936409682" sldId="489"/>
+            <ac:spMk id="4" creationId="{8F548AA1-681E-4DA0-A9AF-6C8D550D5E08}"/>
+          </ac:spMkLst>
+        </pc:spChg>
+        <pc:spChg chg="mod">
+          <ac:chgData name="Khattab, Sherif" userId="c83b1e15-36f3-4f46-aceb-05aac24c545e" providerId="ADAL" clId="{BA7E1913-A6F0-C848-94D5-CEC45678B150}" dt="2021-01-20T03:36:45.256" v="0"/>
+          <ac:spMkLst>
+            <pc:docMk/>
+            <pc:sldMk cId="936409682" sldId="489"/>
+            <ac:spMk id="30721" creationId="{0A3F3B3A-9F5F-4801-AFED-E732F58A9EA2}"/>
+          </ac:spMkLst>
+        </pc:spChg>
+        <pc:spChg chg="mod">
+          <ac:chgData name="Khattab, Sherif" userId="c83b1e15-36f3-4f46-aceb-05aac24c545e" providerId="ADAL" clId="{BA7E1913-A6F0-C848-94D5-CEC45678B150}" dt="2021-01-20T03:36:45.256" v="0"/>
+          <ac:spMkLst>
+            <pc:docMk/>
+            <pc:sldMk cId="936409682" sldId="489"/>
+            <ac:spMk id="30722" creationId="{33C3E8B9-1772-47B4-9411-185F126423BA}"/>
+          </ac:spMkLst>
+        </pc:spChg>
+        <pc:grpChg chg="mod">
+          <ac:chgData name="Khattab, Sherif" userId="c83b1e15-36f3-4f46-aceb-05aac24c545e" providerId="ADAL" clId="{BA7E1913-A6F0-C848-94D5-CEC45678B150}" dt="2021-01-20T03:36:45.256" v="0"/>
+          <ac:grpSpMkLst>
+            <pc:docMk/>
+            <pc:sldMk cId="936409682" sldId="489"/>
+            <ac:grpSpMk id="1" creationId="{00000000-0000-0000-0000-000000000000}"/>
+          </ac:grpSpMkLst>
+        </pc:grpChg>
+        <pc:graphicFrameChg chg="mod">
+          <ac:chgData name="Khattab, Sherif" userId="c83b1e15-36f3-4f46-aceb-05aac24c545e" providerId="ADAL" clId="{BA7E1913-A6F0-C848-94D5-CEC45678B150}" dt="2021-01-20T03:36:45.256" v="0"/>
+          <ac:graphicFrameMkLst>
+            <pc:docMk/>
+            <pc:sldMk cId="936409682" sldId="489"/>
+            <ac:graphicFrameMk id="30723" creationId="{24ED8923-A61A-4244-A0FE-28542EDE5C2B}"/>
+          </ac:graphicFrameMkLst>
+        </pc:graphicFrameChg>
+      </pc:sldChg>
+      <pc:sldChg chg="modSp">
+        <pc:chgData name="Khattab, Sherif" userId="c83b1e15-36f3-4f46-aceb-05aac24c545e" providerId="ADAL" clId="{BA7E1913-A6F0-C848-94D5-CEC45678B150}" dt="2021-01-20T03:36:45.256" v="0"/>
+        <pc:sldMkLst>
+          <pc:docMk/>
+          <pc:sldMk cId="3447713174" sldId="494"/>
+        </pc:sldMkLst>
+        <pc:spChg chg="mod">
+          <ac:chgData name="Khattab, Sherif" userId="c83b1e15-36f3-4f46-aceb-05aac24c545e" providerId="ADAL" clId="{BA7E1913-A6F0-C848-94D5-CEC45678B150}" dt="2021-01-20T03:36:45.256" v="0"/>
+          <ac:spMkLst>
+            <pc:docMk/>
+            <pc:sldMk cId="3447713174" sldId="494"/>
+            <ac:spMk id="3" creationId="{68983252-D58B-4136-834E-912F539F00B6}"/>
+          </ac:spMkLst>
+        </pc:spChg>
+        <pc:spChg chg="mod">
+          <ac:chgData name="Khattab, Sherif" userId="c83b1e15-36f3-4f46-aceb-05aac24c545e" providerId="ADAL" clId="{BA7E1913-A6F0-C848-94D5-CEC45678B150}" dt="2021-01-20T03:36:45.256" v="0"/>
+          <ac:spMkLst>
+            <pc:docMk/>
+            <pc:sldMk cId="3447713174" sldId="494"/>
+            <ac:spMk id="5" creationId="{6E7E3CCF-4F96-45E6-B828-6AA5F067043A}"/>
+          </ac:spMkLst>
+        </pc:spChg>
+        <pc:spChg chg="mod">
+          <ac:chgData name="Khattab, Sherif" userId="c83b1e15-36f3-4f46-aceb-05aac24c545e" providerId="ADAL" clId="{BA7E1913-A6F0-C848-94D5-CEC45678B150}" dt="2021-01-20T03:36:45.256" v="0"/>
+          <ac:spMkLst>
+            <pc:docMk/>
+            <pc:sldMk cId="3447713174" sldId="494"/>
+            <ac:spMk id="7" creationId="{E82B22B3-1517-E346-9A8B-094A40D2FC5B}"/>
+          </ac:spMkLst>
+        </pc:spChg>
+        <pc:spChg chg="mod">
+          <ac:chgData name="Khattab, Sherif" userId="c83b1e15-36f3-4f46-aceb-05aac24c545e" providerId="ADAL" clId="{BA7E1913-A6F0-C848-94D5-CEC45678B150}" dt="2021-01-20T03:36:45.256" v="0"/>
+          <ac:spMkLst>
+            <pc:docMk/>
+            <pc:sldMk cId="3447713174" sldId="494"/>
+            <ac:spMk id="35841" creationId="{B48F48C8-3631-4F5F-8724-374B534CDB0D}"/>
+          </ac:spMkLst>
+        </pc:spChg>
+        <pc:grpChg chg="mod">
+          <ac:chgData name="Khattab, Sherif" userId="c83b1e15-36f3-4f46-aceb-05aac24c545e" providerId="ADAL" clId="{BA7E1913-A6F0-C848-94D5-CEC45678B150}" dt="2021-01-20T03:36:45.256" v="0"/>
+          <ac:grpSpMkLst>
+            <pc:docMk/>
+            <pc:sldMk cId="3447713174" sldId="494"/>
+            <ac:grpSpMk id="1" creationId="{00000000-0000-0000-0000-000000000000}"/>
+          </ac:grpSpMkLst>
+        </pc:grpChg>
+        <pc:graphicFrameChg chg="mod">
+          <ac:chgData name="Khattab, Sherif" userId="c83b1e15-36f3-4f46-aceb-05aac24c545e" providerId="ADAL" clId="{BA7E1913-A6F0-C848-94D5-CEC45678B150}" dt="2021-01-20T03:36:45.256" v="0"/>
+          <ac:graphicFrameMkLst>
+            <pc:docMk/>
+            <pc:sldMk cId="3447713174" sldId="494"/>
+            <ac:graphicFrameMk id="35842" creationId="{8D1701A4-A56B-439A-9B39-A560D76A3316}"/>
+          </ac:graphicFrameMkLst>
+        </pc:graphicFrameChg>
+      </pc:sldChg>
+      <pc:sldChg chg="modSp">
+        <pc:chgData name="Khattab, Sherif" userId="c83b1e15-36f3-4f46-aceb-05aac24c545e" providerId="ADAL" clId="{BA7E1913-A6F0-C848-94D5-CEC45678B150}" dt="2021-01-20T03:36:45.256" v="0"/>
+        <pc:sldMkLst>
+          <pc:docMk/>
+          <pc:sldMk cId="2129126942" sldId="495"/>
+        </pc:sldMkLst>
+        <pc:spChg chg="mod">
+          <ac:chgData name="Khattab, Sherif" userId="c83b1e15-36f3-4f46-aceb-05aac24c545e" providerId="ADAL" clId="{BA7E1913-A6F0-C848-94D5-CEC45678B150}" dt="2021-01-20T03:36:45.256" v="0"/>
+          <ac:spMkLst>
+            <pc:docMk/>
+            <pc:sldMk cId="2129126942" sldId="495"/>
+            <ac:spMk id="2" creationId="{B0EDE6F0-5E08-467B-A6AE-AA045809023A}"/>
+          </ac:spMkLst>
+        </pc:spChg>
+        <pc:spChg chg="mod">
+          <ac:chgData name="Khattab, Sherif" userId="c83b1e15-36f3-4f46-aceb-05aac24c545e" providerId="ADAL" clId="{BA7E1913-A6F0-C848-94D5-CEC45678B150}" dt="2021-01-20T03:36:45.256" v="0"/>
+          <ac:spMkLst>
+            <pc:docMk/>
+            <pc:sldMk cId="2129126942" sldId="495"/>
+            <ac:spMk id="4" creationId="{31048580-254B-4562-B07A-13FA9D7EEB7E}"/>
+          </ac:spMkLst>
+        </pc:spChg>
+        <pc:spChg chg="mod">
+          <ac:chgData name="Khattab, Sherif" userId="c83b1e15-36f3-4f46-aceb-05aac24c545e" providerId="ADAL" clId="{BA7E1913-A6F0-C848-94D5-CEC45678B150}" dt="2021-01-20T03:36:45.256" v="0"/>
+          <ac:spMkLst>
+            <pc:docMk/>
+            <pc:sldMk cId="2129126942" sldId="495"/>
+            <ac:spMk id="36865" creationId="{7EA33581-0FBA-4513-BC21-59EBD3254C34}"/>
+          </ac:spMkLst>
+        </pc:spChg>
+        <pc:spChg chg="mod">
+          <ac:chgData name="Khattab, Sherif" userId="c83b1e15-36f3-4f46-aceb-05aac24c545e" providerId="ADAL" clId="{BA7E1913-A6F0-C848-94D5-CEC45678B150}" dt="2021-01-20T03:36:45.256" v="0"/>
+          <ac:spMkLst>
+            <pc:docMk/>
+            <pc:sldMk cId="2129126942" sldId="495"/>
+            <ac:spMk id="36866" creationId="{D4B374AC-8E1B-4FB1-8CD1-E75C5A388926}"/>
+          </ac:spMkLst>
+        </pc:spChg>
+        <pc:grpChg chg="mod">
+          <ac:chgData name="Khattab, Sherif" userId="c83b1e15-36f3-4f46-aceb-05aac24c545e" providerId="ADAL" clId="{BA7E1913-A6F0-C848-94D5-CEC45678B150}" dt="2021-01-20T03:36:45.256" v="0"/>
+          <ac:grpSpMkLst>
+            <pc:docMk/>
+            <pc:sldMk cId="2129126942" sldId="495"/>
+            <ac:grpSpMk id="1" creationId="{00000000-0000-0000-0000-000000000000}"/>
+          </ac:grpSpMkLst>
+        </pc:grpChg>
+        <pc:graphicFrameChg chg="mod">
+          <ac:chgData name="Khattab, Sherif" userId="c83b1e15-36f3-4f46-aceb-05aac24c545e" providerId="ADAL" clId="{BA7E1913-A6F0-C848-94D5-CEC45678B150}" dt="2021-01-20T03:36:45.256" v="0"/>
+          <ac:graphicFrameMkLst>
+            <pc:docMk/>
+            <pc:sldMk cId="2129126942" sldId="495"/>
+            <ac:graphicFrameMk id="36867" creationId="{6EBD17C3-7239-4686-9A19-775BA4E9A6D5}"/>
+          </ac:graphicFrameMkLst>
+        </pc:graphicFrameChg>
+      </pc:sldChg>
+    </pc:docChg>
+  </pc:docChgLst>
+  <pc:docChgLst>
+    <pc:chgData name="Khattab, Sherif" userId="c83b1e15-36f3-4f46-aceb-05aac24c545e" providerId="ADAL" clId="{79D9A848-63DC-C04B-A37B-45CD4B398B25}"/>
+    <pc:docChg chg="sldOrd">
+      <pc:chgData name="Khattab, Sherif" userId="c83b1e15-36f3-4f46-aceb-05aac24c545e" providerId="ADAL" clId="{79D9A848-63DC-C04B-A37B-45CD4B398B25}" dt="2020-10-07T03:45:55.390" v="0" actId="20578"/>
+      <pc:docMkLst>
+        <pc:docMk/>
+      </pc:docMkLst>
+      <pc:sldChg chg="ord">
+        <pc:chgData name="Khattab, Sherif" userId="c83b1e15-36f3-4f46-aceb-05aac24c545e" providerId="ADAL" clId="{79D9A848-63DC-C04B-A37B-45CD4B398B25}" dt="2020-10-07T03:45:55.390" v="0" actId="20578"/>
+        <pc:sldMkLst>
+          <pc:docMk/>
+          <pc:sldMk cId="434376579" sldId="363"/>
+        </pc:sldMkLst>
+      </pc:sldChg>
+    </pc:docChg>
+  </pc:docChgLst>
+  <pc:docChgLst>
+    <pc:chgData name="Khattab, Sherif" userId="c83b1e15-36f3-4f46-aceb-05aac24c545e" providerId="ADAL" clId="{FE92C68B-4A2B-491A-802D-9A016E970098}"/>
+    <pc:docChg chg="addSld modSld">
+      <pc:chgData name="Khattab, Sherif" userId="c83b1e15-36f3-4f46-aceb-05aac24c545e" providerId="ADAL" clId="{FE92C68B-4A2B-491A-802D-9A016E970098}" dt="2021-01-21T02:52:14.809" v="71" actId="20577"/>
+      <pc:docMkLst>
+        <pc:docMk/>
+      </pc:docMkLst>
+      <pc:sldChg chg="modSp mod">
+        <pc:chgData name="Khattab, Sherif" userId="c83b1e15-36f3-4f46-aceb-05aac24c545e" providerId="ADAL" clId="{FE92C68B-4A2B-491A-802D-9A016E970098}" dt="2021-01-21T02:51:24.200" v="12" actId="20577"/>
         <pc:sldMkLst>
           <pc:docMk/>
           <pc:sldMk cId="1330366002" sldId="454"/>
         </pc:sldMkLst>
         <pc:spChg chg="mod">
-          <ac:chgData name="Khattab, Sherif" userId="c83b1e15-36f3-4f46-aceb-05aac24c545e" providerId="ADAL" clId="{A212C896-78CA-A446-9E84-9A22A33D406C}" dt="2021-09-01T06:15:15.944" v="0"/>
+          <ac:chgData name="Khattab, Sherif" userId="c83b1e15-36f3-4f46-aceb-05aac24c545e" providerId="ADAL" clId="{FE92C68B-4A2B-491A-802D-9A016E970098}" dt="2021-01-21T02:51:24.200" v="12" actId="20577"/>
           <ac:spMkLst>
             <pc:docMk/>
             <pc:sldMk cId="1330366002" sldId="454"/>
             <ac:spMk id="3" creationId="{00000000-0000-0000-0000-000000000000}"/>
+          </ac:spMkLst>
+        </pc:spChg>
+      </pc:sldChg>
+      <pc:sldChg chg="modSp new mod">
+        <pc:chgData name="Khattab, Sherif" userId="c83b1e15-36f3-4f46-aceb-05aac24c545e" providerId="ADAL" clId="{FE92C68B-4A2B-491A-802D-9A016E970098}" dt="2021-01-21T02:52:14.809" v="71" actId="20577"/>
+        <pc:sldMkLst>
+          <pc:docMk/>
+          <pc:sldMk cId="702367729" sldId="496"/>
+        </pc:sldMkLst>
+        <pc:spChg chg="mod">
+          <ac:chgData name="Khattab, Sherif" userId="c83b1e15-36f3-4f46-aceb-05aac24c545e" providerId="ADAL" clId="{FE92C68B-4A2B-491A-802D-9A016E970098}" dt="2021-01-21T02:51:45.117" v="26" actId="20577"/>
+          <ac:spMkLst>
+            <pc:docMk/>
+            <pc:sldMk cId="702367729" sldId="496"/>
+            <ac:spMk id="2" creationId="{AB9EA720-F5B4-463B-B14C-1970BB85B2C8}"/>
+          </ac:spMkLst>
+        </pc:spChg>
+        <pc:spChg chg="mod">
+          <ac:chgData name="Khattab, Sherif" userId="c83b1e15-36f3-4f46-aceb-05aac24c545e" providerId="ADAL" clId="{FE92C68B-4A2B-491A-802D-9A016E970098}" dt="2021-01-21T02:52:14.809" v="71" actId="20577"/>
+          <ac:spMkLst>
+            <pc:docMk/>
+            <pc:sldMk cId="702367729" sldId="496"/>
+            <ac:spMk id="3" creationId="{2466C52D-9A48-4683-BE7F-268D8DB7FAAD}"/>
           </ac:spMkLst>
         </pc:spChg>
       </pc:sldChg>
@@ -7374,357 +6699,24 @@
     </pc:docChg>
   </pc:docChgLst>
   <pc:docChgLst>
-    <pc:chgData name="Khattab, Sherif" userId="c83b1e15-36f3-4f46-aceb-05aac24c545e" providerId="ADAL" clId="{E2BF0542-8AC8-C546-A69D-6176F8674AAF}"/>
-    <pc:docChg chg="custSel addSld delSld modSld sldOrd">
-      <pc:chgData name="Khattab, Sherif" userId="c83b1e15-36f3-4f46-aceb-05aac24c545e" providerId="ADAL" clId="{E2BF0542-8AC8-C546-A69D-6176F8674AAF}" dt="2022-01-25T14:23:31.722" v="504"/>
+    <pc:chgData name="Khattab, Sherif" userId="c83b1e15-36f3-4f46-aceb-05aac24c545e" providerId="ADAL" clId="{A212C896-78CA-A446-9E84-9A22A33D406C}"/>
+    <pc:docChg chg="modSld">
+      <pc:chgData name="Khattab, Sherif" userId="c83b1e15-36f3-4f46-aceb-05aac24c545e" providerId="ADAL" clId="{A212C896-78CA-A446-9E84-9A22A33D406C}" dt="2021-09-01T06:15:15.944" v="0"/>
       <pc:docMkLst>
         <pc:docMk/>
       </pc:docMkLst>
-      <pc:sldChg chg="add del">
-        <pc:chgData name="Khattab, Sherif" userId="c83b1e15-36f3-4f46-aceb-05aac24c545e" providerId="ADAL" clId="{E2BF0542-8AC8-C546-A69D-6176F8674AAF}" dt="2022-01-20T15:49:53.050" v="11"/>
-        <pc:sldMkLst>
-          <pc:docMk/>
-          <pc:sldMk cId="306268545" sldId="282"/>
-        </pc:sldMkLst>
-      </pc:sldChg>
-      <pc:sldChg chg="add del">
-        <pc:chgData name="Khattab, Sherif" userId="c83b1e15-36f3-4f46-aceb-05aac24c545e" providerId="ADAL" clId="{E2BF0542-8AC8-C546-A69D-6176F8674AAF}" dt="2022-01-25T14:11:15.365" v="228" actId="2696"/>
-        <pc:sldMkLst>
-          <pc:docMk/>
-          <pc:sldMk cId="2685283246" sldId="322"/>
-        </pc:sldMkLst>
-      </pc:sldChg>
-      <pc:sldChg chg="modSp add mod">
-        <pc:chgData name="Khattab, Sherif" userId="c83b1e15-36f3-4f46-aceb-05aac24c545e" providerId="ADAL" clId="{E2BF0542-8AC8-C546-A69D-6176F8674AAF}" dt="2022-01-25T14:13:37.809" v="284" actId="20577"/>
-        <pc:sldMkLst>
-          <pc:docMk/>
-          <pc:sldMk cId="3793174663" sldId="322"/>
-        </pc:sldMkLst>
-        <pc:spChg chg="mod">
-          <ac:chgData name="Khattab, Sherif" userId="c83b1e15-36f3-4f46-aceb-05aac24c545e" providerId="ADAL" clId="{E2BF0542-8AC8-C546-A69D-6176F8674AAF}" dt="2022-01-25T14:13:37.809" v="284" actId="20577"/>
-          <ac:spMkLst>
-            <pc:docMk/>
-            <pc:sldMk cId="3793174663" sldId="322"/>
-            <ac:spMk id="90115" creationId="{691666FD-EDA0-044F-A826-5F64B00DC362}"/>
-          </ac:spMkLst>
-        </pc:spChg>
-      </pc:sldChg>
-      <pc:sldChg chg="add del">
-        <pc:chgData name="Khattab, Sherif" userId="c83b1e15-36f3-4f46-aceb-05aac24c545e" providerId="ADAL" clId="{E2BF0542-8AC8-C546-A69D-6176F8674AAF}" dt="2022-01-25T14:11:24.690" v="230"/>
-        <pc:sldMkLst>
-          <pc:docMk/>
-          <pc:sldMk cId="3932649277" sldId="322"/>
-        </pc:sldMkLst>
-      </pc:sldChg>
-      <pc:sldChg chg="add del">
-        <pc:chgData name="Khattab, Sherif" userId="c83b1e15-36f3-4f46-aceb-05aac24c545e" providerId="ADAL" clId="{E2BF0542-8AC8-C546-A69D-6176F8674AAF}" dt="2022-01-25T14:10:00.482" v="225" actId="2696"/>
-        <pc:sldMkLst>
-          <pc:docMk/>
-          <pc:sldMk cId="3210992163" sldId="369"/>
-        </pc:sldMkLst>
-      </pc:sldChg>
-      <pc:sldChg chg="add del ord">
-        <pc:chgData name="Khattab, Sherif" userId="c83b1e15-36f3-4f46-aceb-05aac24c545e" providerId="ADAL" clId="{E2BF0542-8AC8-C546-A69D-6176F8674AAF}" dt="2022-01-25T14:12:40.252" v="239" actId="20578"/>
-        <pc:sldMkLst>
-          <pc:docMk/>
-          <pc:sldMk cId="3848335379" sldId="372"/>
-        </pc:sldMkLst>
-      </pc:sldChg>
-      <pc:sldChg chg="add del">
-        <pc:chgData name="Khattab, Sherif" userId="c83b1e15-36f3-4f46-aceb-05aac24c545e" providerId="ADAL" clId="{E2BF0542-8AC8-C546-A69D-6176F8674AAF}" dt="2022-01-25T14:11:40.790" v="232" actId="2696"/>
-        <pc:sldMkLst>
-          <pc:docMk/>
-          <pc:sldMk cId="583513582" sldId="377"/>
-        </pc:sldMkLst>
-      </pc:sldChg>
-      <pc:sldChg chg="add modAnim">
-        <pc:chgData name="Khattab, Sherif" userId="c83b1e15-36f3-4f46-aceb-05aac24c545e" providerId="ADAL" clId="{E2BF0542-8AC8-C546-A69D-6176F8674AAF}" dt="2022-01-25T14:14:11.063" v="286"/>
-        <pc:sldMkLst>
-          <pc:docMk/>
-          <pc:sldMk cId="729370554" sldId="377"/>
-        </pc:sldMkLst>
-      </pc:sldChg>
-      <pc:sldChg chg="add del">
-        <pc:chgData name="Khattab, Sherif" userId="c83b1e15-36f3-4f46-aceb-05aac24c545e" providerId="ADAL" clId="{E2BF0542-8AC8-C546-A69D-6176F8674AAF}" dt="2022-01-25T14:11:50.347" v="234"/>
-        <pc:sldMkLst>
-          <pc:docMk/>
-          <pc:sldMk cId="3975598408" sldId="377"/>
-        </pc:sldMkLst>
-      </pc:sldChg>
-      <pc:sldChg chg="modSp mod">
-        <pc:chgData name="Khattab, Sherif" userId="c83b1e15-36f3-4f46-aceb-05aac24c545e" providerId="ADAL" clId="{E2BF0542-8AC8-C546-A69D-6176F8674AAF}" dt="2022-01-25T14:07:25.952" v="19" actId="20577"/>
+      <pc:sldChg chg="modSp">
+        <pc:chgData name="Khattab, Sherif" userId="c83b1e15-36f3-4f46-aceb-05aac24c545e" providerId="ADAL" clId="{A212C896-78CA-A446-9E84-9A22A33D406C}" dt="2021-09-01T06:15:15.944" v="0"/>
         <pc:sldMkLst>
           <pc:docMk/>
           <pc:sldMk cId="1330366002" sldId="454"/>
         </pc:sldMkLst>
         <pc:spChg chg="mod">
-          <ac:chgData name="Khattab, Sherif" userId="c83b1e15-36f3-4f46-aceb-05aac24c545e" providerId="ADAL" clId="{E2BF0542-8AC8-C546-A69D-6176F8674AAF}" dt="2022-01-25T14:07:25.952" v="19" actId="20577"/>
+          <ac:chgData name="Khattab, Sherif" userId="c83b1e15-36f3-4f46-aceb-05aac24c545e" providerId="ADAL" clId="{A212C896-78CA-A446-9E84-9A22A33D406C}" dt="2021-09-01T06:15:15.944" v="0"/>
           <ac:spMkLst>
             <pc:docMk/>
             <pc:sldMk cId="1330366002" sldId="454"/>
             <ac:spMk id="3" creationId="{00000000-0000-0000-0000-000000000000}"/>
-          </ac:spMkLst>
-        </pc:spChg>
-      </pc:sldChg>
-      <pc:sldChg chg="modSp mod modAnim">
-        <pc:chgData name="Khattab, Sherif" userId="c83b1e15-36f3-4f46-aceb-05aac24c545e" providerId="ADAL" clId="{E2BF0542-8AC8-C546-A69D-6176F8674AAF}" dt="2022-01-25T14:08:53.573" v="137"/>
-        <pc:sldMkLst>
-          <pc:docMk/>
-          <pc:sldMk cId="702367729" sldId="496"/>
-        </pc:sldMkLst>
-        <pc:spChg chg="mod">
-          <ac:chgData name="Khattab, Sherif" userId="c83b1e15-36f3-4f46-aceb-05aac24c545e" providerId="ADAL" clId="{E2BF0542-8AC8-C546-A69D-6176F8674AAF}" dt="2022-01-25T14:08:34.877" v="132" actId="20577"/>
-          <ac:spMkLst>
-            <pc:docMk/>
-            <pc:sldMk cId="702367729" sldId="496"/>
-            <ac:spMk id="3" creationId="{2466C52D-9A48-4683-BE7F-268D8DB7FAAD}"/>
-          </ac:spMkLst>
-        </pc:spChg>
-      </pc:sldChg>
-      <pc:sldChg chg="add">
-        <pc:chgData name="Khattab, Sherif" userId="c83b1e15-36f3-4f46-aceb-05aac24c545e" providerId="ADAL" clId="{E2BF0542-8AC8-C546-A69D-6176F8674AAF}" dt="2022-01-25T14:11:50.413" v="235"/>
-        <pc:sldMkLst>
-          <pc:docMk/>
-          <pc:sldMk cId="740097054" sldId="497"/>
-        </pc:sldMkLst>
-      </pc:sldChg>
-      <pc:sldChg chg="add del">
-        <pc:chgData name="Khattab, Sherif" userId="c83b1e15-36f3-4f46-aceb-05aac24c545e" providerId="ADAL" clId="{E2BF0542-8AC8-C546-A69D-6176F8674AAF}" dt="2022-01-25T14:11:40.790" v="232" actId="2696"/>
-        <pc:sldMkLst>
-          <pc:docMk/>
-          <pc:sldMk cId="2782489002" sldId="497"/>
-        </pc:sldMkLst>
-      </pc:sldChg>
-      <pc:sldChg chg="add del">
-        <pc:chgData name="Khattab, Sherif" userId="c83b1e15-36f3-4f46-aceb-05aac24c545e" providerId="ADAL" clId="{E2BF0542-8AC8-C546-A69D-6176F8674AAF}" dt="2022-01-25T14:11:50.347" v="234"/>
-        <pc:sldMkLst>
-          <pc:docMk/>
-          <pc:sldMk cId="4243326550" sldId="497"/>
-        </pc:sldMkLst>
-      </pc:sldChg>
-      <pc:sldChg chg="del">
-        <pc:chgData name="Khattab, Sherif" userId="c83b1e15-36f3-4f46-aceb-05aac24c545e" providerId="ADAL" clId="{E2BF0542-8AC8-C546-A69D-6176F8674AAF}" dt="2022-01-25T14:09:42.818" v="224" actId="2696"/>
-        <pc:sldMkLst>
-          <pc:docMk/>
-          <pc:sldMk cId="3238743984" sldId="499"/>
-        </pc:sldMkLst>
-      </pc:sldChg>
-      <pc:sldChg chg="add del">
-        <pc:chgData name="Khattab, Sherif" userId="c83b1e15-36f3-4f46-aceb-05aac24c545e" providerId="ADAL" clId="{E2BF0542-8AC8-C546-A69D-6176F8674AAF}" dt="2022-01-20T15:49:53.050" v="11"/>
-        <pc:sldMkLst>
-          <pc:docMk/>
-          <pc:sldMk cId="3419089429" sldId="501"/>
-        </pc:sldMkLst>
-      </pc:sldChg>
-      <pc:sldChg chg="add del">
-        <pc:chgData name="Khattab, Sherif" userId="c83b1e15-36f3-4f46-aceb-05aac24c545e" providerId="ADAL" clId="{E2BF0542-8AC8-C546-A69D-6176F8674AAF}" dt="2022-01-20T15:49:53.050" v="11"/>
-        <pc:sldMkLst>
-          <pc:docMk/>
-          <pc:sldMk cId="4120720973" sldId="503"/>
-        </pc:sldMkLst>
-      </pc:sldChg>
-      <pc:sldChg chg="modSp mod">
-        <pc:chgData name="Khattab, Sherif" userId="c83b1e15-36f3-4f46-aceb-05aac24c545e" providerId="ADAL" clId="{E2BF0542-8AC8-C546-A69D-6176F8674AAF}" dt="2022-01-25T14:09:23.851" v="223" actId="20577"/>
-        <pc:sldMkLst>
-          <pc:docMk/>
-          <pc:sldMk cId="747882086" sldId="504"/>
-        </pc:sldMkLst>
-        <pc:spChg chg="mod">
-          <ac:chgData name="Khattab, Sherif" userId="c83b1e15-36f3-4f46-aceb-05aac24c545e" providerId="ADAL" clId="{E2BF0542-8AC8-C546-A69D-6176F8674AAF}" dt="2022-01-25T14:09:00.964" v="146" actId="20577"/>
-          <ac:spMkLst>
-            <pc:docMk/>
-            <pc:sldMk cId="747882086" sldId="504"/>
-            <ac:spMk id="2" creationId="{E097A24C-0B49-6145-9835-7406BF7C245B}"/>
-          </ac:spMkLst>
-        </pc:spChg>
-        <pc:spChg chg="mod">
-          <ac:chgData name="Khattab, Sherif" userId="c83b1e15-36f3-4f46-aceb-05aac24c545e" providerId="ADAL" clId="{E2BF0542-8AC8-C546-A69D-6176F8674AAF}" dt="2022-01-25T14:09:23.851" v="223" actId="20577"/>
-          <ac:spMkLst>
-            <pc:docMk/>
-            <pc:sldMk cId="747882086" sldId="504"/>
-            <ac:spMk id="3" creationId="{93532249-5E17-2A4B-B649-961DDDF1F5F6}"/>
-          </ac:spMkLst>
-        </pc:spChg>
-      </pc:sldChg>
-      <pc:sldChg chg="add del">
-        <pc:chgData name="Khattab, Sherif" userId="c83b1e15-36f3-4f46-aceb-05aac24c545e" providerId="ADAL" clId="{E2BF0542-8AC8-C546-A69D-6176F8674AAF}" dt="2022-01-20T15:49:53.050" v="11"/>
-        <pc:sldMkLst>
-          <pc:docMk/>
-          <pc:sldMk cId="2093362943" sldId="508"/>
-        </pc:sldMkLst>
-      </pc:sldChg>
-      <pc:sldChg chg="add del">
-        <pc:chgData name="Khattab, Sherif" userId="c83b1e15-36f3-4f46-aceb-05aac24c545e" providerId="ADAL" clId="{E2BF0542-8AC8-C546-A69D-6176F8674AAF}" dt="2022-01-25T14:11:15.365" v="228" actId="2696"/>
-        <pc:sldMkLst>
-          <pc:docMk/>
-          <pc:sldMk cId="2743959136" sldId="512"/>
-        </pc:sldMkLst>
-      </pc:sldChg>
-      <pc:sldChg chg="add ord">
-        <pc:chgData name="Khattab, Sherif" userId="c83b1e15-36f3-4f46-aceb-05aac24c545e" providerId="ADAL" clId="{E2BF0542-8AC8-C546-A69D-6176F8674AAF}" dt="2022-01-25T14:12:42.551" v="240" actId="20578"/>
-        <pc:sldMkLst>
-          <pc:docMk/>
-          <pc:sldMk cId="2801866406" sldId="512"/>
-        </pc:sldMkLst>
-      </pc:sldChg>
-      <pc:sldChg chg="add del">
-        <pc:chgData name="Khattab, Sherif" userId="c83b1e15-36f3-4f46-aceb-05aac24c545e" providerId="ADAL" clId="{E2BF0542-8AC8-C546-A69D-6176F8674AAF}" dt="2022-01-25T14:11:24.690" v="230"/>
-        <pc:sldMkLst>
-          <pc:docMk/>
-          <pc:sldMk cId="3873111975" sldId="512"/>
-        </pc:sldMkLst>
-      </pc:sldChg>
-      <pc:sldChg chg="add del">
-        <pc:chgData name="Khattab, Sherif" userId="c83b1e15-36f3-4f46-aceb-05aac24c545e" providerId="ADAL" clId="{E2BF0542-8AC8-C546-A69D-6176F8674AAF}" dt="2022-01-20T15:49:53.050" v="11"/>
-        <pc:sldMkLst>
-          <pc:docMk/>
-          <pc:sldMk cId="1845419114" sldId="517"/>
-        </pc:sldMkLst>
-      </pc:sldChg>
-      <pc:sldChg chg="add del modAnim">
-        <pc:chgData name="Khattab, Sherif" userId="c83b1e15-36f3-4f46-aceb-05aac24c545e" providerId="ADAL" clId="{E2BF0542-8AC8-C546-A69D-6176F8674AAF}" dt="2022-01-25T14:14:40.143" v="290"/>
-        <pc:sldMkLst>
-          <pc:docMk/>
-          <pc:sldMk cId="2804781805" sldId="518"/>
-        </pc:sldMkLst>
-      </pc:sldChg>
-      <pc:sldChg chg="add del modAnim">
-        <pc:chgData name="Khattab, Sherif" userId="c83b1e15-36f3-4f46-aceb-05aac24c545e" providerId="ADAL" clId="{E2BF0542-8AC8-C546-A69D-6176F8674AAF}" dt="2022-01-25T14:14:48.744" v="292"/>
-        <pc:sldMkLst>
-          <pc:docMk/>
-          <pc:sldMk cId="1525193433" sldId="519"/>
-        </pc:sldMkLst>
-      </pc:sldChg>
-      <pc:sldChg chg="del">
-        <pc:chgData name="Khattab, Sherif" userId="c83b1e15-36f3-4f46-aceb-05aac24c545e" providerId="ADAL" clId="{E2BF0542-8AC8-C546-A69D-6176F8674AAF}" dt="2022-01-25T14:08:56.945" v="138" actId="2696"/>
-        <pc:sldMkLst>
-          <pc:docMk/>
-          <pc:sldMk cId="300931632" sldId="523"/>
-        </pc:sldMkLst>
-      </pc:sldChg>
-      <pc:sldChg chg="modSp mod modAnim">
-        <pc:chgData name="Khattab, Sherif" userId="c83b1e15-36f3-4f46-aceb-05aac24c545e" providerId="ADAL" clId="{E2BF0542-8AC8-C546-A69D-6176F8674AAF}" dt="2022-01-25T14:23:31.722" v="504"/>
-        <pc:sldMkLst>
-          <pc:docMk/>
-          <pc:sldMk cId="2601559611" sldId="524"/>
-        </pc:sldMkLst>
-        <pc:spChg chg="mod">
-          <ac:chgData name="Khattab, Sherif" userId="c83b1e15-36f3-4f46-aceb-05aac24c545e" providerId="ADAL" clId="{E2BF0542-8AC8-C546-A69D-6176F8674AAF}" dt="2022-01-25T14:23:03.962" v="494" actId="27636"/>
-          <ac:spMkLst>
-            <pc:docMk/>
-            <pc:sldMk cId="2601559611" sldId="524"/>
-            <ac:spMk id="3" creationId="{9DEBC682-0C7C-456E-94E7-AE960EDA31D0}"/>
-          </ac:spMkLst>
-        </pc:spChg>
-      </pc:sldChg>
-      <pc:sldChg chg="add modAnim">
-        <pc:chgData name="Khattab, Sherif" userId="c83b1e15-36f3-4f46-aceb-05aac24c545e" providerId="ADAL" clId="{E2BF0542-8AC8-C546-A69D-6176F8674AAF}" dt="2022-01-25T14:14:19.496" v="288"/>
-        <pc:sldMkLst>
-          <pc:docMk/>
-          <pc:sldMk cId="834553574" sldId="536"/>
-        </pc:sldMkLst>
-      </pc:sldChg>
-      <pc:sldChg chg="add del">
-        <pc:chgData name="Khattab, Sherif" userId="c83b1e15-36f3-4f46-aceb-05aac24c545e" providerId="ADAL" clId="{E2BF0542-8AC8-C546-A69D-6176F8674AAF}" dt="2022-01-25T14:11:50.347" v="234"/>
-        <pc:sldMkLst>
-          <pc:docMk/>
-          <pc:sldMk cId="1605556259" sldId="536"/>
-        </pc:sldMkLst>
-      </pc:sldChg>
-      <pc:sldChg chg="add del">
-        <pc:chgData name="Khattab, Sherif" userId="c83b1e15-36f3-4f46-aceb-05aac24c545e" providerId="ADAL" clId="{E2BF0542-8AC8-C546-A69D-6176F8674AAF}" dt="2022-01-25T14:11:40.790" v="232" actId="2696"/>
-        <pc:sldMkLst>
-          <pc:docMk/>
-          <pc:sldMk cId="3742099282" sldId="536"/>
-        </pc:sldMkLst>
-      </pc:sldChg>
-      <pc:sldChg chg="add del">
-        <pc:chgData name="Khattab, Sherif" userId="c83b1e15-36f3-4f46-aceb-05aac24c545e" providerId="ADAL" clId="{E2BF0542-8AC8-C546-A69D-6176F8674AAF}" dt="2022-01-20T15:49:53.050" v="11"/>
-        <pc:sldMkLst>
-          <pc:docMk/>
-          <pc:sldMk cId="2710097941" sldId="549"/>
-        </pc:sldMkLst>
-      </pc:sldChg>
-      <pc:sldChg chg="add del">
-        <pc:chgData name="Khattab, Sherif" userId="c83b1e15-36f3-4f46-aceb-05aac24c545e" providerId="ADAL" clId="{E2BF0542-8AC8-C546-A69D-6176F8674AAF}" dt="2022-01-25T14:12:24.114" v="237"/>
-        <pc:sldMkLst>
-          <pc:docMk/>
-          <pc:sldMk cId="1464919975" sldId="550"/>
-        </pc:sldMkLst>
-      </pc:sldChg>
-      <pc:sldChg chg="add">
-        <pc:chgData name="Khattab, Sherif" userId="c83b1e15-36f3-4f46-aceb-05aac24c545e" providerId="ADAL" clId="{E2BF0542-8AC8-C546-A69D-6176F8674AAF}" dt="2022-01-25T14:12:24.175" v="238"/>
-        <pc:sldMkLst>
-          <pc:docMk/>
-          <pc:sldMk cId="2879040013" sldId="550"/>
-        </pc:sldMkLst>
-      </pc:sldChg>
-      <pc:sldChg chg="modSp add mod">
-        <pc:chgData name="Khattab, Sherif" userId="c83b1e15-36f3-4f46-aceb-05aac24c545e" providerId="ADAL" clId="{E2BF0542-8AC8-C546-A69D-6176F8674AAF}" dt="2022-01-25T14:13:30.083" v="283" actId="20577"/>
-        <pc:sldMkLst>
-          <pc:docMk/>
-          <pc:sldMk cId="3856647210" sldId="551"/>
-        </pc:sldMkLst>
-        <pc:spChg chg="mod">
-          <ac:chgData name="Khattab, Sherif" userId="c83b1e15-36f3-4f46-aceb-05aac24c545e" providerId="ADAL" clId="{E2BF0542-8AC8-C546-A69D-6176F8674AAF}" dt="2022-01-25T14:13:30.083" v="283" actId="20577"/>
-          <ac:spMkLst>
-            <pc:docMk/>
-            <pc:sldMk cId="3856647210" sldId="551"/>
-            <ac:spMk id="90114" creationId="{308C4648-C13A-A547-ABA8-14DA70E0773D}"/>
-          </ac:spMkLst>
-        </pc:spChg>
-        <pc:spChg chg="mod">
-          <ac:chgData name="Khattab, Sherif" userId="c83b1e15-36f3-4f46-aceb-05aac24c545e" providerId="ADAL" clId="{E2BF0542-8AC8-C546-A69D-6176F8674AAF}" dt="2022-01-25T14:13:20.974" v="261" actId="5793"/>
-          <ac:spMkLst>
-            <pc:docMk/>
-            <pc:sldMk cId="3856647210" sldId="551"/>
-            <ac:spMk id="90115" creationId="{691666FD-EDA0-044F-A826-5F64B00DC362}"/>
-          </ac:spMkLst>
-        </pc:spChg>
-      </pc:sldChg>
-      <pc:sldChg chg="modSp new mod modAnim">
-        <pc:chgData name="Khattab, Sherif" userId="c83b1e15-36f3-4f46-aceb-05aac24c545e" providerId="ADAL" clId="{E2BF0542-8AC8-C546-A69D-6176F8674AAF}" dt="2022-01-25T14:23:20.744" v="501"/>
-        <pc:sldMkLst>
-          <pc:docMk/>
-          <pc:sldMk cId="4255082963" sldId="552"/>
-        </pc:sldMkLst>
-        <pc:spChg chg="mod">
-          <ac:chgData name="Khattab, Sherif" userId="c83b1e15-36f3-4f46-aceb-05aac24c545e" providerId="ADAL" clId="{E2BF0542-8AC8-C546-A69D-6176F8674AAF}" dt="2022-01-25T14:22:52.066" v="492" actId="20577"/>
-          <ac:spMkLst>
-            <pc:docMk/>
-            <pc:sldMk cId="4255082963" sldId="552"/>
-            <ac:spMk id="2" creationId="{518DE74E-6C64-D24C-9396-4381160CAC33}"/>
-          </ac:spMkLst>
-        </pc:spChg>
-        <pc:spChg chg="mod">
-          <ac:chgData name="Khattab, Sherif" userId="c83b1e15-36f3-4f46-aceb-05aac24c545e" providerId="ADAL" clId="{E2BF0542-8AC8-C546-A69D-6176F8674AAF}" dt="2022-01-25T14:23:13.400" v="499" actId="6549"/>
-          <ac:spMkLst>
-            <pc:docMk/>
-            <pc:sldMk cId="4255082963" sldId="552"/>
-            <ac:spMk id="3" creationId="{D92E72B7-E017-BA43-ACBB-90B57EC4A1EE}"/>
-          </ac:spMkLst>
-        </pc:spChg>
-      </pc:sldChg>
-      <pc:sldChg chg="modSp new mod modAnim">
-        <pc:chgData name="Khattab, Sherif" userId="c83b1e15-36f3-4f46-aceb-05aac24c545e" providerId="ADAL" clId="{E2BF0542-8AC8-C546-A69D-6176F8674AAF}" dt="2022-01-25T14:22:44.378" v="471"/>
-        <pc:sldMkLst>
-          <pc:docMk/>
-          <pc:sldMk cId="3412417812" sldId="553"/>
-        </pc:sldMkLst>
-        <pc:spChg chg="mod">
-          <ac:chgData name="Khattab, Sherif" userId="c83b1e15-36f3-4f46-aceb-05aac24c545e" providerId="ADAL" clId="{E2BF0542-8AC8-C546-A69D-6176F8674AAF}" dt="2022-01-25T14:22:26.779" v="463" actId="20577"/>
-          <ac:spMkLst>
-            <pc:docMk/>
-            <pc:sldMk cId="3412417812" sldId="553"/>
-            <ac:spMk id="2" creationId="{707FC16F-115C-334C-A368-5CED5FF4DD88}"/>
-          </ac:spMkLst>
-        </pc:spChg>
-        <pc:spChg chg="mod">
-          <ac:chgData name="Khattab, Sherif" userId="c83b1e15-36f3-4f46-aceb-05aac24c545e" providerId="ADAL" clId="{E2BF0542-8AC8-C546-A69D-6176F8674AAF}" dt="2022-01-25T14:22:38.394" v="469" actId="20577"/>
-          <ac:spMkLst>
-            <pc:docMk/>
-            <pc:sldMk cId="3412417812" sldId="553"/>
-            <ac:spMk id="3" creationId="{C030CFE4-24B5-6749-8C90-C5B735AD3E11}"/>
           </ac:spMkLst>
         </pc:spChg>
       </pc:sldChg>
@@ -7755,65 +6747,1581 @@
     </pc:docChg>
   </pc:docChgLst>
   <pc:docChgLst>
-    <pc:chgData name="Khattab, Sherif" userId="c83b1e15-36f3-4f46-aceb-05aac24c545e" providerId="ADAL" clId="{79D9A848-63DC-C04B-A37B-45CD4B398B25}"/>
-    <pc:docChg chg="sldOrd">
-      <pc:chgData name="Khattab, Sherif" userId="c83b1e15-36f3-4f46-aceb-05aac24c545e" providerId="ADAL" clId="{79D9A848-63DC-C04B-A37B-45CD4B398B25}" dt="2020-10-07T03:45:55.390" v="0" actId="20578"/>
+    <pc:chgData name="Khattab, Sherif" userId="c83b1e15-36f3-4f46-aceb-05aac24c545e" providerId="ADAL" clId="{20ECC735-6357-4521-A768-B7D7C3A147EB}"/>
+    <pc:docChg chg="undo redo custSel addSld delSld modSld sldOrd">
+      <pc:chgData name="Khattab, Sherif" userId="c83b1e15-36f3-4f46-aceb-05aac24c545e" providerId="ADAL" clId="{20ECC735-6357-4521-A768-B7D7C3A147EB}" dt="2021-02-03T02:35:36.158" v="2841" actId="1076"/>
       <pc:docMkLst>
         <pc:docMk/>
       </pc:docMkLst>
-      <pc:sldChg chg="ord">
-        <pc:chgData name="Khattab, Sherif" userId="c83b1e15-36f3-4f46-aceb-05aac24c545e" providerId="ADAL" clId="{79D9A848-63DC-C04B-A37B-45CD4B398B25}" dt="2020-10-07T03:45:55.390" v="0" actId="20578"/>
+      <pc:sldChg chg="del">
+        <pc:chgData name="Khattab, Sherif" userId="c83b1e15-36f3-4f46-aceb-05aac24c545e" providerId="ADAL" clId="{20ECC735-6357-4521-A768-B7D7C3A147EB}" dt="2021-02-02T15:27:16.366" v="1122" actId="47"/>
+        <pc:sldMkLst>
+          <pc:docMk/>
+          <pc:sldMk cId="3681208715" sldId="257"/>
+        </pc:sldMkLst>
+      </pc:sldChg>
+      <pc:sldChg chg="del">
+        <pc:chgData name="Khattab, Sherif" userId="c83b1e15-36f3-4f46-aceb-05aac24c545e" providerId="ADAL" clId="{20ECC735-6357-4521-A768-B7D7C3A147EB}" dt="2021-02-02T15:27:16.420" v="1123" actId="47"/>
+        <pc:sldMkLst>
+          <pc:docMk/>
+          <pc:sldMk cId="1664517503" sldId="258"/>
+        </pc:sldMkLst>
+      </pc:sldChg>
+      <pc:sldChg chg="del">
+        <pc:chgData name="Khattab, Sherif" userId="c83b1e15-36f3-4f46-aceb-05aac24c545e" providerId="ADAL" clId="{20ECC735-6357-4521-A768-B7D7C3A147EB}" dt="2021-01-28T18:04:43.792" v="0" actId="47"/>
+        <pc:sldMkLst>
+          <pc:docMk/>
+          <pc:sldMk cId="1004035158" sldId="259"/>
+        </pc:sldMkLst>
+      </pc:sldChg>
+      <pc:sldChg chg="del">
+        <pc:chgData name="Khattab, Sherif" userId="c83b1e15-36f3-4f46-aceb-05aac24c545e" providerId="ADAL" clId="{20ECC735-6357-4521-A768-B7D7C3A147EB}" dt="2021-02-02T15:27:16.470" v="1125" actId="47"/>
+        <pc:sldMkLst>
+          <pc:docMk/>
+          <pc:sldMk cId="3230569327" sldId="260"/>
+        </pc:sldMkLst>
+      </pc:sldChg>
+      <pc:sldChg chg="del">
+        <pc:chgData name="Khattab, Sherif" userId="c83b1e15-36f3-4f46-aceb-05aac24c545e" providerId="ADAL" clId="{20ECC735-6357-4521-A768-B7D7C3A147EB}" dt="2021-01-28T18:04:43.792" v="0" actId="47"/>
+        <pc:sldMkLst>
+          <pc:docMk/>
+          <pc:sldMk cId="1444142485" sldId="261"/>
+        </pc:sldMkLst>
+      </pc:sldChg>
+      <pc:sldChg chg="del">
+        <pc:chgData name="Khattab, Sherif" userId="c83b1e15-36f3-4f46-aceb-05aac24c545e" providerId="ADAL" clId="{20ECC735-6357-4521-A768-B7D7C3A147EB}" dt="2021-01-28T18:04:43.792" v="0" actId="47"/>
+        <pc:sldMkLst>
+          <pc:docMk/>
+          <pc:sldMk cId="516417489" sldId="262"/>
+        </pc:sldMkLst>
+      </pc:sldChg>
+      <pc:sldChg chg="del">
+        <pc:chgData name="Khattab, Sherif" userId="c83b1e15-36f3-4f46-aceb-05aac24c545e" providerId="ADAL" clId="{20ECC735-6357-4521-A768-B7D7C3A147EB}" dt="2021-01-28T18:04:43.792" v="0" actId="47"/>
+        <pc:sldMkLst>
+          <pc:docMk/>
+          <pc:sldMk cId="561583903" sldId="263"/>
+        </pc:sldMkLst>
+      </pc:sldChg>
+      <pc:sldChg chg="del">
+        <pc:chgData name="Khattab, Sherif" userId="c83b1e15-36f3-4f46-aceb-05aac24c545e" providerId="ADAL" clId="{20ECC735-6357-4521-A768-B7D7C3A147EB}" dt="2021-01-28T18:04:43.792" v="0" actId="47"/>
+        <pc:sldMkLst>
+          <pc:docMk/>
+          <pc:sldMk cId="982315759" sldId="264"/>
+        </pc:sldMkLst>
+      </pc:sldChg>
+      <pc:sldChg chg="del">
+        <pc:chgData name="Khattab, Sherif" userId="c83b1e15-36f3-4f46-aceb-05aac24c545e" providerId="ADAL" clId="{20ECC735-6357-4521-A768-B7D7C3A147EB}" dt="2021-01-28T18:04:43.792" v="0" actId="47"/>
+        <pc:sldMkLst>
+          <pc:docMk/>
+          <pc:sldMk cId="423130617" sldId="265"/>
+        </pc:sldMkLst>
+      </pc:sldChg>
+      <pc:sldChg chg="del">
+        <pc:chgData name="Khattab, Sherif" userId="c83b1e15-36f3-4f46-aceb-05aac24c545e" providerId="ADAL" clId="{20ECC735-6357-4521-A768-B7D7C3A147EB}" dt="2021-02-02T15:27:17.828" v="1155" actId="47"/>
+        <pc:sldMkLst>
+          <pc:docMk/>
+          <pc:sldMk cId="386763112" sldId="266"/>
+        </pc:sldMkLst>
+      </pc:sldChg>
+      <pc:sldChg chg="del">
+        <pc:chgData name="Khattab, Sherif" userId="c83b1e15-36f3-4f46-aceb-05aac24c545e" providerId="ADAL" clId="{20ECC735-6357-4521-A768-B7D7C3A147EB}" dt="2021-01-28T18:04:43.792" v="0" actId="47"/>
+        <pc:sldMkLst>
+          <pc:docMk/>
+          <pc:sldMk cId="661211275" sldId="267"/>
+        </pc:sldMkLst>
+      </pc:sldChg>
+      <pc:sldChg chg="del">
+        <pc:chgData name="Khattab, Sherif" userId="c83b1e15-36f3-4f46-aceb-05aac24c545e" providerId="ADAL" clId="{20ECC735-6357-4521-A768-B7D7C3A147EB}" dt="2021-01-28T18:04:43.792" v="0" actId="47"/>
+        <pc:sldMkLst>
+          <pc:docMk/>
+          <pc:sldMk cId="1897509347" sldId="268"/>
+        </pc:sldMkLst>
+      </pc:sldChg>
+      <pc:sldChg chg="del">
+        <pc:chgData name="Khattab, Sherif" userId="c83b1e15-36f3-4f46-aceb-05aac24c545e" providerId="ADAL" clId="{20ECC735-6357-4521-A768-B7D7C3A147EB}" dt="2021-01-28T18:04:43.792" v="0" actId="47"/>
+        <pc:sldMkLst>
+          <pc:docMk/>
+          <pc:sldMk cId="1042310649" sldId="269"/>
+        </pc:sldMkLst>
+      </pc:sldChg>
+      <pc:sldChg chg="del">
+        <pc:chgData name="Khattab, Sherif" userId="c83b1e15-36f3-4f46-aceb-05aac24c545e" providerId="ADAL" clId="{20ECC735-6357-4521-A768-B7D7C3A147EB}" dt="2021-01-28T18:04:43.792" v="0" actId="47"/>
+        <pc:sldMkLst>
+          <pc:docMk/>
+          <pc:sldMk cId="703361262" sldId="270"/>
+        </pc:sldMkLst>
+      </pc:sldChg>
+      <pc:sldChg chg="del">
+        <pc:chgData name="Khattab, Sherif" userId="c83b1e15-36f3-4f46-aceb-05aac24c545e" providerId="ADAL" clId="{20ECC735-6357-4521-A768-B7D7C3A147EB}" dt="2021-01-28T18:04:43.792" v="0" actId="47"/>
+        <pc:sldMkLst>
+          <pc:docMk/>
+          <pc:sldMk cId="1436808390" sldId="271"/>
+        </pc:sldMkLst>
+      </pc:sldChg>
+      <pc:sldChg chg="del">
+        <pc:chgData name="Khattab, Sherif" userId="c83b1e15-36f3-4f46-aceb-05aac24c545e" providerId="ADAL" clId="{20ECC735-6357-4521-A768-B7D7C3A147EB}" dt="2021-01-28T18:04:43.792" v="0" actId="47"/>
+        <pc:sldMkLst>
+          <pc:docMk/>
+          <pc:sldMk cId="1301683851" sldId="272"/>
+        </pc:sldMkLst>
+      </pc:sldChg>
+      <pc:sldChg chg="del">
+        <pc:chgData name="Khattab, Sherif" userId="c83b1e15-36f3-4f46-aceb-05aac24c545e" providerId="ADAL" clId="{20ECC735-6357-4521-A768-B7D7C3A147EB}" dt="2021-02-02T15:27:17.061" v="1138" actId="47"/>
+        <pc:sldMkLst>
+          <pc:docMk/>
+          <pc:sldMk cId="1920820884" sldId="273"/>
+        </pc:sldMkLst>
+      </pc:sldChg>
+      <pc:sldChg chg="del">
+        <pc:chgData name="Khattab, Sherif" userId="c83b1e15-36f3-4f46-aceb-05aac24c545e" providerId="ADAL" clId="{20ECC735-6357-4521-A768-B7D7C3A147EB}" dt="2021-01-28T18:04:43.792" v="0" actId="47"/>
+        <pc:sldMkLst>
+          <pc:docMk/>
+          <pc:sldMk cId="55302999" sldId="274"/>
+        </pc:sldMkLst>
+      </pc:sldChg>
+      <pc:sldChg chg="del">
+        <pc:chgData name="Khattab, Sherif" userId="c83b1e15-36f3-4f46-aceb-05aac24c545e" providerId="ADAL" clId="{20ECC735-6357-4521-A768-B7D7C3A147EB}" dt="2021-01-28T18:04:43.792" v="0" actId="47"/>
+        <pc:sldMkLst>
+          <pc:docMk/>
+          <pc:sldMk cId="2064114192" sldId="276"/>
+        </pc:sldMkLst>
+      </pc:sldChg>
+      <pc:sldChg chg="del">
+        <pc:chgData name="Khattab, Sherif" userId="c83b1e15-36f3-4f46-aceb-05aac24c545e" providerId="ADAL" clId="{20ECC735-6357-4521-A768-B7D7C3A147EB}" dt="2021-02-02T15:27:17.228" v="1141" actId="47"/>
+        <pc:sldMkLst>
+          <pc:docMk/>
+          <pc:sldMk cId="2017417480" sldId="277"/>
+        </pc:sldMkLst>
+      </pc:sldChg>
+      <pc:sldChg chg="del">
+        <pc:chgData name="Khattab, Sherif" userId="c83b1e15-36f3-4f46-aceb-05aac24c545e" providerId="ADAL" clId="{20ECC735-6357-4521-A768-B7D7C3A147EB}" dt="2021-01-28T18:04:43.792" v="0" actId="47"/>
+        <pc:sldMkLst>
+          <pc:docMk/>
+          <pc:sldMk cId="1000435174" sldId="278"/>
+        </pc:sldMkLst>
+      </pc:sldChg>
+      <pc:sldChg chg="del">
+        <pc:chgData name="Khattab, Sherif" userId="c83b1e15-36f3-4f46-aceb-05aac24c545e" providerId="ADAL" clId="{20ECC735-6357-4521-A768-B7D7C3A147EB}" dt="2021-01-28T18:04:43.792" v="0" actId="47"/>
+        <pc:sldMkLst>
+          <pc:docMk/>
+          <pc:sldMk cId="2080017563" sldId="279"/>
+        </pc:sldMkLst>
+      </pc:sldChg>
+      <pc:sldChg chg="del">
+        <pc:chgData name="Khattab, Sherif" userId="c83b1e15-36f3-4f46-aceb-05aac24c545e" providerId="ADAL" clId="{20ECC735-6357-4521-A768-B7D7C3A147EB}" dt="2021-02-02T15:27:17.379" v="1145" actId="47"/>
+        <pc:sldMkLst>
+          <pc:docMk/>
+          <pc:sldMk cId="2773510753" sldId="280"/>
+        </pc:sldMkLst>
+      </pc:sldChg>
+      <pc:sldChg chg="del">
+        <pc:chgData name="Khattab, Sherif" userId="c83b1e15-36f3-4f46-aceb-05aac24c545e" providerId="ADAL" clId="{20ECC735-6357-4521-A768-B7D7C3A147EB}" dt="2021-01-28T18:04:43.792" v="0" actId="47"/>
+        <pc:sldMkLst>
+          <pc:docMk/>
+          <pc:sldMk cId="1445345591" sldId="281"/>
+        </pc:sldMkLst>
+      </pc:sldChg>
+      <pc:sldChg chg="del">
+        <pc:chgData name="Khattab, Sherif" userId="c83b1e15-36f3-4f46-aceb-05aac24c545e" providerId="ADAL" clId="{20ECC735-6357-4521-A768-B7D7C3A147EB}" dt="2021-01-28T18:04:43.792" v="0" actId="47"/>
+        <pc:sldMkLst>
+          <pc:docMk/>
+          <pc:sldMk cId="306268545" sldId="282"/>
+        </pc:sldMkLst>
+      </pc:sldChg>
+      <pc:sldChg chg="del">
+        <pc:chgData name="Khattab, Sherif" userId="c83b1e15-36f3-4f46-aceb-05aac24c545e" providerId="ADAL" clId="{20ECC735-6357-4521-A768-B7D7C3A147EB}" dt="2021-02-02T15:27:17.485" v="1148" actId="47"/>
+        <pc:sldMkLst>
+          <pc:docMk/>
+          <pc:sldMk cId="171235497" sldId="283"/>
+        </pc:sldMkLst>
+      </pc:sldChg>
+      <pc:sldChg chg="del">
+        <pc:chgData name="Khattab, Sherif" userId="c83b1e15-36f3-4f46-aceb-05aac24c545e" providerId="ADAL" clId="{20ECC735-6357-4521-A768-B7D7C3A147EB}" dt="2021-02-02T15:27:17.524" v="1149" actId="47"/>
+        <pc:sldMkLst>
+          <pc:docMk/>
+          <pc:sldMk cId="2099089282" sldId="284"/>
+        </pc:sldMkLst>
+      </pc:sldChg>
+      <pc:sldChg chg="del">
+        <pc:chgData name="Khattab, Sherif" userId="c83b1e15-36f3-4f46-aceb-05aac24c545e" providerId="ADAL" clId="{20ECC735-6357-4521-A768-B7D7C3A147EB}" dt="2021-02-02T15:27:17.552" v="1150" actId="47"/>
+        <pc:sldMkLst>
+          <pc:docMk/>
+          <pc:sldMk cId="1136622862" sldId="285"/>
+        </pc:sldMkLst>
+      </pc:sldChg>
+      <pc:sldChg chg="del">
+        <pc:chgData name="Khattab, Sherif" userId="c83b1e15-36f3-4f46-aceb-05aac24c545e" providerId="ADAL" clId="{20ECC735-6357-4521-A768-B7D7C3A147EB}" dt="2021-02-02T15:27:16.725" v="1131" actId="47"/>
+        <pc:sldMkLst>
+          <pc:docMk/>
+          <pc:sldMk cId="3949722242" sldId="286"/>
+        </pc:sldMkLst>
+      </pc:sldChg>
+      <pc:sldChg chg="del">
+        <pc:chgData name="Khattab, Sherif" userId="c83b1e15-36f3-4f46-aceb-05aac24c545e" providerId="ADAL" clId="{20ECC735-6357-4521-A768-B7D7C3A147EB}" dt="2021-02-02T15:27:16.834" v="1134" actId="47"/>
+        <pc:sldMkLst>
+          <pc:docMk/>
+          <pc:sldMk cId="1032220564" sldId="287"/>
+        </pc:sldMkLst>
+      </pc:sldChg>
+      <pc:sldChg chg="del">
+        <pc:chgData name="Khattab, Sherif" userId="c83b1e15-36f3-4f46-aceb-05aac24c545e" providerId="ADAL" clId="{20ECC735-6357-4521-A768-B7D7C3A147EB}" dt="2021-02-02T15:27:16.923" v="1135" actId="47"/>
+        <pc:sldMkLst>
+          <pc:docMk/>
+          <pc:sldMk cId="1268007695" sldId="288"/>
+        </pc:sldMkLst>
+      </pc:sldChg>
+      <pc:sldChg chg="del">
+        <pc:chgData name="Khattab, Sherif" userId="c83b1e15-36f3-4f46-aceb-05aac24c545e" providerId="ADAL" clId="{20ECC735-6357-4521-A768-B7D7C3A147EB}" dt="2021-02-02T15:27:16.965" v="1136" actId="47"/>
+        <pc:sldMkLst>
+          <pc:docMk/>
+          <pc:sldMk cId="463012687" sldId="289"/>
+        </pc:sldMkLst>
+      </pc:sldChg>
+      <pc:sldChg chg="del">
+        <pc:chgData name="Khattab, Sherif" userId="c83b1e15-36f3-4f46-aceb-05aac24c545e" providerId="ADAL" clId="{20ECC735-6357-4521-A768-B7D7C3A147EB}" dt="2021-02-02T15:27:17.271" v="1142" actId="47"/>
+        <pc:sldMkLst>
+          <pc:docMk/>
+          <pc:sldMk cId="442392580" sldId="290"/>
+        </pc:sldMkLst>
+      </pc:sldChg>
+      <pc:sldChg chg="del">
+        <pc:chgData name="Khattab, Sherif" userId="c83b1e15-36f3-4f46-aceb-05aac24c545e" providerId="ADAL" clId="{20ECC735-6357-4521-A768-B7D7C3A147EB}" dt="2021-01-28T18:04:43.792" v="0" actId="47"/>
+        <pc:sldMkLst>
+          <pc:docMk/>
+          <pc:sldMk cId="2710637777" sldId="322"/>
+        </pc:sldMkLst>
+      </pc:sldChg>
+      <pc:sldChg chg="del">
+        <pc:chgData name="Khattab, Sherif" userId="c83b1e15-36f3-4f46-aceb-05aac24c545e" providerId="ADAL" clId="{20ECC735-6357-4521-A768-B7D7C3A147EB}" dt="2021-01-28T18:04:43.792" v="0" actId="47"/>
+        <pc:sldMkLst>
+          <pc:docMk/>
+          <pc:sldMk cId="3292918179" sldId="324"/>
+        </pc:sldMkLst>
+      </pc:sldChg>
+      <pc:sldChg chg="addSp delSp modSp add del mod">
+        <pc:chgData name="Khattab, Sherif" userId="c83b1e15-36f3-4f46-aceb-05aac24c545e" providerId="ADAL" clId="{20ECC735-6357-4521-A768-B7D7C3A147EB}" dt="2021-02-02T18:53:24.417" v="2385" actId="47"/>
+        <pc:sldMkLst>
+          <pc:docMk/>
+          <pc:sldMk cId="355119911" sldId="338"/>
+        </pc:sldMkLst>
+        <pc:spChg chg="del mod">
+          <ac:chgData name="Khattab, Sherif" userId="c83b1e15-36f3-4f46-aceb-05aac24c545e" providerId="ADAL" clId="{20ECC735-6357-4521-A768-B7D7C3A147EB}" dt="2021-02-02T15:16:22.294" v="959" actId="478"/>
+          <ac:spMkLst>
+            <pc:docMk/>
+            <pc:sldMk cId="355119911" sldId="338"/>
+            <ac:spMk id="106498" creationId="{563702C7-BB92-8744-86F7-6AB1069051A1}"/>
+          </ac:spMkLst>
+        </pc:spChg>
+        <pc:spChg chg="mod">
+          <ac:chgData name="Khattab, Sherif" userId="c83b1e15-36f3-4f46-aceb-05aac24c545e" providerId="ADAL" clId="{20ECC735-6357-4521-A768-B7D7C3A147EB}" dt="2021-02-02T15:18:27.442" v="1069" actId="20577"/>
+          <ac:spMkLst>
+            <pc:docMk/>
+            <pc:sldMk cId="355119911" sldId="338"/>
+            <ac:spMk id="106500" creationId="{C1A6B44F-6A6E-624E-A1A8-C1E38440BAFC}"/>
+          </ac:spMkLst>
+        </pc:spChg>
+        <pc:picChg chg="add del mod">
+          <ac:chgData name="Khattab, Sherif" userId="c83b1e15-36f3-4f46-aceb-05aac24c545e" providerId="ADAL" clId="{20ECC735-6357-4521-A768-B7D7C3A147EB}" dt="2021-02-02T15:17:14.060" v="968" actId="478"/>
+          <ac:picMkLst>
+            <pc:docMk/>
+            <pc:sldMk cId="355119911" sldId="338"/>
+            <ac:picMk id="3" creationId="{29CB9F2A-EC0B-422B-BF7C-EAE97A368CCD}"/>
+          </ac:picMkLst>
+        </pc:picChg>
+        <pc:picChg chg="add mod">
+          <ac:chgData name="Khattab, Sherif" userId="c83b1e15-36f3-4f46-aceb-05aac24c545e" providerId="ADAL" clId="{20ECC735-6357-4521-A768-B7D7C3A147EB}" dt="2021-02-02T15:17:20.516" v="973" actId="1076"/>
+          <ac:picMkLst>
+            <pc:docMk/>
+            <pc:sldMk cId="355119911" sldId="338"/>
+            <ac:picMk id="7" creationId="{D7F1F289-1786-4494-912F-A8FD48635A50}"/>
+          </ac:picMkLst>
+        </pc:picChg>
+      </pc:sldChg>
+      <pc:sldChg chg="modSp add del mod">
+        <pc:chgData name="Khattab, Sherif" userId="c83b1e15-36f3-4f46-aceb-05aac24c545e" providerId="ADAL" clId="{20ECC735-6357-4521-A768-B7D7C3A147EB}" dt="2021-02-02T18:53:24.417" v="2385" actId="47"/>
+        <pc:sldMkLst>
+          <pc:docMk/>
+          <pc:sldMk cId="4223572414" sldId="339"/>
+        </pc:sldMkLst>
+        <pc:spChg chg="mod">
+          <ac:chgData name="Khattab, Sherif" userId="c83b1e15-36f3-4f46-aceb-05aac24c545e" providerId="ADAL" clId="{20ECC735-6357-4521-A768-B7D7C3A147EB}" dt="2021-02-02T15:36:00.414" v="1795" actId="27636"/>
+          <ac:spMkLst>
+            <pc:docMk/>
+            <pc:sldMk cId="4223572414" sldId="339"/>
+            <ac:spMk id="107523" creationId="{0F9697C6-2257-044C-8E34-AC62DE514C44}"/>
+          </ac:spMkLst>
+        </pc:spChg>
+      </pc:sldChg>
+      <pc:sldChg chg="modSp add del mod">
+        <pc:chgData name="Khattab, Sherif" userId="c83b1e15-36f3-4f46-aceb-05aac24c545e" providerId="ADAL" clId="{20ECC735-6357-4521-A768-B7D7C3A147EB}" dt="2021-02-02T18:53:24.417" v="2385" actId="47"/>
+        <pc:sldMkLst>
+          <pc:docMk/>
+          <pc:sldMk cId="470668490" sldId="340"/>
+        </pc:sldMkLst>
+        <pc:spChg chg="mod">
+          <ac:chgData name="Khattab, Sherif" userId="c83b1e15-36f3-4f46-aceb-05aac24c545e" providerId="ADAL" clId="{20ECC735-6357-4521-A768-B7D7C3A147EB}" dt="2021-02-02T15:36:07.255" v="1799" actId="20577"/>
+          <ac:spMkLst>
+            <pc:docMk/>
+            <pc:sldMk cId="470668490" sldId="340"/>
+            <ac:spMk id="108547" creationId="{CC82A9AD-5F15-AB49-8F90-FE2C306DA419}"/>
+          </ac:spMkLst>
+        </pc:spChg>
+      </pc:sldChg>
+      <pc:sldChg chg="add del ord">
+        <pc:chgData name="Khattab, Sherif" userId="c83b1e15-36f3-4f46-aceb-05aac24c545e" providerId="ADAL" clId="{20ECC735-6357-4521-A768-B7D7C3A147EB}" dt="2021-02-02T18:53:29.574" v="2387" actId="47"/>
+        <pc:sldMkLst>
+          <pc:docMk/>
+          <pc:sldMk cId="1205868326" sldId="341"/>
+        </pc:sldMkLst>
+      </pc:sldChg>
+      <pc:sldChg chg="del">
+        <pc:chgData name="Khattab, Sherif" userId="c83b1e15-36f3-4f46-aceb-05aac24c545e" providerId="ADAL" clId="{20ECC735-6357-4521-A768-B7D7C3A147EB}" dt="2021-02-02T15:27:08.601" v="1111" actId="47"/>
+        <pc:sldMkLst>
+          <pc:docMk/>
+          <pc:sldMk cId="1806563943" sldId="342"/>
+        </pc:sldMkLst>
+      </pc:sldChg>
+      <pc:sldChg chg="del">
+        <pc:chgData name="Khattab, Sherif" userId="c83b1e15-36f3-4f46-aceb-05aac24c545e" providerId="ADAL" clId="{20ECC735-6357-4521-A768-B7D7C3A147EB}" dt="2021-02-02T15:27:10.554" v="1112" actId="47"/>
+        <pc:sldMkLst>
+          <pc:docMk/>
+          <pc:sldMk cId="1167711490" sldId="343"/>
+        </pc:sldMkLst>
+      </pc:sldChg>
+      <pc:sldChg chg="del">
+        <pc:chgData name="Khattab, Sherif" userId="c83b1e15-36f3-4f46-aceb-05aac24c545e" providerId="ADAL" clId="{20ECC735-6357-4521-A768-B7D7C3A147EB}" dt="2021-02-02T15:27:15.497" v="1115" actId="47"/>
+        <pc:sldMkLst>
+          <pc:docMk/>
+          <pc:sldMk cId="1271999567" sldId="349"/>
+        </pc:sldMkLst>
+      </pc:sldChg>
+      <pc:sldChg chg="del">
+        <pc:chgData name="Khattab, Sherif" userId="c83b1e15-36f3-4f46-aceb-05aac24c545e" providerId="ADAL" clId="{20ECC735-6357-4521-A768-B7D7C3A147EB}" dt="2021-01-28T18:04:43.792" v="0" actId="47"/>
         <pc:sldMkLst>
           <pc:docMk/>
           <pc:sldMk cId="434376579" sldId="363"/>
         </pc:sldMkLst>
+      </pc:sldChg>
+      <pc:sldChg chg="del">
+        <pc:chgData name="Khattab, Sherif" userId="c83b1e15-36f3-4f46-aceb-05aac24c545e" providerId="ADAL" clId="{20ECC735-6357-4521-A768-B7D7C3A147EB}" dt="2021-01-28T18:04:43.792" v="0" actId="47"/>
+        <pc:sldMkLst>
+          <pc:docMk/>
+          <pc:sldMk cId="815621424" sldId="364"/>
+        </pc:sldMkLst>
+      </pc:sldChg>
+      <pc:sldChg chg="del">
+        <pc:chgData name="Khattab, Sherif" userId="c83b1e15-36f3-4f46-aceb-05aac24c545e" providerId="ADAL" clId="{20ECC735-6357-4521-A768-B7D7C3A147EB}" dt="2021-01-28T18:04:43.792" v="0" actId="47"/>
+        <pc:sldMkLst>
+          <pc:docMk/>
+          <pc:sldMk cId="1934104099" sldId="365"/>
+        </pc:sldMkLst>
+      </pc:sldChg>
+      <pc:sldChg chg="del">
+        <pc:chgData name="Khattab, Sherif" userId="c83b1e15-36f3-4f46-aceb-05aac24c545e" providerId="ADAL" clId="{20ECC735-6357-4521-A768-B7D7C3A147EB}" dt="2021-01-28T18:04:43.792" v="0" actId="47"/>
+        <pc:sldMkLst>
+          <pc:docMk/>
+          <pc:sldMk cId="2782429159" sldId="366"/>
+        </pc:sldMkLst>
+      </pc:sldChg>
+      <pc:sldChg chg="del">
+        <pc:chgData name="Khattab, Sherif" userId="c83b1e15-36f3-4f46-aceb-05aac24c545e" providerId="ADAL" clId="{20ECC735-6357-4521-A768-B7D7C3A147EB}" dt="2021-01-28T18:04:43.792" v="0" actId="47"/>
+        <pc:sldMkLst>
+          <pc:docMk/>
+          <pc:sldMk cId="2251973667" sldId="367"/>
+        </pc:sldMkLst>
+      </pc:sldChg>
+      <pc:sldChg chg="del">
+        <pc:chgData name="Khattab, Sherif" userId="c83b1e15-36f3-4f46-aceb-05aac24c545e" providerId="ADAL" clId="{20ECC735-6357-4521-A768-B7D7C3A147EB}" dt="2021-01-28T18:04:43.792" v="0" actId="47"/>
+        <pc:sldMkLst>
+          <pc:docMk/>
+          <pc:sldMk cId="3138501136" sldId="368"/>
+        </pc:sldMkLst>
+      </pc:sldChg>
+      <pc:sldChg chg="addSp delSp modSp mod">
+        <pc:chgData name="Khattab, Sherif" userId="c83b1e15-36f3-4f46-aceb-05aac24c545e" providerId="ADAL" clId="{20ECC735-6357-4521-A768-B7D7C3A147EB}" dt="2021-02-03T02:08:25.437" v="2809" actId="9405"/>
+        <pc:sldMkLst>
+          <pc:docMk/>
+          <pc:sldMk cId="3210992163" sldId="369"/>
+        </pc:sldMkLst>
+        <pc:spChg chg="mod">
+          <ac:chgData name="Khattab, Sherif" userId="c83b1e15-36f3-4f46-aceb-05aac24c545e" providerId="ADAL" clId="{20ECC735-6357-4521-A768-B7D7C3A147EB}" dt="2021-01-28T18:05:24.975" v="25" actId="20577"/>
+          <ac:spMkLst>
+            <pc:docMk/>
+            <pc:sldMk cId="3210992163" sldId="369"/>
+            <ac:spMk id="100354" creationId="{E957CE05-A4BD-144F-A0C4-0AAE7BD7009B}"/>
+          </ac:spMkLst>
+        </pc:spChg>
+        <pc:spChg chg="mod">
+          <ac:chgData name="Khattab, Sherif" userId="c83b1e15-36f3-4f46-aceb-05aac24c545e" providerId="ADAL" clId="{20ECC735-6357-4521-A768-B7D7C3A147EB}" dt="2021-02-03T02:07:45.834" v="2800" actId="14100"/>
+          <ac:spMkLst>
+            <pc:docMk/>
+            <pc:sldMk cId="3210992163" sldId="369"/>
+            <ac:spMk id="100355" creationId="{0C36604A-A763-A345-B88E-8E6F2BF0C1FE}"/>
+          </ac:spMkLst>
+        </pc:spChg>
+        <pc:picChg chg="add del mod">
+          <ac:chgData name="Khattab, Sherif" userId="c83b1e15-36f3-4f46-aceb-05aac24c545e" providerId="ADAL" clId="{20ECC735-6357-4521-A768-B7D7C3A147EB}" dt="2021-02-03T02:07:18.068" v="2796" actId="478"/>
+          <ac:picMkLst>
+            <pc:docMk/>
+            <pc:sldMk cId="3210992163" sldId="369"/>
+            <ac:picMk id="3" creationId="{42C7C9C9-1040-4558-8226-A38C0E5F5239}"/>
+          </ac:picMkLst>
+        </pc:picChg>
+        <pc:picChg chg="add mod">
+          <ac:chgData name="Khattab, Sherif" userId="c83b1e15-36f3-4f46-aceb-05aac24c545e" providerId="ADAL" clId="{20ECC735-6357-4521-A768-B7D7C3A147EB}" dt="2021-02-03T02:08:17.060" v="2807" actId="1076"/>
+          <ac:picMkLst>
+            <pc:docMk/>
+            <pc:sldMk cId="3210992163" sldId="369"/>
+            <ac:picMk id="7" creationId="{8289F39E-20D4-48DB-B0D7-920A9B1D2C84}"/>
+          </ac:picMkLst>
+        </pc:picChg>
+        <pc:inkChg chg="add mod">
+          <ac:chgData name="Khattab, Sherif" userId="c83b1e15-36f3-4f46-aceb-05aac24c545e" providerId="ADAL" clId="{20ECC735-6357-4521-A768-B7D7C3A147EB}" dt="2021-02-03T02:08:13.655" v="2806" actId="1076"/>
+          <ac:inkMkLst>
+            <pc:docMk/>
+            <pc:sldMk cId="3210992163" sldId="369"/>
+            <ac:inkMk id="8" creationId="{75B10704-325A-4EC9-89BD-F20244F1E355}"/>
+          </ac:inkMkLst>
+        </pc:inkChg>
+        <pc:inkChg chg="add">
+          <ac:chgData name="Khattab, Sherif" userId="c83b1e15-36f3-4f46-aceb-05aac24c545e" providerId="ADAL" clId="{20ECC735-6357-4521-A768-B7D7C3A147EB}" dt="2021-02-03T02:08:22.082" v="2808" actId="9405"/>
+          <ac:inkMkLst>
+            <pc:docMk/>
+            <pc:sldMk cId="3210992163" sldId="369"/>
+            <ac:inkMk id="9" creationId="{65902BB3-D968-4B54-8B69-A55E7B9FC9C7}"/>
+          </ac:inkMkLst>
+        </pc:inkChg>
+        <pc:inkChg chg="add">
+          <ac:chgData name="Khattab, Sherif" userId="c83b1e15-36f3-4f46-aceb-05aac24c545e" providerId="ADAL" clId="{20ECC735-6357-4521-A768-B7D7C3A147EB}" dt="2021-02-03T02:08:25.437" v="2809" actId="9405"/>
+          <ac:inkMkLst>
+            <pc:docMk/>
+            <pc:sldMk cId="3210992163" sldId="369"/>
+            <ac:inkMk id="10" creationId="{877346C0-8418-41AB-AD05-4613E1FE78DF}"/>
+          </ac:inkMkLst>
+        </pc:inkChg>
+      </pc:sldChg>
+      <pc:sldChg chg="modSp add del mod">
+        <pc:chgData name="Khattab, Sherif" userId="c83b1e15-36f3-4f46-aceb-05aac24c545e" providerId="ADAL" clId="{20ECC735-6357-4521-A768-B7D7C3A147EB}" dt="2021-02-02T15:30:00.899" v="1304" actId="113"/>
+        <pc:sldMkLst>
+          <pc:docMk/>
+          <pc:sldMk cId="4013065491" sldId="370"/>
+        </pc:sldMkLst>
+        <pc:spChg chg="mod">
+          <ac:chgData name="Khattab, Sherif" userId="c83b1e15-36f3-4f46-aceb-05aac24c545e" providerId="ADAL" clId="{20ECC735-6357-4521-A768-B7D7C3A147EB}" dt="2021-02-02T15:30:00.899" v="1304" actId="113"/>
+          <ac:spMkLst>
+            <pc:docMk/>
+            <pc:sldMk cId="4013065491" sldId="370"/>
+            <ac:spMk id="101379" creationId="{0BE74C56-0B43-2A44-A8C0-3EA8E3E44D8A}"/>
+          </ac:spMkLst>
+        </pc:spChg>
+        <pc:spChg chg="mod">
+          <ac:chgData name="Khattab, Sherif" userId="c83b1e15-36f3-4f46-aceb-05aac24c545e" providerId="ADAL" clId="{20ECC735-6357-4521-A768-B7D7C3A147EB}" dt="2021-02-02T15:28:52.803" v="1278" actId="20577"/>
+          <ac:spMkLst>
+            <pc:docMk/>
+            <pc:sldMk cId="4013065491" sldId="370"/>
+            <ac:spMk id="101380" creationId="{D24E1DF0-CC9A-1E44-B5BF-29147C8DFD32}"/>
+          </ac:spMkLst>
+        </pc:spChg>
+        <pc:spChg chg="mod">
+          <ac:chgData name="Khattab, Sherif" userId="c83b1e15-36f3-4f46-aceb-05aac24c545e" providerId="ADAL" clId="{20ECC735-6357-4521-A768-B7D7C3A147EB}" dt="2021-02-02T15:28:43.842" v="1275" actId="6549"/>
+          <ac:spMkLst>
+            <pc:docMk/>
+            <pc:sldMk cId="4013065491" sldId="370"/>
+            <ac:spMk id="101381" creationId="{B569C0DB-2D8E-CB4C-9A01-F234C35ECD4E}"/>
+          </ac:spMkLst>
+        </pc:spChg>
+      </pc:sldChg>
+      <pc:sldChg chg="addSp modSp add del mod modAnim">
+        <pc:chgData name="Khattab, Sherif" userId="c83b1e15-36f3-4f46-aceb-05aac24c545e" providerId="ADAL" clId="{20ECC735-6357-4521-A768-B7D7C3A147EB}" dt="2021-02-02T15:39:16.738" v="1920"/>
+        <pc:sldMkLst>
+          <pc:docMk/>
+          <pc:sldMk cId="2592968416" sldId="371"/>
+        </pc:sldMkLst>
+        <pc:spChg chg="add mod">
+          <ac:chgData name="Khattab, Sherif" userId="c83b1e15-36f3-4f46-aceb-05aac24c545e" providerId="ADAL" clId="{20ECC735-6357-4521-A768-B7D7C3A147EB}" dt="2021-02-02T15:39:13.004" v="1919" actId="1076"/>
+          <ac:spMkLst>
+            <pc:docMk/>
+            <pc:sldMk cId="2592968416" sldId="371"/>
+            <ac:spMk id="2" creationId="{2F63E310-9701-4C8E-8A83-D5E0B19A5EAA}"/>
+          </ac:spMkLst>
+        </pc:spChg>
+        <pc:spChg chg="mod">
+          <ac:chgData name="Khattab, Sherif" userId="c83b1e15-36f3-4f46-aceb-05aac24c545e" providerId="ADAL" clId="{20ECC735-6357-4521-A768-B7D7C3A147EB}" dt="2021-02-02T15:38:28.106" v="1872" actId="20577"/>
+          <ac:spMkLst>
+            <pc:docMk/>
+            <pc:sldMk cId="2592968416" sldId="371"/>
+            <ac:spMk id="102402" creationId="{E1CB258F-124C-064A-912D-68205C351F24}"/>
+          </ac:spMkLst>
+        </pc:spChg>
+        <pc:spChg chg="mod">
+          <ac:chgData name="Khattab, Sherif" userId="c83b1e15-36f3-4f46-aceb-05aac24c545e" providerId="ADAL" clId="{20ECC735-6357-4521-A768-B7D7C3A147EB}" dt="2021-02-02T15:38:44.866" v="1873" actId="1076"/>
+          <ac:spMkLst>
+            <pc:docMk/>
+            <pc:sldMk cId="2592968416" sldId="371"/>
+            <ac:spMk id="102403" creationId="{785D7A99-6D63-8249-82FA-5B237B098A1E}"/>
+          </ac:spMkLst>
+        </pc:spChg>
+        <pc:spChg chg="mod">
+          <ac:chgData name="Khattab, Sherif" userId="c83b1e15-36f3-4f46-aceb-05aac24c545e" providerId="ADAL" clId="{20ECC735-6357-4521-A768-B7D7C3A147EB}" dt="2021-02-02T15:38:11.355" v="1859" actId="20577"/>
+          <ac:spMkLst>
+            <pc:docMk/>
+            <pc:sldMk cId="2592968416" sldId="371"/>
+            <ac:spMk id="102405" creationId="{142E8EAC-B1DB-A042-BDAA-20329E91A50B}"/>
+          </ac:spMkLst>
+        </pc:spChg>
+      </pc:sldChg>
+      <pc:sldChg chg="modSp add del mod">
+        <pc:chgData name="Khattab, Sherif" userId="c83b1e15-36f3-4f46-aceb-05aac24c545e" providerId="ADAL" clId="{20ECC735-6357-4521-A768-B7D7C3A147EB}" dt="2021-02-02T15:30:29.595" v="1307" actId="20577"/>
+        <pc:sldMkLst>
+          <pc:docMk/>
+          <pc:sldMk cId="3848335379" sldId="372"/>
+        </pc:sldMkLst>
+        <pc:spChg chg="mod">
+          <ac:chgData name="Khattab, Sherif" userId="c83b1e15-36f3-4f46-aceb-05aac24c545e" providerId="ADAL" clId="{20ECC735-6357-4521-A768-B7D7C3A147EB}" dt="2021-02-02T15:30:29.595" v="1307" actId="20577"/>
+          <ac:spMkLst>
+            <pc:docMk/>
+            <pc:sldMk cId="3848335379" sldId="372"/>
+            <ac:spMk id="103428" creationId="{A91BC9E7-33A1-9347-899F-CCEFE80B5E85}"/>
+          </ac:spMkLst>
+        </pc:spChg>
+      </pc:sldChg>
+      <pc:sldChg chg="add del">
+        <pc:chgData name="Khattab, Sherif" userId="c83b1e15-36f3-4f46-aceb-05aac24c545e" providerId="ADAL" clId="{20ECC735-6357-4521-A768-B7D7C3A147EB}" dt="2021-02-02T15:27:42.677" v="1218" actId="47"/>
+        <pc:sldMkLst>
+          <pc:docMk/>
+          <pc:sldMk cId="3161117264" sldId="373"/>
+        </pc:sldMkLst>
+      </pc:sldChg>
+      <pc:sldChg chg="modSp add del mod">
+        <pc:chgData name="Khattab, Sherif" userId="c83b1e15-36f3-4f46-aceb-05aac24c545e" providerId="ADAL" clId="{20ECC735-6357-4521-A768-B7D7C3A147EB}" dt="2021-02-02T18:53:24.417" v="2385" actId="47"/>
+        <pc:sldMkLst>
+          <pc:docMk/>
+          <pc:sldMk cId="1542066946" sldId="374"/>
+        </pc:sldMkLst>
+        <pc:spChg chg="mod">
+          <ac:chgData name="Khattab, Sherif" userId="c83b1e15-36f3-4f46-aceb-05aac24c545e" providerId="ADAL" clId="{20ECC735-6357-4521-A768-B7D7C3A147EB}" dt="2021-02-02T15:35:10.833" v="1760" actId="20577"/>
+          <ac:spMkLst>
+            <pc:docMk/>
+            <pc:sldMk cId="1542066946" sldId="374"/>
+            <ac:spMk id="105475" creationId="{B2EA02B2-FF2F-E840-9115-9F46B908CC54}"/>
+          </ac:spMkLst>
+        </pc:spChg>
+      </pc:sldChg>
+      <pc:sldChg chg="add del">
+        <pc:chgData name="Khattab, Sherif" userId="c83b1e15-36f3-4f46-aceb-05aac24c545e" providerId="ADAL" clId="{20ECC735-6357-4521-A768-B7D7C3A147EB}" dt="2021-02-02T18:53:24.417" v="2385" actId="47"/>
+        <pc:sldMkLst>
+          <pc:docMk/>
+          <pc:sldMk cId="834112894" sldId="375"/>
+        </pc:sldMkLst>
+      </pc:sldChg>
+      <pc:sldChg chg="add del">
+        <pc:chgData name="Khattab, Sherif" userId="c83b1e15-36f3-4f46-aceb-05aac24c545e" providerId="ADAL" clId="{20ECC735-6357-4521-A768-B7D7C3A147EB}" dt="2021-02-02T18:53:24.417" v="2385" actId="47"/>
+        <pc:sldMkLst>
+          <pc:docMk/>
+          <pc:sldMk cId="1165577892" sldId="376"/>
+        </pc:sldMkLst>
+      </pc:sldChg>
+      <pc:sldChg chg="modSp add del mod">
+        <pc:chgData name="Khattab, Sherif" userId="c83b1e15-36f3-4f46-aceb-05aac24c545e" providerId="ADAL" clId="{20ECC735-6357-4521-A768-B7D7C3A147EB}" dt="2021-02-02T15:32:51.419" v="1494" actId="20577"/>
+        <pc:sldMkLst>
+          <pc:docMk/>
+          <pc:sldMk cId="583513582" sldId="377"/>
+        </pc:sldMkLst>
+        <pc:spChg chg="mod">
+          <ac:chgData name="Khattab, Sherif" userId="c83b1e15-36f3-4f46-aceb-05aac24c545e" providerId="ADAL" clId="{20ECC735-6357-4521-A768-B7D7C3A147EB}" dt="2021-02-02T15:32:51.419" v="1494" actId="20577"/>
+          <ac:spMkLst>
+            <pc:docMk/>
+            <pc:sldMk cId="583513582" sldId="377"/>
+            <ac:spMk id="114693" creationId="{2AAD9DE3-45D5-A249-B337-D99D281826B9}"/>
+          </ac:spMkLst>
+        </pc:spChg>
+      </pc:sldChg>
+      <pc:sldChg chg="del">
+        <pc:chgData name="Khattab, Sherif" userId="c83b1e15-36f3-4f46-aceb-05aac24c545e" providerId="ADAL" clId="{20ECC735-6357-4521-A768-B7D7C3A147EB}" dt="2021-02-02T15:27:14.830" v="1113" actId="47"/>
+        <pc:sldMkLst>
+          <pc:docMk/>
+          <pc:sldMk cId="3990797458" sldId="378"/>
+        </pc:sldMkLst>
+      </pc:sldChg>
+      <pc:sldChg chg="del">
+        <pc:chgData name="Khattab, Sherif" userId="c83b1e15-36f3-4f46-aceb-05aac24c545e" providerId="ADAL" clId="{20ECC735-6357-4521-A768-B7D7C3A147EB}" dt="2021-02-02T15:27:15.179" v="1114" actId="47"/>
+        <pc:sldMkLst>
+          <pc:docMk/>
+          <pc:sldMk cId="2736486443" sldId="379"/>
+        </pc:sldMkLst>
+      </pc:sldChg>
+      <pc:sldChg chg="del">
+        <pc:chgData name="Khattab, Sherif" userId="c83b1e15-36f3-4f46-aceb-05aac24c545e" providerId="ADAL" clId="{20ECC735-6357-4521-A768-B7D7C3A147EB}" dt="2021-02-02T15:27:15.745" v="1116" actId="47"/>
+        <pc:sldMkLst>
+          <pc:docMk/>
+          <pc:sldMk cId="541381985" sldId="380"/>
+        </pc:sldMkLst>
+      </pc:sldChg>
+      <pc:sldChg chg="del">
+        <pc:chgData name="Khattab, Sherif" userId="c83b1e15-36f3-4f46-aceb-05aac24c545e" providerId="ADAL" clId="{20ECC735-6357-4521-A768-B7D7C3A147EB}" dt="2021-02-02T15:27:16.230" v="1117" actId="47"/>
+        <pc:sldMkLst>
+          <pc:docMk/>
+          <pc:sldMk cId="2235897330" sldId="381"/>
+        </pc:sldMkLst>
+      </pc:sldChg>
+      <pc:sldChg chg="del">
+        <pc:chgData name="Khattab, Sherif" userId="c83b1e15-36f3-4f46-aceb-05aac24c545e" providerId="ADAL" clId="{20ECC735-6357-4521-A768-B7D7C3A147EB}" dt="2021-02-02T15:27:16.264" v="1118" actId="47"/>
+        <pc:sldMkLst>
+          <pc:docMk/>
+          <pc:sldMk cId="3360044446" sldId="382"/>
+        </pc:sldMkLst>
+      </pc:sldChg>
+      <pc:sldChg chg="del">
+        <pc:chgData name="Khattab, Sherif" userId="c83b1e15-36f3-4f46-aceb-05aac24c545e" providerId="ADAL" clId="{20ECC735-6357-4521-A768-B7D7C3A147EB}" dt="2021-02-02T15:27:16.284" v="1119" actId="47"/>
+        <pc:sldMkLst>
+          <pc:docMk/>
+          <pc:sldMk cId="1954384084" sldId="383"/>
+        </pc:sldMkLst>
+      </pc:sldChg>
+      <pc:sldChg chg="del">
+        <pc:chgData name="Khattab, Sherif" userId="c83b1e15-36f3-4f46-aceb-05aac24c545e" providerId="ADAL" clId="{20ECC735-6357-4521-A768-B7D7C3A147EB}" dt="2021-02-02T15:27:16.319" v="1120" actId="47"/>
+        <pc:sldMkLst>
+          <pc:docMk/>
+          <pc:sldMk cId="220759689" sldId="384"/>
+        </pc:sldMkLst>
+      </pc:sldChg>
+      <pc:sldChg chg="del">
+        <pc:chgData name="Khattab, Sherif" userId="c83b1e15-36f3-4f46-aceb-05aac24c545e" providerId="ADAL" clId="{20ECC735-6357-4521-A768-B7D7C3A147EB}" dt="2021-02-02T15:27:16.340" v="1121" actId="47"/>
+        <pc:sldMkLst>
+          <pc:docMk/>
+          <pc:sldMk cId="2809799376" sldId="385"/>
+        </pc:sldMkLst>
+      </pc:sldChg>
+      <pc:sldChg chg="del">
+        <pc:chgData name="Khattab, Sherif" userId="c83b1e15-36f3-4f46-aceb-05aac24c545e" providerId="ADAL" clId="{20ECC735-6357-4521-A768-B7D7C3A147EB}" dt="2021-01-28T18:04:43.792" v="0" actId="47"/>
+        <pc:sldMkLst>
+          <pc:docMk/>
+          <pc:sldMk cId="2329144619" sldId="445"/>
+        </pc:sldMkLst>
+      </pc:sldChg>
+      <pc:sldChg chg="del">
+        <pc:chgData name="Khattab, Sherif" userId="c83b1e15-36f3-4f46-aceb-05aac24c545e" providerId="ADAL" clId="{20ECC735-6357-4521-A768-B7D7C3A147EB}" dt="2021-01-28T18:04:43.792" v="0" actId="47"/>
+        <pc:sldMkLst>
+          <pc:docMk/>
+          <pc:sldMk cId="1783368962" sldId="448"/>
+        </pc:sldMkLst>
+      </pc:sldChg>
+      <pc:sldChg chg="del">
+        <pc:chgData name="Khattab, Sherif" userId="c83b1e15-36f3-4f46-aceb-05aac24c545e" providerId="ADAL" clId="{20ECC735-6357-4521-A768-B7D7C3A147EB}" dt="2021-01-28T18:04:43.792" v="0" actId="47"/>
+        <pc:sldMkLst>
+          <pc:docMk/>
+          <pc:sldMk cId="2276002102" sldId="451"/>
+        </pc:sldMkLst>
+      </pc:sldChg>
+      <pc:sldChg chg="del">
+        <pc:chgData name="Khattab, Sherif" userId="c83b1e15-36f3-4f46-aceb-05aac24c545e" providerId="ADAL" clId="{20ECC735-6357-4521-A768-B7D7C3A147EB}" dt="2021-02-02T15:27:16.446" v="1124" actId="47"/>
+        <pc:sldMkLst>
+          <pc:docMk/>
+          <pc:sldMk cId="2163467695" sldId="455"/>
+        </pc:sldMkLst>
+      </pc:sldChg>
+      <pc:sldChg chg="del">
+        <pc:chgData name="Khattab, Sherif" userId="c83b1e15-36f3-4f46-aceb-05aac24c545e" providerId="ADAL" clId="{20ECC735-6357-4521-A768-B7D7C3A147EB}" dt="2021-02-02T15:27:16.503" v="1126" actId="47"/>
+        <pc:sldMkLst>
+          <pc:docMk/>
+          <pc:sldMk cId="3400641916" sldId="456"/>
+        </pc:sldMkLst>
+      </pc:sldChg>
+      <pc:sldChg chg="del">
+        <pc:chgData name="Khattab, Sherif" userId="c83b1e15-36f3-4f46-aceb-05aac24c545e" providerId="ADAL" clId="{20ECC735-6357-4521-A768-B7D7C3A147EB}" dt="2021-02-02T15:27:16.549" v="1127" actId="47"/>
+        <pc:sldMkLst>
+          <pc:docMk/>
+          <pc:sldMk cId="2840639230" sldId="457"/>
+        </pc:sldMkLst>
+      </pc:sldChg>
+      <pc:sldChg chg="del">
+        <pc:chgData name="Khattab, Sherif" userId="c83b1e15-36f3-4f46-aceb-05aac24c545e" providerId="ADAL" clId="{20ECC735-6357-4521-A768-B7D7C3A147EB}" dt="2021-02-02T15:27:16.578" v="1128" actId="47"/>
+        <pc:sldMkLst>
+          <pc:docMk/>
+          <pc:sldMk cId="2116012598" sldId="458"/>
+        </pc:sldMkLst>
+      </pc:sldChg>
+      <pc:sldChg chg="del">
+        <pc:chgData name="Khattab, Sherif" userId="c83b1e15-36f3-4f46-aceb-05aac24c545e" providerId="ADAL" clId="{20ECC735-6357-4521-A768-B7D7C3A147EB}" dt="2021-02-02T15:27:16.659" v="1129" actId="47"/>
+        <pc:sldMkLst>
+          <pc:docMk/>
+          <pc:sldMk cId="1816629761" sldId="459"/>
+        </pc:sldMkLst>
+      </pc:sldChg>
+      <pc:sldChg chg="del">
+        <pc:chgData name="Khattab, Sherif" userId="c83b1e15-36f3-4f46-aceb-05aac24c545e" providerId="ADAL" clId="{20ECC735-6357-4521-A768-B7D7C3A147EB}" dt="2021-02-02T15:27:16.695" v="1130" actId="47"/>
+        <pc:sldMkLst>
+          <pc:docMk/>
+          <pc:sldMk cId="4107670357" sldId="460"/>
+        </pc:sldMkLst>
+      </pc:sldChg>
+      <pc:sldChg chg="del">
+        <pc:chgData name="Khattab, Sherif" userId="c83b1e15-36f3-4f46-aceb-05aac24c545e" providerId="ADAL" clId="{20ECC735-6357-4521-A768-B7D7C3A147EB}" dt="2021-02-02T15:27:16.774" v="1132" actId="47"/>
+        <pc:sldMkLst>
+          <pc:docMk/>
+          <pc:sldMk cId="3714784862" sldId="461"/>
+        </pc:sldMkLst>
+      </pc:sldChg>
+      <pc:sldChg chg="del">
+        <pc:chgData name="Khattab, Sherif" userId="c83b1e15-36f3-4f46-aceb-05aac24c545e" providerId="ADAL" clId="{20ECC735-6357-4521-A768-B7D7C3A147EB}" dt="2021-02-02T15:27:16.812" v="1133" actId="47"/>
+        <pc:sldMkLst>
+          <pc:docMk/>
+          <pc:sldMk cId="931898487" sldId="462"/>
+        </pc:sldMkLst>
+      </pc:sldChg>
+      <pc:sldChg chg="del">
+        <pc:chgData name="Khattab, Sherif" userId="c83b1e15-36f3-4f46-aceb-05aac24c545e" providerId="ADAL" clId="{20ECC735-6357-4521-A768-B7D7C3A147EB}" dt="2021-02-02T15:27:16.981" v="1137" actId="47"/>
+        <pc:sldMkLst>
+          <pc:docMk/>
+          <pc:sldMk cId="1471081860" sldId="463"/>
+        </pc:sldMkLst>
+      </pc:sldChg>
+      <pc:sldChg chg="del">
+        <pc:chgData name="Khattab, Sherif" userId="c83b1e15-36f3-4f46-aceb-05aac24c545e" providerId="ADAL" clId="{20ECC735-6357-4521-A768-B7D7C3A147EB}" dt="2021-02-02T15:27:17.169" v="1139" actId="47"/>
+        <pc:sldMkLst>
+          <pc:docMk/>
+          <pc:sldMk cId="574001865" sldId="464"/>
+        </pc:sldMkLst>
+      </pc:sldChg>
+      <pc:sldChg chg="del">
+        <pc:chgData name="Khattab, Sherif" userId="c83b1e15-36f3-4f46-aceb-05aac24c545e" providerId="ADAL" clId="{20ECC735-6357-4521-A768-B7D7C3A147EB}" dt="2021-02-02T15:27:17.202" v="1140" actId="47"/>
+        <pc:sldMkLst>
+          <pc:docMk/>
+          <pc:sldMk cId="2156977365" sldId="465"/>
+        </pc:sldMkLst>
+      </pc:sldChg>
+      <pc:sldChg chg="del">
+        <pc:chgData name="Khattab, Sherif" userId="c83b1e15-36f3-4f46-aceb-05aac24c545e" providerId="ADAL" clId="{20ECC735-6357-4521-A768-B7D7C3A147EB}" dt="2021-02-02T15:27:17.292" v="1143" actId="47"/>
+        <pc:sldMkLst>
+          <pc:docMk/>
+          <pc:sldMk cId="117329803" sldId="466"/>
+        </pc:sldMkLst>
+      </pc:sldChg>
+      <pc:sldChg chg="del">
+        <pc:chgData name="Khattab, Sherif" userId="c83b1e15-36f3-4f46-aceb-05aac24c545e" providerId="ADAL" clId="{20ECC735-6357-4521-A768-B7D7C3A147EB}" dt="2021-02-02T15:27:17.352" v="1144" actId="47"/>
+        <pc:sldMkLst>
+          <pc:docMk/>
+          <pc:sldMk cId="3643915362" sldId="467"/>
+        </pc:sldMkLst>
+      </pc:sldChg>
+      <pc:sldChg chg="del">
+        <pc:chgData name="Khattab, Sherif" userId="c83b1e15-36f3-4f46-aceb-05aac24c545e" providerId="ADAL" clId="{20ECC735-6357-4521-A768-B7D7C3A147EB}" dt="2021-02-02T15:27:17.403" v="1146" actId="47"/>
+        <pc:sldMkLst>
+          <pc:docMk/>
+          <pc:sldMk cId="1593910045" sldId="468"/>
+        </pc:sldMkLst>
+      </pc:sldChg>
+      <pc:sldChg chg="del">
+        <pc:chgData name="Khattab, Sherif" userId="c83b1e15-36f3-4f46-aceb-05aac24c545e" providerId="ADAL" clId="{20ECC735-6357-4521-A768-B7D7C3A147EB}" dt="2021-02-02T15:27:17.424" v="1147" actId="47"/>
+        <pc:sldMkLst>
+          <pc:docMk/>
+          <pc:sldMk cId="3392020218" sldId="469"/>
+        </pc:sldMkLst>
+      </pc:sldChg>
+      <pc:sldChg chg="del">
+        <pc:chgData name="Khattab, Sherif" userId="c83b1e15-36f3-4f46-aceb-05aac24c545e" providerId="ADAL" clId="{20ECC735-6357-4521-A768-B7D7C3A147EB}" dt="2021-02-02T15:27:17.586" v="1151" actId="47"/>
+        <pc:sldMkLst>
+          <pc:docMk/>
+          <pc:sldMk cId="3824051756" sldId="470"/>
+        </pc:sldMkLst>
+      </pc:sldChg>
+      <pc:sldChg chg="del">
+        <pc:chgData name="Khattab, Sherif" userId="c83b1e15-36f3-4f46-aceb-05aac24c545e" providerId="ADAL" clId="{20ECC735-6357-4521-A768-B7D7C3A147EB}" dt="2021-02-02T15:27:17.737" v="1152" actId="47"/>
+        <pc:sldMkLst>
+          <pc:docMk/>
+          <pc:sldMk cId="1025764700" sldId="471"/>
+        </pc:sldMkLst>
+      </pc:sldChg>
+      <pc:sldChg chg="del">
+        <pc:chgData name="Khattab, Sherif" userId="c83b1e15-36f3-4f46-aceb-05aac24c545e" providerId="ADAL" clId="{20ECC735-6357-4521-A768-B7D7C3A147EB}" dt="2021-02-02T15:27:17.784" v="1153" actId="47"/>
+        <pc:sldMkLst>
+          <pc:docMk/>
+          <pc:sldMk cId="3109107092" sldId="472"/>
+        </pc:sldMkLst>
+      </pc:sldChg>
+      <pc:sldChg chg="del">
+        <pc:chgData name="Khattab, Sherif" userId="c83b1e15-36f3-4f46-aceb-05aac24c545e" providerId="ADAL" clId="{20ECC735-6357-4521-A768-B7D7C3A147EB}" dt="2021-02-02T15:27:17.803" v="1154" actId="47"/>
+        <pc:sldMkLst>
+          <pc:docMk/>
+          <pc:sldMk cId="2185675405" sldId="473"/>
+        </pc:sldMkLst>
+      </pc:sldChg>
+      <pc:sldChg chg="del">
+        <pc:chgData name="Khattab, Sherif" userId="c83b1e15-36f3-4f46-aceb-05aac24c545e" providerId="ADAL" clId="{20ECC735-6357-4521-A768-B7D7C3A147EB}" dt="2021-02-02T15:27:17.854" v="1156" actId="47"/>
+        <pc:sldMkLst>
+          <pc:docMk/>
+          <pc:sldMk cId="1719184921" sldId="474"/>
+        </pc:sldMkLst>
+      </pc:sldChg>
+      <pc:sldChg chg="del">
+        <pc:chgData name="Khattab, Sherif" userId="c83b1e15-36f3-4f46-aceb-05aac24c545e" providerId="ADAL" clId="{20ECC735-6357-4521-A768-B7D7C3A147EB}" dt="2021-02-02T15:27:17.917" v="1157" actId="47"/>
+        <pc:sldMkLst>
+          <pc:docMk/>
+          <pc:sldMk cId="3632958702" sldId="475"/>
+        </pc:sldMkLst>
+      </pc:sldChg>
+      <pc:sldChg chg="del">
+        <pc:chgData name="Khattab, Sherif" userId="c83b1e15-36f3-4f46-aceb-05aac24c545e" providerId="ADAL" clId="{20ECC735-6357-4521-A768-B7D7C3A147EB}" dt="2021-02-02T15:27:17.954" v="1158" actId="47"/>
+        <pc:sldMkLst>
+          <pc:docMk/>
+          <pc:sldMk cId="2634117846" sldId="476"/>
+        </pc:sldMkLst>
+      </pc:sldChg>
+      <pc:sldChg chg="del">
+        <pc:chgData name="Khattab, Sherif" userId="c83b1e15-36f3-4f46-aceb-05aac24c545e" providerId="ADAL" clId="{20ECC735-6357-4521-A768-B7D7C3A147EB}" dt="2021-02-02T15:27:17.987" v="1159" actId="47"/>
+        <pc:sldMkLst>
+          <pc:docMk/>
+          <pc:sldMk cId="4038969182" sldId="477"/>
+        </pc:sldMkLst>
+      </pc:sldChg>
+      <pc:sldChg chg="del">
+        <pc:chgData name="Khattab, Sherif" userId="c83b1e15-36f3-4f46-aceb-05aac24c545e" providerId="ADAL" clId="{20ECC735-6357-4521-A768-B7D7C3A147EB}" dt="2021-02-02T15:27:18.011" v="1160" actId="47"/>
+        <pc:sldMkLst>
+          <pc:docMk/>
+          <pc:sldMk cId="326259628" sldId="478"/>
+        </pc:sldMkLst>
+      </pc:sldChg>
+      <pc:sldChg chg="del">
+        <pc:chgData name="Khattab, Sherif" userId="c83b1e15-36f3-4f46-aceb-05aac24c545e" providerId="ADAL" clId="{20ECC735-6357-4521-A768-B7D7C3A147EB}" dt="2021-02-02T15:27:18.039" v="1161" actId="47"/>
+        <pc:sldMkLst>
+          <pc:docMk/>
+          <pc:sldMk cId="873856523" sldId="479"/>
+        </pc:sldMkLst>
+      </pc:sldChg>
+      <pc:sldChg chg="del">
+        <pc:chgData name="Khattab, Sherif" userId="c83b1e15-36f3-4f46-aceb-05aac24c545e" providerId="ADAL" clId="{20ECC735-6357-4521-A768-B7D7C3A147EB}" dt="2021-02-02T15:27:18.063" v="1162" actId="47"/>
+        <pc:sldMkLst>
+          <pc:docMk/>
+          <pc:sldMk cId="3465344065" sldId="480"/>
+        </pc:sldMkLst>
+      </pc:sldChg>
+      <pc:sldChg chg="del">
+        <pc:chgData name="Khattab, Sherif" userId="c83b1e15-36f3-4f46-aceb-05aac24c545e" providerId="ADAL" clId="{20ECC735-6357-4521-A768-B7D7C3A147EB}" dt="2021-02-02T15:27:18.104" v="1163" actId="47"/>
+        <pc:sldMkLst>
+          <pc:docMk/>
+          <pc:sldMk cId="2002489455" sldId="481"/>
+        </pc:sldMkLst>
+      </pc:sldChg>
+      <pc:sldChg chg="del">
+        <pc:chgData name="Khattab, Sherif" userId="c83b1e15-36f3-4f46-aceb-05aac24c545e" providerId="ADAL" clId="{20ECC735-6357-4521-A768-B7D7C3A147EB}" dt="2021-02-02T15:27:18.131" v="1164" actId="47"/>
+        <pc:sldMkLst>
+          <pc:docMk/>
+          <pc:sldMk cId="1560930406" sldId="482"/>
+        </pc:sldMkLst>
+      </pc:sldChg>
+      <pc:sldChg chg="del">
+        <pc:chgData name="Khattab, Sherif" userId="c83b1e15-36f3-4f46-aceb-05aac24c545e" providerId="ADAL" clId="{20ECC735-6357-4521-A768-B7D7C3A147EB}" dt="2021-02-02T15:27:18.150" v="1165" actId="47"/>
+        <pc:sldMkLst>
+          <pc:docMk/>
+          <pc:sldMk cId="1387835057" sldId="483"/>
+        </pc:sldMkLst>
+      </pc:sldChg>
+      <pc:sldChg chg="del">
+        <pc:chgData name="Khattab, Sherif" userId="c83b1e15-36f3-4f46-aceb-05aac24c545e" providerId="ADAL" clId="{20ECC735-6357-4521-A768-B7D7C3A147EB}" dt="2021-02-02T15:27:18.210" v="1166" actId="47"/>
+        <pc:sldMkLst>
+          <pc:docMk/>
+          <pc:sldMk cId="1948397067" sldId="484"/>
+        </pc:sldMkLst>
+      </pc:sldChg>
+      <pc:sldChg chg="del">
+        <pc:chgData name="Khattab, Sherif" userId="c83b1e15-36f3-4f46-aceb-05aac24c545e" providerId="ADAL" clId="{20ECC735-6357-4521-A768-B7D7C3A147EB}" dt="2021-02-02T15:27:18.232" v="1167" actId="47"/>
+        <pc:sldMkLst>
+          <pc:docMk/>
+          <pc:sldMk cId="3473693154" sldId="485"/>
+        </pc:sldMkLst>
+      </pc:sldChg>
+      <pc:sldChg chg="del">
+        <pc:chgData name="Khattab, Sherif" userId="c83b1e15-36f3-4f46-aceb-05aac24c545e" providerId="ADAL" clId="{20ECC735-6357-4521-A768-B7D7C3A147EB}" dt="2021-02-02T15:27:18.252" v="1168" actId="47"/>
+        <pc:sldMkLst>
+          <pc:docMk/>
+          <pc:sldMk cId="2983945636" sldId="486"/>
+        </pc:sldMkLst>
+      </pc:sldChg>
+      <pc:sldChg chg="del">
+        <pc:chgData name="Khattab, Sherif" userId="c83b1e15-36f3-4f46-aceb-05aac24c545e" providerId="ADAL" clId="{20ECC735-6357-4521-A768-B7D7C3A147EB}" dt="2021-02-02T15:27:18.287" v="1169" actId="47"/>
+        <pc:sldMkLst>
+          <pc:docMk/>
+          <pc:sldMk cId="3673539870" sldId="487"/>
+        </pc:sldMkLst>
+      </pc:sldChg>
+      <pc:sldChg chg="del">
+        <pc:chgData name="Khattab, Sherif" userId="c83b1e15-36f3-4f46-aceb-05aac24c545e" providerId="ADAL" clId="{20ECC735-6357-4521-A768-B7D7C3A147EB}" dt="2021-02-02T15:27:18.330" v="1170" actId="47"/>
+        <pc:sldMkLst>
+          <pc:docMk/>
+          <pc:sldMk cId="1363323927" sldId="488"/>
+        </pc:sldMkLst>
+      </pc:sldChg>
+      <pc:sldChg chg="del">
+        <pc:chgData name="Khattab, Sherif" userId="c83b1e15-36f3-4f46-aceb-05aac24c545e" providerId="ADAL" clId="{20ECC735-6357-4521-A768-B7D7C3A147EB}" dt="2021-02-02T15:27:18.370" v="1171" actId="47"/>
+        <pc:sldMkLst>
+          <pc:docMk/>
+          <pc:sldMk cId="936409682" sldId="489"/>
+        </pc:sldMkLst>
+      </pc:sldChg>
+      <pc:sldChg chg="del">
+        <pc:chgData name="Khattab, Sherif" userId="c83b1e15-36f3-4f46-aceb-05aac24c545e" providerId="ADAL" clId="{20ECC735-6357-4521-A768-B7D7C3A147EB}" dt="2021-02-02T15:27:18.391" v="1172" actId="47"/>
+        <pc:sldMkLst>
+          <pc:docMk/>
+          <pc:sldMk cId="3252833104" sldId="490"/>
+        </pc:sldMkLst>
+      </pc:sldChg>
+      <pc:sldChg chg="del">
+        <pc:chgData name="Khattab, Sherif" userId="c83b1e15-36f3-4f46-aceb-05aac24c545e" providerId="ADAL" clId="{20ECC735-6357-4521-A768-B7D7C3A147EB}" dt="2021-02-02T15:27:18.411" v="1173" actId="47"/>
+        <pc:sldMkLst>
+          <pc:docMk/>
+          <pc:sldMk cId="3413759872" sldId="491"/>
+        </pc:sldMkLst>
+      </pc:sldChg>
+      <pc:sldChg chg="del">
+        <pc:chgData name="Khattab, Sherif" userId="c83b1e15-36f3-4f46-aceb-05aac24c545e" providerId="ADAL" clId="{20ECC735-6357-4521-A768-B7D7C3A147EB}" dt="2021-02-02T15:27:18.442" v="1174" actId="47"/>
+        <pc:sldMkLst>
+          <pc:docMk/>
+          <pc:sldMk cId="1930502979" sldId="492"/>
+        </pc:sldMkLst>
+      </pc:sldChg>
+      <pc:sldChg chg="del">
+        <pc:chgData name="Khattab, Sherif" userId="c83b1e15-36f3-4f46-aceb-05aac24c545e" providerId="ADAL" clId="{20ECC735-6357-4521-A768-B7D7C3A147EB}" dt="2021-02-02T15:27:18.517" v="1175" actId="47"/>
+        <pc:sldMkLst>
+          <pc:docMk/>
+          <pc:sldMk cId="220106575" sldId="493"/>
+        </pc:sldMkLst>
+      </pc:sldChg>
+      <pc:sldChg chg="del">
+        <pc:chgData name="Khattab, Sherif" userId="c83b1e15-36f3-4f46-aceb-05aac24c545e" providerId="ADAL" clId="{20ECC735-6357-4521-A768-B7D7C3A147EB}" dt="2021-02-02T15:27:18.562" v="1176" actId="47"/>
+        <pc:sldMkLst>
+          <pc:docMk/>
+          <pc:sldMk cId="3447713174" sldId="494"/>
+        </pc:sldMkLst>
+      </pc:sldChg>
+      <pc:sldChg chg="add del">
+        <pc:chgData name="Khattab, Sherif" userId="c83b1e15-36f3-4f46-aceb-05aac24c545e" providerId="ADAL" clId="{20ECC735-6357-4521-A768-B7D7C3A147EB}" dt="2021-02-02T15:27:55.687" v="1229" actId="47"/>
+        <pc:sldMkLst>
+          <pc:docMk/>
+          <pc:sldMk cId="2129126942" sldId="495"/>
+        </pc:sldMkLst>
+      </pc:sldChg>
+      <pc:sldChg chg="del">
+        <pc:chgData name="Khattab, Sherif" userId="c83b1e15-36f3-4f46-aceb-05aac24c545e" providerId="ADAL" clId="{20ECC735-6357-4521-A768-B7D7C3A147EB}" dt="2021-02-02T14:52:11.293" v="225" actId="47"/>
+        <pc:sldMkLst>
+          <pc:docMk/>
+          <pc:sldMk cId="702367729" sldId="496"/>
+        </pc:sldMkLst>
+      </pc:sldChg>
+      <pc:sldChg chg="addSp modSp new add del mod">
+        <pc:chgData name="Khattab, Sherif" userId="c83b1e15-36f3-4f46-aceb-05aac24c545e" providerId="ADAL" clId="{20ECC735-6357-4521-A768-B7D7C3A147EB}" dt="2021-02-03T02:09:13.352" v="2814" actId="1076"/>
+        <pc:sldMkLst>
+          <pc:docMk/>
+          <pc:sldMk cId="2782489002" sldId="497"/>
+        </pc:sldMkLst>
+        <pc:spChg chg="mod">
+          <ac:chgData name="Khattab, Sherif" userId="c83b1e15-36f3-4f46-aceb-05aac24c545e" providerId="ADAL" clId="{20ECC735-6357-4521-A768-B7D7C3A147EB}" dt="2021-02-02T15:33:36.137" v="1545" actId="404"/>
+          <ac:spMkLst>
+            <pc:docMk/>
+            <pc:sldMk cId="2782489002" sldId="497"/>
+            <ac:spMk id="2" creationId="{3BD3413F-6868-458B-BDB5-4C663C7953C2}"/>
+          </ac:spMkLst>
+        </pc:spChg>
+        <pc:spChg chg="mod">
+          <ac:chgData name="Khattab, Sherif" userId="c83b1e15-36f3-4f46-aceb-05aac24c545e" providerId="ADAL" clId="{20ECC735-6357-4521-A768-B7D7C3A147EB}" dt="2021-02-02T15:32:00.183" v="1450" actId="12"/>
+          <ac:spMkLst>
+            <pc:docMk/>
+            <pc:sldMk cId="2782489002" sldId="497"/>
+            <ac:spMk id="3" creationId="{80D7DCF8-D0B1-4FAC-AB7E-388730635948}"/>
+          </ac:spMkLst>
+        </pc:spChg>
+        <pc:picChg chg="add mod">
+          <ac:chgData name="Khattab, Sherif" userId="c83b1e15-36f3-4f46-aceb-05aac24c545e" providerId="ADAL" clId="{20ECC735-6357-4521-A768-B7D7C3A147EB}" dt="2021-02-03T02:09:13.352" v="2814" actId="1076"/>
+          <ac:picMkLst>
+            <pc:docMk/>
+            <pc:sldMk cId="2782489002" sldId="497"/>
+            <ac:picMk id="7" creationId="{4201D6AF-33D2-4017-8DBD-878E4F209F08}"/>
+          </ac:picMkLst>
+        </pc:picChg>
+      </pc:sldChg>
+      <pc:sldChg chg="modSp add mod">
+        <pc:chgData name="Khattab, Sherif" userId="c83b1e15-36f3-4f46-aceb-05aac24c545e" providerId="ADAL" clId="{20ECC735-6357-4521-A768-B7D7C3A147EB}" dt="2021-02-02T15:02:23.544" v="636" actId="27636"/>
+        <pc:sldMkLst>
+          <pc:docMk/>
+          <pc:sldMk cId="4070542404" sldId="498"/>
+        </pc:sldMkLst>
+        <pc:spChg chg="mod">
+          <ac:chgData name="Khattab, Sherif" userId="c83b1e15-36f3-4f46-aceb-05aac24c545e" providerId="ADAL" clId="{20ECC735-6357-4521-A768-B7D7C3A147EB}" dt="2021-02-02T15:02:23.544" v="636" actId="27636"/>
+          <ac:spMkLst>
+            <pc:docMk/>
+            <pc:sldMk cId="4070542404" sldId="498"/>
+            <ac:spMk id="3" creationId="{2466C52D-9A48-4683-BE7F-268D8DB7FAAD}"/>
+          </ac:spMkLst>
+        </pc:spChg>
+      </pc:sldChg>
+      <pc:sldChg chg="add del">
+        <pc:chgData name="Khattab, Sherif" userId="c83b1e15-36f3-4f46-aceb-05aac24c545e" providerId="ADAL" clId="{20ECC735-6357-4521-A768-B7D7C3A147EB}" dt="2021-02-02T14:56:30.315" v="286" actId="47"/>
+        <pc:sldMkLst>
+          <pc:docMk/>
+          <pc:sldMk cId="3138829773" sldId="499"/>
+        </pc:sldMkLst>
+      </pc:sldChg>
+      <pc:sldChg chg="addSp delSp modSp add mod">
+        <pc:chgData name="Khattab, Sherif" userId="c83b1e15-36f3-4f46-aceb-05aac24c545e" providerId="ADAL" clId="{20ECC735-6357-4521-A768-B7D7C3A147EB}" dt="2021-02-02T15:44:48.112" v="1961" actId="478"/>
+        <pc:sldMkLst>
+          <pc:docMk/>
+          <pc:sldMk cId="1076502047" sldId="500"/>
+        </pc:sldMkLst>
+        <pc:spChg chg="mod">
+          <ac:chgData name="Khattab, Sherif" userId="c83b1e15-36f3-4f46-aceb-05aac24c545e" providerId="ADAL" clId="{20ECC735-6357-4521-A768-B7D7C3A147EB}" dt="2021-02-02T15:10:50.854" v="865" actId="20577"/>
+          <ac:spMkLst>
+            <pc:docMk/>
+            <pc:sldMk cId="1076502047" sldId="500"/>
+            <ac:spMk id="3" creationId="{443F42C8-5750-0341-86AA-B64ED9D37EB6}"/>
+          </ac:spMkLst>
+        </pc:spChg>
+        <pc:spChg chg="add del">
+          <ac:chgData name="Khattab, Sherif" userId="c83b1e15-36f3-4f46-aceb-05aac24c545e" providerId="ADAL" clId="{20ECC735-6357-4521-A768-B7D7C3A147EB}" dt="2021-02-02T15:44:48.112" v="1961" actId="478"/>
+          <ac:spMkLst>
+            <pc:docMk/>
+            <pc:sldMk cId="1076502047" sldId="500"/>
+            <ac:spMk id="6" creationId="{51124316-81F2-4A1A-943A-C8032DE62152}"/>
+          </ac:spMkLst>
+        </pc:spChg>
+        <pc:spChg chg="add del mod">
+          <ac:chgData name="Khattab, Sherif" userId="c83b1e15-36f3-4f46-aceb-05aac24c545e" providerId="ADAL" clId="{20ECC735-6357-4521-A768-B7D7C3A147EB}" dt="2021-02-02T15:44:44.573" v="1960" actId="478"/>
+          <ac:spMkLst>
+            <pc:docMk/>
+            <pc:sldMk cId="1076502047" sldId="500"/>
+            <ac:spMk id="7" creationId="{3C0A4539-CC5E-4380-9DD1-9E3328ECFC01}"/>
+          </ac:spMkLst>
+        </pc:spChg>
+        <pc:spChg chg="add del mod">
+          <ac:chgData name="Khattab, Sherif" userId="c83b1e15-36f3-4f46-aceb-05aac24c545e" providerId="ADAL" clId="{20ECC735-6357-4521-A768-B7D7C3A147EB}" dt="2021-02-02T15:44:40.253" v="1958" actId="478"/>
+          <ac:spMkLst>
+            <pc:docMk/>
+            <pc:sldMk cId="1076502047" sldId="500"/>
+            <ac:spMk id="8" creationId="{E775B5C0-B08A-4A01-AD7E-128B9BB76B8C}"/>
+          </ac:spMkLst>
+        </pc:spChg>
+        <pc:spChg chg="add del mod">
+          <ac:chgData name="Khattab, Sherif" userId="c83b1e15-36f3-4f46-aceb-05aac24c545e" providerId="ADAL" clId="{20ECC735-6357-4521-A768-B7D7C3A147EB}" dt="2021-02-02T15:44:43.008" v="1959" actId="478"/>
+          <ac:spMkLst>
+            <pc:docMk/>
+            <pc:sldMk cId="1076502047" sldId="500"/>
+            <ac:spMk id="9" creationId="{AF9B2AEA-69C7-4F37-AF4F-73A745C598ED}"/>
+          </ac:spMkLst>
+        </pc:spChg>
+      </pc:sldChg>
+      <pc:sldChg chg="modSp add mod">
+        <pc:chgData name="Khattab, Sherif" userId="c83b1e15-36f3-4f46-aceb-05aac24c545e" providerId="ADAL" clId="{20ECC735-6357-4521-A768-B7D7C3A147EB}" dt="2021-02-02T15:11:33.813" v="950" actId="20577"/>
+        <pc:sldMkLst>
+          <pc:docMk/>
+          <pc:sldMk cId="747882086" sldId="504"/>
+        </pc:sldMkLst>
+        <pc:spChg chg="mod">
+          <ac:chgData name="Khattab, Sherif" userId="c83b1e15-36f3-4f46-aceb-05aac24c545e" providerId="ADAL" clId="{20ECC735-6357-4521-A768-B7D7C3A147EB}" dt="2021-02-02T14:56:38.967" v="311" actId="5793"/>
+          <ac:spMkLst>
+            <pc:docMk/>
+            <pc:sldMk cId="747882086" sldId="504"/>
+            <ac:spMk id="2" creationId="{E097A24C-0B49-6145-9835-7406BF7C245B}"/>
+          </ac:spMkLst>
+        </pc:spChg>
+        <pc:spChg chg="mod">
+          <ac:chgData name="Khattab, Sherif" userId="c83b1e15-36f3-4f46-aceb-05aac24c545e" providerId="ADAL" clId="{20ECC735-6357-4521-A768-B7D7C3A147EB}" dt="2021-02-02T15:11:33.813" v="950" actId="20577"/>
+          <ac:spMkLst>
+            <pc:docMk/>
+            <pc:sldMk cId="747882086" sldId="504"/>
+            <ac:spMk id="3" creationId="{93532249-5E17-2A4B-B649-961DDDF1F5F6}"/>
+          </ac:spMkLst>
+        </pc:spChg>
+      </pc:sldChg>
+      <pc:sldChg chg="modSp new mod">
+        <pc:chgData name="Khattab, Sherif" userId="c83b1e15-36f3-4f46-aceb-05aac24c545e" providerId="ADAL" clId="{20ECC735-6357-4521-A768-B7D7C3A147EB}" dt="2021-02-02T18:53:03.546" v="2384" actId="20577"/>
+        <pc:sldMkLst>
+          <pc:docMk/>
+          <pc:sldMk cId="3635299179" sldId="505"/>
+        </pc:sldMkLst>
+        <pc:spChg chg="mod">
+          <ac:chgData name="Khattab, Sherif" userId="c83b1e15-36f3-4f46-aceb-05aac24c545e" providerId="ADAL" clId="{20ECC735-6357-4521-A768-B7D7C3A147EB}" dt="2021-02-02T15:11:11.294" v="888" actId="5793"/>
+          <ac:spMkLst>
+            <pc:docMk/>
+            <pc:sldMk cId="3635299179" sldId="505"/>
+            <ac:spMk id="2" creationId="{4697D5D8-73B6-46FE-9121-07FEE70D566F}"/>
+          </ac:spMkLst>
+        </pc:spChg>
+        <pc:spChg chg="mod">
+          <ac:chgData name="Khattab, Sherif" userId="c83b1e15-36f3-4f46-aceb-05aac24c545e" providerId="ADAL" clId="{20ECC735-6357-4521-A768-B7D7C3A147EB}" dt="2021-02-02T18:53:03.546" v="2384" actId="20577"/>
+          <ac:spMkLst>
+            <pc:docMk/>
+            <pc:sldMk cId="3635299179" sldId="505"/>
+            <ac:spMk id="3" creationId="{9FDE3B14-90B9-4B5A-83C7-6E633E32EA28}"/>
+          </ac:spMkLst>
+        </pc:spChg>
+      </pc:sldChg>
+      <pc:sldChg chg="modSp new del mod">
+        <pc:chgData name="Khattab, Sherif" userId="c83b1e15-36f3-4f46-aceb-05aac24c545e" providerId="ADAL" clId="{20ECC735-6357-4521-A768-B7D7C3A147EB}" dt="2021-02-02T15:27:38.145" v="1216" actId="680"/>
+        <pc:sldMkLst>
+          <pc:docMk/>
+          <pc:sldMk cId="3671976920" sldId="506"/>
+        </pc:sldMkLst>
+        <pc:spChg chg="mod">
+          <ac:chgData name="Khattab, Sherif" userId="c83b1e15-36f3-4f46-aceb-05aac24c545e" providerId="ADAL" clId="{20ECC735-6357-4521-A768-B7D7C3A147EB}" dt="2021-02-02T15:27:37.541" v="1215" actId="20577"/>
+          <ac:spMkLst>
+            <pc:docMk/>
+            <pc:sldMk cId="3671976920" sldId="506"/>
+            <ac:spMk id="2" creationId="{F02836B6-C09B-408B-A17E-3E9D338A7825}"/>
+          </ac:spMkLst>
+        </pc:spChg>
+        <pc:spChg chg="mod">
+          <ac:chgData name="Khattab, Sherif" userId="c83b1e15-36f3-4f46-aceb-05aac24c545e" providerId="ADAL" clId="{20ECC735-6357-4521-A768-B7D7C3A147EB}" dt="2021-02-02T15:27:36.714" v="1214" actId="20577"/>
+          <ac:spMkLst>
+            <pc:docMk/>
+            <pc:sldMk cId="3671976920" sldId="506"/>
+            <ac:spMk id="3" creationId="{4B585D6E-814F-4843-BAD6-AC8F23FD0FB1}"/>
+          </ac:spMkLst>
+        </pc:spChg>
+      </pc:sldChg>
+      <pc:sldChg chg="addSp delSp modSp new mod">
+        <pc:chgData name="Khattab, Sherif" userId="c83b1e15-36f3-4f46-aceb-05aac24c545e" providerId="ADAL" clId="{20ECC735-6357-4521-A768-B7D7C3A147EB}" dt="2021-02-03T02:35:36.158" v="2841" actId="1076"/>
+        <pc:sldMkLst>
+          <pc:docMk/>
+          <pc:sldMk cId="3696636401" sldId="506"/>
+        </pc:sldMkLst>
+        <pc:spChg chg="mod">
+          <ac:chgData name="Khattab, Sherif" userId="c83b1e15-36f3-4f46-aceb-05aac24c545e" providerId="ADAL" clId="{20ECC735-6357-4521-A768-B7D7C3A147EB}" dt="2021-02-02T15:28:05.623" v="1245" actId="20577"/>
+          <ac:spMkLst>
+            <pc:docMk/>
+            <pc:sldMk cId="3696636401" sldId="506"/>
+            <ac:spMk id="2" creationId="{582BB28A-8674-42BF-A553-2C3612BC3B4B}"/>
+          </ac:spMkLst>
+        </pc:spChg>
+        <pc:spChg chg="mod">
+          <ac:chgData name="Khattab, Sherif" userId="c83b1e15-36f3-4f46-aceb-05aac24c545e" providerId="ADAL" clId="{20ECC735-6357-4521-A768-B7D7C3A147EB}" dt="2021-02-02T15:28:10.012" v="1258" actId="20577"/>
+          <ac:spMkLst>
+            <pc:docMk/>
+            <pc:sldMk cId="3696636401" sldId="506"/>
+            <ac:spMk id="3" creationId="{C62B6C5A-CC0C-40C3-BD2B-60F0CF3EE1C4}"/>
+          </ac:spMkLst>
+        </pc:spChg>
+        <pc:spChg chg="add del">
+          <ac:chgData name="Khattab, Sherif" userId="c83b1e15-36f3-4f46-aceb-05aac24c545e" providerId="ADAL" clId="{20ECC735-6357-4521-A768-B7D7C3A147EB}" dt="2021-02-03T02:33:37.015" v="2826" actId="478"/>
+          <ac:spMkLst>
+            <pc:docMk/>
+            <pc:sldMk cId="3696636401" sldId="506"/>
+            <ac:spMk id="9" creationId="{F2DEA1EA-B39C-4EC9-BAC4-744FF3889824}"/>
+          </ac:spMkLst>
+        </pc:spChg>
+        <pc:spChg chg="add del">
+          <ac:chgData name="Khattab, Sherif" userId="c83b1e15-36f3-4f46-aceb-05aac24c545e" providerId="ADAL" clId="{20ECC735-6357-4521-A768-B7D7C3A147EB}" dt="2021-02-03T02:34:27.449" v="2831" actId="478"/>
+          <ac:spMkLst>
+            <pc:docMk/>
+            <pc:sldMk cId="3696636401" sldId="506"/>
+            <ac:spMk id="13" creationId="{1DD9E2A4-571C-47A7-B7ED-9EA6F49D3004}"/>
+          </ac:spMkLst>
+        </pc:spChg>
+        <pc:picChg chg="add mod">
+          <ac:chgData name="Khattab, Sherif" userId="c83b1e15-36f3-4f46-aceb-05aac24c545e" providerId="ADAL" clId="{20ECC735-6357-4521-A768-B7D7C3A147EB}" dt="2021-02-03T02:33:02.612" v="2824" actId="14100"/>
+          <ac:picMkLst>
+            <pc:docMk/>
+            <pc:sldMk cId="3696636401" sldId="506"/>
+            <ac:picMk id="7" creationId="{02C3C82A-AB2F-48F5-861D-62F8E67479FF}"/>
+          </ac:picMkLst>
+        </pc:picChg>
+        <pc:picChg chg="add mod">
+          <ac:chgData name="Khattab, Sherif" userId="c83b1e15-36f3-4f46-aceb-05aac24c545e" providerId="ADAL" clId="{20ECC735-6357-4521-A768-B7D7C3A147EB}" dt="2021-02-03T02:33:50.432" v="2829" actId="1076"/>
+          <ac:picMkLst>
+            <pc:docMk/>
+            <pc:sldMk cId="3696636401" sldId="506"/>
+            <ac:picMk id="11" creationId="{1DF00FAA-6BB4-4738-867A-9C5C29D0C6D6}"/>
+          </ac:picMkLst>
+        </pc:picChg>
+        <pc:picChg chg="add mod">
+          <ac:chgData name="Khattab, Sherif" userId="c83b1e15-36f3-4f46-aceb-05aac24c545e" providerId="ADAL" clId="{20ECC735-6357-4521-A768-B7D7C3A147EB}" dt="2021-02-03T02:35:33.615" v="2840" actId="14100"/>
+          <ac:picMkLst>
+            <pc:docMk/>
+            <pc:sldMk cId="3696636401" sldId="506"/>
+            <ac:picMk id="15" creationId="{E8FB8316-F2C2-4528-9B6F-A4148DF293DD}"/>
+          </ac:picMkLst>
+        </pc:picChg>
+        <pc:picChg chg="add mod">
+          <ac:chgData name="Khattab, Sherif" userId="c83b1e15-36f3-4f46-aceb-05aac24c545e" providerId="ADAL" clId="{20ECC735-6357-4521-A768-B7D7C3A147EB}" dt="2021-02-03T02:35:36.158" v="2841" actId="1076"/>
+          <ac:picMkLst>
+            <pc:docMk/>
+            <pc:sldMk cId="3696636401" sldId="506"/>
+            <ac:picMk id="17" creationId="{1C8E4C0D-BAAA-4416-8168-D817EC297918}"/>
+          </ac:picMkLst>
+        </pc:picChg>
+      </pc:sldChg>
+      <pc:sldChg chg="addSp modSp new mod">
+        <pc:chgData name="Khattab, Sherif" userId="c83b1e15-36f3-4f46-aceb-05aac24c545e" providerId="ADAL" clId="{20ECC735-6357-4521-A768-B7D7C3A147EB}" dt="2021-02-03T02:09:54.772" v="2820" actId="1076"/>
+        <pc:sldMkLst>
+          <pc:docMk/>
+          <pc:sldMk cId="3742099282" sldId="507"/>
+        </pc:sldMkLst>
+        <pc:spChg chg="mod">
+          <ac:chgData name="Khattab, Sherif" userId="c83b1e15-36f3-4f46-aceb-05aac24c545e" providerId="ADAL" clId="{20ECC735-6357-4521-A768-B7D7C3A147EB}" dt="2021-02-02T15:34:06.833" v="1600" actId="404"/>
+          <ac:spMkLst>
+            <pc:docMk/>
+            <pc:sldMk cId="3742099282" sldId="507"/>
+            <ac:spMk id="2" creationId="{E3658AD3-AF70-4629-BEA7-54DD04929497}"/>
+          </ac:spMkLst>
+        </pc:spChg>
+        <pc:spChg chg="mod">
+          <ac:chgData name="Khattab, Sherif" userId="c83b1e15-36f3-4f46-aceb-05aac24c545e" providerId="ADAL" clId="{20ECC735-6357-4521-A768-B7D7C3A147EB}" dt="2021-02-02T15:34:55.391" v="1757" actId="20577"/>
+          <ac:spMkLst>
+            <pc:docMk/>
+            <pc:sldMk cId="3742099282" sldId="507"/>
+            <ac:spMk id="3" creationId="{E25963B9-99F2-488F-8009-23E0F6DFA4AD}"/>
+          </ac:spMkLst>
+        </pc:spChg>
+        <pc:inkChg chg="add mod">
+          <ac:chgData name="Khattab, Sherif" userId="c83b1e15-36f3-4f46-aceb-05aac24c545e" providerId="ADAL" clId="{20ECC735-6357-4521-A768-B7D7C3A147EB}" dt="2021-02-03T02:09:54.772" v="2820" actId="1076"/>
+          <ac:inkMkLst>
+            <pc:docMk/>
+            <pc:sldMk cId="3742099282" sldId="507"/>
+            <ac:inkMk id="6" creationId="{8BAEC6B6-A621-46C2-B816-DF61416211BD}"/>
+          </ac:inkMkLst>
+        </pc:inkChg>
+      </pc:sldChg>
+      <pc:sldChg chg="modSp new del mod">
+        <pc:chgData name="Khattab, Sherif" userId="c83b1e15-36f3-4f46-aceb-05aac24c545e" providerId="ADAL" clId="{20ECC735-6357-4521-A768-B7D7C3A147EB}" dt="2021-02-02T18:53:29.232" v="2386" actId="47"/>
+        <pc:sldMkLst>
+          <pc:docMk/>
+          <pc:sldMk cId="559907490" sldId="508"/>
+        </pc:sldMkLst>
+        <pc:spChg chg="mod">
+          <ac:chgData name="Khattab, Sherif" userId="c83b1e15-36f3-4f46-aceb-05aac24c545e" providerId="ADAL" clId="{20ECC735-6357-4521-A768-B7D7C3A147EB}" dt="2021-02-02T15:36:42.803" v="1836" actId="20577"/>
+          <ac:spMkLst>
+            <pc:docMk/>
+            <pc:sldMk cId="559907490" sldId="508"/>
+            <ac:spMk id="3" creationId="{7E8DCFCF-6C1F-410B-BE84-85C57D7B23D5}"/>
+          </ac:spMkLst>
+        </pc:spChg>
+      </pc:sldChg>
+      <pc:sldChg chg="addSp delSp modSp new mod">
+        <pc:chgData name="Khattab, Sherif" userId="c83b1e15-36f3-4f46-aceb-05aac24c545e" providerId="ADAL" clId="{20ECC735-6357-4521-A768-B7D7C3A147EB}" dt="2021-02-02T15:39:58.731" v="1956" actId="1076"/>
+        <pc:sldMkLst>
+          <pc:docMk/>
+          <pc:sldMk cId="2870353729" sldId="509"/>
+        </pc:sldMkLst>
+        <pc:spChg chg="mod">
+          <ac:chgData name="Khattab, Sherif" userId="c83b1e15-36f3-4f46-aceb-05aac24c545e" providerId="ADAL" clId="{20ECC735-6357-4521-A768-B7D7C3A147EB}" dt="2021-02-02T15:39:28.836" v="1944" actId="20577"/>
+          <ac:spMkLst>
+            <pc:docMk/>
+            <pc:sldMk cId="2870353729" sldId="509"/>
+            <ac:spMk id="2" creationId="{B9D27392-A30A-4196-883E-AF3E9CA31013}"/>
+          </ac:spMkLst>
+        </pc:spChg>
+        <pc:spChg chg="del">
+          <ac:chgData name="Khattab, Sherif" userId="c83b1e15-36f3-4f46-aceb-05aac24c545e" providerId="ADAL" clId="{20ECC735-6357-4521-A768-B7D7C3A147EB}" dt="2021-02-02T15:39:35.416" v="1947" actId="478"/>
+          <ac:spMkLst>
+            <pc:docMk/>
+            <pc:sldMk cId="2870353729" sldId="509"/>
+            <ac:spMk id="3" creationId="{BA1F009A-2C7C-4A8B-BEB6-5617FADE5C9F}"/>
+          </ac:spMkLst>
+        </pc:spChg>
+        <pc:spChg chg="add mod">
+          <ac:chgData name="Khattab, Sherif" userId="c83b1e15-36f3-4f46-aceb-05aac24c545e" providerId="ADAL" clId="{20ECC735-6357-4521-A768-B7D7C3A147EB}" dt="2021-02-02T15:39:58.731" v="1956" actId="1076"/>
+          <ac:spMkLst>
+            <pc:docMk/>
+            <pc:sldMk cId="2870353729" sldId="509"/>
+            <ac:spMk id="6" creationId="{02B11C17-C690-4BA2-AE97-257D25685BA2}"/>
+          </ac:spMkLst>
+        </pc:spChg>
+      </pc:sldChg>
+      <pc:sldChg chg="modSp new mod">
+        <pc:chgData name="Khattab, Sherif" userId="c83b1e15-36f3-4f46-aceb-05aac24c545e" providerId="ADAL" clId="{20ECC735-6357-4521-A768-B7D7C3A147EB}" dt="2021-02-02T15:46:43.377" v="2192" actId="20577"/>
+        <pc:sldMkLst>
+          <pc:docMk/>
+          <pc:sldMk cId="3729759638" sldId="510"/>
+        </pc:sldMkLst>
+        <pc:spChg chg="mod">
+          <ac:chgData name="Khattab, Sherif" userId="c83b1e15-36f3-4f46-aceb-05aac24c545e" providerId="ADAL" clId="{20ECC735-6357-4521-A768-B7D7C3A147EB}" dt="2021-02-02T15:45:45.828" v="2031" actId="404"/>
+          <ac:spMkLst>
+            <pc:docMk/>
+            <pc:sldMk cId="3729759638" sldId="510"/>
+            <ac:spMk id="2" creationId="{EA27DDFF-AD74-4309-8137-7E56C6D9ABF0}"/>
+          </ac:spMkLst>
+        </pc:spChg>
+        <pc:spChg chg="mod">
+          <ac:chgData name="Khattab, Sherif" userId="c83b1e15-36f3-4f46-aceb-05aac24c545e" providerId="ADAL" clId="{20ECC735-6357-4521-A768-B7D7C3A147EB}" dt="2021-02-02T15:46:43.377" v="2192" actId="20577"/>
+          <ac:spMkLst>
+            <pc:docMk/>
+            <pc:sldMk cId="3729759638" sldId="510"/>
+            <ac:spMk id="3" creationId="{4042C3C0-12DA-4341-8E4B-6B5C7F4BF0C6}"/>
+          </ac:spMkLst>
+        </pc:spChg>
+      </pc:sldChg>
+      <pc:sldChg chg="modSp new del mod ord">
+        <pc:chgData name="Khattab, Sherif" userId="c83b1e15-36f3-4f46-aceb-05aac24c545e" providerId="ADAL" clId="{20ECC735-6357-4521-A768-B7D7C3A147EB}" dt="2021-02-02T18:53:24.417" v="2385" actId="47"/>
+        <pc:sldMkLst>
+          <pc:docMk/>
+          <pc:sldMk cId="1569223641" sldId="511"/>
+        </pc:sldMkLst>
+        <pc:spChg chg="mod">
+          <ac:chgData name="Khattab, Sherif" userId="c83b1e15-36f3-4f46-aceb-05aac24c545e" providerId="ADAL" clId="{20ECC735-6357-4521-A768-B7D7C3A147EB}" dt="2021-02-02T15:47:49.377" v="2223" actId="20577"/>
+          <ac:spMkLst>
+            <pc:docMk/>
+            <pc:sldMk cId="1569223641" sldId="511"/>
+            <ac:spMk id="2" creationId="{321B2A36-644B-4455-AAF1-D5AC3A501D84}"/>
+          </ac:spMkLst>
+        </pc:spChg>
+        <pc:spChg chg="mod">
+          <ac:chgData name="Khattab, Sherif" userId="c83b1e15-36f3-4f46-aceb-05aac24c545e" providerId="ADAL" clId="{20ECC735-6357-4521-A768-B7D7C3A147EB}" dt="2021-02-02T15:49:03.230" v="2378" actId="20577"/>
+          <ac:spMkLst>
+            <pc:docMk/>
+            <pc:sldMk cId="1569223641" sldId="511"/>
+            <ac:spMk id="3" creationId="{922277BB-8C70-4DB7-8013-E006AFF8A44D}"/>
+          </ac:spMkLst>
+        </pc:spChg>
+      </pc:sldChg>
+      <pc:sldChg chg="modSp new mod">
+        <pc:chgData name="Khattab, Sherif" userId="c83b1e15-36f3-4f46-aceb-05aac24c545e" providerId="ADAL" clId="{20ECC735-6357-4521-A768-B7D7C3A147EB}" dt="2021-02-02T19:39:34.158" v="2677" actId="20577"/>
+        <pc:sldMkLst>
+          <pc:docMk/>
+          <pc:sldMk cId="1591353735" sldId="511"/>
+        </pc:sldMkLst>
+        <pc:spChg chg="mod">
+          <ac:chgData name="Khattab, Sherif" userId="c83b1e15-36f3-4f46-aceb-05aac24c545e" providerId="ADAL" clId="{20ECC735-6357-4521-A768-B7D7C3A147EB}" dt="2021-02-02T19:38:01.515" v="2426" actId="20577"/>
+          <ac:spMkLst>
+            <pc:docMk/>
+            <pc:sldMk cId="1591353735" sldId="511"/>
+            <ac:spMk id="2" creationId="{7D38A7C9-4D12-4AD6-9D0C-96896D1174D6}"/>
+          </ac:spMkLst>
+        </pc:spChg>
+        <pc:spChg chg="mod">
+          <ac:chgData name="Khattab, Sherif" userId="c83b1e15-36f3-4f46-aceb-05aac24c545e" providerId="ADAL" clId="{20ECC735-6357-4521-A768-B7D7C3A147EB}" dt="2021-02-02T19:39:34.158" v="2677" actId="20577"/>
+          <ac:spMkLst>
+            <pc:docMk/>
+            <pc:sldMk cId="1591353735" sldId="511"/>
+            <ac:spMk id="3" creationId="{41FE772B-EE09-4082-9520-F2B439890E12}"/>
+          </ac:spMkLst>
+        </pc:spChg>
+      </pc:sldChg>
+      <pc:sldChg chg="addSp delSp modSp new mod">
+        <pc:chgData name="Khattab, Sherif" userId="c83b1e15-36f3-4f46-aceb-05aac24c545e" providerId="ADAL" clId="{20ECC735-6357-4521-A768-B7D7C3A147EB}" dt="2021-02-03T02:03:58.816" v="2712" actId="478"/>
+        <pc:sldMkLst>
+          <pc:docMk/>
+          <pc:sldMk cId="2021183208" sldId="512"/>
+        </pc:sldMkLst>
+        <pc:spChg chg="mod">
+          <ac:chgData name="Khattab, Sherif" userId="c83b1e15-36f3-4f46-aceb-05aac24c545e" providerId="ADAL" clId="{20ECC735-6357-4521-A768-B7D7C3A147EB}" dt="2021-02-03T02:03:41.865" v="2708" actId="20577"/>
+          <ac:spMkLst>
+            <pc:docMk/>
+            <pc:sldMk cId="2021183208" sldId="512"/>
+            <ac:spMk id="2" creationId="{32DBCD6D-0035-48A2-AE34-43966A977589}"/>
+          </ac:spMkLst>
+        </pc:spChg>
+        <pc:spChg chg="del">
+          <ac:chgData name="Khattab, Sherif" userId="c83b1e15-36f3-4f46-aceb-05aac24c545e" providerId="ADAL" clId="{20ECC735-6357-4521-A768-B7D7C3A147EB}" dt="2021-02-03T02:03:58.816" v="2712" actId="478"/>
+          <ac:spMkLst>
+            <pc:docMk/>
+            <pc:sldMk cId="2021183208" sldId="512"/>
+            <ac:spMk id="3" creationId="{BDC693FA-F8E9-42F7-AA6C-144282A297FC}"/>
+          </ac:spMkLst>
+        </pc:spChg>
+        <pc:picChg chg="add mod">
+          <ac:chgData name="Khattab, Sherif" userId="c83b1e15-36f3-4f46-aceb-05aac24c545e" providerId="ADAL" clId="{20ECC735-6357-4521-A768-B7D7C3A147EB}" dt="2021-02-03T02:03:51.036" v="2711" actId="1076"/>
+          <ac:picMkLst>
+            <pc:docMk/>
+            <pc:sldMk cId="2021183208" sldId="512"/>
+            <ac:picMk id="7" creationId="{C19DB90B-C6A6-42C5-B88F-C71C9FC4E150}"/>
+          </ac:picMkLst>
+        </pc:picChg>
+      </pc:sldChg>
+      <pc:sldChg chg="addSp delSp modSp new mod">
+        <pc:chgData name="Khattab, Sherif" userId="c83b1e15-36f3-4f46-aceb-05aac24c545e" providerId="ADAL" clId="{20ECC735-6357-4521-A768-B7D7C3A147EB}" dt="2021-02-03T02:04:50.415" v="2740" actId="478"/>
+        <pc:sldMkLst>
+          <pc:docMk/>
+          <pc:sldMk cId="610542854" sldId="513"/>
+        </pc:sldMkLst>
+        <pc:spChg chg="mod">
+          <ac:chgData name="Khattab, Sherif" userId="c83b1e15-36f3-4f46-aceb-05aac24c545e" providerId="ADAL" clId="{20ECC735-6357-4521-A768-B7D7C3A147EB}" dt="2021-02-03T02:04:20.844" v="2732" actId="20577"/>
+          <ac:spMkLst>
+            <pc:docMk/>
+            <pc:sldMk cId="610542854" sldId="513"/>
+            <ac:spMk id="2" creationId="{918C6E05-8262-4512-A679-068F841EA2FF}"/>
+          </ac:spMkLst>
+        </pc:spChg>
+        <pc:spChg chg="del">
+          <ac:chgData name="Khattab, Sherif" userId="c83b1e15-36f3-4f46-aceb-05aac24c545e" providerId="ADAL" clId="{20ECC735-6357-4521-A768-B7D7C3A147EB}" dt="2021-02-03T02:04:50.415" v="2740" actId="478"/>
+          <ac:spMkLst>
+            <pc:docMk/>
+            <pc:sldMk cId="610542854" sldId="513"/>
+            <ac:spMk id="3" creationId="{15B3AA76-90F6-4CEA-A1CF-1A6D0BD679F5}"/>
+          </ac:spMkLst>
+        </pc:spChg>
+        <pc:inkChg chg="add mod">
+          <ac:chgData name="Khattab, Sherif" userId="c83b1e15-36f3-4f46-aceb-05aac24c545e" providerId="ADAL" clId="{20ECC735-6357-4521-A768-B7D7C3A147EB}" dt="2021-02-03T02:04:48.342" v="2739" actId="1076"/>
+          <ac:inkMkLst>
+            <pc:docMk/>
+            <pc:sldMk cId="610542854" sldId="513"/>
+            <ac:inkMk id="6" creationId="{3C87F779-8B4B-483E-A809-6825D9C5ECEE}"/>
+          </ac:inkMkLst>
+        </pc:inkChg>
+      </pc:sldChg>
+      <pc:sldChg chg="addSp delSp modSp new mod">
+        <pc:chgData name="Khattab, Sherif" userId="c83b1e15-36f3-4f46-aceb-05aac24c545e" providerId="ADAL" clId="{20ECC735-6357-4521-A768-B7D7C3A147EB}" dt="2021-02-03T02:05:37.766" v="2770" actId="478"/>
+        <pc:sldMkLst>
+          <pc:docMk/>
+          <pc:sldMk cId="4263135937" sldId="514"/>
+        </pc:sldMkLst>
+        <pc:spChg chg="mod">
+          <ac:chgData name="Khattab, Sherif" userId="c83b1e15-36f3-4f46-aceb-05aac24c545e" providerId="ADAL" clId="{20ECC735-6357-4521-A768-B7D7C3A147EB}" dt="2021-02-03T02:05:26.564" v="2766" actId="20577"/>
+          <ac:spMkLst>
+            <pc:docMk/>
+            <pc:sldMk cId="4263135937" sldId="514"/>
+            <ac:spMk id="2" creationId="{0DD4D5B7-74D2-4794-B22F-E7CCC2D5366F}"/>
+          </ac:spMkLst>
+        </pc:spChg>
+        <pc:spChg chg="del">
+          <ac:chgData name="Khattab, Sherif" userId="c83b1e15-36f3-4f46-aceb-05aac24c545e" providerId="ADAL" clId="{20ECC735-6357-4521-A768-B7D7C3A147EB}" dt="2021-02-03T02:05:37.766" v="2770" actId="478"/>
+          <ac:spMkLst>
+            <pc:docMk/>
+            <pc:sldMk cId="4263135937" sldId="514"/>
+            <ac:spMk id="3" creationId="{E610CB8E-21A6-448A-840B-D9F78432C461}"/>
+          </ac:spMkLst>
+        </pc:spChg>
+        <pc:picChg chg="add mod">
+          <ac:chgData name="Khattab, Sherif" userId="c83b1e15-36f3-4f46-aceb-05aac24c545e" providerId="ADAL" clId="{20ECC735-6357-4521-A768-B7D7C3A147EB}" dt="2021-02-03T02:05:35.471" v="2769" actId="1076"/>
+          <ac:picMkLst>
+            <pc:docMk/>
+            <pc:sldMk cId="4263135937" sldId="514"/>
+            <ac:picMk id="7" creationId="{5F5F7E71-8D48-4643-8EDE-08B6D3E65304}"/>
+          </ac:picMkLst>
+        </pc:picChg>
+      </pc:sldChg>
+      <pc:sldChg chg="addSp delSp modSp new mod">
+        <pc:chgData name="Khattab, Sherif" userId="c83b1e15-36f3-4f46-aceb-05aac24c545e" providerId="ADAL" clId="{20ECC735-6357-4521-A768-B7D7C3A147EB}" dt="2021-02-03T02:06:39.672" v="2790" actId="1076"/>
+        <pc:sldMkLst>
+          <pc:docMk/>
+          <pc:sldMk cId="3258818256" sldId="515"/>
+        </pc:sldMkLst>
+        <pc:spChg chg="mod">
+          <ac:chgData name="Khattab, Sherif" userId="c83b1e15-36f3-4f46-aceb-05aac24c545e" providerId="ADAL" clId="{20ECC735-6357-4521-A768-B7D7C3A147EB}" dt="2021-02-03T02:06:02.775" v="2781" actId="20577"/>
+          <ac:spMkLst>
+            <pc:docMk/>
+            <pc:sldMk cId="3258818256" sldId="515"/>
+            <ac:spMk id="2" creationId="{094ADF86-52C2-43B2-931E-DAF8D43B0522}"/>
+          </ac:spMkLst>
+        </pc:spChg>
+        <pc:spChg chg="del">
+          <ac:chgData name="Khattab, Sherif" userId="c83b1e15-36f3-4f46-aceb-05aac24c545e" providerId="ADAL" clId="{20ECC735-6357-4521-A768-B7D7C3A147EB}" dt="2021-02-03T02:06:37.517" v="2789" actId="478"/>
+          <ac:spMkLst>
+            <pc:docMk/>
+            <pc:sldMk cId="3258818256" sldId="515"/>
+            <ac:spMk id="3" creationId="{82FAF7F8-A6D7-43F1-A6E8-DD53FB5D3867}"/>
+          </ac:spMkLst>
+        </pc:spChg>
+        <pc:picChg chg="add del mod">
+          <ac:chgData name="Khattab, Sherif" userId="c83b1e15-36f3-4f46-aceb-05aac24c545e" providerId="ADAL" clId="{20ECC735-6357-4521-A768-B7D7C3A147EB}" dt="2021-02-03T02:06:15.520" v="2786" actId="478"/>
+          <ac:picMkLst>
+            <pc:docMk/>
+            <pc:sldMk cId="3258818256" sldId="515"/>
+            <ac:picMk id="7" creationId="{8C9AD129-60A2-4F01-BD39-2FF7D0765727}"/>
+          </ac:picMkLst>
+        </pc:picChg>
+        <pc:picChg chg="add mod">
+          <ac:chgData name="Khattab, Sherif" userId="c83b1e15-36f3-4f46-aceb-05aac24c545e" providerId="ADAL" clId="{20ECC735-6357-4521-A768-B7D7C3A147EB}" dt="2021-02-03T02:06:39.672" v="2790" actId="1076"/>
+          <ac:picMkLst>
+            <pc:docMk/>
+            <pc:sldMk cId="3258818256" sldId="515"/>
+            <ac:picMk id="9" creationId="{29649FB6-F52E-41CA-BEBF-6C7D090B81B2}"/>
+          </ac:picMkLst>
+        </pc:picChg>
       </pc:sldChg>
     </pc:docChg>
   </pc:docChgLst>
   <pc:docChgLst>
-    <pc:chgData name="Khattab, Sherif" userId="c83b1e15-36f3-4f46-aceb-05aac24c545e" providerId="ADAL" clId="{FE92C68B-4A2B-491A-802D-9A016E970098}"/>
-    <pc:docChg chg="addSld modSld">
-      <pc:chgData name="Khattab, Sherif" userId="c83b1e15-36f3-4f46-aceb-05aac24c545e" providerId="ADAL" clId="{FE92C68B-4A2B-491A-802D-9A016E970098}" dt="2021-01-21T02:52:14.809" v="71" actId="20577"/>
+    <pc:chgData name="Khattab, Sherif" userId="c83b1e15-36f3-4f46-aceb-05aac24c545e" providerId="ADAL" clId="{5F09FCE5-F154-4D88-AC66-12528CFE1849}"/>
+    <pc:docChg chg="delSld">
+      <pc:chgData name="Khattab, Sherif" userId="c83b1e15-36f3-4f46-aceb-05aac24c545e" providerId="ADAL" clId="{5F09FCE5-F154-4D88-AC66-12528CFE1849}" dt="2022-01-18T05:31:17.667" v="0" actId="2696"/>
       <pc:docMkLst>
         <pc:docMk/>
       </pc:docMkLst>
-      <pc:sldChg chg="modSp mod">
-        <pc:chgData name="Khattab, Sherif" userId="c83b1e15-36f3-4f46-aceb-05aac24c545e" providerId="ADAL" clId="{FE92C68B-4A2B-491A-802D-9A016E970098}" dt="2021-01-21T02:51:24.200" v="12" actId="20577"/>
+      <pc:sldChg chg="del">
+        <pc:chgData name="Khattab, Sherif" userId="c83b1e15-36f3-4f46-aceb-05aac24c545e" providerId="ADAL" clId="{5F09FCE5-F154-4D88-AC66-12528CFE1849}" dt="2022-01-18T05:31:17.667" v="0" actId="2696"/>
+        <pc:sldMkLst>
+          <pc:docMk/>
+          <pc:sldMk cId="306268545" sldId="282"/>
+        </pc:sldMkLst>
+      </pc:sldChg>
+      <pc:sldChg chg="del">
+        <pc:chgData name="Khattab, Sherif" userId="c83b1e15-36f3-4f46-aceb-05aac24c545e" providerId="ADAL" clId="{5F09FCE5-F154-4D88-AC66-12528CFE1849}" dt="2022-01-18T05:31:17.667" v="0" actId="2696"/>
+        <pc:sldMkLst>
+          <pc:docMk/>
+          <pc:sldMk cId="4120720973" sldId="503"/>
+        </pc:sldMkLst>
+      </pc:sldChg>
+      <pc:sldChg chg="del">
+        <pc:chgData name="Khattab, Sherif" userId="c83b1e15-36f3-4f46-aceb-05aac24c545e" providerId="ADAL" clId="{5F09FCE5-F154-4D88-AC66-12528CFE1849}" dt="2022-01-18T05:31:17.667" v="0" actId="2696"/>
+        <pc:sldMkLst>
+          <pc:docMk/>
+          <pc:sldMk cId="2093362943" sldId="508"/>
+        </pc:sldMkLst>
+      </pc:sldChg>
+      <pc:sldChg chg="del">
+        <pc:chgData name="Khattab, Sherif" userId="c83b1e15-36f3-4f46-aceb-05aac24c545e" providerId="ADAL" clId="{5F09FCE5-F154-4D88-AC66-12528CFE1849}" dt="2022-01-18T05:31:17.667" v="0" actId="2696"/>
+        <pc:sldMkLst>
+          <pc:docMk/>
+          <pc:sldMk cId="1525193433" sldId="511"/>
+        </pc:sldMkLst>
+      </pc:sldChg>
+      <pc:sldChg chg="del">
+        <pc:chgData name="Khattab, Sherif" userId="c83b1e15-36f3-4f46-aceb-05aac24c545e" providerId="ADAL" clId="{5F09FCE5-F154-4D88-AC66-12528CFE1849}" dt="2022-01-18T05:31:17.667" v="0" actId="2696"/>
+        <pc:sldMkLst>
+          <pc:docMk/>
+          <pc:sldMk cId="2021183208" sldId="512"/>
+        </pc:sldMkLst>
+      </pc:sldChg>
+      <pc:sldChg chg="del">
+        <pc:chgData name="Khattab, Sherif" userId="c83b1e15-36f3-4f46-aceb-05aac24c545e" providerId="ADAL" clId="{5F09FCE5-F154-4D88-AC66-12528CFE1849}" dt="2022-01-18T05:31:17.667" v="0" actId="2696"/>
+        <pc:sldMkLst>
+          <pc:docMk/>
+          <pc:sldMk cId="1845419114" sldId="517"/>
+        </pc:sldMkLst>
+      </pc:sldChg>
+      <pc:sldChg chg="del">
+        <pc:chgData name="Khattab, Sherif" userId="c83b1e15-36f3-4f46-aceb-05aac24c545e" providerId="ADAL" clId="{5F09FCE5-F154-4D88-AC66-12528CFE1849}" dt="2022-01-18T05:31:17.667" v="0" actId="2696"/>
+        <pc:sldMkLst>
+          <pc:docMk/>
+          <pc:sldMk cId="2804781805" sldId="518"/>
+        </pc:sldMkLst>
+      </pc:sldChg>
+    </pc:docChg>
+  </pc:docChgLst>
+  <pc:docChgLst>
+    <pc:chgData name="Khattab, Sherif" userId="c83b1e15-36f3-4f46-aceb-05aac24c545e" providerId="ADAL" clId="{7AAB9037-D3E7-4E95-95C6-0CA90313E5B6}"/>
+    <pc:docChg chg="modSld">
+      <pc:chgData name="Khattab, Sherif" userId="c83b1e15-36f3-4f46-aceb-05aac24c545e" providerId="ADAL" clId="{7AAB9037-D3E7-4E95-95C6-0CA90313E5B6}" dt="2023-01-12T18:45:17.516" v="4"/>
+      <pc:docMkLst>
+        <pc:docMk/>
+      </pc:docMkLst>
+      <pc:sldChg chg="addSp modSp mod">
+        <pc:chgData name="Khattab, Sherif" userId="c83b1e15-36f3-4f46-aceb-05aac24c545e" providerId="ADAL" clId="{7AAB9037-D3E7-4E95-95C6-0CA90313E5B6}" dt="2023-01-12T18:45:17.516" v="4"/>
         <pc:sldMkLst>
           <pc:docMk/>
           <pc:sldMk cId="1330366002" sldId="454"/>
         </pc:sldMkLst>
         <pc:spChg chg="mod">
-          <ac:chgData name="Khattab, Sherif" userId="c83b1e15-36f3-4f46-aceb-05aac24c545e" providerId="ADAL" clId="{FE92C68B-4A2B-491A-802D-9A016E970098}" dt="2021-01-21T02:51:24.200" v="12" actId="20577"/>
+          <ac:chgData name="Khattab, Sherif" userId="c83b1e15-36f3-4f46-aceb-05aac24c545e" providerId="ADAL" clId="{7AAB9037-D3E7-4E95-95C6-0CA90313E5B6}" dt="2023-01-12T18:45:15.155" v="1" actId="20577"/>
+          <ac:spMkLst>
+            <pc:docMk/>
+            <pc:sldMk cId="1330366002" sldId="454"/>
+            <ac:spMk id="2" creationId="{00000000-0000-0000-0000-000000000000}"/>
+          </ac:spMkLst>
+        </pc:spChg>
+        <pc:spChg chg="mod">
+          <ac:chgData name="Khattab, Sherif" userId="c83b1e15-36f3-4f46-aceb-05aac24c545e" providerId="ADAL" clId="{7AAB9037-D3E7-4E95-95C6-0CA90313E5B6}" dt="2023-01-12T18:45:16.945" v="3" actId="20577"/>
           <ac:spMkLst>
             <pc:docMk/>
             <pc:sldMk cId="1330366002" sldId="454"/>
             <ac:spMk id="3" creationId="{00000000-0000-0000-0000-000000000000}"/>
           </ac:spMkLst>
         </pc:spChg>
-      </pc:sldChg>
-      <pc:sldChg chg="modSp new mod">
-        <pc:chgData name="Khattab, Sherif" userId="c83b1e15-36f3-4f46-aceb-05aac24c545e" providerId="ADAL" clId="{FE92C68B-4A2B-491A-802D-9A016E970098}" dt="2021-01-21T02:52:14.809" v="71" actId="20577"/>
-        <pc:sldMkLst>
-          <pc:docMk/>
-          <pc:sldMk cId="702367729" sldId="496"/>
-        </pc:sldMkLst>
-        <pc:spChg chg="mod">
-          <ac:chgData name="Khattab, Sherif" userId="c83b1e15-36f3-4f46-aceb-05aac24c545e" providerId="ADAL" clId="{FE92C68B-4A2B-491A-802D-9A016E970098}" dt="2021-01-21T02:51:45.117" v="26" actId="20577"/>
-          <ac:spMkLst>
-            <pc:docMk/>
-            <pc:sldMk cId="702367729" sldId="496"/>
-            <ac:spMk id="2" creationId="{AB9EA720-F5B4-463B-B14C-1970BB85B2C8}"/>
-          </ac:spMkLst>
-        </pc:spChg>
-        <pc:spChg chg="mod">
-          <ac:chgData name="Khattab, Sherif" userId="c83b1e15-36f3-4f46-aceb-05aac24c545e" providerId="ADAL" clId="{FE92C68B-4A2B-491A-802D-9A016E970098}" dt="2021-01-21T02:52:14.809" v="71" actId="20577"/>
-          <ac:spMkLst>
-            <pc:docMk/>
-            <pc:sldMk cId="702367729" sldId="496"/>
-            <ac:spMk id="3" creationId="{2466C52D-9A48-4683-BE7F-268D8DB7FAAD}"/>
-          </ac:spMkLst>
-        </pc:spChg>
+        <pc:picChg chg="add mod">
+          <ac:chgData name="Khattab, Sherif" userId="c83b1e15-36f3-4f46-aceb-05aac24c545e" providerId="ADAL" clId="{7AAB9037-D3E7-4E95-95C6-0CA90313E5B6}" dt="2023-01-12T18:45:17.516" v="4"/>
+          <ac:picMkLst>
+            <pc:docMk/>
+            <pc:sldMk cId="1330366002" sldId="454"/>
+            <ac:picMk id="5" creationId="{47B16E2A-546A-DECB-F4DE-5FD4F1E08D9F}"/>
+          </ac:picMkLst>
+        </pc:picChg>
       </pc:sldChg>
     </pc:docChg>
   </pc:docChgLst>
@@ -8296,474 +8804,6 @@
             <ac:spMk id="114694" creationId="{BBDAC104-BD98-9A47-A516-EE144AE2C4FF}"/>
           </ac:spMkLst>
         </pc:spChg>
-      </pc:sldChg>
-    </pc:docChg>
-  </pc:docChgLst>
-  <pc:docChgLst>
-    <pc:chgData name="Khattab, Sherif" userId="c83b1e15-36f3-4f46-aceb-05aac24c545e" providerId="ADAL" clId="{00771379-563B-405F-813C-A6D6F2B0CDAD}"/>
-    <pc:docChg chg="modSld">
-      <pc:chgData name="Khattab, Sherif" userId="c83b1e15-36f3-4f46-aceb-05aac24c545e" providerId="ADAL" clId="{00771379-563B-405F-813C-A6D6F2B0CDAD}" dt="2020-09-08T04:21:57.867" v="3" actId="20577"/>
-      <pc:docMkLst>
-        <pc:docMk/>
-      </pc:docMkLst>
-      <pc:sldChg chg="modSp mod">
-        <pc:chgData name="Khattab, Sherif" userId="c83b1e15-36f3-4f46-aceb-05aac24c545e" providerId="ADAL" clId="{00771379-563B-405F-813C-A6D6F2B0CDAD}" dt="2020-09-08T04:21:57.867" v="3" actId="20577"/>
-        <pc:sldMkLst>
-          <pc:docMk/>
-          <pc:sldMk cId="1330366002" sldId="454"/>
-        </pc:sldMkLst>
-        <pc:spChg chg="mod">
-          <ac:chgData name="Khattab, Sherif" userId="c83b1e15-36f3-4f46-aceb-05aac24c545e" providerId="ADAL" clId="{00771379-563B-405F-813C-A6D6F2B0CDAD}" dt="2020-09-08T04:21:57.867" v="3" actId="20577"/>
-          <ac:spMkLst>
-            <pc:docMk/>
-            <pc:sldMk cId="1330366002" sldId="454"/>
-            <ac:spMk id="3" creationId="{00000000-0000-0000-0000-000000000000}"/>
-          </ac:spMkLst>
-        </pc:spChg>
-      </pc:sldChg>
-    </pc:docChg>
-  </pc:docChgLst>
-  <pc:docChgLst>
-    <pc:chgData name="Khattab, Sherif" userId="c83b1e15-36f3-4f46-aceb-05aac24c545e" providerId="ADAL" clId="{5F09FCE5-F154-4D88-AC66-12528CFE1849}"/>
-    <pc:docChg chg="delSld">
-      <pc:chgData name="Khattab, Sherif" userId="c83b1e15-36f3-4f46-aceb-05aac24c545e" providerId="ADAL" clId="{5F09FCE5-F154-4D88-AC66-12528CFE1849}" dt="2022-01-18T05:31:17.667" v="0" actId="2696"/>
-      <pc:docMkLst>
-        <pc:docMk/>
-      </pc:docMkLst>
-      <pc:sldChg chg="del">
-        <pc:chgData name="Khattab, Sherif" userId="c83b1e15-36f3-4f46-aceb-05aac24c545e" providerId="ADAL" clId="{5F09FCE5-F154-4D88-AC66-12528CFE1849}" dt="2022-01-18T05:31:17.667" v="0" actId="2696"/>
-        <pc:sldMkLst>
-          <pc:docMk/>
-          <pc:sldMk cId="306268545" sldId="282"/>
-        </pc:sldMkLst>
-      </pc:sldChg>
-      <pc:sldChg chg="del">
-        <pc:chgData name="Khattab, Sherif" userId="c83b1e15-36f3-4f46-aceb-05aac24c545e" providerId="ADAL" clId="{5F09FCE5-F154-4D88-AC66-12528CFE1849}" dt="2022-01-18T05:31:17.667" v="0" actId="2696"/>
-        <pc:sldMkLst>
-          <pc:docMk/>
-          <pc:sldMk cId="4120720973" sldId="503"/>
-        </pc:sldMkLst>
-      </pc:sldChg>
-      <pc:sldChg chg="del">
-        <pc:chgData name="Khattab, Sherif" userId="c83b1e15-36f3-4f46-aceb-05aac24c545e" providerId="ADAL" clId="{5F09FCE5-F154-4D88-AC66-12528CFE1849}" dt="2022-01-18T05:31:17.667" v="0" actId="2696"/>
-        <pc:sldMkLst>
-          <pc:docMk/>
-          <pc:sldMk cId="2093362943" sldId="508"/>
-        </pc:sldMkLst>
-      </pc:sldChg>
-      <pc:sldChg chg="del">
-        <pc:chgData name="Khattab, Sherif" userId="c83b1e15-36f3-4f46-aceb-05aac24c545e" providerId="ADAL" clId="{5F09FCE5-F154-4D88-AC66-12528CFE1849}" dt="2022-01-18T05:31:17.667" v="0" actId="2696"/>
-        <pc:sldMkLst>
-          <pc:docMk/>
-          <pc:sldMk cId="1525193433" sldId="511"/>
-        </pc:sldMkLst>
-      </pc:sldChg>
-      <pc:sldChg chg="del">
-        <pc:chgData name="Khattab, Sherif" userId="c83b1e15-36f3-4f46-aceb-05aac24c545e" providerId="ADAL" clId="{5F09FCE5-F154-4D88-AC66-12528CFE1849}" dt="2022-01-18T05:31:17.667" v="0" actId="2696"/>
-        <pc:sldMkLst>
-          <pc:docMk/>
-          <pc:sldMk cId="2021183208" sldId="512"/>
-        </pc:sldMkLst>
-      </pc:sldChg>
-      <pc:sldChg chg="del">
-        <pc:chgData name="Khattab, Sherif" userId="c83b1e15-36f3-4f46-aceb-05aac24c545e" providerId="ADAL" clId="{5F09FCE5-F154-4D88-AC66-12528CFE1849}" dt="2022-01-18T05:31:17.667" v="0" actId="2696"/>
-        <pc:sldMkLst>
-          <pc:docMk/>
-          <pc:sldMk cId="1845419114" sldId="517"/>
-        </pc:sldMkLst>
-      </pc:sldChg>
-      <pc:sldChg chg="del">
-        <pc:chgData name="Khattab, Sherif" userId="c83b1e15-36f3-4f46-aceb-05aac24c545e" providerId="ADAL" clId="{5F09FCE5-F154-4D88-AC66-12528CFE1849}" dt="2022-01-18T05:31:17.667" v="0" actId="2696"/>
-        <pc:sldMkLst>
-          <pc:docMk/>
-          <pc:sldMk cId="2804781805" sldId="518"/>
-        </pc:sldMkLst>
-      </pc:sldChg>
-    </pc:docChg>
-  </pc:docChgLst>
-  <pc:docChgLst>
-    <pc:chgData name="Khattab, Sherif" userId="c83b1e15-36f3-4f46-aceb-05aac24c545e" providerId="ADAL" clId="{D3B568BB-B39E-460C-8C5D-693AE1E68CC4}"/>
-    <pc:docChg chg="undo custSel addSld delSld modSld sldOrd">
-      <pc:chgData name="Khattab, Sherif" userId="c83b1e15-36f3-4f46-aceb-05aac24c545e" providerId="ADAL" clId="{D3B568BB-B39E-460C-8C5D-693AE1E68CC4}" dt="2021-09-16T16:05:14.012" v="201" actId="2696"/>
-      <pc:docMkLst>
-        <pc:docMk/>
-      </pc:docMkLst>
-      <pc:sldChg chg="add">
-        <pc:chgData name="Khattab, Sherif" userId="c83b1e15-36f3-4f46-aceb-05aac24c545e" providerId="ADAL" clId="{D3B568BB-B39E-460C-8C5D-693AE1E68CC4}" dt="2021-09-13T21:49:00.407" v="1"/>
-        <pc:sldMkLst>
-          <pc:docMk/>
-          <pc:sldMk cId="306268545" sldId="282"/>
-        </pc:sldMkLst>
-      </pc:sldChg>
-      <pc:sldChg chg="add del">
-        <pc:chgData name="Khattab, Sherif" userId="c83b1e15-36f3-4f46-aceb-05aac24c545e" providerId="ADAL" clId="{D3B568BB-B39E-460C-8C5D-693AE1E68CC4}" dt="2021-09-16T16:05:14.012" v="201" actId="2696"/>
-        <pc:sldMkLst>
-          <pc:docMk/>
-          <pc:sldMk cId="2710637777" sldId="322"/>
-        </pc:sldMkLst>
-      </pc:sldChg>
-      <pc:sldChg chg="add del">
-        <pc:chgData name="Khattab, Sherif" userId="c83b1e15-36f3-4f46-aceb-05aac24c545e" providerId="ADAL" clId="{D3B568BB-B39E-460C-8C5D-693AE1E68CC4}" dt="2021-09-16T16:05:14.012" v="201" actId="2696"/>
-        <pc:sldMkLst>
-          <pc:docMk/>
-          <pc:sldMk cId="3292918179" sldId="324"/>
-        </pc:sldMkLst>
-      </pc:sldChg>
-      <pc:sldChg chg="add del">
-        <pc:chgData name="Khattab, Sherif" userId="c83b1e15-36f3-4f46-aceb-05aac24c545e" providerId="ADAL" clId="{D3B568BB-B39E-460C-8C5D-693AE1E68CC4}" dt="2021-09-16T16:05:14.012" v="201" actId="2696"/>
-        <pc:sldMkLst>
-          <pc:docMk/>
-          <pc:sldMk cId="434376579" sldId="363"/>
-        </pc:sldMkLst>
-      </pc:sldChg>
-      <pc:sldChg chg="add del">
-        <pc:chgData name="Khattab, Sherif" userId="c83b1e15-36f3-4f46-aceb-05aac24c545e" providerId="ADAL" clId="{D3B568BB-B39E-460C-8C5D-693AE1E68CC4}" dt="2021-09-16T16:05:14.012" v="201" actId="2696"/>
-        <pc:sldMkLst>
-          <pc:docMk/>
-          <pc:sldMk cId="815621424" sldId="364"/>
-        </pc:sldMkLst>
-      </pc:sldChg>
-      <pc:sldChg chg="add del">
-        <pc:chgData name="Khattab, Sherif" userId="c83b1e15-36f3-4f46-aceb-05aac24c545e" providerId="ADAL" clId="{D3B568BB-B39E-460C-8C5D-693AE1E68CC4}" dt="2021-09-16T16:05:14.012" v="201" actId="2696"/>
-        <pc:sldMkLst>
-          <pc:docMk/>
-          <pc:sldMk cId="2251973667" sldId="367"/>
-        </pc:sldMkLst>
-      </pc:sldChg>
-      <pc:sldChg chg="add del">
-        <pc:chgData name="Khattab, Sherif" userId="c83b1e15-36f3-4f46-aceb-05aac24c545e" providerId="ADAL" clId="{D3B568BB-B39E-460C-8C5D-693AE1E68CC4}" dt="2021-09-16T16:05:14.012" v="201" actId="2696"/>
-        <pc:sldMkLst>
-          <pc:docMk/>
-          <pc:sldMk cId="3138501136" sldId="368"/>
-        </pc:sldMkLst>
-      </pc:sldChg>
-      <pc:sldChg chg="del">
-        <pc:chgData name="Khattab, Sherif" userId="c83b1e15-36f3-4f46-aceb-05aac24c545e" providerId="ADAL" clId="{D3B568BB-B39E-460C-8C5D-693AE1E68CC4}" dt="2021-09-16T16:05:14.012" v="201" actId="2696"/>
-        <pc:sldMkLst>
-          <pc:docMk/>
-          <pc:sldMk cId="3210992163" sldId="369"/>
-        </pc:sldMkLst>
-      </pc:sldChg>
-      <pc:sldChg chg="del">
-        <pc:chgData name="Khattab, Sherif" userId="c83b1e15-36f3-4f46-aceb-05aac24c545e" providerId="ADAL" clId="{D3B568BB-B39E-460C-8C5D-693AE1E68CC4}" dt="2021-09-16T16:05:14.012" v="201" actId="2696"/>
-        <pc:sldMkLst>
-          <pc:docMk/>
-          <pc:sldMk cId="4013065491" sldId="370"/>
-        </pc:sldMkLst>
-      </pc:sldChg>
-      <pc:sldChg chg="del">
-        <pc:chgData name="Khattab, Sherif" userId="c83b1e15-36f3-4f46-aceb-05aac24c545e" providerId="ADAL" clId="{D3B568BB-B39E-460C-8C5D-693AE1E68CC4}" dt="2021-09-16T16:05:14.012" v="201" actId="2696"/>
-        <pc:sldMkLst>
-          <pc:docMk/>
-          <pc:sldMk cId="2592968416" sldId="371"/>
-        </pc:sldMkLst>
-      </pc:sldChg>
-      <pc:sldChg chg="del">
-        <pc:chgData name="Khattab, Sherif" userId="c83b1e15-36f3-4f46-aceb-05aac24c545e" providerId="ADAL" clId="{D3B568BB-B39E-460C-8C5D-693AE1E68CC4}" dt="2021-09-16T16:05:14.012" v="201" actId="2696"/>
-        <pc:sldMkLst>
-          <pc:docMk/>
-          <pc:sldMk cId="3848335379" sldId="372"/>
-        </pc:sldMkLst>
-      </pc:sldChg>
-      <pc:sldChg chg="del">
-        <pc:chgData name="Khattab, Sherif" userId="c83b1e15-36f3-4f46-aceb-05aac24c545e" providerId="ADAL" clId="{D3B568BB-B39E-460C-8C5D-693AE1E68CC4}" dt="2021-09-16T16:05:14.012" v="201" actId="2696"/>
-        <pc:sldMkLst>
-          <pc:docMk/>
-          <pc:sldMk cId="3161117264" sldId="373"/>
-        </pc:sldMkLst>
-      </pc:sldChg>
-      <pc:sldChg chg="del">
-        <pc:chgData name="Khattab, Sherif" userId="c83b1e15-36f3-4f46-aceb-05aac24c545e" providerId="ADAL" clId="{D3B568BB-B39E-460C-8C5D-693AE1E68CC4}" dt="2021-09-16T16:05:14.012" v="201" actId="2696"/>
-        <pc:sldMkLst>
-          <pc:docMk/>
-          <pc:sldMk cId="583513582" sldId="377"/>
-        </pc:sldMkLst>
-      </pc:sldChg>
-      <pc:sldChg chg="modSp add">
-        <pc:chgData name="Khattab, Sherif" userId="c83b1e15-36f3-4f46-aceb-05aac24c545e" providerId="ADAL" clId="{D3B568BB-B39E-460C-8C5D-693AE1E68CC4}" dt="2021-09-14T16:14:08.033" v="13" actId="20577"/>
-        <pc:sldMkLst>
-          <pc:docMk/>
-          <pc:sldMk cId="702367729" sldId="496"/>
-        </pc:sldMkLst>
-        <pc:spChg chg="mod">
-          <ac:chgData name="Khattab, Sherif" userId="c83b1e15-36f3-4f46-aceb-05aac24c545e" providerId="ADAL" clId="{D3B568BB-B39E-460C-8C5D-693AE1E68CC4}" dt="2021-09-14T16:14:08.033" v="13" actId="20577"/>
-          <ac:spMkLst>
-            <pc:docMk/>
-            <pc:sldMk cId="702367729" sldId="496"/>
-            <ac:spMk id="3" creationId="{2466C52D-9A48-4683-BE7F-268D8DB7FAAD}"/>
-          </ac:spMkLst>
-        </pc:spChg>
-      </pc:sldChg>
-      <pc:sldChg chg="del">
-        <pc:chgData name="Khattab, Sherif" userId="c83b1e15-36f3-4f46-aceb-05aac24c545e" providerId="ADAL" clId="{D3B568BB-B39E-460C-8C5D-693AE1E68CC4}" dt="2021-09-16T16:05:14.012" v="201" actId="2696"/>
-        <pc:sldMkLst>
-          <pc:docMk/>
-          <pc:sldMk cId="2782489002" sldId="497"/>
-        </pc:sldMkLst>
-      </pc:sldChg>
-      <pc:sldChg chg="modSp del mod">
-        <pc:chgData name="Khattab, Sherif" userId="c83b1e15-36f3-4f46-aceb-05aac24c545e" providerId="ADAL" clId="{D3B568BB-B39E-460C-8C5D-693AE1E68CC4}" dt="2021-09-14T16:13:53.392" v="8" actId="47"/>
-        <pc:sldMkLst>
-          <pc:docMk/>
-          <pc:sldMk cId="4070542404" sldId="498"/>
-        </pc:sldMkLst>
-        <pc:spChg chg="mod">
-          <ac:chgData name="Khattab, Sherif" userId="c83b1e15-36f3-4f46-aceb-05aac24c545e" providerId="ADAL" clId="{D3B568BB-B39E-460C-8C5D-693AE1E68CC4}" dt="2021-09-14T16:13:24.855" v="6" actId="20577"/>
-          <ac:spMkLst>
-            <pc:docMk/>
-            <pc:sldMk cId="4070542404" sldId="498"/>
-            <ac:spMk id="3" creationId="{2466C52D-9A48-4683-BE7F-268D8DB7FAAD}"/>
-          </ac:spMkLst>
-        </pc:spChg>
-      </pc:sldChg>
-      <pc:sldChg chg="modSp add mod modAnim">
-        <pc:chgData name="Khattab, Sherif" userId="c83b1e15-36f3-4f46-aceb-05aac24c545e" providerId="ADAL" clId="{D3B568BB-B39E-460C-8C5D-693AE1E68CC4}" dt="2021-09-14T16:29:38.444" v="200"/>
-        <pc:sldMkLst>
-          <pc:docMk/>
-          <pc:sldMk cId="3238743984" sldId="499"/>
-        </pc:sldMkLst>
-        <pc:spChg chg="mod">
-          <ac:chgData name="Khattab, Sherif" userId="c83b1e15-36f3-4f46-aceb-05aac24c545e" providerId="ADAL" clId="{D3B568BB-B39E-460C-8C5D-693AE1E68CC4}" dt="2021-09-14T16:29:11.743" v="193" actId="20577"/>
-          <ac:spMkLst>
-            <pc:docMk/>
-            <pc:sldMk cId="3238743984" sldId="499"/>
-            <ac:spMk id="3" creationId="{E1064C43-9078-4C76-A016-C8AE45AE9774}"/>
-          </ac:spMkLst>
-        </pc:spChg>
-      </pc:sldChg>
-      <pc:sldChg chg="del">
-        <pc:chgData name="Khattab, Sherif" userId="c83b1e15-36f3-4f46-aceb-05aac24c545e" providerId="ADAL" clId="{D3B568BB-B39E-460C-8C5D-693AE1E68CC4}" dt="2021-09-14T16:19:18.749" v="100" actId="2696"/>
-        <pc:sldMkLst>
-          <pc:docMk/>
-          <pc:sldMk cId="1076502047" sldId="500"/>
-        </pc:sldMkLst>
-      </pc:sldChg>
-      <pc:sldChg chg="add">
-        <pc:chgData name="Khattab, Sherif" userId="c83b1e15-36f3-4f46-aceb-05aac24c545e" providerId="ADAL" clId="{D3B568BB-B39E-460C-8C5D-693AE1E68CC4}" dt="2021-09-13T21:49:00.407" v="1"/>
-        <pc:sldMkLst>
-          <pc:docMk/>
-          <pc:sldMk cId="4120720973" sldId="503"/>
-        </pc:sldMkLst>
-      </pc:sldChg>
-      <pc:sldChg chg="modSp mod">
-        <pc:chgData name="Khattab, Sherif" userId="c83b1e15-36f3-4f46-aceb-05aac24c545e" providerId="ADAL" clId="{D3B568BB-B39E-460C-8C5D-693AE1E68CC4}" dt="2021-09-14T16:15:14.693" v="82" actId="20577"/>
-        <pc:sldMkLst>
-          <pc:docMk/>
-          <pc:sldMk cId="747882086" sldId="504"/>
-        </pc:sldMkLst>
-        <pc:spChg chg="mod">
-          <ac:chgData name="Khattab, Sherif" userId="c83b1e15-36f3-4f46-aceb-05aac24c545e" providerId="ADAL" clId="{D3B568BB-B39E-460C-8C5D-693AE1E68CC4}" dt="2021-09-14T16:15:14.693" v="82" actId="20577"/>
-          <ac:spMkLst>
-            <pc:docMk/>
-            <pc:sldMk cId="747882086" sldId="504"/>
-            <ac:spMk id="3" creationId="{93532249-5E17-2A4B-B649-961DDDF1F5F6}"/>
-          </ac:spMkLst>
-        </pc:spChg>
-      </pc:sldChg>
-      <pc:sldChg chg="del">
-        <pc:chgData name="Khattab, Sherif" userId="c83b1e15-36f3-4f46-aceb-05aac24c545e" providerId="ADAL" clId="{D3B568BB-B39E-460C-8C5D-693AE1E68CC4}" dt="2021-09-14T16:17:14.707" v="91" actId="47"/>
-        <pc:sldMkLst>
-          <pc:docMk/>
-          <pc:sldMk cId="3635299179" sldId="505"/>
-        </pc:sldMkLst>
-      </pc:sldChg>
-      <pc:sldChg chg="del">
-        <pc:chgData name="Khattab, Sherif" userId="c83b1e15-36f3-4f46-aceb-05aac24c545e" providerId="ADAL" clId="{D3B568BB-B39E-460C-8C5D-693AE1E68CC4}" dt="2021-09-16T16:05:14.012" v="201" actId="2696"/>
-        <pc:sldMkLst>
-          <pc:docMk/>
-          <pc:sldMk cId="3696636401" sldId="506"/>
-        </pc:sldMkLst>
-      </pc:sldChg>
-      <pc:sldChg chg="del">
-        <pc:chgData name="Khattab, Sherif" userId="c83b1e15-36f3-4f46-aceb-05aac24c545e" providerId="ADAL" clId="{D3B568BB-B39E-460C-8C5D-693AE1E68CC4}" dt="2021-09-16T16:05:14.012" v="201" actId="2696"/>
-        <pc:sldMkLst>
-          <pc:docMk/>
-          <pc:sldMk cId="3742099282" sldId="507"/>
-        </pc:sldMkLst>
-      </pc:sldChg>
-      <pc:sldChg chg="add">
-        <pc:chgData name="Khattab, Sherif" userId="c83b1e15-36f3-4f46-aceb-05aac24c545e" providerId="ADAL" clId="{D3B568BB-B39E-460C-8C5D-693AE1E68CC4}" dt="2021-09-13T21:49:00.407" v="1"/>
-        <pc:sldMkLst>
-          <pc:docMk/>
-          <pc:sldMk cId="2093362943" sldId="508"/>
-        </pc:sldMkLst>
-      </pc:sldChg>
-      <pc:sldChg chg="del">
-        <pc:chgData name="Khattab, Sherif" userId="c83b1e15-36f3-4f46-aceb-05aac24c545e" providerId="ADAL" clId="{D3B568BB-B39E-460C-8C5D-693AE1E68CC4}" dt="2021-09-16T16:05:14.012" v="201" actId="2696"/>
-        <pc:sldMkLst>
-          <pc:docMk/>
-          <pc:sldMk cId="2870353729" sldId="509"/>
-        </pc:sldMkLst>
-      </pc:sldChg>
-      <pc:sldChg chg="del">
-        <pc:chgData name="Khattab, Sherif" userId="c83b1e15-36f3-4f46-aceb-05aac24c545e" providerId="ADAL" clId="{D3B568BB-B39E-460C-8C5D-693AE1E68CC4}" dt="2021-09-16T16:05:14.012" v="201" actId="2696"/>
-        <pc:sldMkLst>
-          <pc:docMk/>
-          <pc:sldMk cId="3729759638" sldId="510"/>
-        </pc:sldMkLst>
-      </pc:sldChg>
-      <pc:sldChg chg="add del">
-        <pc:chgData name="Khattab, Sherif" userId="c83b1e15-36f3-4f46-aceb-05aac24c545e" providerId="ADAL" clId="{D3B568BB-B39E-460C-8C5D-693AE1E68CC4}" dt="2021-09-14T16:16:57.622" v="89" actId="2696"/>
-        <pc:sldMkLst>
-          <pc:docMk/>
-          <pc:sldMk cId="1029517643" sldId="511"/>
-        </pc:sldMkLst>
-      </pc:sldChg>
-      <pc:sldChg chg="add">
-        <pc:chgData name="Khattab, Sherif" userId="c83b1e15-36f3-4f46-aceb-05aac24c545e" providerId="ADAL" clId="{D3B568BB-B39E-460C-8C5D-693AE1E68CC4}" dt="2021-09-14T16:17:00.090" v="90"/>
-        <pc:sldMkLst>
-          <pc:docMk/>
-          <pc:sldMk cId="1525193433" sldId="511"/>
-        </pc:sldMkLst>
-      </pc:sldChg>
-      <pc:sldChg chg="del">
-        <pc:chgData name="Khattab, Sherif" userId="c83b1e15-36f3-4f46-aceb-05aac24c545e" providerId="ADAL" clId="{D3B568BB-B39E-460C-8C5D-693AE1E68CC4}" dt="2021-09-14T16:16:34.506" v="85" actId="2696"/>
-        <pc:sldMkLst>
-          <pc:docMk/>
-          <pc:sldMk cId="1591353735" sldId="511"/>
-        </pc:sldMkLst>
-      </pc:sldChg>
-      <pc:sldChg chg="del">
-        <pc:chgData name="Khattab, Sherif" userId="c83b1e15-36f3-4f46-aceb-05aac24c545e" providerId="ADAL" clId="{D3B568BB-B39E-460C-8C5D-693AE1E68CC4}" dt="2021-09-14T16:15:54.743" v="83" actId="2696"/>
-        <pc:sldMkLst>
-          <pc:docMk/>
-          <pc:sldMk cId="610542854" sldId="513"/>
-        </pc:sldMkLst>
-      </pc:sldChg>
-      <pc:sldChg chg="add del">
-        <pc:chgData name="Khattab, Sherif" userId="c83b1e15-36f3-4f46-aceb-05aac24c545e" providerId="ADAL" clId="{D3B568BB-B39E-460C-8C5D-693AE1E68CC4}" dt="2021-09-16T16:05:14.012" v="201" actId="2696"/>
-        <pc:sldMkLst>
-          <pc:docMk/>
-          <pc:sldMk cId="4123278128" sldId="513"/>
-        </pc:sldMkLst>
-      </pc:sldChg>
-      <pc:sldChg chg="add del">
-        <pc:chgData name="Khattab, Sherif" userId="c83b1e15-36f3-4f46-aceb-05aac24c545e" providerId="ADAL" clId="{D3B568BB-B39E-460C-8C5D-693AE1E68CC4}" dt="2021-09-16T16:05:14.012" v="201" actId="2696"/>
-        <pc:sldMkLst>
-          <pc:docMk/>
-          <pc:sldMk cId="3177405103" sldId="514"/>
-        </pc:sldMkLst>
-      </pc:sldChg>
-      <pc:sldChg chg="add del">
-        <pc:chgData name="Khattab, Sherif" userId="c83b1e15-36f3-4f46-aceb-05aac24c545e" providerId="ADAL" clId="{D3B568BB-B39E-460C-8C5D-693AE1E68CC4}" dt="2021-09-14T16:17:52.607" v="94" actId="2696"/>
-        <pc:sldMkLst>
-          <pc:docMk/>
-          <pc:sldMk cId="3862515218" sldId="514"/>
-        </pc:sldMkLst>
-      </pc:sldChg>
-      <pc:sldChg chg="del">
-        <pc:chgData name="Khattab, Sherif" userId="c83b1e15-36f3-4f46-aceb-05aac24c545e" providerId="ADAL" clId="{D3B568BB-B39E-460C-8C5D-693AE1E68CC4}" dt="2021-09-14T16:15:54.743" v="83" actId="2696"/>
-        <pc:sldMkLst>
-          <pc:docMk/>
-          <pc:sldMk cId="4263135937" sldId="514"/>
-        </pc:sldMkLst>
-      </pc:sldChg>
-      <pc:sldChg chg="del">
-        <pc:chgData name="Khattab, Sherif" userId="c83b1e15-36f3-4f46-aceb-05aac24c545e" providerId="ADAL" clId="{D3B568BB-B39E-460C-8C5D-693AE1E68CC4}" dt="2021-09-14T16:15:54.743" v="83" actId="2696"/>
-        <pc:sldMkLst>
-          <pc:docMk/>
-          <pc:sldMk cId="3258818256" sldId="515"/>
-        </pc:sldMkLst>
-      </pc:sldChg>
-      <pc:sldChg chg="add del ord">
-        <pc:chgData name="Khattab, Sherif" userId="c83b1e15-36f3-4f46-aceb-05aac24c545e" providerId="ADAL" clId="{D3B568BB-B39E-460C-8C5D-693AE1E68CC4}" dt="2021-09-16T16:05:14.012" v="201" actId="2696"/>
-        <pc:sldMkLst>
-          <pc:docMk/>
-          <pc:sldMk cId="3948097611" sldId="515"/>
-        </pc:sldMkLst>
-      </pc:sldChg>
-      <pc:sldChg chg="add del">
-        <pc:chgData name="Khattab, Sherif" userId="c83b1e15-36f3-4f46-aceb-05aac24c545e" providerId="ADAL" clId="{D3B568BB-B39E-460C-8C5D-693AE1E68CC4}" dt="2021-09-14T16:29:21.763" v="196" actId="47"/>
-        <pc:sldMkLst>
-          <pc:docMk/>
-          <pc:sldMk cId="2197336632" sldId="516"/>
-        </pc:sldMkLst>
-      </pc:sldChg>
-      <pc:sldChg chg="add">
-        <pc:chgData name="Khattab, Sherif" userId="c83b1e15-36f3-4f46-aceb-05aac24c545e" providerId="ADAL" clId="{D3B568BB-B39E-460C-8C5D-693AE1E68CC4}" dt="2021-09-13T21:49:00.407" v="1"/>
-        <pc:sldMkLst>
-          <pc:docMk/>
-          <pc:sldMk cId="1845419114" sldId="517"/>
-        </pc:sldMkLst>
-      </pc:sldChg>
-      <pc:sldChg chg="add">
-        <pc:chgData name="Khattab, Sherif" userId="c83b1e15-36f3-4f46-aceb-05aac24c545e" providerId="ADAL" clId="{D3B568BB-B39E-460C-8C5D-693AE1E68CC4}" dt="2021-09-13T21:49:00.407" v="1"/>
-        <pc:sldMkLst>
-          <pc:docMk/>
-          <pc:sldMk cId="2804781805" sldId="518"/>
-        </pc:sldMkLst>
-      </pc:sldChg>
-      <pc:sldChg chg="add del">
-        <pc:chgData name="Khattab, Sherif" userId="c83b1e15-36f3-4f46-aceb-05aac24c545e" providerId="ADAL" clId="{D3B568BB-B39E-460C-8C5D-693AE1E68CC4}" dt="2021-09-16T16:05:14.012" v="201" actId="2696"/>
-        <pc:sldMkLst>
-          <pc:docMk/>
-          <pc:sldMk cId="624014562" sldId="519"/>
-        </pc:sldMkLst>
-      </pc:sldChg>
-      <pc:sldChg chg="add del">
-        <pc:chgData name="Khattab, Sherif" userId="c83b1e15-36f3-4f46-aceb-05aac24c545e" providerId="ADAL" clId="{D3B568BB-B39E-460C-8C5D-693AE1E68CC4}" dt="2021-09-16T16:05:14.012" v="201" actId="2696"/>
-        <pc:sldMkLst>
-          <pc:docMk/>
-          <pc:sldMk cId="2276284397" sldId="520"/>
-        </pc:sldMkLst>
-      </pc:sldChg>
-      <pc:sldChg chg="add del">
-        <pc:chgData name="Khattab, Sherif" userId="c83b1e15-36f3-4f46-aceb-05aac24c545e" providerId="ADAL" clId="{D3B568BB-B39E-460C-8C5D-693AE1E68CC4}" dt="2021-09-16T16:05:14.012" v="201" actId="2696"/>
-        <pc:sldMkLst>
-          <pc:docMk/>
-          <pc:sldMk cId="715489830" sldId="521"/>
-        </pc:sldMkLst>
-      </pc:sldChg>
-      <pc:sldChg chg="add del">
-        <pc:chgData name="Khattab, Sherif" userId="c83b1e15-36f3-4f46-aceb-05aac24c545e" providerId="ADAL" clId="{D3B568BB-B39E-460C-8C5D-693AE1E68CC4}" dt="2021-09-16T16:05:14.012" v="201" actId="2696"/>
-        <pc:sldMkLst>
-          <pc:docMk/>
-          <pc:sldMk cId="2414223724" sldId="522"/>
-        </pc:sldMkLst>
-      </pc:sldChg>
-      <pc:sldChg chg="add">
-        <pc:chgData name="Khattab, Sherif" userId="c83b1e15-36f3-4f46-aceb-05aac24c545e" providerId="ADAL" clId="{D3B568BB-B39E-460C-8C5D-693AE1E68CC4}" dt="2021-09-14T16:13:51.204" v="7"/>
-        <pc:sldMkLst>
-          <pc:docMk/>
-          <pc:sldMk cId="300931632" sldId="523"/>
-        </pc:sldMkLst>
-      </pc:sldChg>
-      <pc:sldChg chg="new del">
-        <pc:chgData name="Khattab, Sherif" userId="c83b1e15-36f3-4f46-aceb-05aac24c545e" providerId="ADAL" clId="{D3B568BB-B39E-460C-8C5D-693AE1E68CC4}" dt="2021-09-14T16:18:00.527" v="96" actId="680"/>
-        <pc:sldMkLst>
-          <pc:docMk/>
-          <pc:sldMk cId="1499633926" sldId="524"/>
-        </pc:sldMkLst>
-      </pc:sldChg>
-      <pc:sldChg chg="modSp new mod ord modAnim">
-        <pc:chgData name="Khattab, Sherif" userId="c83b1e15-36f3-4f46-aceb-05aac24c545e" providerId="ADAL" clId="{D3B568BB-B39E-460C-8C5D-693AE1E68CC4}" dt="2021-09-14T16:29:32.579" v="198"/>
-        <pc:sldMkLst>
-          <pc:docMk/>
-          <pc:sldMk cId="2601559611" sldId="524"/>
-        </pc:sldMkLst>
-        <pc:spChg chg="mod">
-          <ac:chgData name="Khattab, Sherif" userId="c83b1e15-36f3-4f46-aceb-05aac24c545e" providerId="ADAL" clId="{D3B568BB-B39E-460C-8C5D-693AE1E68CC4}" dt="2021-09-14T16:20:40.641" v="116" actId="20577"/>
-          <ac:spMkLst>
-            <pc:docMk/>
-            <pc:sldMk cId="2601559611" sldId="524"/>
-            <ac:spMk id="2" creationId="{A446100A-BC4F-47A2-A29B-E77567459419}"/>
-          </ac:spMkLst>
-        </pc:spChg>
-        <pc:spChg chg="mod">
-          <ac:chgData name="Khattab, Sherif" userId="c83b1e15-36f3-4f46-aceb-05aac24c545e" providerId="ADAL" clId="{D3B568BB-B39E-460C-8C5D-693AE1E68CC4}" dt="2021-09-14T16:29:01.821" v="187" actId="6549"/>
-          <ac:spMkLst>
-            <pc:docMk/>
-            <pc:sldMk cId="2601559611" sldId="524"/>
-            <ac:spMk id="3" creationId="{9DEBC682-0C7C-456E-94E7-AE960EDA31D0}"/>
-          </ac:spMkLst>
-        </pc:spChg>
-      </pc:sldChg>
-      <pc:sldChg chg="new del">
-        <pc:chgData name="Khattab, Sherif" userId="c83b1e15-36f3-4f46-aceb-05aac24c545e" providerId="ADAL" clId="{D3B568BB-B39E-460C-8C5D-693AE1E68CC4}" dt="2021-09-14T16:16:47.017" v="87" actId="680"/>
-        <pc:sldMkLst>
-          <pc:docMk/>
-          <pc:sldMk cId="2798509688" sldId="524"/>
-        </pc:sldMkLst>
       </pc:sldChg>
     </pc:docChg>
   </pc:docChgLst>
@@ -13437,7 +13477,7 @@
                 </a:solidFill>
                 <a:latin typeface="Helvetica" pitchFamily="2" charset="0"/>
               </a:rPr>
-              <a:t>CS/COE 1550</a:t>
+              <a:t>CS 1550</a:t>
             </a:r>
           </a:p>
         </p:txBody>
@@ -13466,7 +13506,7 @@
           <a:p>
             <a:r>
               <a:rPr lang="en-US" dirty="0"/>
-              <a:t>Spring 2022</a:t>
+              <a:t>Spring 2023</a:t>
             </a:r>
           </a:p>
           <a:p>
@@ -13657,6 +13697,53 @@
           <a:xfrm>
             <a:off x="2219325" y="201474"/>
             <a:ext cx="5619750" cy="1733550"/>
+          </a:xfrm>
+          <a:prstGeom prst="rect">
+            <a:avLst/>
+          </a:prstGeom>
+          <a:noFill/>
+          <a:extLst>
+            <a:ext uri="{909E8E84-426E-40DD-AFC4-6F175D3DCCD1}">
+              <a14:hiddenFill xmlns:a14="http://schemas.microsoft.com/office/drawing/2010/main">
+                <a:solidFill>
+                  <a:srgbClr val="FFFFFF"/>
+                </a:solidFill>
+              </a14:hiddenFill>
+            </a:ext>
+          </a:extLst>
+        </p:spPr>
+      </p:pic>
+      <p:pic>
+        <p:nvPicPr>
+          <p:cNvPr id="5" name="Picture 2">
+            <a:extLst>
+              <a:ext uri="{FF2B5EF4-FFF2-40B4-BE49-F238E27FC236}">
+                <a16:creationId xmlns:a16="http://schemas.microsoft.com/office/drawing/2014/main" id="{47B16E2A-546A-DECB-F4DE-5FD4F1E08D9F}"/>
+              </a:ext>
+            </a:extLst>
+          </p:cNvPr>
+          <p:cNvPicPr>
+            <a:picLocks noChangeAspect="1" noChangeArrowheads="1"/>
+          </p:cNvPicPr>
+          <p:nvPr/>
+        </p:nvPicPr>
+        <p:blipFill>
+          <a:blip r:embed="rId4">
+            <a:extLst>
+              <a:ext uri="{28A0092B-C50C-407E-A947-70E740481C1C}">
+                <a14:useLocalDpi xmlns:a14="http://schemas.microsoft.com/office/drawing/2010/main" val="0"/>
+              </a:ext>
+            </a:extLst>
+          </a:blip>
+          <a:srcRect/>
+          <a:stretch>
+            <a:fillRect/>
+          </a:stretch>
+        </p:blipFill>
+        <p:spPr bwMode="auto">
+          <a:xfrm>
+            <a:off x="590550" y="3964453"/>
+            <a:ext cx="2349500" cy="2349500"/>
           </a:xfrm>
           <a:prstGeom prst="rect">
             <a:avLst/>

--- a/DraftSlides/Lecture4.pptx
+++ b/DraftSlides/Lecture4.pptx
@@ -6,7 +6,7 @@
     <p:sldMasterId id="2147483652" r:id="rId2"/>
   </p:sldMasterIdLst>
   <p:notesMasterIdLst>
-    <p:notesMasterId r:id="rId25"/>
+    <p:notesMasterId r:id="rId20"/>
   </p:notesMasterIdLst>
   <p:sldIdLst>
     <p:sldId id="454" r:id="rId3"/>
@@ -26,11 +26,6 @@
     <p:sldId id="373" r:id="rId17"/>
     <p:sldId id="559" r:id="rId18"/>
     <p:sldId id="549" r:id="rId19"/>
-    <p:sldId id="558" r:id="rId20"/>
-    <p:sldId id="560" r:id="rId21"/>
-    <p:sldId id="517" r:id="rId22"/>
-    <p:sldId id="508" r:id="rId23"/>
-    <p:sldId id="512" r:id="rId24"/>
   </p:sldIdLst>
   <p:sldSz cx="10080625" cy="7559675"/>
   <p:notesSz cx="7772400" cy="10058400"/>
@@ -8299,7 +8294,7 @@
   <pc:docChgLst>
     <pc:chgData name="Khattab, Sherif" userId="c83b1e15-36f3-4f46-aceb-05aac24c545e" providerId="ADAL" clId="{7AAB9037-D3E7-4E95-95C6-0CA90313E5B6}"/>
     <pc:docChg chg="undo custSel addSld delSld modSld sldOrd">
-      <pc:chgData name="Khattab, Sherif" userId="c83b1e15-36f3-4f46-aceb-05aac24c545e" providerId="ADAL" clId="{7AAB9037-D3E7-4E95-95C6-0CA90313E5B6}" dt="2023-01-24T19:05:13.807" v="792"/>
+      <pc:chgData name="Khattab, Sherif" userId="c83b1e15-36f3-4f46-aceb-05aac24c545e" providerId="ADAL" clId="{7AAB9037-D3E7-4E95-95C6-0CA90313E5B6}" dt="2023-01-26T17:19:30.183" v="793" actId="47"/>
       <pc:docMkLst>
         <pc:docMk/>
       </pc:docMkLst>
@@ -8406,8 +8401,15 @@
           </ac:spMkLst>
         </pc:spChg>
       </pc:sldChg>
+      <pc:sldChg chg="del">
+        <pc:chgData name="Khattab, Sherif" userId="c83b1e15-36f3-4f46-aceb-05aac24c545e" providerId="ADAL" clId="{7AAB9037-D3E7-4E95-95C6-0CA90313E5B6}" dt="2023-01-26T17:19:30.183" v="793" actId="47"/>
+        <pc:sldMkLst>
+          <pc:docMk/>
+          <pc:sldMk cId="2093362943" sldId="508"/>
+        </pc:sldMkLst>
+      </pc:sldChg>
       <pc:sldChg chg="addSp modSp add del mod modAnim">
-        <pc:chgData name="Khattab, Sherif" userId="c83b1e15-36f3-4f46-aceb-05aac24c545e" providerId="ADAL" clId="{7AAB9037-D3E7-4E95-95C6-0CA90313E5B6}" dt="2023-01-24T19:05:13.807" v="792"/>
+        <pc:chgData name="Khattab, Sherif" userId="c83b1e15-36f3-4f46-aceb-05aac24c545e" providerId="ADAL" clId="{7AAB9037-D3E7-4E95-95C6-0CA90313E5B6}" dt="2023-01-26T17:19:30.183" v="793" actId="47"/>
         <pc:sldMkLst>
           <pc:docMk/>
           <pc:sldMk cId="2801866406" sldId="512"/>
@@ -8429,8 +8431,8 @@
           </ac:picMkLst>
         </pc:picChg>
       </pc:sldChg>
-      <pc:sldChg chg="addSp delSp modSp mod delAnim modAnim">
-        <pc:chgData name="Khattab, Sherif" userId="c83b1e15-36f3-4f46-aceb-05aac24c545e" providerId="ADAL" clId="{7AAB9037-D3E7-4E95-95C6-0CA90313E5B6}" dt="2023-01-24T18:58:26.842" v="440" actId="732"/>
+      <pc:sldChg chg="addSp delSp modSp del mod delAnim modAnim">
+        <pc:chgData name="Khattab, Sherif" userId="c83b1e15-36f3-4f46-aceb-05aac24c545e" providerId="ADAL" clId="{7AAB9037-D3E7-4E95-95C6-0CA90313E5B6}" dt="2023-01-26T17:19:30.183" v="793" actId="47"/>
         <pc:sldMkLst>
           <pc:docMk/>
           <pc:sldMk cId="1845419114" sldId="517"/>
@@ -8698,7 +8700,7 @@
         </pc:sldMkLst>
       </pc:sldChg>
       <pc:sldChg chg="modSp add del mod modAnim">
-        <pc:chgData name="Khattab, Sherif" userId="c83b1e15-36f3-4f46-aceb-05aac24c545e" providerId="ADAL" clId="{7AAB9037-D3E7-4E95-95C6-0CA90313E5B6}" dt="2023-01-24T19:03:41.060" v="774" actId="20577"/>
+        <pc:chgData name="Khattab, Sherif" userId="c83b1e15-36f3-4f46-aceb-05aac24c545e" providerId="ADAL" clId="{7AAB9037-D3E7-4E95-95C6-0CA90313E5B6}" dt="2023-01-26T17:19:30.183" v="793" actId="47"/>
         <pc:sldMkLst>
           <pc:docMk/>
           <pc:sldMk cId="2915930156" sldId="558"/>
@@ -8735,8 +8737,8 @@
           </ac:spMkLst>
         </pc:spChg>
       </pc:sldChg>
-      <pc:sldChg chg="modSp add mod modAnim">
-        <pc:chgData name="Khattab, Sherif" userId="c83b1e15-36f3-4f46-aceb-05aac24c545e" providerId="ADAL" clId="{7AAB9037-D3E7-4E95-95C6-0CA90313E5B6}" dt="2023-01-24T19:03:53.172" v="778" actId="113"/>
+      <pc:sldChg chg="modSp add del mod modAnim">
+        <pc:chgData name="Khattab, Sherif" userId="c83b1e15-36f3-4f46-aceb-05aac24c545e" providerId="ADAL" clId="{7AAB9037-D3E7-4E95-95C6-0CA90313E5B6}" dt="2023-01-26T17:19:30.183" v="793" actId="47"/>
         <pc:sldMkLst>
           <pc:docMk/>
           <pc:sldMk cId="2115437366" sldId="560"/>
@@ -10924,167 +10926,6 @@
     <p:extLst>
       <p:ext uri="{BB962C8B-B14F-4D97-AF65-F5344CB8AC3E}">
         <p14:creationId xmlns:p14="http://schemas.microsoft.com/office/powerpoint/2010/main" val="3068663691"/>
-      </p:ext>
-    </p:extLst>
-  </p:cSld>
-  <p:clrMapOvr>
-    <a:masterClrMapping/>
-  </p:clrMapOvr>
-</p:notes>
-</file>
-
-<file path=ppt/notesSlides/notesSlide2.xml><?xml version="1.0" encoding="utf-8"?>
-<p:notes xmlns:a="http://schemas.openxmlformats.org/drawingml/2006/main" xmlns:r="http://schemas.openxmlformats.org/officeDocument/2006/relationships" xmlns:p="http://schemas.openxmlformats.org/presentationml/2006/main">
-  <p:cSld>
-    <p:spTree>
-      <p:nvGrpSpPr>
-        <p:cNvPr id="1" name=""/>
-        <p:cNvGrpSpPr/>
-        <p:nvPr/>
-      </p:nvGrpSpPr>
-      <p:grpSpPr>
-        <a:xfrm>
-          <a:off x="0" y="0"/>
-          <a:ext cx="0" cy="0"/>
-          <a:chOff x="0" y="0"/>
-          <a:chExt cx="0" cy="0"/>
-        </a:xfrm>
-      </p:grpSpPr>
-      <p:sp>
-        <p:nvSpPr>
-          <p:cNvPr id="2" name="Slide Image Placeholder 1"/>
-          <p:cNvSpPr>
-            <a:spLocks noGrp="1" noRot="1" noChangeAspect="1"/>
-          </p:cNvSpPr>
-          <p:nvPr>
-            <p:ph type="sldImg"/>
-          </p:nvPr>
-        </p:nvSpPr>
-        <p:spPr/>
-      </p:sp>
-      <p:sp>
-        <p:nvSpPr>
-          <p:cNvPr id="3" name="Notes Placeholder 2"/>
-          <p:cNvSpPr>
-            <a:spLocks noGrp="1"/>
-          </p:cNvSpPr>
-          <p:nvPr>
-            <p:ph type="body" idx="1"/>
-          </p:nvPr>
-        </p:nvSpPr>
-        <p:spPr/>
-        <p:txBody>
-          <a:bodyPr/>
-          <a:lstStyle/>
-          <a:p>
-            <a:r>
-              <a:rPr lang="en-US" dirty="0"/>
-              <a:t> </a:t>
-            </a:r>
-          </a:p>
-        </p:txBody>
-      </p:sp>
-      <p:sp>
-        <p:nvSpPr>
-          <p:cNvPr id="4" name="Slide Number Placeholder 3"/>
-          <p:cNvSpPr>
-            <a:spLocks noGrp="1"/>
-          </p:cNvSpPr>
-          <p:nvPr>
-            <p:ph type="sldNum"/>
-          </p:nvPr>
-        </p:nvSpPr>
-        <p:spPr/>
-        <p:txBody>
-          <a:bodyPr/>
-          <a:lstStyle/>
-          <a:p>
-            <a:pPr marL="0" marR="0" lvl="0" indent="0" algn="r" defTabSz="457200" rtl="0" eaLnBrk="1" fontAlgn="base" latinLnBrk="0" hangingPunct="0">
-              <a:lnSpc>
-                <a:spcPct val="96000"/>
-              </a:lnSpc>
-              <a:spcBef>
-                <a:spcPct val="0"/>
-              </a:spcBef>
-              <a:spcAft>
-                <a:spcPct val="0"/>
-              </a:spcAft>
-              <a:buClr>
-                <a:srgbClr val="000000"/>
-              </a:buClr>
-              <a:buSzPct val="100000"/>
-              <a:buFont typeface="Times New Roman" panose="02020603050405020304" pitchFamily="18" charset="0"/>
-              <a:buNone/>
-              <a:tabLst>
-                <a:tab pos="723900" algn="l"/>
-                <a:tab pos="1447800" algn="l"/>
-                <a:tab pos="2171700" algn="l"/>
-                <a:tab pos="2895600" algn="l"/>
-              </a:tabLst>
-              <a:defRPr/>
-            </a:pPr>
-            <a:fld id="{6BBF61AC-9675-4DE0-97B3-F33B7A218B95}" type="slidenum">
-              <a:rPr kumimoji="0" lang="en-GB" altLang="en-US" sz="1400" b="0" i="0" u="none" strike="noStrike" kern="1200" cap="none" spc="0" normalizeH="0" baseline="0" noProof="0" smtClean="0">
-                <a:ln>
-                  <a:noFill/>
-                </a:ln>
-                <a:solidFill>
-                  <a:srgbClr val="000000"/>
-                </a:solidFill>
-                <a:effectLst/>
-                <a:uLnTx/>
-                <a:uFillTx/>
-                <a:latin typeface="Times New Roman" panose="02020603050405020304" pitchFamily="18" charset="0"/>
-                <a:ea typeface="Arial Unicode MS" panose="020B0604020202020204" pitchFamily="34" charset="-128"/>
-                <a:cs typeface="Arial Unicode MS" panose="020B0604020202020204" pitchFamily="34" charset="-128"/>
-              </a:rPr>
-              <a:pPr marL="0" marR="0" lvl="0" indent="0" algn="r" defTabSz="457200" rtl="0" eaLnBrk="1" fontAlgn="base" latinLnBrk="0" hangingPunct="0">
-                <a:lnSpc>
-                  <a:spcPct val="96000"/>
-                </a:lnSpc>
-                <a:spcBef>
-                  <a:spcPct val="0"/>
-                </a:spcBef>
-                <a:spcAft>
-                  <a:spcPct val="0"/>
-                </a:spcAft>
-                <a:buClr>
-                  <a:srgbClr val="000000"/>
-                </a:buClr>
-                <a:buSzPct val="100000"/>
-                <a:buFont typeface="Times New Roman" panose="02020603050405020304" pitchFamily="18" charset="0"/>
-                <a:buNone/>
-                <a:tabLst>
-                  <a:tab pos="723900" algn="l"/>
-                  <a:tab pos="1447800" algn="l"/>
-                  <a:tab pos="2171700" algn="l"/>
-                  <a:tab pos="2895600" algn="l"/>
-                </a:tabLst>
-                <a:defRPr/>
-              </a:pPr>
-              <a:t>20</a:t>
-            </a:fld>
-            <a:endParaRPr kumimoji="0" lang="en-GB" altLang="en-US" sz="1400" b="0" i="0" u="none" strike="noStrike" kern="1200" cap="none" spc="0" normalizeH="0" baseline="0" noProof="0">
-              <a:ln>
-                <a:noFill/>
-              </a:ln>
-              <a:solidFill>
-                <a:srgbClr val="000000"/>
-              </a:solidFill>
-              <a:effectLst/>
-              <a:uLnTx/>
-              <a:uFillTx/>
-              <a:latin typeface="Times New Roman" panose="02020603050405020304" pitchFamily="18" charset="0"/>
-              <a:ea typeface="Arial Unicode MS" panose="020B0604020202020204" pitchFamily="34" charset="-128"/>
-              <a:cs typeface="Arial Unicode MS" panose="020B0604020202020204" pitchFamily="34" charset="-128"/>
-            </a:endParaRPr>
-          </a:p>
-        </p:txBody>
-      </p:sp>
-    </p:spTree>
-    <p:extLst>
-      <p:ext uri="{BB962C8B-B14F-4D97-AF65-F5344CB8AC3E}">
-        <p14:creationId xmlns:p14="http://schemas.microsoft.com/office/powerpoint/2010/main" val="2347785079"/>
       </p:ext>
     </p:extLst>
   </p:cSld>
@@ -20659,1395 +20500,6 @@
 </p:sld>
 </file>
 
-<file path=ppt/slides/slide18.xml><?xml version="1.0" encoding="utf-8"?>
-<p:sld xmlns:a="http://schemas.openxmlformats.org/drawingml/2006/main" xmlns:r="http://schemas.openxmlformats.org/officeDocument/2006/relationships" xmlns:p="http://schemas.openxmlformats.org/presentationml/2006/main">
-  <p:cSld>
-    <p:spTree>
-      <p:nvGrpSpPr>
-        <p:cNvPr id="1" name=""/>
-        <p:cNvGrpSpPr/>
-        <p:nvPr/>
-      </p:nvGrpSpPr>
-      <p:grpSpPr>
-        <a:xfrm>
-          <a:off x="0" y="0"/>
-          <a:ext cx="0" cy="0"/>
-          <a:chOff x="0" y="0"/>
-          <a:chExt cx="0" cy="0"/>
-        </a:xfrm>
-      </p:grpSpPr>
-      <p:sp>
-        <p:nvSpPr>
-          <p:cNvPr id="2" name="Title 1">
-            <a:extLst>
-              <a:ext uri="{FF2B5EF4-FFF2-40B4-BE49-F238E27FC236}">
-                <a16:creationId xmlns:a16="http://schemas.microsoft.com/office/drawing/2014/main" id="{ED5876EB-0D8A-984E-BF9C-7A22C2C7FD51}"/>
-              </a:ext>
-            </a:extLst>
-          </p:cNvPr>
-          <p:cNvSpPr>
-            <a:spLocks noGrp="1"/>
-          </p:cNvSpPr>
-          <p:nvPr>
-            <p:ph type="title"/>
-          </p:nvPr>
-        </p:nvSpPr>
-        <p:spPr/>
-        <p:txBody>
-          <a:bodyPr/>
-          <a:lstStyle/>
-          <a:p>
-            <a:r>
-              <a:rPr lang="en-US" dirty="0"/>
-              <a:t>Process Creation</a:t>
-            </a:r>
-          </a:p>
-        </p:txBody>
-      </p:sp>
-      <p:sp>
-        <p:nvSpPr>
-          <p:cNvPr id="3" name="Content Placeholder 2">
-            <a:extLst>
-              <a:ext uri="{FF2B5EF4-FFF2-40B4-BE49-F238E27FC236}">
-                <a16:creationId xmlns:a16="http://schemas.microsoft.com/office/drawing/2014/main" id="{0D00A925-D340-024F-A2A1-CC98AE4E6DDF}"/>
-              </a:ext>
-            </a:extLst>
-          </p:cNvPr>
-          <p:cNvSpPr>
-            <a:spLocks noGrp="1"/>
-          </p:cNvSpPr>
-          <p:nvPr>
-            <p:ph idx="1"/>
-          </p:nvPr>
-        </p:nvSpPr>
-        <p:spPr/>
-        <p:txBody>
-          <a:bodyPr>
-            <a:normAutofit/>
-          </a:bodyPr>
-          <a:lstStyle/>
-          <a:p>
-            <a:r>
-              <a:rPr lang="en-US" dirty="0"/>
-              <a:t>Via fork() </a:t>
-            </a:r>
-            <a:r>
-              <a:rPr lang="en-US" dirty="0" err="1"/>
-              <a:t>syscall</a:t>
-            </a:r>
-            <a:endParaRPr lang="en-US" dirty="0"/>
-          </a:p>
-          <a:p>
-            <a:r>
-              <a:rPr lang="en-US" dirty="0"/>
-              <a:t>Parent process: the process that calls fork()</a:t>
-            </a:r>
-          </a:p>
-          <a:p>
-            <a:r>
-              <a:rPr lang="en-US" dirty="0"/>
-              <a:t>Child process: the process that gets created</a:t>
-            </a:r>
-          </a:p>
-          <a:p>
-            <a:r>
-              <a:rPr lang="en-US" dirty="0"/>
-              <a:t>Child process has a new context</a:t>
-            </a:r>
-          </a:p>
-          <a:p>
-            <a:pPr lvl="1"/>
-            <a:r>
-              <a:rPr lang="en-US" dirty="0"/>
-              <a:t>new PCB</a:t>
-            </a:r>
-          </a:p>
-        </p:txBody>
-      </p:sp>
-      <p:sp>
-        <p:nvSpPr>
-          <p:cNvPr id="4" name="Footer Placeholder 3">
-            <a:extLst>
-              <a:ext uri="{FF2B5EF4-FFF2-40B4-BE49-F238E27FC236}">
-                <a16:creationId xmlns:a16="http://schemas.microsoft.com/office/drawing/2014/main" id="{6B0C208F-A792-EE4F-90A9-6AD02E9DFFBC}"/>
-              </a:ext>
-            </a:extLst>
-          </p:cNvPr>
-          <p:cNvSpPr>
-            <a:spLocks noGrp="1"/>
-          </p:cNvSpPr>
-          <p:nvPr>
-            <p:ph type="ftr" idx="11"/>
-          </p:nvPr>
-        </p:nvSpPr>
-        <p:spPr/>
-        <p:txBody>
-          <a:bodyPr/>
-          <a:lstStyle/>
-          <a:p>
-            <a:pPr marL="0" marR="0" lvl="0" indent="0" algn="ctr" defTabSz="457200" rtl="0" eaLnBrk="1" fontAlgn="base" latinLnBrk="0" hangingPunct="0">
-              <a:lnSpc>
-                <a:spcPct val="96000"/>
-              </a:lnSpc>
-              <a:spcBef>
-                <a:spcPct val="0"/>
-              </a:spcBef>
-              <a:spcAft>
-                <a:spcPct val="0"/>
-              </a:spcAft>
-              <a:buClr>
-                <a:srgbClr val="000000"/>
-              </a:buClr>
-              <a:buSzPct val="100000"/>
-              <a:buFont typeface="Times New Roman" pitchFamily="16" charset="0"/>
-              <a:buNone/>
-              <a:tabLst>
-                <a:tab pos="0" algn="l"/>
-                <a:tab pos="457200" algn="l"/>
-                <a:tab pos="914400" algn="l"/>
-                <a:tab pos="1371600" algn="l"/>
-                <a:tab pos="1828800" algn="l"/>
-                <a:tab pos="2286000" algn="l"/>
-                <a:tab pos="2743200" algn="l"/>
-                <a:tab pos="3200400" algn="l"/>
-                <a:tab pos="3657600" algn="l"/>
-                <a:tab pos="4114800" algn="l"/>
-                <a:tab pos="4572000" algn="l"/>
-                <a:tab pos="5029200" algn="l"/>
-                <a:tab pos="5486400" algn="l"/>
-                <a:tab pos="5943600" algn="l"/>
-                <a:tab pos="6400800" algn="l"/>
-                <a:tab pos="6858000" algn="l"/>
-                <a:tab pos="7315200" algn="l"/>
-                <a:tab pos="7772400" algn="l"/>
-                <a:tab pos="8229600" algn="l"/>
-                <a:tab pos="8686800" algn="l"/>
-                <a:tab pos="9144000" algn="l"/>
-              </a:tabLst>
-              <a:defRPr/>
-            </a:pPr>
-            <a:r>
-              <a:rPr kumimoji="0" lang="en-US" sz="1400" b="0" i="0" u="none" strike="noStrike" kern="1200" cap="none" spc="0" normalizeH="0" baseline="0" noProof="0">
-                <a:ln>
-                  <a:noFill/>
-                </a:ln>
-                <a:solidFill>
-                  <a:srgbClr val="000000"/>
-                </a:solidFill>
-                <a:effectLst/>
-                <a:uLnTx/>
-                <a:uFillTx/>
-                <a:latin typeface="Arial"/>
-                <a:ea typeface="+mn-ea"/>
-                <a:cs typeface="Arial" charset="0"/>
-              </a:rPr>
-              <a:t>CS 1550 – Operating Systems – Sherif Khattab</a:t>
-            </a:r>
-            <a:endParaRPr kumimoji="0" lang="en-GB" sz="1400" b="0" i="0" u="none" strike="noStrike" kern="1200" cap="none" spc="0" normalizeH="0" baseline="0" noProof="0">
-              <a:ln>
-                <a:noFill/>
-              </a:ln>
-              <a:solidFill>
-                <a:srgbClr val="000000"/>
-              </a:solidFill>
-              <a:effectLst/>
-              <a:uLnTx/>
-              <a:uFillTx/>
-              <a:latin typeface="Times New Roman" pitchFamily="16" charset="0"/>
-              <a:ea typeface="+mn-ea"/>
-              <a:cs typeface="Arial" charset="0"/>
-            </a:endParaRPr>
-          </a:p>
-        </p:txBody>
-      </p:sp>
-      <p:sp>
-        <p:nvSpPr>
-          <p:cNvPr id="5" name="Slide Number Placeholder 4">
-            <a:extLst>
-              <a:ext uri="{FF2B5EF4-FFF2-40B4-BE49-F238E27FC236}">
-                <a16:creationId xmlns:a16="http://schemas.microsoft.com/office/drawing/2014/main" id="{562083E8-2CF3-934C-8083-4BE6F2FDBF32}"/>
-              </a:ext>
-            </a:extLst>
-          </p:cNvPr>
-          <p:cNvSpPr>
-            <a:spLocks noGrp="1"/>
-          </p:cNvSpPr>
-          <p:nvPr>
-            <p:ph type="sldNum" idx="12"/>
-          </p:nvPr>
-        </p:nvSpPr>
-        <p:spPr/>
-        <p:txBody>
-          <a:bodyPr/>
-          <a:lstStyle/>
-          <a:p>
-            <a:pPr marL="0" marR="0" lvl="0" indent="0" algn="r" defTabSz="457200" rtl="0" eaLnBrk="1" fontAlgn="base" latinLnBrk="0" hangingPunct="0">
-              <a:lnSpc>
-                <a:spcPct val="96000"/>
-              </a:lnSpc>
-              <a:spcBef>
-                <a:spcPct val="0"/>
-              </a:spcBef>
-              <a:spcAft>
-                <a:spcPct val="0"/>
-              </a:spcAft>
-              <a:buClr>
-                <a:srgbClr val="000000"/>
-              </a:buClr>
-              <a:buSzPct val="100000"/>
-              <a:buFont typeface="Times New Roman" panose="02020603050405020304" pitchFamily="18" charset="0"/>
-              <a:buNone/>
-              <a:tabLst/>
-              <a:defRPr/>
-            </a:pPr>
-            <a:fld id="{65E435D9-63B0-4660-8D04-E83F5E2CA2AE}" type="slidenum">
-              <a:rPr kumimoji="0" lang="en-GB" altLang="en-US" sz="1400" b="0" i="0" u="none" strike="noStrike" kern="1200" cap="none" spc="0" normalizeH="0" baseline="0" noProof="0" smtClean="0">
-                <a:ln>
-                  <a:noFill/>
-                </a:ln>
-                <a:solidFill>
-                  <a:srgbClr val="000000"/>
-                </a:solidFill>
-                <a:effectLst/>
-                <a:uLnTx/>
-                <a:uFillTx/>
-                <a:latin typeface="Times New Roman" panose="02020603050405020304" pitchFamily="18" charset="0"/>
-                <a:ea typeface="+mn-ea"/>
-                <a:cs typeface="Arial" panose="020B0604020202020204" pitchFamily="34" charset="0"/>
-              </a:rPr>
-              <a:pPr marL="0" marR="0" lvl="0" indent="0" algn="r" defTabSz="457200" rtl="0" eaLnBrk="1" fontAlgn="base" latinLnBrk="0" hangingPunct="0">
-                <a:lnSpc>
-                  <a:spcPct val="96000"/>
-                </a:lnSpc>
-                <a:spcBef>
-                  <a:spcPct val="0"/>
-                </a:spcBef>
-                <a:spcAft>
-                  <a:spcPct val="0"/>
-                </a:spcAft>
-                <a:buClr>
-                  <a:srgbClr val="000000"/>
-                </a:buClr>
-                <a:buSzPct val="100000"/>
-                <a:buFont typeface="Times New Roman" panose="02020603050405020304" pitchFamily="18" charset="0"/>
-                <a:buNone/>
-                <a:tabLst/>
-                <a:defRPr/>
-              </a:pPr>
-              <a:t>18</a:t>
-            </a:fld>
-            <a:endParaRPr kumimoji="0" lang="en-GB" altLang="en-US" sz="1400" b="0" i="0" u="none" strike="noStrike" kern="1200" cap="none" spc="0" normalizeH="0" baseline="0" noProof="0">
-              <a:ln>
-                <a:noFill/>
-              </a:ln>
-              <a:solidFill>
-                <a:srgbClr val="000000"/>
-              </a:solidFill>
-              <a:effectLst/>
-              <a:uLnTx/>
-              <a:uFillTx/>
-              <a:latin typeface="Times New Roman" panose="02020603050405020304" pitchFamily="18" charset="0"/>
-              <a:ea typeface="+mn-ea"/>
-              <a:cs typeface="Arial" panose="020B0604020202020204" pitchFamily="34" charset="0"/>
-            </a:endParaRPr>
-          </a:p>
-        </p:txBody>
-      </p:sp>
-    </p:spTree>
-    <p:extLst>
-      <p:ext uri="{BB962C8B-B14F-4D97-AF65-F5344CB8AC3E}">
-        <p14:creationId xmlns:p14="http://schemas.microsoft.com/office/powerpoint/2010/main" val="2915930156"/>
-      </p:ext>
-    </p:extLst>
-  </p:cSld>
-  <p:clrMapOvr>
-    <a:masterClrMapping/>
-  </p:clrMapOvr>
-  <p:timing>
-    <p:tnLst>
-      <p:par>
-        <p:cTn id="1" dur="indefinite" restart="never" nodeType="tmRoot">
-          <p:childTnLst>
-            <p:seq concurrent="1" nextAc="seek">
-              <p:cTn id="2" dur="indefinite" nodeType="mainSeq">
-                <p:childTnLst>
-                  <p:par>
-                    <p:cTn id="3" fill="hold">
-                      <p:stCondLst>
-                        <p:cond delay="indefinite"/>
-                      </p:stCondLst>
-                      <p:childTnLst>
-                        <p:par>
-                          <p:cTn id="4" fill="hold">
-                            <p:stCondLst>
-                              <p:cond delay="0"/>
-                            </p:stCondLst>
-                            <p:childTnLst>
-                              <p:par>
-                                <p:cTn id="5" presetID="1" presetClass="entr" presetSubtype="0" fill="hold" nodeType="clickEffect">
-                                  <p:stCondLst>
-                                    <p:cond delay="0"/>
-                                  </p:stCondLst>
-                                  <p:childTnLst>
-                                    <p:set>
-                                      <p:cBhvr>
-                                        <p:cTn id="6" dur="1" fill="hold">
-                                          <p:stCondLst>
-                                            <p:cond delay="0"/>
-                                          </p:stCondLst>
-                                        </p:cTn>
-                                        <p:tgtEl>
-                                          <p:spTgt spid="3">
-                                            <p:txEl>
-                                              <p:pRg st="0" end="0"/>
-                                            </p:txEl>
-                                          </p:spTgt>
-                                        </p:tgtEl>
-                                        <p:attrNameLst>
-                                          <p:attrName>style.visibility</p:attrName>
-                                        </p:attrNameLst>
-                                      </p:cBhvr>
-                                      <p:to>
-                                        <p:strVal val="visible"/>
-                                      </p:to>
-                                    </p:set>
-                                  </p:childTnLst>
-                                </p:cTn>
-                              </p:par>
-                            </p:childTnLst>
-                          </p:cTn>
-                        </p:par>
-                      </p:childTnLst>
-                    </p:cTn>
-                  </p:par>
-                  <p:par>
-                    <p:cTn id="7" fill="hold">
-                      <p:stCondLst>
-                        <p:cond delay="indefinite"/>
-                      </p:stCondLst>
-                      <p:childTnLst>
-                        <p:par>
-                          <p:cTn id="8" fill="hold">
-                            <p:stCondLst>
-                              <p:cond delay="0"/>
-                            </p:stCondLst>
-                            <p:childTnLst>
-                              <p:par>
-                                <p:cTn id="9" presetID="1" presetClass="entr" presetSubtype="0" fill="hold" nodeType="clickEffect">
-                                  <p:stCondLst>
-                                    <p:cond delay="0"/>
-                                  </p:stCondLst>
-                                  <p:childTnLst>
-                                    <p:set>
-                                      <p:cBhvr>
-                                        <p:cTn id="10" dur="1" fill="hold">
-                                          <p:stCondLst>
-                                            <p:cond delay="0"/>
-                                          </p:stCondLst>
-                                        </p:cTn>
-                                        <p:tgtEl>
-                                          <p:spTgt spid="3">
-                                            <p:txEl>
-                                              <p:pRg st="1" end="1"/>
-                                            </p:txEl>
-                                          </p:spTgt>
-                                        </p:tgtEl>
-                                        <p:attrNameLst>
-                                          <p:attrName>style.visibility</p:attrName>
-                                        </p:attrNameLst>
-                                      </p:cBhvr>
-                                      <p:to>
-                                        <p:strVal val="visible"/>
-                                      </p:to>
-                                    </p:set>
-                                  </p:childTnLst>
-                                </p:cTn>
-                              </p:par>
-                            </p:childTnLst>
-                          </p:cTn>
-                        </p:par>
-                      </p:childTnLst>
-                    </p:cTn>
-                  </p:par>
-                  <p:par>
-                    <p:cTn id="11" fill="hold">
-                      <p:stCondLst>
-                        <p:cond delay="indefinite"/>
-                      </p:stCondLst>
-                      <p:childTnLst>
-                        <p:par>
-                          <p:cTn id="12" fill="hold">
-                            <p:stCondLst>
-                              <p:cond delay="0"/>
-                            </p:stCondLst>
-                            <p:childTnLst>
-                              <p:par>
-                                <p:cTn id="13" presetID="1" presetClass="entr" presetSubtype="0" fill="hold" nodeType="clickEffect">
-                                  <p:stCondLst>
-                                    <p:cond delay="0"/>
-                                  </p:stCondLst>
-                                  <p:childTnLst>
-                                    <p:set>
-                                      <p:cBhvr>
-                                        <p:cTn id="14" dur="1" fill="hold">
-                                          <p:stCondLst>
-                                            <p:cond delay="0"/>
-                                          </p:stCondLst>
-                                        </p:cTn>
-                                        <p:tgtEl>
-                                          <p:spTgt spid="3">
-                                            <p:txEl>
-                                              <p:pRg st="2" end="2"/>
-                                            </p:txEl>
-                                          </p:spTgt>
-                                        </p:tgtEl>
-                                        <p:attrNameLst>
-                                          <p:attrName>style.visibility</p:attrName>
-                                        </p:attrNameLst>
-                                      </p:cBhvr>
-                                      <p:to>
-                                        <p:strVal val="visible"/>
-                                      </p:to>
-                                    </p:set>
-                                  </p:childTnLst>
-                                </p:cTn>
-                              </p:par>
-                            </p:childTnLst>
-                          </p:cTn>
-                        </p:par>
-                      </p:childTnLst>
-                    </p:cTn>
-                  </p:par>
-                  <p:par>
-                    <p:cTn id="15" fill="hold">
-                      <p:stCondLst>
-                        <p:cond delay="indefinite"/>
-                      </p:stCondLst>
-                      <p:childTnLst>
-                        <p:par>
-                          <p:cTn id="16" fill="hold">
-                            <p:stCondLst>
-                              <p:cond delay="0"/>
-                            </p:stCondLst>
-                            <p:childTnLst>
-                              <p:par>
-                                <p:cTn id="17" presetID="1" presetClass="entr" presetSubtype="0" fill="hold" nodeType="clickEffect">
-                                  <p:stCondLst>
-                                    <p:cond delay="0"/>
-                                  </p:stCondLst>
-                                  <p:childTnLst>
-                                    <p:set>
-                                      <p:cBhvr>
-                                        <p:cTn id="18" dur="1" fill="hold">
-                                          <p:stCondLst>
-                                            <p:cond delay="0"/>
-                                          </p:stCondLst>
-                                        </p:cTn>
-                                        <p:tgtEl>
-                                          <p:spTgt spid="3">
-                                            <p:txEl>
-                                              <p:pRg st="3" end="3"/>
-                                            </p:txEl>
-                                          </p:spTgt>
-                                        </p:tgtEl>
-                                        <p:attrNameLst>
-                                          <p:attrName>style.visibility</p:attrName>
-                                        </p:attrNameLst>
-                                      </p:cBhvr>
-                                      <p:to>
-                                        <p:strVal val="visible"/>
-                                      </p:to>
-                                    </p:set>
-                                  </p:childTnLst>
-                                </p:cTn>
-                              </p:par>
-                            </p:childTnLst>
-                          </p:cTn>
-                        </p:par>
-                      </p:childTnLst>
-                    </p:cTn>
-                  </p:par>
-                  <p:par>
-                    <p:cTn id="19" fill="hold">
-                      <p:stCondLst>
-                        <p:cond delay="indefinite"/>
-                      </p:stCondLst>
-                      <p:childTnLst>
-                        <p:par>
-                          <p:cTn id="20" fill="hold">
-                            <p:stCondLst>
-                              <p:cond delay="0"/>
-                            </p:stCondLst>
-                            <p:childTnLst>
-                              <p:par>
-                                <p:cTn id="21" presetID="1" presetClass="entr" presetSubtype="0" fill="hold" nodeType="clickEffect">
-                                  <p:stCondLst>
-                                    <p:cond delay="0"/>
-                                  </p:stCondLst>
-                                  <p:childTnLst>
-                                    <p:set>
-                                      <p:cBhvr>
-                                        <p:cTn id="22" dur="1" fill="hold">
-                                          <p:stCondLst>
-                                            <p:cond delay="0"/>
-                                          </p:stCondLst>
-                                        </p:cTn>
-                                        <p:tgtEl>
-                                          <p:spTgt spid="3">
-                                            <p:txEl>
-                                              <p:pRg st="4" end="4"/>
-                                            </p:txEl>
-                                          </p:spTgt>
-                                        </p:tgtEl>
-                                        <p:attrNameLst>
-                                          <p:attrName>style.visibility</p:attrName>
-                                        </p:attrNameLst>
-                                      </p:cBhvr>
-                                      <p:to>
-                                        <p:strVal val="visible"/>
-                                      </p:to>
-                                    </p:set>
-                                  </p:childTnLst>
-                                </p:cTn>
-                              </p:par>
-                            </p:childTnLst>
-                          </p:cTn>
-                        </p:par>
-                      </p:childTnLst>
-                    </p:cTn>
-                  </p:par>
-                </p:childTnLst>
-              </p:cTn>
-              <p:prevCondLst>
-                <p:cond evt="onPrev" delay="0">
-                  <p:tgtEl>
-                    <p:sldTgt/>
-                  </p:tgtEl>
-                </p:cond>
-              </p:prevCondLst>
-              <p:nextCondLst>
-                <p:cond evt="onNext" delay="0">
-                  <p:tgtEl>
-                    <p:sldTgt/>
-                  </p:tgtEl>
-                </p:cond>
-              </p:nextCondLst>
-            </p:seq>
-          </p:childTnLst>
-        </p:cTn>
-      </p:par>
-    </p:tnLst>
-  </p:timing>
-</p:sld>
-</file>
-
-<file path=ppt/slides/slide19.xml><?xml version="1.0" encoding="utf-8"?>
-<p:sld xmlns:a="http://schemas.openxmlformats.org/drawingml/2006/main" xmlns:r="http://schemas.openxmlformats.org/officeDocument/2006/relationships" xmlns:p="http://schemas.openxmlformats.org/presentationml/2006/main">
-  <p:cSld>
-    <p:spTree>
-      <p:nvGrpSpPr>
-        <p:cNvPr id="1" name=""/>
-        <p:cNvGrpSpPr/>
-        <p:nvPr/>
-      </p:nvGrpSpPr>
-      <p:grpSpPr>
-        <a:xfrm>
-          <a:off x="0" y="0"/>
-          <a:ext cx="0" cy="0"/>
-          <a:chOff x="0" y="0"/>
-          <a:chExt cx="0" cy="0"/>
-        </a:xfrm>
-      </p:grpSpPr>
-      <p:sp>
-        <p:nvSpPr>
-          <p:cNvPr id="2" name="Title 1">
-            <a:extLst>
-              <a:ext uri="{FF2B5EF4-FFF2-40B4-BE49-F238E27FC236}">
-                <a16:creationId xmlns:a16="http://schemas.microsoft.com/office/drawing/2014/main" id="{ED5876EB-0D8A-984E-BF9C-7A22C2C7FD51}"/>
-              </a:ext>
-            </a:extLst>
-          </p:cNvPr>
-          <p:cNvSpPr>
-            <a:spLocks noGrp="1"/>
-          </p:cNvSpPr>
-          <p:nvPr>
-            <p:ph type="title"/>
-          </p:nvPr>
-        </p:nvSpPr>
-        <p:spPr/>
-        <p:txBody>
-          <a:bodyPr/>
-          <a:lstStyle/>
-          <a:p>
-            <a:r>
-              <a:rPr lang="en-US" dirty="0"/>
-              <a:t>Process Creation</a:t>
-            </a:r>
-          </a:p>
-        </p:txBody>
-      </p:sp>
-      <p:sp>
-        <p:nvSpPr>
-          <p:cNvPr id="3" name="Content Placeholder 2">
-            <a:extLst>
-              <a:ext uri="{FF2B5EF4-FFF2-40B4-BE49-F238E27FC236}">
-                <a16:creationId xmlns:a16="http://schemas.microsoft.com/office/drawing/2014/main" id="{0D00A925-D340-024F-A2A1-CC98AE4E6DDF}"/>
-              </a:ext>
-            </a:extLst>
-          </p:cNvPr>
-          <p:cNvSpPr>
-            <a:spLocks noGrp="1"/>
-          </p:cNvSpPr>
-          <p:nvPr>
-            <p:ph idx="1"/>
-          </p:nvPr>
-        </p:nvSpPr>
-        <p:spPr/>
-        <p:txBody>
-          <a:bodyPr>
-            <a:normAutofit/>
-          </a:bodyPr>
-          <a:lstStyle/>
-          <a:p>
-            <a:pPr marL="0" indent="0">
-              <a:buNone/>
-            </a:pPr>
-            <a:r>
-              <a:rPr lang="en-US" dirty="0"/>
-              <a:t>Memory of parent process copied to child process</a:t>
-            </a:r>
-          </a:p>
-          <a:p>
-            <a:pPr lvl="1"/>
-            <a:r>
-              <a:rPr lang="en-US" dirty="0"/>
-              <a:t>Too much copying</a:t>
-            </a:r>
-          </a:p>
-          <a:p>
-            <a:pPr lvl="1"/>
-            <a:r>
-              <a:rPr lang="en-US" dirty="0"/>
-              <a:t>Even not necessary sometimes</a:t>
-            </a:r>
-          </a:p>
-          <a:p>
-            <a:pPr lvl="2"/>
-            <a:r>
-              <a:rPr lang="en-US" dirty="0"/>
-              <a:t>e.g., fork() followed by exec() to run a different program</a:t>
-            </a:r>
-          </a:p>
-          <a:p>
-            <a:pPr lvl="1"/>
-            <a:r>
-              <a:rPr lang="en-US" dirty="0"/>
-              <a:t>Optimization trick:</a:t>
-            </a:r>
-          </a:p>
-          <a:p>
-            <a:pPr lvl="2"/>
-            <a:r>
-              <a:rPr lang="en-US" b="1" dirty="0"/>
-              <a:t>copy-on-write</a:t>
-            </a:r>
-          </a:p>
-          <a:p>
-            <a:pPr lvl="2"/>
-            <a:r>
-              <a:rPr lang="en-US" dirty="0"/>
-              <a:t>copy when any of the two processes writes into its memory</a:t>
-            </a:r>
-          </a:p>
-          <a:p>
-            <a:pPr lvl="2"/>
-            <a:r>
-              <a:rPr lang="en-US" dirty="0"/>
-              <a:t>copy the affected memory “part” only</a:t>
-            </a:r>
-          </a:p>
-          <a:p>
-            <a:pPr lvl="2"/>
-            <a:r>
-              <a:rPr lang="en-US" dirty="0"/>
-              <a:t>How would the OS know when a process writes to its memory?</a:t>
-            </a:r>
-          </a:p>
-        </p:txBody>
-      </p:sp>
-      <p:sp>
-        <p:nvSpPr>
-          <p:cNvPr id="4" name="Footer Placeholder 3">
-            <a:extLst>
-              <a:ext uri="{FF2B5EF4-FFF2-40B4-BE49-F238E27FC236}">
-                <a16:creationId xmlns:a16="http://schemas.microsoft.com/office/drawing/2014/main" id="{6B0C208F-A792-EE4F-90A9-6AD02E9DFFBC}"/>
-              </a:ext>
-            </a:extLst>
-          </p:cNvPr>
-          <p:cNvSpPr>
-            <a:spLocks noGrp="1"/>
-          </p:cNvSpPr>
-          <p:nvPr>
-            <p:ph type="ftr" idx="11"/>
-          </p:nvPr>
-        </p:nvSpPr>
-        <p:spPr/>
-        <p:txBody>
-          <a:bodyPr/>
-          <a:lstStyle/>
-          <a:p>
-            <a:pPr marL="0" marR="0" lvl="0" indent="0" algn="ctr" defTabSz="457200" rtl="0" eaLnBrk="1" fontAlgn="base" latinLnBrk="0" hangingPunct="0">
-              <a:lnSpc>
-                <a:spcPct val="96000"/>
-              </a:lnSpc>
-              <a:spcBef>
-                <a:spcPct val="0"/>
-              </a:spcBef>
-              <a:spcAft>
-                <a:spcPct val="0"/>
-              </a:spcAft>
-              <a:buClr>
-                <a:srgbClr val="000000"/>
-              </a:buClr>
-              <a:buSzPct val="100000"/>
-              <a:buFont typeface="Times New Roman" pitchFamily="16" charset="0"/>
-              <a:buNone/>
-              <a:tabLst>
-                <a:tab pos="0" algn="l"/>
-                <a:tab pos="457200" algn="l"/>
-                <a:tab pos="914400" algn="l"/>
-                <a:tab pos="1371600" algn="l"/>
-                <a:tab pos="1828800" algn="l"/>
-                <a:tab pos="2286000" algn="l"/>
-                <a:tab pos="2743200" algn="l"/>
-                <a:tab pos="3200400" algn="l"/>
-                <a:tab pos="3657600" algn="l"/>
-                <a:tab pos="4114800" algn="l"/>
-                <a:tab pos="4572000" algn="l"/>
-                <a:tab pos="5029200" algn="l"/>
-                <a:tab pos="5486400" algn="l"/>
-                <a:tab pos="5943600" algn="l"/>
-                <a:tab pos="6400800" algn="l"/>
-                <a:tab pos="6858000" algn="l"/>
-                <a:tab pos="7315200" algn="l"/>
-                <a:tab pos="7772400" algn="l"/>
-                <a:tab pos="8229600" algn="l"/>
-                <a:tab pos="8686800" algn="l"/>
-                <a:tab pos="9144000" algn="l"/>
-              </a:tabLst>
-              <a:defRPr/>
-            </a:pPr>
-            <a:r>
-              <a:rPr kumimoji="0" lang="en-US" sz="1400" b="0" i="0" u="none" strike="noStrike" kern="1200" cap="none" spc="0" normalizeH="0" baseline="0" noProof="0">
-                <a:ln>
-                  <a:noFill/>
-                </a:ln>
-                <a:solidFill>
-                  <a:srgbClr val="000000"/>
-                </a:solidFill>
-                <a:effectLst/>
-                <a:uLnTx/>
-                <a:uFillTx/>
-                <a:latin typeface="Arial"/>
-                <a:ea typeface="+mn-ea"/>
-                <a:cs typeface="Arial" charset="0"/>
-              </a:rPr>
-              <a:t>CS 1550 – Operating Systems – Sherif Khattab</a:t>
-            </a:r>
-            <a:endParaRPr kumimoji="0" lang="en-GB" sz="1400" b="0" i="0" u="none" strike="noStrike" kern="1200" cap="none" spc="0" normalizeH="0" baseline="0" noProof="0">
-              <a:ln>
-                <a:noFill/>
-              </a:ln>
-              <a:solidFill>
-                <a:srgbClr val="000000"/>
-              </a:solidFill>
-              <a:effectLst/>
-              <a:uLnTx/>
-              <a:uFillTx/>
-              <a:latin typeface="Times New Roman" pitchFamily="16" charset="0"/>
-              <a:ea typeface="+mn-ea"/>
-              <a:cs typeface="Arial" charset="0"/>
-            </a:endParaRPr>
-          </a:p>
-        </p:txBody>
-      </p:sp>
-      <p:sp>
-        <p:nvSpPr>
-          <p:cNvPr id="5" name="Slide Number Placeholder 4">
-            <a:extLst>
-              <a:ext uri="{FF2B5EF4-FFF2-40B4-BE49-F238E27FC236}">
-                <a16:creationId xmlns:a16="http://schemas.microsoft.com/office/drawing/2014/main" id="{562083E8-2CF3-934C-8083-4BE6F2FDBF32}"/>
-              </a:ext>
-            </a:extLst>
-          </p:cNvPr>
-          <p:cNvSpPr>
-            <a:spLocks noGrp="1"/>
-          </p:cNvSpPr>
-          <p:nvPr>
-            <p:ph type="sldNum" idx="12"/>
-          </p:nvPr>
-        </p:nvSpPr>
-        <p:spPr/>
-        <p:txBody>
-          <a:bodyPr/>
-          <a:lstStyle/>
-          <a:p>
-            <a:pPr marL="0" marR="0" lvl="0" indent="0" algn="r" defTabSz="457200" rtl="0" eaLnBrk="1" fontAlgn="base" latinLnBrk="0" hangingPunct="0">
-              <a:lnSpc>
-                <a:spcPct val="96000"/>
-              </a:lnSpc>
-              <a:spcBef>
-                <a:spcPct val="0"/>
-              </a:spcBef>
-              <a:spcAft>
-                <a:spcPct val="0"/>
-              </a:spcAft>
-              <a:buClr>
-                <a:srgbClr val="000000"/>
-              </a:buClr>
-              <a:buSzPct val="100000"/>
-              <a:buFont typeface="Times New Roman" panose="02020603050405020304" pitchFamily="18" charset="0"/>
-              <a:buNone/>
-              <a:tabLst/>
-              <a:defRPr/>
-            </a:pPr>
-            <a:fld id="{65E435D9-63B0-4660-8D04-E83F5E2CA2AE}" type="slidenum">
-              <a:rPr kumimoji="0" lang="en-GB" altLang="en-US" sz="1400" b="0" i="0" u="none" strike="noStrike" kern="1200" cap="none" spc="0" normalizeH="0" baseline="0" noProof="0" smtClean="0">
-                <a:ln>
-                  <a:noFill/>
-                </a:ln>
-                <a:solidFill>
-                  <a:srgbClr val="000000"/>
-                </a:solidFill>
-                <a:effectLst/>
-                <a:uLnTx/>
-                <a:uFillTx/>
-                <a:latin typeface="Times New Roman" panose="02020603050405020304" pitchFamily="18" charset="0"/>
-                <a:ea typeface="+mn-ea"/>
-                <a:cs typeface="Arial" panose="020B0604020202020204" pitchFamily="34" charset="0"/>
-              </a:rPr>
-              <a:pPr marL="0" marR="0" lvl="0" indent="0" algn="r" defTabSz="457200" rtl="0" eaLnBrk="1" fontAlgn="base" latinLnBrk="0" hangingPunct="0">
-                <a:lnSpc>
-                  <a:spcPct val="96000"/>
-                </a:lnSpc>
-                <a:spcBef>
-                  <a:spcPct val="0"/>
-                </a:spcBef>
-                <a:spcAft>
-                  <a:spcPct val="0"/>
-                </a:spcAft>
-                <a:buClr>
-                  <a:srgbClr val="000000"/>
-                </a:buClr>
-                <a:buSzPct val="100000"/>
-                <a:buFont typeface="Times New Roman" panose="02020603050405020304" pitchFamily="18" charset="0"/>
-                <a:buNone/>
-                <a:tabLst/>
-                <a:defRPr/>
-              </a:pPr>
-              <a:t>19</a:t>
-            </a:fld>
-            <a:endParaRPr kumimoji="0" lang="en-GB" altLang="en-US" sz="1400" b="0" i="0" u="none" strike="noStrike" kern="1200" cap="none" spc="0" normalizeH="0" baseline="0" noProof="0">
-              <a:ln>
-                <a:noFill/>
-              </a:ln>
-              <a:solidFill>
-                <a:srgbClr val="000000"/>
-              </a:solidFill>
-              <a:effectLst/>
-              <a:uLnTx/>
-              <a:uFillTx/>
-              <a:latin typeface="Times New Roman" panose="02020603050405020304" pitchFamily="18" charset="0"/>
-              <a:ea typeface="+mn-ea"/>
-              <a:cs typeface="Arial" panose="020B0604020202020204" pitchFamily="34" charset="0"/>
-            </a:endParaRPr>
-          </a:p>
-        </p:txBody>
-      </p:sp>
-    </p:spTree>
-    <p:extLst>
-      <p:ext uri="{BB962C8B-B14F-4D97-AF65-F5344CB8AC3E}">
-        <p14:creationId xmlns:p14="http://schemas.microsoft.com/office/powerpoint/2010/main" val="2115437366"/>
-      </p:ext>
-    </p:extLst>
-  </p:cSld>
-  <p:clrMapOvr>
-    <a:masterClrMapping/>
-  </p:clrMapOvr>
-  <p:timing>
-    <p:tnLst>
-      <p:par>
-        <p:cTn id="1" dur="indefinite" restart="never" nodeType="tmRoot">
-          <p:childTnLst>
-            <p:seq concurrent="1" nextAc="seek">
-              <p:cTn id="2" dur="indefinite" nodeType="mainSeq">
-                <p:childTnLst>
-                  <p:par>
-                    <p:cTn id="3" fill="hold">
-                      <p:stCondLst>
-                        <p:cond delay="indefinite"/>
-                      </p:stCondLst>
-                      <p:childTnLst>
-                        <p:par>
-                          <p:cTn id="4" fill="hold">
-                            <p:stCondLst>
-                              <p:cond delay="0"/>
-                            </p:stCondLst>
-                            <p:childTnLst>
-                              <p:par>
-                                <p:cTn id="5" presetID="1" presetClass="entr" presetSubtype="0" fill="hold" nodeType="clickEffect">
-                                  <p:stCondLst>
-                                    <p:cond delay="0"/>
-                                  </p:stCondLst>
-                                  <p:childTnLst>
-                                    <p:set>
-                                      <p:cBhvr>
-                                        <p:cTn id="6" dur="1" fill="hold">
-                                          <p:stCondLst>
-                                            <p:cond delay="0"/>
-                                          </p:stCondLst>
-                                        </p:cTn>
-                                        <p:tgtEl>
-                                          <p:spTgt spid="3">
-                                            <p:txEl>
-                                              <p:pRg st="0" end="0"/>
-                                            </p:txEl>
-                                          </p:spTgt>
-                                        </p:tgtEl>
-                                        <p:attrNameLst>
-                                          <p:attrName>style.visibility</p:attrName>
-                                        </p:attrNameLst>
-                                      </p:cBhvr>
-                                      <p:to>
-                                        <p:strVal val="visible"/>
-                                      </p:to>
-                                    </p:set>
-                                  </p:childTnLst>
-                                </p:cTn>
-                              </p:par>
-                            </p:childTnLst>
-                          </p:cTn>
-                        </p:par>
-                      </p:childTnLst>
-                    </p:cTn>
-                  </p:par>
-                  <p:par>
-                    <p:cTn id="7" fill="hold">
-                      <p:stCondLst>
-                        <p:cond delay="indefinite"/>
-                      </p:stCondLst>
-                      <p:childTnLst>
-                        <p:par>
-                          <p:cTn id="8" fill="hold">
-                            <p:stCondLst>
-                              <p:cond delay="0"/>
-                            </p:stCondLst>
-                            <p:childTnLst>
-                              <p:par>
-                                <p:cTn id="9" presetID="1" presetClass="entr" presetSubtype="0" fill="hold" nodeType="clickEffect">
-                                  <p:stCondLst>
-                                    <p:cond delay="0"/>
-                                  </p:stCondLst>
-                                  <p:childTnLst>
-                                    <p:set>
-                                      <p:cBhvr>
-                                        <p:cTn id="10" dur="1" fill="hold">
-                                          <p:stCondLst>
-                                            <p:cond delay="0"/>
-                                          </p:stCondLst>
-                                        </p:cTn>
-                                        <p:tgtEl>
-                                          <p:spTgt spid="3">
-                                            <p:txEl>
-                                              <p:pRg st="1" end="1"/>
-                                            </p:txEl>
-                                          </p:spTgt>
-                                        </p:tgtEl>
-                                        <p:attrNameLst>
-                                          <p:attrName>style.visibility</p:attrName>
-                                        </p:attrNameLst>
-                                      </p:cBhvr>
-                                      <p:to>
-                                        <p:strVal val="visible"/>
-                                      </p:to>
-                                    </p:set>
-                                  </p:childTnLst>
-                                </p:cTn>
-                              </p:par>
-                            </p:childTnLst>
-                          </p:cTn>
-                        </p:par>
-                      </p:childTnLst>
-                    </p:cTn>
-                  </p:par>
-                  <p:par>
-                    <p:cTn id="11" fill="hold">
-                      <p:stCondLst>
-                        <p:cond delay="indefinite"/>
-                      </p:stCondLst>
-                      <p:childTnLst>
-                        <p:par>
-                          <p:cTn id="12" fill="hold">
-                            <p:stCondLst>
-                              <p:cond delay="0"/>
-                            </p:stCondLst>
-                            <p:childTnLst>
-                              <p:par>
-                                <p:cTn id="13" presetID="1" presetClass="entr" presetSubtype="0" fill="hold" nodeType="clickEffect">
-                                  <p:stCondLst>
-                                    <p:cond delay="0"/>
-                                  </p:stCondLst>
-                                  <p:childTnLst>
-                                    <p:set>
-                                      <p:cBhvr>
-                                        <p:cTn id="14" dur="1" fill="hold">
-                                          <p:stCondLst>
-                                            <p:cond delay="0"/>
-                                          </p:stCondLst>
-                                        </p:cTn>
-                                        <p:tgtEl>
-                                          <p:spTgt spid="3">
-                                            <p:txEl>
-                                              <p:pRg st="2" end="2"/>
-                                            </p:txEl>
-                                          </p:spTgt>
-                                        </p:tgtEl>
-                                        <p:attrNameLst>
-                                          <p:attrName>style.visibility</p:attrName>
-                                        </p:attrNameLst>
-                                      </p:cBhvr>
-                                      <p:to>
-                                        <p:strVal val="visible"/>
-                                      </p:to>
-                                    </p:set>
-                                  </p:childTnLst>
-                                </p:cTn>
-                              </p:par>
-                            </p:childTnLst>
-                          </p:cTn>
-                        </p:par>
-                      </p:childTnLst>
-                    </p:cTn>
-                  </p:par>
-                  <p:par>
-                    <p:cTn id="15" fill="hold">
-                      <p:stCondLst>
-                        <p:cond delay="indefinite"/>
-                      </p:stCondLst>
-                      <p:childTnLst>
-                        <p:par>
-                          <p:cTn id="16" fill="hold">
-                            <p:stCondLst>
-                              <p:cond delay="0"/>
-                            </p:stCondLst>
-                            <p:childTnLst>
-                              <p:par>
-                                <p:cTn id="17" presetID="1" presetClass="entr" presetSubtype="0" fill="hold" nodeType="clickEffect">
-                                  <p:stCondLst>
-                                    <p:cond delay="0"/>
-                                  </p:stCondLst>
-                                  <p:childTnLst>
-                                    <p:set>
-                                      <p:cBhvr>
-                                        <p:cTn id="18" dur="1" fill="hold">
-                                          <p:stCondLst>
-                                            <p:cond delay="0"/>
-                                          </p:stCondLst>
-                                        </p:cTn>
-                                        <p:tgtEl>
-                                          <p:spTgt spid="3">
-                                            <p:txEl>
-                                              <p:pRg st="3" end="3"/>
-                                            </p:txEl>
-                                          </p:spTgt>
-                                        </p:tgtEl>
-                                        <p:attrNameLst>
-                                          <p:attrName>style.visibility</p:attrName>
-                                        </p:attrNameLst>
-                                      </p:cBhvr>
-                                      <p:to>
-                                        <p:strVal val="visible"/>
-                                      </p:to>
-                                    </p:set>
-                                  </p:childTnLst>
-                                </p:cTn>
-                              </p:par>
-                            </p:childTnLst>
-                          </p:cTn>
-                        </p:par>
-                      </p:childTnLst>
-                    </p:cTn>
-                  </p:par>
-                  <p:par>
-                    <p:cTn id="19" fill="hold">
-                      <p:stCondLst>
-                        <p:cond delay="indefinite"/>
-                      </p:stCondLst>
-                      <p:childTnLst>
-                        <p:par>
-                          <p:cTn id="20" fill="hold">
-                            <p:stCondLst>
-                              <p:cond delay="0"/>
-                            </p:stCondLst>
-                            <p:childTnLst>
-                              <p:par>
-                                <p:cTn id="21" presetID="1" presetClass="entr" presetSubtype="0" fill="hold" nodeType="clickEffect">
-                                  <p:stCondLst>
-                                    <p:cond delay="0"/>
-                                  </p:stCondLst>
-                                  <p:childTnLst>
-                                    <p:set>
-                                      <p:cBhvr>
-                                        <p:cTn id="22" dur="1" fill="hold">
-                                          <p:stCondLst>
-                                            <p:cond delay="0"/>
-                                          </p:stCondLst>
-                                        </p:cTn>
-                                        <p:tgtEl>
-                                          <p:spTgt spid="3">
-                                            <p:txEl>
-                                              <p:pRg st="4" end="4"/>
-                                            </p:txEl>
-                                          </p:spTgt>
-                                        </p:tgtEl>
-                                        <p:attrNameLst>
-                                          <p:attrName>style.visibility</p:attrName>
-                                        </p:attrNameLst>
-                                      </p:cBhvr>
-                                      <p:to>
-                                        <p:strVal val="visible"/>
-                                      </p:to>
-                                    </p:set>
-                                  </p:childTnLst>
-                                </p:cTn>
-                              </p:par>
-                            </p:childTnLst>
-                          </p:cTn>
-                        </p:par>
-                      </p:childTnLst>
-                    </p:cTn>
-                  </p:par>
-                  <p:par>
-                    <p:cTn id="23" fill="hold">
-                      <p:stCondLst>
-                        <p:cond delay="indefinite"/>
-                      </p:stCondLst>
-                      <p:childTnLst>
-                        <p:par>
-                          <p:cTn id="24" fill="hold">
-                            <p:stCondLst>
-                              <p:cond delay="0"/>
-                            </p:stCondLst>
-                            <p:childTnLst>
-                              <p:par>
-                                <p:cTn id="25" presetID="1" presetClass="entr" presetSubtype="0" fill="hold" nodeType="clickEffect">
-                                  <p:stCondLst>
-                                    <p:cond delay="0"/>
-                                  </p:stCondLst>
-                                  <p:childTnLst>
-                                    <p:set>
-                                      <p:cBhvr>
-                                        <p:cTn id="26" dur="1" fill="hold">
-                                          <p:stCondLst>
-                                            <p:cond delay="0"/>
-                                          </p:stCondLst>
-                                        </p:cTn>
-                                        <p:tgtEl>
-                                          <p:spTgt spid="3">
-                                            <p:txEl>
-                                              <p:pRg st="5" end="5"/>
-                                            </p:txEl>
-                                          </p:spTgt>
-                                        </p:tgtEl>
-                                        <p:attrNameLst>
-                                          <p:attrName>style.visibility</p:attrName>
-                                        </p:attrNameLst>
-                                      </p:cBhvr>
-                                      <p:to>
-                                        <p:strVal val="visible"/>
-                                      </p:to>
-                                    </p:set>
-                                  </p:childTnLst>
-                                </p:cTn>
-                              </p:par>
-                            </p:childTnLst>
-                          </p:cTn>
-                        </p:par>
-                      </p:childTnLst>
-                    </p:cTn>
-                  </p:par>
-                  <p:par>
-                    <p:cTn id="27" fill="hold">
-                      <p:stCondLst>
-                        <p:cond delay="indefinite"/>
-                      </p:stCondLst>
-                      <p:childTnLst>
-                        <p:par>
-                          <p:cTn id="28" fill="hold">
-                            <p:stCondLst>
-                              <p:cond delay="0"/>
-                            </p:stCondLst>
-                            <p:childTnLst>
-                              <p:par>
-                                <p:cTn id="29" presetID="1" presetClass="entr" presetSubtype="0" fill="hold" nodeType="clickEffect">
-                                  <p:stCondLst>
-                                    <p:cond delay="0"/>
-                                  </p:stCondLst>
-                                  <p:childTnLst>
-                                    <p:set>
-                                      <p:cBhvr>
-                                        <p:cTn id="30" dur="1" fill="hold">
-                                          <p:stCondLst>
-                                            <p:cond delay="0"/>
-                                          </p:stCondLst>
-                                        </p:cTn>
-                                        <p:tgtEl>
-                                          <p:spTgt spid="3">
-                                            <p:txEl>
-                                              <p:pRg st="6" end="6"/>
-                                            </p:txEl>
-                                          </p:spTgt>
-                                        </p:tgtEl>
-                                        <p:attrNameLst>
-                                          <p:attrName>style.visibility</p:attrName>
-                                        </p:attrNameLst>
-                                      </p:cBhvr>
-                                      <p:to>
-                                        <p:strVal val="visible"/>
-                                      </p:to>
-                                    </p:set>
-                                  </p:childTnLst>
-                                </p:cTn>
-                              </p:par>
-                            </p:childTnLst>
-                          </p:cTn>
-                        </p:par>
-                      </p:childTnLst>
-                    </p:cTn>
-                  </p:par>
-                  <p:par>
-                    <p:cTn id="31" fill="hold">
-                      <p:stCondLst>
-                        <p:cond delay="indefinite"/>
-                      </p:stCondLst>
-                      <p:childTnLst>
-                        <p:par>
-                          <p:cTn id="32" fill="hold">
-                            <p:stCondLst>
-                              <p:cond delay="0"/>
-                            </p:stCondLst>
-                            <p:childTnLst>
-                              <p:par>
-                                <p:cTn id="33" presetID="1" presetClass="entr" presetSubtype="0" fill="hold" nodeType="clickEffect">
-                                  <p:stCondLst>
-                                    <p:cond delay="0"/>
-                                  </p:stCondLst>
-                                  <p:childTnLst>
-                                    <p:set>
-                                      <p:cBhvr>
-                                        <p:cTn id="34" dur="1" fill="hold">
-                                          <p:stCondLst>
-                                            <p:cond delay="0"/>
-                                          </p:stCondLst>
-                                        </p:cTn>
-                                        <p:tgtEl>
-                                          <p:spTgt spid="3">
-                                            <p:txEl>
-                                              <p:pRg st="7" end="7"/>
-                                            </p:txEl>
-                                          </p:spTgt>
-                                        </p:tgtEl>
-                                        <p:attrNameLst>
-                                          <p:attrName>style.visibility</p:attrName>
-                                        </p:attrNameLst>
-                                      </p:cBhvr>
-                                      <p:to>
-                                        <p:strVal val="visible"/>
-                                      </p:to>
-                                    </p:set>
-                                  </p:childTnLst>
-                                </p:cTn>
-                              </p:par>
-                            </p:childTnLst>
-                          </p:cTn>
-                        </p:par>
-                      </p:childTnLst>
-                    </p:cTn>
-                  </p:par>
-                  <p:par>
-                    <p:cTn id="35" fill="hold">
-                      <p:stCondLst>
-                        <p:cond delay="indefinite"/>
-                      </p:stCondLst>
-                      <p:childTnLst>
-                        <p:par>
-                          <p:cTn id="36" fill="hold">
-                            <p:stCondLst>
-                              <p:cond delay="0"/>
-                            </p:stCondLst>
-                            <p:childTnLst>
-                              <p:par>
-                                <p:cTn id="37" presetID="1" presetClass="entr" presetSubtype="0" fill="hold" nodeType="clickEffect">
-                                  <p:stCondLst>
-                                    <p:cond delay="0"/>
-                                  </p:stCondLst>
-                                  <p:childTnLst>
-                                    <p:set>
-                                      <p:cBhvr>
-                                        <p:cTn id="38" dur="1" fill="hold">
-                                          <p:stCondLst>
-                                            <p:cond delay="0"/>
-                                          </p:stCondLst>
-                                        </p:cTn>
-                                        <p:tgtEl>
-                                          <p:spTgt spid="3">
-                                            <p:txEl>
-                                              <p:pRg st="8" end="8"/>
-                                            </p:txEl>
-                                          </p:spTgt>
-                                        </p:tgtEl>
-                                        <p:attrNameLst>
-                                          <p:attrName>style.visibility</p:attrName>
-                                        </p:attrNameLst>
-                                      </p:cBhvr>
-                                      <p:to>
-                                        <p:strVal val="visible"/>
-                                      </p:to>
-                                    </p:set>
-                                  </p:childTnLst>
-                                </p:cTn>
-                              </p:par>
-                            </p:childTnLst>
-                          </p:cTn>
-                        </p:par>
-                      </p:childTnLst>
-                    </p:cTn>
-                  </p:par>
-                </p:childTnLst>
-              </p:cTn>
-              <p:prevCondLst>
-                <p:cond evt="onPrev" delay="0">
-                  <p:tgtEl>
-                    <p:sldTgt/>
-                  </p:tgtEl>
-                </p:cond>
-              </p:prevCondLst>
-              <p:nextCondLst>
-                <p:cond evt="onNext" delay="0">
-                  <p:tgtEl>
-                    <p:sldTgt/>
-                  </p:tgtEl>
-                </p:cond>
-              </p:nextCondLst>
-            </p:seq>
-          </p:childTnLst>
-        </p:cTn>
-      </p:par>
-    </p:tnLst>
-  </p:timing>
-</p:sld>
-</file>
-
 <file path=ppt/slides/slide2.xml><?xml version="1.0" encoding="utf-8"?>
 <p:sld xmlns:a="http://schemas.openxmlformats.org/drawingml/2006/main" xmlns:r="http://schemas.openxmlformats.org/officeDocument/2006/relationships" xmlns:p="http://schemas.openxmlformats.org/presentationml/2006/main">
   <p:cSld>
@@ -22459,1479 +20911,6 @@
                                               <p:pRg st="4" end="4"/>
                                             </p:txEl>
                                           </p:spTgt>
-                                        </p:tgtEl>
-                                        <p:attrNameLst>
-                                          <p:attrName>style.visibility</p:attrName>
-                                        </p:attrNameLst>
-                                      </p:cBhvr>
-                                      <p:to>
-                                        <p:strVal val="visible"/>
-                                      </p:to>
-                                    </p:set>
-                                  </p:childTnLst>
-                                </p:cTn>
-                              </p:par>
-                            </p:childTnLst>
-                          </p:cTn>
-                        </p:par>
-                      </p:childTnLst>
-                    </p:cTn>
-                  </p:par>
-                </p:childTnLst>
-              </p:cTn>
-              <p:prevCondLst>
-                <p:cond evt="onPrev" delay="0">
-                  <p:tgtEl>
-                    <p:sldTgt/>
-                  </p:tgtEl>
-                </p:cond>
-              </p:prevCondLst>
-              <p:nextCondLst>
-                <p:cond evt="onNext" delay="0">
-                  <p:tgtEl>
-                    <p:sldTgt/>
-                  </p:tgtEl>
-                </p:cond>
-              </p:nextCondLst>
-            </p:seq>
-          </p:childTnLst>
-        </p:cTn>
-      </p:par>
-    </p:tnLst>
-  </p:timing>
-</p:sld>
-</file>
-
-<file path=ppt/slides/slide20.xml><?xml version="1.0" encoding="utf-8"?>
-<p:sld xmlns:a="http://schemas.openxmlformats.org/drawingml/2006/main" xmlns:r="http://schemas.openxmlformats.org/officeDocument/2006/relationships" xmlns:p="http://schemas.openxmlformats.org/presentationml/2006/main">
-  <p:cSld>
-    <p:spTree>
-      <p:nvGrpSpPr>
-        <p:cNvPr id="1" name=""/>
-        <p:cNvGrpSpPr/>
-        <p:nvPr/>
-      </p:nvGrpSpPr>
-      <p:grpSpPr>
-        <a:xfrm>
-          <a:off x="0" y="0"/>
-          <a:ext cx="0" cy="0"/>
-          <a:chOff x="0" y="0"/>
-          <a:chExt cx="0" cy="0"/>
-        </a:xfrm>
-      </p:grpSpPr>
-      <p:sp>
-        <p:nvSpPr>
-          <p:cNvPr id="2" name="Title 1">
-            <a:extLst>
-              <a:ext uri="{FF2B5EF4-FFF2-40B4-BE49-F238E27FC236}">
-                <a16:creationId xmlns:a16="http://schemas.microsoft.com/office/drawing/2014/main" id="{21B069AF-6569-4512-986F-E784F07B4C99}"/>
-              </a:ext>
-            </a:extLst>
-          </p:cNvPr>
-          <p:cNvSpPr>
-            <a:spLocks noGrp="1"/>
-          </p:cNvSpPr>
-          <p:nvPr>
-            <p:ph type="title"/>
-          </p:nvPr>
-        </p:nvSpPr>
-        <p:spPr/>
-        <p:txBody>
-          <a:bodyPr/>
-          <a:lstStyle/>
-          <a:p>
-            <a:r>
-              <a:rPr lang="en-US" dirty="0"/>
-              <a:t>fork() tracing</a:t>
-            </a:r>
-          </a:p>
-        </p:txBody>
-      </p:sp>
-      <p:sp>
-        <p:nvSpPr>
-          <p:cNvPr id="3" name="Content Placeholder 2">
-            <a:extLst>
-              <a:ext uri="{FF2B5EF4-FFF2-40B4-BE49-F238E27FC236}">
-                <a16:creationId xmlns:a16="http://schemas.microsoft.com/office/drawing/2014/main" id="{53DEEDDA-87CA-4C22-AA4E-82F071E2C328}"/>
-              </a:ext>
-            </a:extLst>
-          </p:cNvPr>
-          <p:cNvSpPr>
-            <a:spLocks noGrp="1"/>
-          </p:cNvSpPr>
-          <p:nvPr>
-            <p:ph idx="1"/>
-          </p:nvPr>
-        </p:nvSpPr>
-        <p:spPr/>
-        <p:txBody>
-          <a:bodyPr/>
-          <a:lstStyle/>
-          <a:p>
-            <a:endParaRPr lang="en-US" dirty="0"/>
-          </a:p>
-        </p:txBody>
-      </p:sp>
-      <p:sp>
-        <p:nvSpPr>
-          <p:cNvPr id="4" name="Footer Placeholder 3">
-            <a:extLst>
-              <a:ext uri="{FF2B5EF4-FFF2-40B4-BE49-F238E27FC236}">
-                <a16:creationId xmlns:a16="http://schemas.microsoft.com/office/drawing/2014/main" id="{BFF0C662-DC70-47C2-AC2A-9C1C793BEB82}"/>
-              </a:ext>
-            </a:extLst>
-          </p:cNvPr>
-          <p:cNvSpPr>
-            <a:spLocks noGrp="1"/>
-          </p:cNvSpPr>
-          <p:nvPr>
-            <p:ph type="ftr" idx="11"/>
-          </p:nvPr>
-        </p:nvSpPr>
-        <p:spPr/>
-        <p:txBody>
-          <a:bodyPr/>
-          <a:lstStyle/>
-          <a:p>
-            <a:pPr marL="0" marR="0" lvl="0" indent="0" algn="ctr" defTabSz="457200" rtl="0" eaLnBrk="1" fontAlgn="base" latinLnBrk="0" hangingPunct="0">
-              <a:lnSpc>
-                <a:spcPct val="96000"/>
-              </a:lnSpc>
-              <a:spcBef>
-                <a:spcPct val="0"/>
-              </a:spcBef>
-              <a:spcAft>
-                <a:spcPct val="0"/>
-              </a:spcAft>
-              <a:buClr>
-                <a:srgbClr val="000000"/>
-              </a:buClr>
-              <a:buSzPct val="100000"/>
-              <a:buFont typeface="Times New Roman" pitchFamily="16" charset="0"/>
-              <a:buNone/>
-              <a:tabLst>
-                <a:tab pos="0" algn="l"/>
-                <a:tab pos="457200" algn="l"/>
-                <a:tab pos="914400" algn="l"/>
-                <a:tab pos="1371600" algn="l"/>
-                <a:tab pos="1828800" algn="l"/>
-                <a:tab pos="2286000" algn="l"/>
-                <a:tab pos="2743200" algn="l"/>
-                <a:tab pos="3200400" algn="l"/>
-                <a:tab pos="3657600" algn="l"/>
-                <a:tab pos="4114800" algn="l"/>
-                <a:tab pos="4572000" algn="l"/>
-                <a:tab pos="5029200" algn="l"/>
-                <a:tab pos="5486400" algn="l"/>
-                <a:tab pos="5943600" algn="l"/>
-                <a:tab pos="6400800" algn="l"/>
-                <a:tab pos="6858000" algn="l"/>
-                <a:tab pos="7315200" algn="l"/>
-                <a:tab pos="7772400" algn="l"/>
-                <a:tab pos="8229600" algn="l"/>
-                <a:tab pos="8686800" algn="l"/>
-                <a:tab pos="9144000" algn="l"/>
-              </a:tabLst>
-              <a:defRPr/>
-            </a:pPr>
-            <a:r>
-              <a:rPr kumimoji="0" lang="en-US" sz="1400" b="0" i="0" u="none" strike="noStrike" kern="1200" cap="none" spc="0" normalizeH="0" baseline="0" noProof="0">
-                <a:ln>
-                  <a:noFill/>
-                </a:ln>
-                <a:solidFill>
-                  <a:srgbClr val="000000"/>
-                </a:solidFill>
-                <a:effectLst/>
-                <a:uLnTx/>
-                <a:uFillTx/>
-                <a:latin typeface="Arial"/>
-                <a:ea typeface="+mn-ea"/>
-                <a:cs typeface="Arial" charset="0"/>
-              </a:rPr>
-              <a:t>CS 1550 – Operating Systems – Sherif Khattab</a:t>
-            </a:r>
-            <a:endParaRPr kumimoji="0" lang="en-GB" sz="1400" b="0" i="0" u="none" strike="noStrike" kern="1200" cap="none" spc="0" normalizeH="0" baseline="0" noProof="0" dirty="0">
-              <a:ln>
-                <a:noFill/>
-              </a:ln>
-              <a:solidFill>
-                <a:srgbClr val="000000"/>
-              </a:solidFill>
-              <a:effectLst/>
-              <a:uLnTx/>
-              <a:uFillTx/>
-              <a:latin typeface="Times New Roman" pitchFamily="16" charset="0"/>
-              <a:ea typeface="+mn-ea"/>
-              <a:cs typeface="Arial" charset="0"/>
-            </a:endParaRPr>
-          </a:p>
-        </p:txBody>
-      </p:sp>
-      <p:sp>
-        <p:nvSpPr>
-          <p:cNvPr id="5" name="Slide Number Placeholder 4">
-            <a:extLst>
-              <a:ext uri="{FF2B5EF4-FFF2-40B4-BE49-F238E27FC236}">
-                <a16:creationId xmlns:a16="http://schemas.microsoft.com/office/drawing/2014/main" id="{D2CA52D2-BB6F-4762-A6E0-F33C2E590D20}"/>
-              </a:ext>
-            </a:extLst>
-          </p:cNvPr>
-          <p:cNvSpPr>
-            <a:spLocks noGrp="1"/>
-          </p:cNvSpPr>
-          <p:nvPr>
-            <p:ph type="sldNum" idx="12"/>
-          </p:nvPr>
-        </p:nvSpPr>
-        <p:spPr/>
-        <p:txBody>
-          <a:bodyPr/>
-          <a:lstStyle/>
-          <a:p>
-            <a:pPr marL="0" marR="0" lvl="0" indent="0" algn="r" defTabSz="457200" rtl="0" eaLnBrk="1" fontAlgn="base" latinLnBrk="0" hangingPunct="0">
-              <a:lnSpc>
-                <a:spcPct val="96000"/>
-              </a:lnSpc>
-              <a:spcBef>
-                <a:spcPct val="0"/>
-              </a:spcBef>
-              <a:spcAft>
-                <a:spcPct val="0"/>
-              </a:spcAft>
-              <a:buClr>
-                <a:srgbClr val="000000"/>
-              </a:buClr>
-              <a:buSzPct val="100000"/>
-              <a:buFont typeface="Times New Roman" panose="02020603050405020304" pitchFamily="18" charset="0"/>
-              <a:buNone/>
-              <a:tabLst/>
-              <a:defRPr/>
-            </a:pPr>
-            <a:fld id="{65E435D9-63B0-4660-8D04-E83F5E2CA2AE}" type="slidenum">
-              <a:rPr kumimoji="0" lang="en-GB" altLang="en-US" sz="1400" b="0" i="0" u="none" strike="noStrike" kern="1200" cap="none" spc="0" normalizeH="0" baseline="0" noProof="0" smtClean="0">
-                <a:ln>
-                  <a:noFill/>
-                </a:ln>
-                <a:solidFill>
-                  <a:srgbClr val="000000"/>
-                </a:solidFill>
-                <a:effectLst/>
-                <a:uLnTx/>
-                <a:uFillTx/>
-                <a:latin typeface="Times New Roman" panose="02020603050405020304" pitchFamily="18" charset="0"/>
-                <a:ea typeface="+mn-ea"/>
-                <a:cs typeface="Arial" panose="020B0604020202020204" pitchFamily="34" charset="0"/>
-              </a:rPr>
-              <a:pPr marL="0" marR="0" lvl="0" indent="0" algn="r" defTabSz="457200" rtl="0" eaLnBrk="1" fontAlgn="base" latinLnBrk="0" hangingPunct="0">
-                <a:lnSpc>
-                  <a:spcPct val="96000"/>
-                </a:lnSpc>
-                <a:spcBef>
-                  <a:spcPct val="0"/>
-                </a:spcBef>
-                <a:spcAft>
-                  <a:spcPct val="0"/>
-                </a:spcAft>
-                <a:buClr>
-                  <a:srgbClr val="000000"/>
-                </a:buClr>
-                <a:buSzPct val="100000"/>
-                <a:buFont typeface="Times New Roman" panose="02020603050405020304" pitchFamily="18" charset="0"/>
-                <a:buNone/>
-                <a:tabLst/>
-                <a:defRPr/>
-              </a:pPr>
-              <a:t>20</a:t>
-            </a:fld>
-            <a:endParaRPr kumimoji="0" lang="en-GB" altLang="en-US" sz="1400" b="0" i="0" u="none" strike="noStrike" kern="1200" cap="none" spc="0" normalizeH="0" baseline="0" noProof="0" dirty="0">
-              <a:ln>
-                <a:noFill/>
-              </a:ln>
-              <a:solidFill>
-                <a:srgbClr val="000000"/>
-              </a:solidFill>
-              <a:effectLst/>
-              <a:uLnTx/>
-              <a:uFillTx/>
-              <a:latin typeface="Times New Roman" panose="02020603050405020304" pitchFamily="18" charset="0"/>
-              <a:ea typeface="+mn-ea"/>
-              <a:cs typeface="Arial" panose="020B0604020202020204" pitchFamily="34" charset="0"/>
-            </a:endParaRPr>
-          </a:p>
-        </p:txBody>
-      </p:sp>
-      <p:pic>
-        <p:nvPicPr>
-          <p:cNvPr id="10" name="Picture 9">
-            <a:extLst>
-              <a:ext uri="{FF2B5EF4-FFF2-40B4-BE49-F238E27FC236}">
-                <a16:creationId xmlns:a16="http://schemas.microsoft.com/office/drawing/2014/main" id="{33273E7E-40F0-8FC4-710B-EED86F4A243F}"/>
-              </a:ext>
-            </a:extLst>
-          </p:cNvPr>
-          <p:cNvPicPr>
-            <a:picLocks noChangeAspect="1"/>
-          </p:cNvPicPr>
-          <p:nvPr/>
-        </p:nvPicPr>
-        <p:blipFill rotWithShape="1">
-          <a:blip r:embed="rId3"/>
-          <a:srcRect t="-1" r="63690" b="54321"/>
-          <a:stretch/>
-        </p:blipFill>
-        <p:spPr>
-          <a:xfrm>
-            <a:off x="462831" y="1320416"/>
-            <a:ext cx="3215872" cy="2697682"/>
-          </a:xfrm>
-          <a:prstGeom prst="rect">
-            <a:avLst/>
-          </a:prstGeom>
-        </p:spPr>
-      </p:pic>
-      <p:pic>
-        <p:nvPicPr>
-          <p:cNvPr id="12" name="Picture 11">
-            <a:extLst>
-              <a:ext uri="{FF2B5EF4-FFF2-40B4-BE49-F238E27FC236}">
-                <a16:creationId xmlns:a16="http://schemas.microsoft.com/office/drawing/2014/main" id="{997A57F5-A275-2588-83F4-C23552C553C1}"/>
-              </a:ext>
-            </a:extLst>
-          </p:cNvPr>
-          <p:cNvPicPr>
-            <a:picLocks noChangeAspect="1"/>
-          </p:cNvPicPr>
-          <p:nvPr/>
-        </p:nvPicPr>
-        <p:blipFill rotWithShape="1">
-          <a:blip r:embed="rId3"/>
-          <a:srcRect l="36469" r="19442"/>
-          <a:stretch/>
-        </p:blipFill>
-        <p:spPr>
-          <a:xfrm>
-            <a:off x="4303528" y="776288"/>
-            <a:ext cx="3904812" cy="5905596"/>
-          </a:xfrm>
-          <a:prstGeom prst="rect">
-            <a:avLst/>
-          </a:prstGeom>
-        </p:spPr>
-      </p:pic>
-      <p:pic>
-        <p:nvPicPr>
-          <p:cNvPr id="13" name="Picture 12">
-            <a:extLst>
-              <a:ext uri="{FF2B5EF4-FFF2-40B4-BE49-F238E27FC236}">
-                <a16:creationId xmlns:a16="http://schemas.microsoft.com/office/drawing/2014/main" id="{EC8D53B2-F811-C1CC-DE1F-F4F91D3F8D35}"/>
-              </a:ext>
-            </a:extLst>
-          </p:cNvPr>
-          <p:cNvPicPr>
-            <a:picLocks noChangeAspect="1"/>
-          </p:cNvPicPr>
-          <p:nvPr/>
-        </p:nvPicPr>
-        <p:blipFill rotWithShape="1">
-          <a:blip r:embed="rId3"/>
-          <a:srcRect l="36469" r="51128" b="53116"/>
-          <a:stretch/>
-        </p:blipFill>
-        <p:spPr>
-          <a:xfrm>
-            <a:off x="4316193" y="776288"/>
-            <a:ext cx="1098447" cy="2768770"/>
-          </a:xfrm>
-          <a:prstGeom prst="rect">
-            <a:avLst/>
-          </a:prstGeom>
-        </p:spPr>
-      </p:pic>
-      <p:pic>
-        <p:nvPicPr>
-          <p:cNvPr id="14" name="Picture 13">
-            <a:extLst>
-              <a:ext uri="{FF2B5EF4-FFF2-40B4-BE49-F238E27FC236}">
-                <a16:creationId xmlns:a16="http://schemas.microsoft.com/office/drawing/2014/main" id="{D27E8390-70A0-BEC4-97AE-71A6FD3AF685}"/>
-              </a:ext>
-            </a:extLst>
-          </p:cNvPr>
-          <p:cNvPicPr>
-            <a:picLocks noChangeAspect="1"/>
-          </p:cNvPicPr>
-          <p:nvPr/>
-        </p:nvPicPr>
-        <p:blipFill rotWithShape="1">
-          <a:blip r:embed="rId3"/>
-          <a:srcRect t="-1" r="64972" b="34065"/>
-          <a:stretch/>
-        </p:blipFill>
-        <p:spPr>
-          <a:xfrm>
-            <a:off x="462830" y="1234238"/>
-            <a:ext cx="3102244" cy="3893896"/>
-          </a:xfrm>
-          <a:prstGeom prst="rect">
-            <a:avLst/>
-          </a:prstGeom>
-        </p:spPr>
-      </p:pic>
-      <p:pic>
-        <p:nvPicPr>
-          <p:cNvPr id="15" name="Picture 14">
-            <a:extLst>
-              <a:ext uri="{FF2B5EF4-FFF2-40B4-BE49-F238E27FC236}">
-                <a16:creationId xmlns:a16="http://schemas.microsoft.com/office/drawing/2014/main" id="{4ED5B7BC-37EC-05FC-E757-8641B8EDB6AB}"/>
-              </a:ext>
-            </a:extLst>
-          </p:cNvPr>
-          <p:cNvPicPr>
-            <a:picLocks noChangeAspect="1"/>
-          </p:cNvPicPr>
-          <p:nvPr/>
-        </p:nvPicPr>
-        <p:blipFill rotWithShape="1">
-          <a:blip r:embed="rId3"/>
-          <a:srcRect l="36469" r="-547"/>
-          <a:stretch/>
-        </p:blipFill>
-        <p:spPr>
-          <a:xfrm>
-            <a:off x="4357920" y="877791"/>
-            <a:ext cx="5675080" cy="5905596"/>
-          </a:xfrm>
-          <a:prstGeom prst="rect">
-            <a:avLst/>
-          </a:prstGeom>
-        </p:spPr>
-      </p:pic>
-      <p:pic>
-        <p:nvPicPr>
-          <p:cNvPr id="16" name="Picture 15">
-            <a:extLst>
-              <a:ext uri="{FF2B5EF4-FFF2-40B4-BE49-F238E27FC236}">
-                <a16:creationId xmlns:a16="http://schemas.microsoft.com/office/drawing/2014/main" id="{1D88998C-8BA1-2B31-2CD3-7AE5C079E60B}"/>
-              </a:ext>
-            </a:extLst>
-          </p:cNvPr>
-          <p:cNvPicPr>
-            <a:picLocks noChangeAspect="1"/>
-          </p:cNvPicPr>
-          <p:nvPr/>
-        </p:nvPicPr>
-        <p:blipFill rotWithShape="1">
-          <a:blip r:embed="rId3"/>
-          <a:srcRect t="-1" r="64972" b="3490"/>
-          <a:stretch/>
-        </p:blipFill>
-        <p:spPr>
-          <a:xfrm>
-            <a:off x="462830" y="1271935"/>
-            <a:ext cx="3102244" cy="5699505"/>
-          </a:xfrm>
-          <a:prstGeom prst="rect">
-            <a:avLst/>
-          </a:prstGeom>
-        </p:spPr>
-      </p:pic>
-    </p:spTree>
-    <p:extLst>
-      <p:ext uri="{BB962C8B-B14F-4D97-AF65-F5344CB8AC3E}">
-        <p14:creationId xmlns:p14="http://schemas.microsoft.com/office/powerpoint/2010/main" val="1845419114"/>
-      </p:ext>
-    </p:extLst>
-  </p:cSld>
-  <p:clrMapOvr>
-    <a:masterClrMapping/>
-  </p:clrMapOvr>
-  <p:timing>
-    <p:tnLst>
-      <p:par>
-        <p:cTn id="1" dur="indefinite" restart="never" nodeType="tmRoot">
-          <p:childTnLst>
-            <p:seq concurrent="1" nextAc="seek">
-              <p:cTn id="2" dur="indefinite" nodeType="mainSeq">
-                <p:childTnLst>
-                  <p:par>
-                    <p:cTn id="3" fill="hold">
-                      <p:stCondLst>
-                        <p:cond delay="indefinite"/>
-                      </p:stCondLst>
-                      <p:childTnLst>
-                        <p:par>
-                          <p:cTn id="4" fill="hold">
-                            <p:stCondLst>
-                              <p:cond delay="0"/>
-                            </p:stCondLst>
-                            <p:childTnLst>
-                              <p:par>
-                                <p:cTn id="5" presetID="1" presetClass="entr" presetSubtype="0" fill="hold" nodeType="clickEffect">
-                                  <p:stCondLst>
-                                    <p:cond delay="0"/>
-                                  </p:stCondLst>
-                                  <p:childTnLst>
-                                    <p:set>
-                                      <p:cBhvr>
-                                        <p:cTn id="6" dur="1" fill="hold">
-                                          <p:stCondLst>
-                                            <p:cond delay="0"/>
-                                          </p:stCondLst>
-                                        </p:cTn>
-                                        <p:tgtEl>
-                                          <p:spTgt spid="10"/>
-                                        </p:tgtEl>
-                                        <p:attrNameLst>
-                                          <p:attrName>style.visibility</p:attrName>
-                                        </p:attrNameLst>
-                                      </p:cBhvr>
-                                      <p:to>
-                                        <p:strVal val="visible"/>
-                                      </p:to>
-                                    </p:set>
-                                  </p:childTnLst>
-                                </p:cTn>
-                              </p:par>
-                            </p:childTnLst>
-                          </p:cTn>
-                        </p:par>
-                      </p:childTnLst>
-                    </p:cTn>
-                  </p:par>
-                  <p:par>
-                    <p:cTn id="7" fill="hold">
-                      <p:stCondLst>
-                        <p:cond delay="indefinite"/>
-                      </p:stCondLst>
-                      <p:childTnLst>
-                        <p:par>
-                          <p:cTn id="8" fill="hold">
-                            <p:stCondLst>
-                              <p:cond delay="0"/>
-                            </p:stCondLst>
-                            <p:childTnLst>
-                              <p:par>
-                                <p:cTn id="9" presetID="1" presetClass="entr" presetSubtype="0" fill="hold" nodeType="clickEffect">
-                                  <p:stCondLst>
-                                    <p:cond delay="0"/>
-                                  </p:stCondLst>
-                                  <p:childTnLst>
-                                    <p:set>
-                                      <p:cBhvr>
-                                        <p:cTn id="10" dur="1" fill="hold">
-                                          <p:stCondLst>
-                                            <p:cond delay="0"/>
-                                          </p:stCondLst>
-                                        </p:cTn>
-                                        <p:tgtEl>
-                                          <p:spTgt spid="13"/>
-                                        </p:tgtEl>
-                                        <p:attrNameLst>
-                                          <p:attrName>style.visibility</p:attrName>
-                                        </p:attrNameLst>
-                                      </p:cBhvr>
-                                      <p:to>
-                                        <p:strVal val="visible"/>
-                                      </p:to>
-                                    </p:set>
-                                  </p:childTnLst>
-                                </p:cTn>
-                              </p:par>
-                            </p:childTnLst>
-                          </p:cTn>
-                        </p:par>
-                      </p:childTnLst>
-                    </p:cTn>
-                  </p:par>
-                  <p:par>
-                    <p:cTn id="11" fill="hold">
-                      <p:stCondLst>
-                        <p:cond delay="indefinite"/>
-                      </p:stCondLst>
-                      <p:childTnLst>
-                        <p:par>
-                          <p:cTn id="12" fill="hold">
-                            <p:stCondLst>
-                              <p:cond delay="0"/>
-                            </p:stCondLst>
-                            <p:childTnLst>
-                              <p:par>
-                                <p:cTn id="13" presetID="1" presetClass="entr" presetSubtype="0" fill="hold" nodeType="clickEffect">
-                                  <p:stCondLst>
-                                    <p:cond delay="0"/>
-                                  </p:stCondLst>
-                                  <p:childTnLst>
-                                    <p:set>
-                                      <p:cBhvr>
-                                        <p:cTn id="14" dur="1" fill="hold">
-                                          <p:stCondLst>
-                                            <p:cond delay="0"/>
-                                          </p:stCondLst>
-                                        </p:cTn>
-                                        <p:tgtEl>
-                                          <p:spTgt spid="12"/>
-                                        </p:tgtEl>
-                                        <p:attrNameLst>
-                                          <p:attrName>style.visibility</p:attrName>
-                                        </p:attrNameLst>
-                                      </p:cBhvr>
-                                      <p:to>
-                                        <p:strVal val="visible"/>
-                                      </p:to>
-                                    </p:set>
-                                  </p:childTnLst>
-                                </p:cTn>
-                              </p:par>
-                            </p:childTnLst>
-                          </p:cTn>
-                        </p:par>
-                      </p:childTnLst>
-                    </p:cTn>
-                  </p:par>
-                  <p:par>
-                    <p:cTn id="15" fill="hold">
-                      <p:stCondLst>
-                        <p:cond delay="indefinite"/>
-                      </p:stCondLst>
-                      <p:childTnLst>
-                        <p:par>
-                          <p:cTn id="16" fill="hold">
-                            <p:stCondLst>
-                              <p:cond delay="0"/>
-                            </p:stCondLst>
-                            <p:childTnLst>
-                              <p:par>
-                                <p:cTn id="17" presetID="1" presetClass="entr" presetSubtype="0" fill="hold" nodeType="clickEffect">
-                                  <p:stCondLst>
-                                    <p:cond delay="0"/>
-                                  </p:stCondLst>
-                                  <p:childTnLst>
-                                    <p:set>
-                                      <p:cBhvr>
-                                        <p:cTn id="18" dur="1" fill="hold">
-                                          <p:stCondLst>
-                                            <p:cond delay="0"/>
-                                          </p:stCondLst>
-                                        </p:cTn>
-                                        <p:tgtEl>
-                                          <p:spTgt spid="14"/>
-                                        </p:tgtEl>
-                                        <p:attrNameLst>
-                                          <p:attrName>style.visibility</p:attrName>
-                                        </p:attrNameLst>
-                                      </p:cBhvr>
-                                      <p:to>
-                                        <p:strVal val="visible"/>
-                                      </p:to>
-                                    </p:set>
-                                  </p:childTnLst>
-                                </p:cTn>
-                              </p:par>
-                            </p:childTnLst>
-                          </p:cTn>
-                        </p:par>
-                      </p:childTnLst>
-                    </p:cTn>
-                  </p:par>
-                  <p:par>
-                    <p:cTn id="19" fill="hold">
-                      <p:stCondLst>
-                        <p:cond delay="indefinite"/>
-                      </p:stCondLst>
-                      <p:childTnLst>
-                        <p:par>
-                          <p:cTn id="20" fill="hold">
-                            <p:stCondLst>
-                              <p:cond delay="0"/>
-                            </p:stCondLst>
-                            <p:childTnLst>
-                              <p:par>
-                                <p:cTn id="21" presetID="1" presetClass="entr" presetSubtype="0" fill="hold" nodeType="clickEffect">
-                                  <p:stCondLst>
-                                    <p:cond delay="0"/>
-                                  </p:stCondLst>
-                                  <p:childTnLst>
-                                    <p:set>
-                                      <p:cBhvr>
-                                        <p:cTn id="22" dur="1" fill="hold">
-                                          <p:stCondLst>
-                                            <p:cond delay="0"/>
-                                          </p:stCondLst>
-                                        </p:cTn>
-                                        <p:tgtEl>
-                                          <p:spTgt spid="15"/>
-                                        </p:tgtEl>
-                                        <p:attrNameLst>
-                                          <p:attrName>style.visibility</p:attrName>
-                                        </p:attrNameLst>
-                                      </p:cBhvr>
-                                      <p:to>
-                                        <p:strVal val="visible"/>
-                                      </p:to>
-                                    </p:set>
-                                  </p:childTnLst>
-                                </p:cTn>
-                              </p:par>
-                            </p:childTnLst>
-                          </p:cTn>
-                        </p:par>
-                      </p:childTnLst>
-                    </p:cTn>
-                  </p:par>
-                  <p:par>
-                    <p:cTn id="23" fill="hold">
-                      <p:stCondLst>
-                        <p:cond delay="indefinite"/>
-                      </p:stCondLst>
-                      <p:childTnLst>
-                        <p:par>
-                          <p:cTn id="24" fill="hold">
-                            <p:stCondLst>
-                              <p:cond delay="0"/>
-                            </p:stCondLst>
-                            <p:childTnLst>
-                              <p:par>
-                                <p:cTn id="25" presetID="1" presetClass="entr" presetSubtype="0" fill="hold" nodeType="clickEffect">
-                                  <p:stCondLst>
-                                    <p:cond delay="0"/>
-                                  </p:stCondLst>
-                                  <p:childTnLst>
-                                    <p:set>
-                                      <p:cBhvr>
-                                        <p:cTn id="26" dur="1" fill="hold">
-                                          <p:stCondLst>
-                                            <p:cond delay="0"/>
-                                          </p:stCondLst>
-                                        </p:cTn>
-                                        <p:tgtEl>
-                                          <p:spTgt spid="16"/>
-                                        </p:tgtEl>
-                                        <p:attrNameLst>
-                                          <p:attrName>style.visibility</p:attrName>
-                                        </p:attrNameLst>
-                                      </p:cBhvr>
-                                      <p:to>
-                                        <p:strVal val="visible"/>
-                                      </p:to>
-                                    </p:set>
-                                  </p:childTnLst>
-                                </p:cTn>
-                              </p:par>
-                            </p:childTnLst>
-                          </p:cTn>
-                        </p:par>
-                      </p:childTnLst>
-                    </p:cTn>
-                  </p:par>
-                </p:childTnLst>
-              </p:cTn>
-              <p:prevCondLst>
-                <p:cond evt="onPrev" delay="0">
-                  <p:tgtEl>
-                    <p:sldTgt/>
-                  </p:tgtEl>
-                </p:cond>
-              </p:prevCondLst>
-              <p:nextCondLst>
-                <p:cond evt="onNext" delay="0">
-                  <p:tgtEl>
-                    <p:sldTgt/>
-                  </p:tgtEl>
-                </p:cond>
-              </p:nextCondLst>
-            </p:seq>
-          </p:childTnLst>
-        </p:cTn>
-      </p:par>
-    </p:tnLst>
-  </p:timing>
-</p:sld>
-</file>
-
-<file path=ppt/slides/slide21.xml><?xml version="1.0" encoding="utf-8"?>
-<p:sld xmlns:a="http://schemas.openxmlformats.org/drawingml/2006/main" xmlns:r="http://schemas.openxmlformats.org/officeDocument/2006/relationships" xmlns:p="http://schemas.openxmlformats.org/presentationml/2006/main">
-  <p:cSld>
-    <p:spTree>
-      <p:nvGrpSpPr>
-        <p:cNvPr id="1" name=""/>
-        <p:cNvGrpSpPr/>
-        <p:nvPr/>
-      </p:nvGrpSpPr>
-      <p:grpSpPr>
-        <a:xfrm>
-          <a:off x="0" y="0"/>
-          <a:ext cx="0" cy="0"/>
-          <a:chOff x="0" y="0"/>
-          <a:chExt cx="0" cy="0"/>
-        </a:xfrm>
-      </p:grpSpPr>
-      <p:sp>
-        <p:nvSpPr>
-          <p:cNvPr id="2" name="Title 1">
-            <a:extLst>
-              <a:ext uri="{FF2B5EF4-FFF2-40B4-BE49-F238E27FC236}">
-                <a16:creationId xmlns:a16="http://schemas.microsoft.com/office/drawing/2014/main" id="{9EB84ECC-A963-45D4-A10E-8ED34DA7EC35}"/>
-              </a:ext>
-            </a:extLst>
-          </p:cNvPr>
-          <p:cNvSpPr>
-            <a:spLocks noGrp="1"/>
-          </p:cNvSpPr>
-          <p:nvPr>
-            <p:ph type="title"/>
-          </p:nvPr>
-        </p:nvSpPr>
-        <p:spPr/>
-        <p:txBody>
-          <a:bodyPr/>
-          <a:lstStyle/>
-          <a:p>
-            <a:r>
-              <a:rPr lang="en-US" dirty="0"/>
-              <a:t>fork()’s of fork()’s</a:t>
-            </a:r>
-          </a:p>
-        </p:txBody>
-      </p:sp>
-      <p:sp>
-        <p:nvSpPr>
-          <p:cNvPr id="3" name="Content Placeholder 2">
-            <a:extLst>
-              <a:ext uri="{FF2B5EF4-FFF2-40B4-BE49-F238E27FC236}">
-                <a16:creationId xmlns:a16="http://schemas.microsoft.com/office/drawing/2014/main" id="{4BD0A427-7FF9-44C0-89AC-CDA907FC64C9}"/>
-              </a:ext>
-            </a:extLst>
-          </p:cNvPr>
-          <p:cNvSpPr>
-            <a:spLocks noGrp="1"/>
-          </p:cNvSpPr>
-          <p:nvPr>
-            <p:ph idx="1"/>
-          </p:nvPr>
-        </p:nvSpPr>
-        <p:spPr/>
-        <p:txBody>
-          <a:bodyPr/>
-          <a:lstStyle/>
-          <a:p>
-            <a:endParaRPr lang="en-US"/>
-          </a:p>
-        </p:txBody>
-      </p:sp>
-      <p:sp>
-        <p:nvSpPr>
-          <p:cNvPr id="4" name="Footer Placeholder 3">
-            <a:extLst>
-              <a:ext uri="{FF2B5EF4-FFF2-40B4-BE49-F238E27FC236}">
-                <a16:creationId xmlns:a16="http://schemas.microsoft.com/office/drawing/2014/main" id="{D89EF069-42A6-4C7D-A34F-6A405A2E2FFF}"/>
-              </a:ext>
-            </a:extLst>
-          </p:cNvPr>
-          <p:cNvSpPr>
-            <a:spLocks noGrp="1"/>
-          </p:cNvSpPr>
-          <p:nvPr>
-            <p:ph type="ftr" idx="11"/>
-          </p:nvPr>
-        </p:nvSpPr>
-        <p:spPr/>
-        <p:txBody>
-          <a:bodyPr/>
-          <a:lstStyle/>
-          <a:p>
-            <a:pPr marL="0" marR="0" lvl="0" indent="0" algn="ctr" defTabSz="457200" rtl="0" eaLnBrk="1" fontAlgn="base" latinLnBrk="0" hangingPunct="0">
-              <a:lnSpc>
-                <a:spcPct val="96000"/>
-              </a:lnSpc>
-              <a:spcBef>
-                <a:spcPct val="0"/>
-              </a:spcBef>
-              <a:spcAft>
-                <a:spcPct val="0"/>
-              </a:spcAft>
-              <a:buClr>
-                <a:srgbClr val="000000"/>
-              </a:buClr>
-              <a:buSzPct val="100000"/>
-              <a:buFont typeface="Times New Roman" pitchFamily="16" charset="0"/>
-              <a:buNone/>
-              <a:tabLst>
-                <a:tab pos="0" algn="l"/>
-                <a:tab pos="457200" algn="l"/>
-                <a:tab pos="914400" algn="l"/>
-                <a:tab pos="1371600" algn="l"/>
-                <a:tab pos="1828800" algn="l"/>
-                <a:tab pos="2286000" algn="l"/>
-                <a:tab pos="2743200" algn="l"/>
-                <a:tab pos="3200400" algn="l"/>
-                <a:tab pos="3657600" algn="l"/>
-                <a:tab pos="4114800" algn="l"/>
-                <a:tab pos="4572000" algn="l"/>
-                <a:tab pos="5029200" algn="l"/>
-                <a:tab pos="5486400" algn="l"/>
-                <a:tab pos="5943600" algn="l"/>
-                <a:tab pos="6400800" algn="l"/>
-                <a:tab pos="6858000" algn="l"/>
-                <a:tab pos="7315200" algn="l"/>
-                <a:tab pos="7772400" algn="l"/>
-                <a:tab pos="8229600" algn="l"/>
-                <a:tab pos="8686800" algn="l"/>
-                <a:tab pos="9144000" algn="l"/>
-              </a:tabLst>
-              <a:defRPr/>
-            </a:pPr>
-            <a:r>
-              <a:rPr kumimoji="0" lang="en-US" sz="1400" b="0" i="0" u="none" strike="noStrike" kern="1200" cap="none" spc="0" normalizeH="0" baseline="0" noProof="0">
-                <a:ln>
-                  <a:noFill/>
-                </a:ln>
-                <a:solidFill>
-                  <a:srgbClr val="000000"/>
-                </a:solidFill>
-                <a:effectLst/>
-                <a:uLnTx/>
-                <a:uFillTx/>
-                <a:latin typeface="Arial"/>
-                <a:ea typeface="+mn-ea"/>
-                <a:cs typeface="Arial" charset="0"/>
-              </a:rPr>
-              <a:t>CS 1550 – Operating Systems – Sherif Khattab</a:t>
-            </a:r>
-            <a:endParaRPr kumimoji="0" lang="en-GB" sz="1400" b="0" i="0" u="none" strike="noStrike" kern="1200" cap="none" spc="0" normalizeH="0" baseline="0" noProof="0" dirty="0">
-              <a:ln>
-                <a:noFill/>
-              </a:ln>
-              <a:solidFill>
-                <a:srgbClr val="000000"/>
-              </a:solidFill>
-              <a:effectLst/>
-              <a:uLnTx/>
-              <a:uFillTx/>
-              <a:latin typeface="Times New Roman" pitchFamily="16" charset="0"/>
-              <a:ea typeface="+mn-ea"/>
-              <a:cs typeface="Arial" charset="0"/>
-            </a:endParaRPr>
-          </a:p>
-        </p:txBody>
-      </p:sp>
-      <p:sp>
-        <p:nvSpPr>
-          <p:cNvPr id="5" name="Slide Number Placeholder 4">
-            <a:extLst>
-              <a:ext uri="{FF2B5EF4-FFF2-40B4-BE49-F238E27FC236}">
-                <a16:creationId xmlns:a16="http://schemas.microsoft.com/office/drawing/2014/main" id="{EB1B3408-586A-4307-9797-81AEC12B005E}"/>
-              </a:ext>
-            </a:extLst>
-          </p:cNvPr>
-          <p:cNvSpPr>
-            <a:spLocks noGrp="1"/>
-          </p:cNvSpPr>
-          <p:nvPr>
-            <p:ph type="sldNum" idx="12"/>
-          </p:nvPr>
-        </p:nvSpPr>
-        <p:spPr/>
-        <p:txBody>
-          <a:bodyPr/>
-          <a:lstStyle/>
-          <a:p>
-            <a:pPr marL="0" marR="0" lvl="0" indent="0" algn="r" defTabSz="457200" rtl="0" eaLnBrk="1" fontAlgn="base" latinLnBrk="0" hangingPunct="0">
-              <a:lnSpc>
-                <a:spcPct val="96000"/>
-              </a:lnSpc>
-              <a:spcBef>
-                <a:spcPct val="0"/>
-              </a:spcBef>
-              <a:spcAft>
-                <a:spcPct val="0"/>
-              </a:spcAft>
-              <a:buClr>
-                <a:srgbClr val="000000"/>
-              </a:buClr>
-              <a:buSzPct val="100000"/>
-              <a:buFont typeface="Times New Roman" panose="02020603050405020304" pitchFamily="18" charset="0"/>
-              <a:buNone/>
-              <a:tabLst/>
-              <a:defRPr/>
-            </a:pPr>
-            <a:fld id="{65E435D9-63B0-4660-8D04-E83F5E2CA2AE}" type="slidenum">
-              <a:rPr kumimoji="0" lang="en-GB" altLang="en-US" sz="1400" b="0" i="0" u="none" strike="noStrike" kern="1200" cap="none" spc="0" normalizeH="0" baseline="0" noProof="0" smtClean="0">
-                <a:ln>
-                  <a:noFill/>
-                </a:ln>
-                <a:solidFill>
-                  <a:srgbClr val="000000"/>
-                </a:solidFill>
-                <a:effectLst/>
-                <a:uLnTx/>
-                <a:uFillTx/>
-                <a:latin typeface="Times New Roman" panose="02020603050405020304" pitchFamily="18" charset="0"/>
-                <a:ea typeface="+mn-ea"/>
-                <a:cs typeface="Arial" panose="020B0604020202020204" pitchFamily="34" charset="0"/>
-              </a:rPr>
-              <a:pPr marL="0" marR="0" lvl="0" indent="0" algn="r" defTabSz="457200" rtl="0" eaLnBrk="1" fontAlgn="base" latinLnBrk="0" hangingPunct="0">
-                <a:lnSpc>
-                  <a:spcPct val="96000"/>
-                </a:lnSpc>
-                <a:spcBef>
-                  <a:spcPct val="0"/>
-                </a:spcBef>
-                <a:spcAft>
-                  <a:spcPct val="0"/>
-                </a:spcAft>
-                <a:buClr>
-                  <a:srgbClr val="000000"/>
-                </a:buClr>
-                <a:buSzPct val="100000"/>
-                <a:buFont typeface="Times New Roman" panose="02020603050405020304" pitchFamily="18" charset="0"/>
-                <a:buNone/>
-                <a:tabLst/>
-                <a:defRPr/>
-              </a:pPr>
-              <a:t>21</a:t>
-            </a:fld>
-            <a:endParaRPr kumimoji="0" lang="en-GB" altLang="en-US" sz="1400" b="0" i="0" u="none" strike="noStrike" kern="1200" cap="none" spc="0" normalizeH="0" baseline="0" noProof="0" dirty="0">
-              <a:ln>
-                <a:noFill/>
-              </a:ln>
-              <a:solidFill>
-                <a:srgbClr val="000000"/>
-              </a:solidFill>
-              <a:effectLst/>
-              <a:uLnTx/>
-              <a:uFillTx/>
-              <a:latin typeface="Times New Roman" panose="02020603050405020304" pitchFamily="18" charset="0"/>
-              <a:ea typeface="+mn-ea"/>
-              <a:cs typeface="Arial" panose="020B0604020202020204" pitchFamily="34" charset="0"/>
-            </a:endParaRPr>
-          </a:p>
-        </p:txBody>
-      </p:sp>
-      <p:pic>
-        <p:nvPicPr>
-          <p:cNvPr id="7" name="Picture 6">
-            <a:extLst>
-              <a:ext uri="{FF2B5EF4-FFF2-40B4-BE49-F238E27FC236}">
-                <a16:creationId xmlns:a16="http://schemas.microsoft.com/office/drawing/2014/main" id="{F2F5B2AD-A872-4FA9-A92F-14E4C405740D}"/>
-              </a:ext>
-            </a:extLst>
-          </p:cNvPr>
-          <p:cNvPicPr>
-            <a:picLocks noChangeAspect="1"/>
-          </p:cNvPicPr>
-          <p:nvPr/>
-        </p:nvPicPr>
-        <p:blipFill>
-          <a:blip r:embed="rId2"/>
-          <a:stretch>
-            <a:fillRect/>
-          </a:stretch>
-        </p:blipFill>
-        <p:spPr>
-          <a:xfrm>
-            <a:off x="904259" y="1192033"/>
-            <a:ext cx="8416570" cy="5612169"/>
-          </a:xfrm>
-          <a:prstGeom prst="rect">
-            <a:avLst/>
-          </a:prstGeom>
-        </p:spPr>
-      </p:pic>
-    </p:spTree>
-    <p:extLst>
-      <p:ext uri="{BB962C8B-B14F-4D97-AF65-F5344CB8AC3E}">
-        <p14:creationId xmlns:p14="http://schemas.microsoft.com/office/powerpoint/2010/main" val="2093362943"/>
-      </p:ext>
-    </p:extLst>
-  </p:cSld>
-  <p:clrMapOvr>
-    <a:masterClrMapping/>
-  </p:clrMapOvr>
-</p:sld>
-</file>
-
-<file path=ppt/slides/slide22.xml><?xml version="1.0" encoding="utf-8"?>
-<p:sld xmlns:a="http://schemas.openxmlformats.org/drawingml/2006/main" xmlns:r="http://schemas.openxmlformats.org/officeDocument/2006/relationships" xmlns:p="http://schemas.openxmlformats.org/presentationml/2006/main">
-  <p:cSld>
-    <p:spTree>
-      <p:nvGrpSpPr>
-        <p:cNvPr id="1" name=""/>
-        <p:cNvGrpSpPr/>
-        <p:nvPr/>
-      </p:nvGrpSpPr>
-      <p:grpSpPr>
-        <a:xfrm>
-          <a:off x="0" y="0"/>
-          <a:ext cx="0" cy="0"/>
-          <a:chOff x="0" y="0"/>
-          <a:chExt cx="0" cy="0"/>
-        </a:xfrm>
-      </p:grpSpPr>
-      <p:sp>
-        <p:nvSpPr>
-          <p:cNvPr id="2" name="Title 1">
-            <a:extLst>
-              <a:ext uri="{FF2B5EF4-FFF2-40B4-BE49-F238E27FC236}">
-                <a16:creationId xmlns:a16="http://schemas.microsoft.com/office/drawing/2014/main" id="{32DBCD6D-0035-48A2-AE34-43966A977589}"/>
-              </a:ext>
-            </a:extLst>
-          </p:cNvPr>
-          <p:cNvSpPr>
-            <a:spLocks noGrp="1"/>
-          </p:cNvSpPr>
-          <p:nvPr>
-            <p:ph type="title"/>
-          </p:nvPr>
-        </p:nvSpPr>
-        <p:spPr/>
-        <p:txBody>
-          <a:bodyPr/>
-          <a:lstStyle/>
-          <a:p>
-            <a:r>
-              <a:rPr lang="en-US" dirty="0"/>
-              <a:t>Process vs. Thread</a:t>
-            </a:r>
-          </a:p>
-        </p:txBody>
-      </p:sp>
-      <p:sp>
-        <p:nvSpPr>
-          <p:cNvPr id="4" name="Footer Placeholder 3">
-            <a:extLst>
-              <a:ext uri="{FF2B5EF4-FFF2-40B4-BE49-F238E27FC236}">
-                <a16:creationId xmlns:a16="http://schemas.microsoft.com/office/drawing/2014/main" id="{0E7B03E5-535D-472E-98AC-2E5577E357CA}"/>
-              </a:ext>
-            </a:extLst>
-          </p:cNvPr>
-          <p:cNvSpPr>
-            <a:spLocks noGrp="1"/>
-          </p:cNvSpPr>
-          <p:nvPr>
-            <p:ph type="ftr" idx="11"/>
-          </p:nvPr>
-        </p:nvSpPr>
-        <p:spPr/>
-        <p:txBody>
-          <a:bodyPr/>
-          <a:lstStyle/>
-          <a:p>
-            <a:pPr marL="0" marR="0" lvl="0" indent="0" algn="ctr" defTabSz="457200" rtl="0" eaLnBrk="1" fontAlgn="base" latinLnBrk="0" hangingPunct="0">
-              <a:lnSpc>
-                <a:spcPct val="96000"/>
-              </a:lnSpc>
-              <a:spcBef>
-                <a:spcPct val="0"/>
-              </a:spcBef>
-              <a:spcAft>
-                <a:spcPct val="0"/>
-              </a:spcAft>
-              <a:buClr>
-                <a:srgbClr val="000000"/>
-              </a:buClr>
-              <a:buSzPct val="100000"/>
-              <a:buFont typeface="Times New Roman" pitchFamily="16" charset="0"/>
-              <a:buNone/>
-              <a:tabLst>
-                <a:tab pos="0" algn="l"/>
-                <a:tab pos="457200" algn="l"/>
-                <a:tab pos="914400" algn="l"/>
-                <a:tab pos="1371600" algn="l"/>
-                <a:tab pos="1828800" algn="l"/>
-                <a:tab pos="2286000" algn="l"/>
-                <a:tab pos="2743200" algn="l"/>
-                <a:tab pos="3200400" algn="l"/>
-                <a:tab pos="3657600" algn="l"/>
-                <a:tab pos="4114800" algn="l"/>
-                <a:tab pos="4572000" algn="l"/>
-                <a:tab pos="5029200" algn="l"/>
-                <a:tab pos="5486400" algn="l"/>
-                <a:tab pos="5943600" algn="l"/>
-                <a:tab pos="6400800" algn="l"/>
-                <a:tab pos="6858000" algn="l"/>
-                <a:tab pos="7315200" algn="l"/>
-                <a:tab pos="7772400" algn="l"/>
-                <a:tab pos="8229600" algn="l"/>
-                <a:tab pos="8686800" algn="l"/>
-                <a:tab pos="9144000" algn="l"/>
-              </a:tabLst>
-              <a:defRPr/>
-            </a:pPr>
-            <a:r>
-              <a:rPr kumimoji="0" lang="en-US" sz="1400" b="0" i="0" u="none" strike="noStrike" kern="1200" cap="none" spc="0" normalizeH="0" baseline="0" noProof="0">
-                <a:ln>
-                  <a:noFill/>
-                </a:ln>
-                <a:solidFill>
-                  <a:srgbClr val="000000"/>
-                </a:solidFill>
-                <a:effectLst/>
-                <a:uLnTx/>
-                <a:uFillTx/>
-                <a:latin typeface="Arial"/>
-                <a:ea typeface="+mn-ea"/>
-                <a:cs typeface="Arial" charset="0"/>
-              </a:rPr>
-              <a:t>CS 1550 – Operating Systems – Sherif Khattab</a:t>
-            </a:r>
-            <a:endParaRPr kumimoji="0" lang="en-GB" sz="1400" b="0" i="0" u="none" strike="noStrike" kern="1200" cap="none" spc="0" normalizeH="0" baseline="0" noProof="0" dirty="0">
-              <a:ln>
-                <a:noFill/>
-              </a:ln>
-              <a:solidFill>
-                <a:srgbClr val="000000"/>
-              </a:solidFill>
-              <a:effectLst/>
-              <a:uLnTx/>
-              <a:uFillTx/>
-              <a:latin typeface="Times New Roman" pitchFamily="16" charset="0"/>
-              <a:ea typeface="+mn-ea"/>
-              <a:cs typeface="Arial" charset="0"/>
-            </a:endParaRPr>
-          </a:p>
-        </p:txBody>
-      </p:sp>
-      <p:sp>
-        <p:nvSpPr>
-          <p:cNvPr id="5" name="Slide Number Placeholder 4">
-            <a:extLst>
-              <a:ext uri="{FF2B5EF4-FFF2-40B4-BE49-F238E27FC236}">
-                <a16:creationId xmlns:a16="http://schemas.microsoft.com/office/drawing/2014/main" id="{78616229-F3A1-431A-B9BF-8875C967ADB4}"/>
-              </a:ext>
-            </a:extLst>
-          </p:cNvPr>
-          <p:cNvSpPr>
-            <a:spLocks noGrp="1"/>
-          </p:cNvSpPr>
-          <p:nvPr>
-            <p:ph type="sldNum" idx="12"/>
-          </p:nvPr>
-        </p:nvSpPr>
-        <p:spPr/>
-        <p:txBody>
-          <a:bodyPr/>
-          <a:lstStyle/>
-          <a:p>
-            <a:pPr marL="0" marR="0" lvl="0" indent="0" algn="r" defTabSz="457200" rtl="0" eaLnBrk="1" fontAlgn="base" latinLnBrk="0" hangingPunct="0">
-              <a:lnSpc>
-                <a:spcPct val="96000"/>
-              </a:lnSpc>
-              <a:spcBef>
-                <a:spcPct val="0"/>
-              </a:spcBef>
-              <a:spcAft>
-                <a:spcPct val="0"/>
-              </a:spcAft>
-              <a:buClr>
-                <a:srgbClr val="000000"/>
-              </a:buClr>
-              <a:buSzPct val="100000"/>
-              <a:buFont typeface="Times New Roman" panose="02020603050405020304" pitchFamily="18" charset="0"/>
-              <a:buNone/>
-              <a:tabLst/>
-              <a:defRPr/>
-            </a:pPr>
-            <a:fld id="{65E435D9-63B0-4660-8D04-E83F5E2CA2AE}" type="slidenum">
-              <a:rPr kumimoji="0" lang="en-GB" altLang="en-US" sz="1400" b="0" i="0" u="none" strike="noStrike" kern="1200" cap="none" spc="0" normalizeH="0" baseline="0" noProof="0" smtClean="0">
-                <a:ln>
-                  <a:noFill/>
-                </a:ln>
-                <a:solidFill>
-                  <a:srgbClr val="000000"/>
-                </a:solidFill>
-                <a:effectLst/>
-                <a:uLnTx/>
-                <a:uFillTx/>
-                <a:latin typeface="Times New Roman" panose="02020603050405020304" pitchFamily="18" charset="0"/>
-                <a:ea typeface="+mn-ea"/>
-                <a:cs typeface="Arial" panose="020B0604020202020204" pitchFamily="34" charset="0"/>
-              </a:rPr>
-              <a:pPr marL="0" marR="0" lvl="0" indent="0" algn="r" defTabSz="457200" rtl="0" eaLnBrk="1" fontAlgn="base" latinLnBrk="0" hangingPunct="0">
-                <a:lnSpc>
-                  <a:spcPct val="96000"/>
-                </a:lnSpc>
-                <a:spcBef>
-                  <a:spcPct val="0"/>
-                </a:spcBef>
-                <a:spcAft>
-                  <a:spcPct val="0"/>
-                </a:spcAft>
-                <a:buClr>
-                  <a:srgbClr val="000000"/>
-                </a:buClr>
-                <a:buSzPct val="100000"/>
-                <a:buFont typeface="Times New Roman" panose="02020603050405020304" pitchFamily="18" charset="0"/>
-                <a:buNone/>
-                <a:tabLst/>
-                <a:defRPr/>
-              </a:pPr>
-              <a:t>22</a:t>
-            </a:fld>
-            <a:endParaRPr kumimoji="0" lang="en-GB" altLang="en-US" sz="1400" b="0" i="0" u="none" strike="noStrike" kern="1200" cap="none" spc="0" normalizeH="0" baseline="0" noProof="0" dirty="0">
-              <a:ln>
-                <a:noFill/>
-              </a:ln>
-              <a:solidFill>
-                <a:srgbClr val="000000"/>
-              </a:solidFill>
-              <a:effectLst/>
-              <a:uLnTx/>
-              <a:uFillTx/>
-              <a:latin typeface="Times New Roman" panose="02020603050405020304" pitchFamily="18" charset="0"/>
-              <a:ea typeface="+mn-ea"/>
-              <a:cs typeface="Arial" panose="020B0604020202020204" pitchFamily="34" charset="0"/>
-            </a:endParaRPr>
-          </a:p>
-        </p:txBody>
-      </p:sp>
-      <p:pic>
-        <p:nvPicPr>
-          <p:cNvPr id="7" name="Picture 6">
-            <a:extLst>
-              <a:ext uri="{FF2B5EF4-FFF2-40B4-BE49-F238E27FC236}">
-                <a16:creationId xmlns:a16="http://schemas.microsoft.com/office/drawing/2014/main" id="{C19DB90B-C6A6-42C5-B88F-C71C9FC4E150}"/>
-              </a:ext>
-            </a:extLst>
-          </p:cNvPr>
-          <p:cNvPicPr>
-            <a:picLocks noChangeAspect="1"/>
-          </p:cNvPicPr>
-          <p:nvPr/>
-        </p:nvPicPr>
-        <p:blipFill rotWithShape="1">
-          <a:blip r:embed="rId2"/>
-          <a:srcRect r="43898"/>
-          <a:stretch/>
-        </p:blipFill>
-        <p:spPr>
-          <a:xfrm>
-            <a:off x="665909" y="962664"/>
-            <a:ext cx="4989303" cy="5930033"/>
-          </a:xfrm>
-          <a:prstGeom prst="rect">
-            <a:avLst/>
-          </a:prstGeom>
-        </p:spPr>
-      </p:pic>
-      <p:pic>
-        <p:nvPicPr>
-          <p:cNvPr id="3" name="Picture 2">
-            <a:extLst>
-              <a:ext uri="{FF2B5EF4-FFF2-40B4-BE49-F238E27FC236}">
-                <a16:creationId xmlns:a16="http://schemas.microsoft.com/office/drawing/2014/main" id="{E705C6FC-4F4B-4680-F5D0-95AA114F682A}"/>
-              </a:ext>
-            </a:extLst>
-          </p:cNvPr>
-          <p:cNvPicPr>
-            <a:picLocks noChangeAspect="1"/>
-          </p:cNvPicPr>
-          <p:nvPr/>
-        </p:nvPicPr>
-        <p:blipFill rotWithShape="1">
-          <a:blip r:embed="rId2"/>
-          <a:srcRect l="56682"/>
-          <a:stretch/>
-        </p:blipFill>
-        <p:spPr>
-          <a:xfrm>
-            <a:off x="5790646" y="911082"/>
-            <a:ext cx="3852384" cy="5930033"/>
-          </a:xfrm>
-          <a:prstGeom prst="rect">
-            <a:avLst/>
-          </a:prstGeom>
-        </p:spPr>
-      </p:pic>
-    </p:spTree>
-    <p:extLst>
-      <p:ext uri="{BB962C8B-B14F-4D97-AF65-F5344CB8AC3E}">
-        <p14:creationId xmlns:p14="http://schemas.microsoft.com/office/powerpoint/2010/main" val="2801866406"/>
-      </p:ext>
-    </p:extLst>
-  </p:cSld>
-  <p:clrMapOvr>
-    <a:masterClrMapping/>
-  </p:clrMapOvr>
-  <p:timing>
-    <p:tnLst>
-      <p:par>
-        <p:cTn id="1" dur="indefinite" restart="never" nodeType="tmRoot">
-          <p:childTnLst>
-            <p:seq concurrent="1" nextAc="seek">
-              <p:cTn id="2" dur="indefinite" nodeType="mainSeq">
-                <p:childTnLst>
-                  <p:par>
-                    <p:cTn id="3" fill="hold">
-                      <p:stCondLst>
-                        <p:cond delay="indefinite"/>
-                      </p:stCondLst>
-                      <p:childTnLst>
-                        <p:par>
-                          <p:cTn id="4" fill="hold">
-                            <p:stCondLst>
-                              <p:cond delay="0"/>
-                            </p:stCondLst>
-                            <p:childTnLst>
-                              <p:par>
-                                <p:cTn id="5" presetID="1" presetClass="entr" presetSubtype="0" fill="hold" nodeType="clickEffect">
-                                  <p:stCondLst>
-                                    <p:cond delay="0"/>
-                                  </p:stCondLst>
-                                  <p:childTnLst>
-                                    <p:set>
-                                      <p:cBhvr>
-                                        <p:cTn id="6" dur="1" fill="hold">
-                                          <p:stCondLst>
-                                            <p:cond delay="0"/>
-                                          </p:stCondLst>
-                                        </p:cTn>
-                                        <p:tgtEl>
-                                          <p:spTgt spid="7"/>
-                                        </p:tgtEl>
-                                        <p:attrNameLst>
-                                          <p:attrName>style.visibility</p:attrName>
-                                        </p:attrNameLst>
-                                      </p:cBhvr>
-                                      <p:to>
-                                        <p:strVal val="visible"/>
-                                      </p:to>
-                                    </p:set>
-                                  </p:childTnLst>
-                                </p:cTn>
-                              </p:par>
-                            </p:childTnLst>
-                          </p:cTn>
-                        </p:par>
-                      </p:childTnLst>
-                    </p:cTn>
-                  </p:par>
-                  <p:par>
-                    <p:cTn id="7" fill="hold">
-                      <p:stCondLst>
-                        <p:cond delay="indefinite"/>
-                      </p:stCondLst>
-                      <p:childTnLst>
-                        <p:par>
-                          <p:cTn id="8" fill="hold">
-                            <p:stCondLst>
-                              <p:cond delay="0"/>
-                            </p:stCondLst>
-                            <p:childTnLst>
-                              <p:par>
-                                <p:cTn id="9" presetID="1" presetClass="entr" presetSubtype="0" fill="hold" nodeType="clickEffect">
-                                  <p:stCondLst>
-                                    <p:cond delay="0"/>
-                                  </p:stCondLst>
-                                  <p:childTnLst>
-                                    <p:set>
-                                      <p:cBhvr>
-                                        <p:cTn id="10" dur="1" fill="hold">
-                                          <p:stCondLst>
-                                            <p:cond delay="0"/>
-                                          </p:stCondLst>
-                                        </p:cTn>
-                                        <p:tgtEl>
-                                          <p:spTgt spid="3"/>
                                         </p:tgtEl>
                                         <p:attrNameLst>
                                           <p:attrName>style.visibility</p:attrName>
